--- a/РЕЧЬ_ПРЕЗЕНТАЦИЯ/VKR_Prezentatsia.pptx
+++ b/РЕЧЬ_ПРЕЗЕНТАЦИЯ/VKR_Prezentatsia.pptx
@@ -18,10 +18,10 @@
     <p:sldId id="268" r:id="rId9"/>
     <p:sldId id="259" r:id="rId10"/>
     <p:sldId id="261" r:id="rId11"/>
-    <p:sldId id="270" r:id="rId12"/>
-    <p:sldId id="271" r:id="rId13"/>
-    <p:sldId id="263" r:id="rId14"/>
-    <p:sldId id="266" r:id="rId15"/>
+    <p:sldId id="273" r:id="rId12"/>
+    <p:sldId id="274" r:id="rId13"/>
+    <p:sldId id="271" r:id="rId14"/>
+    <p:sldId id="263" r:id="rId15"/>
   </p:sldIdLst>
   <p:sldSz cx="12192000" cy="6858000"/>
   <p:notesSz cx="6858000" cy="9144000"/>
@@ -122,7 +122,7 @@
   </p:defaultTextStyle>
   <p:extLst>
     <p:ext uri="{EFAFB233-063F-42B5-8137-9DF3F51BA10A}">
-      <p15:sldGuideLst xmlns:p15="http://schemas.microsoft.com/office/powerpoint/2012/main">
+      <p15:sldGuideLst xmlns:p15="http://schemas.microsoft.com/office/powerpoint/2012/main" xmlns="">
         <p15:guide id="1" orient="horz" pos="2160">
           <p15:clr>
             <a:srgbClr val="A4A3A4"/>
@@ -221,6 +221,7 @@
           <a:p>
             <a:fld id="{4094F45A-1AB0-444F-A645-7E7B34342DD4}" type="datetimeFigureOut">
               <a:rPr lang="ru-RU" smtClean="0"/>
+              <a:pPr/>
               <a:t>02.06.2020</a:t>
             </a:fld>
             <a:endParaRPr lang="ru-RU"/>
@@ -379,6 +380,7 @@
           <a:p>
             <a:fld id="{088AC975-97C8-4461-8086-056F6D426157}" type="slidenum">
               <a:rPr lang="ru-RU" smtClean="0"/>
+              <a:pPr/>
               <a:t>‹#›</a:t>
             </a:fld>
             <a:endParaRPr lang="ru-RU"/>
@@ -388,7 +390,7 @@
     </p:spTree>
     <p:extLst>
       <p:ext uri="{BB962C8B-B14F-4D97-AF65-F5344CB8AC3E}">
-        <p14:creationId xmlns:p14="http://schemas.microsoft.com/office/powerpoint/2010/main" val="1957787254"/>
+        <p14:creationId xmlns:p14="http://schemas.microsoft.com/office/powerpoint/2010/main" xmlns="" val="1957787254"/>
       </p:ext>
     </p:extLst>
   </p:cSld>
@@ -561,6 +563,7 @@
           <a:p>
             <a:fld id="{088AC975-97C8-4461-8086-056F6D426157}" type="slidenum">
               <a:rPr lang="ru-RU" smtClean="0"/>
+              <a:pPr/>
               <a:t>1</a:t>
             </a:fld>
             <a:endParaRPr lang="ru-RU"/>
@@ -570,7 +573,7 @@
     </p:spTree>
     <p:extLst>
       <p:ext uri="{BB962C8B-B14F-4D97-AF65-F5344CB8AC3E}">
-        <p14:creationId xmlns:p14="http://schemas.microsoft.com/office/powerpoint/2010/main" val="1344278926"/>
+        <p14:creationId xmlns:p14="http://schemas.microsoft.com/office/powerpoint/2010/main" xmlns="" val="1344278926"/>
       </p:ext>
     </p:extLst>
   </p:cSld>
@@ -724,6 +727,7 @@
           <a:p>
             <a:fld id="{088AC975-97C8-4461-8086-056F6D426157}" type="slidenum">
               <a:rPr lang="ru-RU" smtClean="0"/>
+              <a:pPr/>
               <a:t>10</a:t>
             </a:fld>
             <a:endParaRPr lang="ru-RU"/>
@@ -733,7 +737,7 @@
     </p:spTree>
     <p:extLst>
       <p:ext uri="{BB962C8B-B14F-4D97-AF65-F5344CB8AC3E}">
-        <p14:creationId xmlns:p14="http://schemas.microsoft.com/office/powerpoint/2010/main" val="2289282297"/>
+        <p14:creationId xmlns:p14="http://schemas.microsoft.com/office/powerpoint/2010/main" xmlns="" val="2289282297"/>
       </p:ext>
     </p:extLst>
   </p:cSld>
@@ -788,136 +792,85 @@
           <a:lstStyle/>
           <a:p>
             <a:r>
-              <a:rPr lang="ru-RU" sz="1200" kern="1200" dirty="0">
-                <a:solidFill>
-                  <a:schemeClr val="tx1"/>
-                </a:solidFill>
-                <a:effectLst/>
-                <a:latin typeface="+mn-lt"/>
-                <a:ea typeface="+mn-ea"/>
-                <a:cs typeface="+mn-cs"/>
-              </a:rPr>
-              <a:t>	В ходе выполнения работы были достигнуты поставленные задачи. На языке Си было создано программное обеспечение, которое удовлетворят требованиям комплекса. Алгоритм взаимодействия «регистратор - сервер» протестирован и показал свою высокую работоспособность и надежность. Помимо основного алгоритма были проработаны общетехнические моменты: совместимость платформ, исследование энергопотребления потребления, выявление наилучшего периода отправки данных.</a:t>
-            </a:r>
-            <a:endParaRPr lang="ru-RU" dirty="0">
-              <a:effectLst/>
-            </a:endParaRPr>
-          </a:p>
-          <a:p>
-            <a:r>
-              <a:rPr lang="ru-RU" sz="1200" kern="1200" dirty="0">
-                <a:solidFill>
-                  <a:schemeClr val="tx1"/>
-                </a:solidFill>
-                <a:effectLst/>
-                <a:latin typeface="+mn-lt"/>
-                <a:ea typeface="+mn-ea"/>
-                <a:cs typeface="+mn-cs"/>
-              </a:rPr>
-              <a:t>На практике были подтверждены успешные инженерные решения. Прибор работает на одном заряде аккумулятора </a:t>
-            </a:r>
-            <a:r>
-              <a:rPr lang="en-US" sz="1200" kern="1200" dirty="0">
-                <a:solidFill>
-                  <a:schemeClr val="tx1"/>
-                </a:solidFill>
-                <a:effectLst/>
-                <a:latin typeface="+mn-lt"/>
-                <a:ea typeface="+mn-ea"/>
-                <a:cs typeface="+mn-cs"/>
-              </a:rPr>
-              <a:t>Li</a:t>
-            </a:r>
-            <a:r>
-              <a:rPr lang="ru-RU" sz="1200" kern="1200" dirty="0">
-                <a:solidFill>
-                  <a:schemeClr val="tx1"/>
-                </a:solidFill>
-                <a:effectLst/>
-                <a:latin typeface="+mn-lt"/>
-                <a:ea typeface="+mn-ea"/>
-                <a:cs typeface="+mn-cs"/>
-              </a:rPr>
-              <a:t>-</a:t>
-            </a:r>
-            <a:r>
-              <a:rPr lang="en-US" sz="1200" kern="1200" dirty="0">
-                <a:solidFill>
-                  <a:schemeClr val="tx1"/>
-                </a:solidFill>
-                <a:effectLst/>
-                <a:latin typeface="+mn-lt"/>
-                <a:ea typeface="+mn-ea"/>
-                <a:cs typeface="+mn-cs"/>
-              </a:rPr>
-              <a:t>ion</a:t>
-            </a:r>
-            <a:r>
-              <a:rPr lang="ru-RU" sz="1200" kern="1200" dirty="0">
-                <a:solidFill>
-                  <a:schemeClr val="tx1"/>
-                </a:solidFill>
-                <a:effectLst/>
-                <a:latin typeface="+mn-lt"/>
-                <a:ea typeface="+mn-ea"/>
-                <a:cs typeface="+mn-cs"/>
-              </a:rPr>
-              <a:t> 14500 более 30 часов, что удовлетворяет условиям технического задания.</a:t>
+              <a:rPr lang="ru-RU" dirty="0"/>
+              <a:t>	К</a:t>
             </a:r>
             <a:r>
               <a:rPr lang="ru-RU" baseline="0" dirty="0"/>
-              <a:t>	</a:t>
+              <a:t>огда на приборе оказывается запись в размере 10 минут, включается алгоритм отправки записанных данных на сервер. </a:t>
             </a:r>
           </a:p>
           <a:p>
             <a:r>
               <a:rPr lang="ru-RU" baseline="0" dirty="0"/>
-              <a:t>	Конечно, прибор обладает и рядом недостатков, которые мы планируем устранить и доработать наш комплекс. </a:t>
-            </a:r>
-            <a:br>
+              <a:t>	Как я уже сказал, алгоритм передачи реализован в основном цикле программы. Вся логика передачи данных строится из принципа экономии энергии аккумулятора. Так как радиочастотная часть модуля является основным потребителем энергии, время ее работы нужно ограничивать. В ходе долгих,  мучительных экспериментов было выявлено, что период отправки данных 10 минут является наиболее приемлемым, с точки зрения энергопотребления и актуальности данных. И внутри алгоритма есть несколько составных частей.</a:t>
+            </a:r>
+          </a:p>
+          <a:p>
+            <a:r>
               <a:rPr lang="ru-RU" baseline="0" dirty="0"/>
-            </a:br>
+              <a:t>	Первая важная часть – это режим сна. В этом режиме 3</a:t>
+            </a:r>
+            <a:r>
+              <a:rPr lang="en-US" baseline="0" dirty="0"/>
+              <a:t>G </a:t>
+            </a:r>
             <a:r>
               <a:rPr lang="ru-RU" baseline="0" dirty="0"/>
-              <a:t>	В первую очередь расширение протокола передачи данных. Сейчас нет возможности отправить команду на прибор. Прибор сам решает какие данные и когда отправлять. Чтобы упростить логику работы носимого регистраторы, мы и хотим внедрить в протокол систему команд. </a:t>
-            </a:r>
-            <a:br>
+              <a:t>модуль находится в режиме ожидания и потребляет всего 1-2 мА. Каждые 10 минут модуль просыпается, включает радио-частотную часть, регистрируется в сети. После этого открывает сессию с сервером и отправляет запрос о передаче данных. После каждого запроса в алгоритме предусмотрена маска ответа сервера, в которой содержится информация о неполученных пакетах. Нашим языком такая маска называется обратной связью. Если приходит маска, что в предыдущей отправке какой-то пакет потерян, то весь фрейм досылается еще раз. </a:t>
+            </a:r>
+          </a:p>
+          <a:p>
+            <a:endParaRPr lang="ru-RU" baseline="0" dirty="0"/>
+          </a:p>
+          <a:p>
+            <a:r>
               <a:rPr lang="ru-RU" baseline="0" dirty="0"/>
-            </a:br>
+              <a:t>	Каждый фрейм отправляется таким образом: регистратор шлет запрос на отправку определенного фрейма, который хранится на флэшке. Ждет ответ сервера о том, что он готов принять эти данные. Потом регистратор отправляет фрейм и удаляет его с флэшки. Удаляет с флэшки, но хранит во временном буфере. </a:t>
+            </a:r>
+          </a:p>
+          <a:p>
             <a:r>
               <a:rPr lang="ru-RU" baseline="0" dirty="0"/>
-              <a:t>	Еще один существенный недостаток – это долгая реакция прибора на команду «Начать новую запись». Этот недостаток также может быть решен при внедрении новой системы команд, разработка которой уже ведется. </a:t>
+              <a:t>	Далее отправляет следующий запрос. Если маска ответа сервера отрицательная, т.е. какой-то пакет из предыдущего сервера не дошел, то регистратор повторно отправляет фрейм, который хранится во временном буфере. Если маска ответа сервера положительная, то регистратор считывает с флэшки следующий фрейм и отправляет его на сервер. </a:t>
             </a:r>
           </a:p>
           <a:p>
             <a:r>
               <a:rPr lang="ru-RU" baseline="0" dirty="0"/>
-              <a:t>В перспективах команды разработчиков также есть переход на современные частоты передачи данных. С частот </a:t>
+              <a:t>	И так регистратор отправляет данные, пока они есть на флэшке. Когда данные на флэшке заканчиваются, то регистратор отправляет команду закрытия сессии и снова уходит в спячку. </a:t>
+            </a:r>
+          </a:p>
+          <a:p>
+            <a:r>
+              <a:rPr lang="ru-RU" baseline="0" dirty="0"/>
+              <a:t>	Вот так устроен алгоритм работы 3</a:t>
             </a:r>
             <a:r>
               <a:rPr lang="en-US" baseline="0" dirty="0"/>
-              <a:t>3G </a:t>
+              <a:t>G </a:t>
             </a:r>
             <a:r>
               <a:rPr lang="ru-RU" baseline="0" dirty="0"/>
-              <a:t>перейти на </a:t>
+              <a:t>регистратора телеметрического комплекса «</a:t>
+            </a:r>
+            <a:r>
+              <a:rPr lang="en-US" baseline="0" dirty="0" err="1"/>
+              <a:t>Astrocard</a:t>
             </a:r>
             <a:r>
               <a:rPr lang="en-US" baseline="0" dirty="0"/>
-              <a:t>4G</a:t>
+              <a:t> 3G</a:t>
             </a:r>
             <a:r>
               <a:rPr lang="ru-RU" baseline="0" dirty="0"/>
-              <a:t> </a:t>
+              <a:t>»</a:t>
             </a:r>
             <a:r>
               <a:rPr lang="en-US" baseline="0" dirty="0"/>
-              <a:t>LTE </a:t>
-            </a:r>
-            <a:r>
-              <a:rPr lang="ru-RU" baseline="0" dirty="0"/>
-              <a:t>диапазон. Это позволит экономить энергоресурс регистратора. Такие работы также уже ведутся и печатные платы для таких модулей уже существуют, дело остается за встроенным программным обеспечением.  	</a:t>
-            </a:r>
+              <a:t>. </a:t>
+            </a:r>
+            <a:endParaRPr lang="ru-RU" dirty="0"/>
           </a:p>
         </p:txBody>
       </p:sp>
@@ -938,6 +891,7 @@
           <a:p>
             <a:fld id="{088AC975-97C8-4461-8086-056F6D426157}" type="slidenum">
               <a:rPr lang="ru-RU" smtClean="0"/>
+              <a:pPr/>
               <a:t>11</a:t>
             </a:fld>
             <a:endParaRPr lang="ru-RU"/>
@@ -947,7 +901,7 @@
     </p:spTree>
     <p:extLst>
       <p:ext uri="{BB962C8B-B14F-4D97-AF65-F5344CB8AC3E}">
-        <p14:creationId xmlns:p14="http://schemas.microsoft.com/office/powerpoint/2010/main" val="438149929"/>
+        <p14:creationId xmlns:p14="http://schemas.microsoft.com/office/powerpoint/2010/main" xmlns="" val="2289282297"/>
       </p:ext>
     </p:extLst>
   </p:cSld>
@@ -1002,36 +956,85 @@
           <a:lstStyle/>
           <a:p>
             <a:r>
+              <a:rPr lang="ru-RU" dirty="0"/>
+              <a:t>	К</a:t>
+            </a:r>
+            <a:r>
               <a:rPr lang="ru-RU" baseline="0" dirty="0"/>
-              <a:t>	Разработан прибор, который успешно введен в эксплуатацию и функционирует во многих медицинских учреждениях Российской Федерации. Подробный список представлен в моем РПЗ. Самые именитые учреждения это НМИЦ кардиологии, Институт хирургии имени Вишневского, Центр здоровья детей. Особая гордость нашего коллектива связана с тем, что комплекс </a:t>
+              <a:t>огда на приборе оказывается запись в размере 10 минут, включается алгоритм отправки записанных данных на сервер. </a:t>
+            </a:r>
+          </a:p>
+          <a:p>
+            <a:r>
+              <a:rPr lang="ru-RU" baseline="0" dirty="0"/>
+              <a:t>	Как я уже сказал, алгоритм передачи реализован в основном цикле программы. Вся логика передачи данных строится из принципа экономии энергии аккумулятора. Так как радиочастотная часть модуля является основным потребителем энергии, время ее работы нужно ограничивать. В ходе долгих,  мучительных экспериментов было выявлено, что период отправки данных 10 минут является наиболее приемлемым, с точки зрения энергопотребления и актуальности данных. И внутри алгоритма есть несколько составных частей.</a:t>
+            </a:r>
+          </a:p>
+          <a:p>
+            <a:r>
+              <a:rPr lang="ru-RU" baseline="0" dirty="0"/>
+              <a:t>	Первая важная часть – это режим сна. В этом режиме 3</a:t>
             </a:r>
             <a:r>
               <a:rPr lang="en-US" baseline="0" dirty="0"/>
-              <a:t>Astrocard Global Monitoring </a:t>
+              <a:t>G </a:t>
             </a:r>
             <a:r>
               <a:rPr lang="ru-RU" baseline="0" dirty="0"/>
-              <a:t>с апреля 2020 года функционирует в красной зоне </a:t>
+              <a:t>модуль находится в режиме ожидания и потребляет всего 1-2 мА. Каждые 10 минут модуль просыпается, включает радио-частотную часть, регистрируется в сети. После этого открывает сессию с сервером и отправляет запрос о передаче данных. После каждого запроса в алгоритме предусмотрена маска ответа сервера, в которой содержится информация о неполученных пакетах. Нашим языком такая маска называется обратной связью. Если приходит маска, что в предыдущей отправке какой-то пакет потерян, то весь фрейм досылается еще раз. </a:t>
+            </a:r>
+          </a:p>
+          <a:p>
+            <a:endParaRPr lang="ru-RU" baseline="0" dirty="0"/>
+          </a:p>
+          <a:p>
+            <a:r>
+              <a:rPr lang="ru-RU" baseline="0" dirty="0"/>
+              <a:t>	Каждый фрейм отправляется таким образом: регистратор шлет запрос на отправку определенного фрейма, который хранится на флэшке. Ждет ответ сервера о том, что он готов принять эти данные. Потом регистратор отправляет фрейм и удаляет его с флэшки. Удаляет с флэшки, но хранит во временном буфере. </a:t>
+            </a:r>
+          </a:p>
+          <a:p>
+            <a:r>
+              <a:rPr lang="ru-RU" baseline="0" dirty="0"/>
+              <a:t>	Далее отправляет следующий запрос. Если маска ответа сервера отрицательная, т.е. какой-то пакет из предыдущего сервера не дошел, то регистратор повторно отправляет фрейм, который хранится во временном буфере. Если маска ответа сервера положительная, то регистратор считывает с флэшки следующий фрейм и отправляет его на сервер. </a:t>
+            </a:r>
+          </a:p>
+          <a:p>
+            <a:r>
+              <a:rPr lang="ru-RU" baseline="0" dirty="0"/>
+              <a:t>	И так регистратор отправляет данные, пока они есть на флэшке. Когда данные на флэшке заканчиваются, то регистратор отправляет команду закрытия сессии и снова уходит в спячку. </a:t>
+            </a:r>
+          </a:p>
+          <a:p>
+            <a:r>
+              <a:rPr lang="ru-RU" baseline="0" dirty="0"/>
+              <a:t>	Вот так устроен алгоритм работы 3</a:t>
+            </a:r>
+            <a:r>
+              <a:rPr lang="en-US" baseline="0" dirty="0"/>
+              <a:t>G </a:t>
+            </a:r>
+            <a:r>
+              <a:rPr lang="ru-RU" baseline="0" dirty="0"/>
+              <a:t>регистратора телеметрического комплекса «</a:t>
             </a:r>
             <a:r>
               <a:rPr lang="en-US" baseline="0" dirty="0" err="1"/>
-              <a:t>Covid</a:t>
+              <a:t>Astrocard</a:t>
             </a:r>
             <a:r>
               <a:rPr lang="en-US" baseline="0" dirty="0"/>
-              <a:t> </a:t>
+              <a:t> 3G</a:t>
             </a:r>
             <a:r>
               <a:rPr lang="ru-RU" baseline="0" dirty="0"/>
-              <a:t>центра в НМИЦ Кардиологии. Преимущества передачи данных по каналам сотовой связи оказались принципиальными при расшифровке записей ЭКГ из красной зоны. Это позволило не подвергать риску высококвалифицированный персонал, который получил доступ к записям ЭКГ пациентов в режиме реального времени, но вне красной зоны.</a:t>
-            </a:r>
-            <a:br>
-              <a:rPr lang="ru-RU" baseline="0" dirty="0"/>
-            </a:br>
-            <a:r>
-              <a:rPr lang="ru-RU" baseline="0" dirty="0"/>
-              <a:t>	</a:t>
-            </a:r>
+              <a:t>»</a:t>
+            </a:r>
+            <a:r>
+              <a:rPr lang="en-US" baseline="0" dirty="0"/>
+              <a:t>. </a:t>
+            </a:r>
+            <a:endParaRPr lang="ru-RU" dirty="0"/>
           </a:p>
         </p:txBody>
       </p:sp>
@@ -1052,6 +1055,7 @@
           <a:p>
             <a:fld id="{088AC975-97C8-4461-8086-056F6D426157}" type="slidenum">
               <a:rPr lang="ru-RU" smtClean="0"/>
+              <a:pPr/>
               <a:t>12</a:t>
             </a:fld>
             <a:endParaRPr lang="ru-RU"/>
@@ -1061,7 +1065,7 @@
     </p:spTree>
     <p:extLst>
       <p:ext uri="{BB962C8B-B14F-4D97-AF65-F5344CB8AC3E}">
-        <p14:creationId xmlns:p14="http://schemas.microsoft.com/office/powerpoint/2010/main" val="2561957156"/>
+        <p14:creationId xmlns:p14="http://schemas.microsoft.com/office/powerpoint/2010/main" xmlns="" val="2289282297"/>
       </p:ext>
     </p:extLst>
   </p:cSld>
@@ -1116,14 +1120,36 @@
           <a:lstStyle/>
           <a:p>
             <a:r>
-              <a:rPr lang="ru-RU" dirty="0"/>
-              <a:t>	На этом моя</a:t>
-            </a:r>
-            <a:r>
               <a:rPr lang="ru-RU" baseline="0" dirty="0"/>
-              <a:t> презентация завершена. Уважаемая комиссия, спасибо за внимание, с удовольствием отвечу на имеющиеся вопросы.</a:t>
-            </a:r>
-            <a:endParaRPr lang="ru-RU" dirty="0"/>
+              <a:t>	Разработан прибор, который успешно введен в эксплуатацию и функционирует во многих медицинских учреждениях Российской Федерации. Подробный список представлен в моем РПЗ. Самые именитые учреждения это НМИЦ кардиологии, Институт хирургии имени Вишневского, Центр здоровья детей. Особая гордость нашего коллектива связана с тем, что комплекс </a:t>
+            </a:r>
+            <a:r>
+              <a:rPr lang="en-US" baseline="0" dirty="0"/>
+              <a:t>Astrocard Global Monitoring </a:t>
+            </a:r>
+            <a:r>
+              <a:rPr lang="ru-RU" baseline="0" dirty="0"/>
+              <a:t>с апреля 2020 года функционирует в красной зоне </a:t>
+            </a:r>
+            <a:r>
+              <a:rPr lang="en-US" baseline="0" dirty="0" err="1"/>
+              <a:t>Covid</a:t>
+            </a:r>
+            <a:r>
+              <a:rPr lang="en-US" baseline="0" dirty="0"/>
+              <a:t> </a:t>
+            </a:r>
+            <a:r>
+              <a:rPr lang="ru-RU" baseline="0" dirty="0"/>
+              <a:t>центра в НМИЦ Кардиологии. Преимущества передачи данных по каналам сотовой связи оказались принципиальными при расшифровке записей ЭКГ из красной зоны. Это позволило не подвергать риску высококвалифицированный персонал, который получил доступ к записям ЭКГ пациентов в режиме реального времени, но вне красной зоны.</a:t>
+            </a:r>
+            <a:br>
+              <a:rPr lang="ru-RU" baseline="0" dirty="0"/>
+            </a:br>
+            <a:r>
+              <a:rPr lang="ru-RU" baseline="0" dirty="0"/>
+              <a:t>	</a:t>
+            </a:r>
           </a:p>
         </p:txBody>
       </p:sp>
@@ -1144,6 +1170,7 @@
           <a:p>
             <a:fld id="{088AC975-97C8-4461-8086-056F6D426157}" type="slidenum">
               <a:rPr lang="ru-RU" smtClean="0"/>
+              <a:pPr/>
               <a:t>13</a:t>
             </a:fld>
             <a:endParaRPr lang="ru-RU"/>
@@ -1153,7 +1180,7 @@
     </p:spTree>
     <p:extLst>
       <p:ext uri="{BB962C8B-B14F-4D97-AF65-F5344CB8AC3E}">
-        <p14:creationId xmlns:p14="http://schemas.microsoft.com/office/powerpoint/2010/main" val="280586843"/>
+        <p14:creationId xmlns:p14="http://schemas.microsoft.com/office/powerpoint/2010/main" xmlns="" val="2561957156"/>
       </p:ext>
     </p:extLst>
   </p:cSld>
@@ -1207,6 +1234,14 @@
           <a:bodyPr/>
           <a:lstStyle/>
           <a:p>
+            <a:r>
+              <a:rPr lang="ru-RU" dirty="0"/>
+              <a:t>	На этом моя</a:t>
+            </a:r>
+            <a:r>
+              <a:rPr lang="ru-RU" baseline="0" dirty="0"/>
+              <a:t> презентация завершена. Уважаемая комиссия, спасибо за внимание, с удовольствием отвечу на имеющиеся вопросы.</a:t>
+            </a:r>
             <a:endParaRPr lang="ru-RU" dirty="0"/>
           </a:p>
         </p:txBody>
@@ -1228,6 +1263,7 @@
           <a:p>
             <a:fld id="{088AC975-97C8-4461-8086-056F6D426157}" type="slidenum">
               <a:rPr lang="ru-RU" smtClean="0"/>
+              <a:pPr/>
               <a:t>14</a:t>
             </a:fld>
             <a:endParaRPr lang="ru-RU"/>
@@ -1237,7 +1273,7 @@
     </p:spTree>
     <p:extLst>
       <p:ext uri="{BB962C8B-B14F-4D97-AF65-F5344CB8AC3E}">
-        <p14:creationId xmlns:p14="http://schemas.microsoft.com/office/powerpoint/2010/main" val="3392285493"/>
+        <p14:creationId xmlns:p14="http://schemas.microsoft.com/office/powerpoint/2010/main" xmlns="" val="280586843"/>
       </p:ext>
     </p:extLst>
   </p:cSld>
@@ -1320,6 +1356,7 @@
           <a:p>
             <a:fld id="{088AC975-97C8-4461-8086-056F6D426157}" type="slidenum">
               <a:rPr lang="ru-RU" smtClean="0"/>
+              <a:pPr/>
               <a:t>2</a:t>
             </a:fld>
             <a:endParaRPr lang="ru-RU"/>
@@ -1329,7 +1366,7 @@
     </p:spTree>
     <p:extLst>
       <p:ext uri="{BB962C8B-B14F-4D97-AF65-F5344CB8AC3E}">
-        <p14:creationId xmlns:p14="http://schemas.microsoft.com/office/powerpoint/2010/main" val="312709961"/>
+        <p14:creationId xmlns:p14="http://schemas.microsoft.com/office/powerpoint/2010/main" xmlns="" val="312709961"/>
       </p:ext>
     </p:extLst>
   </p:cSld>
@@ -1667,6 +1704,7 @@
           <a:p>
             <a:fld id="{088AC975-97C8-4461-8086-056F6D426157}" type="slidenum">
               <a:rPr lang="ru-RU" smtClean="0"/>
+              <a:pPr/>
               <a:t>3</a:t>
             </a:fld>
             <a:endParaRPr lang="ru-RU"/>
@@ -1676,7 +1714,7 @@
     </p:spTree>
     <p:extLst>
       <p:ext uri="{BB962C8B-B14F-4D97-AF65-F5344CB8AC3E}">
-        <p14:creationId xmlns:p14="http://schemas.microsoft.com/office/powerpoint/2010/main" val="1102800059"/>
+        <p14:creationId xmlns:p14="http://schemas.microsoft.com/office/powerpoint/2010/main" xmlns="" val="1102800059"/>
       </p:ext>
     </p:extLst>
   </p:cSld>
@@ -2014,6 +2052,7 @@
           <a:p>
             <a:fld id="{088AC975-97C8-4461-8086-056F6D426157}" type="slidenum">
               <a:rPr lang="ru-RU" smtClean="0"/>
+              <a:pPr/>
               <a:t>4</a:t>
             </a:fld>
             <a:endParaRPr lang="ru-RU"/>
@@ -2023,7 +2062,7 @@
     </p:spTree>
     <p:extLst>
       <p:ext uri="{BB962C8B-B14F-4D97-AF65-F5344CB8AC3E}">
-        <p14:creationId xmlns:p14="http://schemas.microsoft.com/office/powerpoint/2010/main" val="798789825"/>
+        <p14:creationId xmlns:p14="http://schemas.microsoft.com/office/powerpoint/2010/main" xmlns="" val="798789825"/>
       </p:ext>
     </p:extLst>
   </p:cSld>
@@ -2171,6 +2210,7 @@
           <a:p>
             <a:fld id="{088AC975-97C8-4461-8086-056F6D426157}" type="slidenum">
               <a:rPr lang="ru-RU" smtClean="0"/>
+              <a:pPr/>
               <a:t>5</a:t>
             </a:fld>
             <a:endParaRPr lang="ru-RU"/>
@@ -2180,7 +2220,7 @@
     </p:spTree>
     <p:extLst>
       <p:ext uri="{BB962C8B-B14F-4D97-AF65-F5344CB8AC3E}">
-        <p14:creationId xmlns:p14="http://schemas.microsoft.com/office/powerpoint/2010/main" val="1631471474"/>
+        <p14:creationId xmlns:p14="http://schemas.microsoft.com/office/powerpoint/2010/main" xmlns="" val="1631471474"/>
       </p:ext>
     </p:extLst>
   </p:cSld>
@@ -2449,6 +2489,7 @@
           <a:p>
             <a:fld id="{088AC975-97C8-4461-8086-056F6D426157}" type="slidenum">
               <a:rPr lang="ru-RU" smtClean="0"/>
+              <a:pPr/>
               <a:t>6</a:t>
             </a:fld>
             <a:endParaRPr lang="ru-RU"/>
@@ -2458,7 +2499,7 @@
     </p:spTree>
     <p:extLst>
       <p:ext uri="{BB962C8B-B14F-4D97-AF65-F5344CB8AC3E}">
-        <p14:creationId xmlns:p14="http://schemas.microsoft.com/office/powerpoint/2010/main" val="2988094927"/>
+        <p14:creationId xmlns:p14="http://schemas.microsoft.com/office/powerpoint/2010/main" xmlns="" val="2988094927"/>
       </p:ext>
     </p:extLst>
   </p:cSld>
@@ -2562,6 +2603,7 @@
           <a:p>
             <a:fld id="{088AC975-97C8-4461-8086-056F6D426157}" type="slidenum">
               <a:rPr lang="ru-RU" smtClean="0"/>
+              <a:pPr/>
               <a:t>7</a:t>
             </a:fld>
             <a:endParaRPr lang="ru-RU"/>
@@ -2571,7 +2613,7 @@
     </p:spTree>
     <p:extLst>
       <p:ext uri="{BB962C8B-B14F-4D97-AF65-F5344CB8AC3E}">
-        <p14:creationId xmlns:p14="http://schemas.microsoft.com/office/powerpoint/2010/main" val="1794171926"/>
+        <p14:creationId xmlns:p14="http://schemas.microsoft.com/office/powerpoint/2010/main" xmlns="" val="1794171926"/>
       </p:ext>
     </p:extLst>
   </p:cSld>
@@ -2702,6 +2744,7 @@
           <a:p>
             <a:fld id="{088AC975-97C8-4461-8086-056F6D426157}" type="slidenum">
               <a:rPr lang="ru-RU" smtClean="0"/>
+              <a:pPr/>
               <a:t>8</a:t>
             </a:fld>
             <a:endParaRPr lang="ru-RU"/>
@@ -2711,7 +2754,7 @@
     </p:spTree>
     <p:extLst>
       <p:ext uri="{BB962C8B-B14F-4D97-AF65-F5344CB8AC3E}">
-        <p14:creationId xmlns:p14="http://schemas.microsoft.com/office/powerpoint/2010/main" val="1794171926"/>
+        <p14:creationId xmlns:p14="http://schemas.microsoft.com/office/powerpoint/2010/main" xmlns="" val="1794171926"/>
       </p:ext>
     </p:extLst>
   </p:cSld>
@@ -2863,6 +2906,7 @@
           <a:p>
             <a:fld id="{088AC975-97C8-4461-8086-056F6D426157}" type="slidenum">
               <a:rPr lang="ru-RU" smtClean="0"/>
+              <a:pPr/>
               <a:t>9</a:t>
             </a:fld>
             <a:endParaRPr lang="ru-RU"/>
@@ -2872,7 +2916,7 @@
     </p:spTree>
     <p:extLst>
       <p:ext uri="{BB962C8B-B14F-4D97-AF65-F5344CB8AC3E}">
-        <p14:creationId xmlns:p14="http://schemas.microsoft.com/office/powerpoint/2010/main" val="1685300435"/>
+        <p14:creationId xmlns:p14="http://schemas.microsoft.com/office/powerpoint/2010/main" xmlns="" val="1685300435"/>
       </p:ext>
     </p:extLst>
   </p:cSld>
@@ -3011,6 +3055,7 @@
           <a:p>
             <a:fld id="{8CB1D365-0DE8-42C8-8052-728C07EFD32C}" type="datetimeFigureOut">
               <a:rPr lang="ru-RU" smtClean="0"/>
+              <a:pPr/>
               <a:t>02.06.2020</a:t>
             </a:fld>
             <a:endParaRPr lang="ru-RU"/>
@@ -3053,6 +3098,7 @@
           <a:p>
             <a:fld id="{FDCE6230-57CD-4539-9246-88E6F68163B3}" type="slidenum">
               <a:rPr lang="ru-RU" smtClean="0"/>
+              <a:pPr/>
               <a:t>‹#›</a:t>
             </a:fld>
             <a:endParaRPr lang="ru-RU"/>
@@ -3062,7 +3108,7 @@
     </p:spTree>
     <p:extLst>
       <p:ext uri="{BB962C8B-B14F-4D97-AF65-F5344CB8AC3E}">
-        <p14:creationId xmlns:p14="http://schemas.microsoft.com/office/powerpoint/2010/main" val="2173428985"/>
+        <p14:creationId xmlns:p14="http://schemas.microsoft.com/office/powerpoint/2010/main" xmlns="" val="2173428985"/>
       </p:ext>
     </p:extLst>
   </p:cSld>
@@ -3179,6 +3225,7 @@
           <a:p>
             <a:fld id="{8CB1D365-0DE8-42C8-8052-728C07EFD32C}" type="datetimeFigureOut">
               <a:rPr lang="ru-RU" smtClean="0"/>
+              <a:pPr/>
               <a:t>02.06.2020</a:t>
             </a:fld>
             <a:endParaRPr lang="ru-RU"/>
@@ -3221,6 +3268,7 @@
           <a:p>
             <a:fld id="{FDCE6230-57CD-4539-9246-88E6F68163B3}" type="slidenum">
               <a:rPr lang="ru-RU" smtClean="0"/>
+              <a:pPr/>
               <a:t>‹#›</a:t>
             </a:fld>
             <a:endParaRPr lang="ru-RU"/>
@@ -3230,7 +3278,7 @@
     </p:spTree>
     <p:extLst>
       <p:ext uri="{BB962C8B-B14F-4D97-AF65-F5344CB8AC3E}">
-        <p14:creationId xmlns:p14="http://schemas.microsoft.com/office/powerpoint/2010/main" val="2639255053"/>
+        <p14:creationId xmlns:p14="http://schemas.microsoft.com/office/powerpoint/2010/main" xmlns="" val="2639255053"/>
       </p:ext>
     </p:extLst>
   </p:cSld>
@@ -3357,6 +3405,7 @@
           <a:p>
             <a:fld id="{8CB1D365-0DE8-42C8-8052-728C07EFD32C}" type="datetimeFigureOut">
               <a:rPr lang="ru-RU" smtClean="0"/>
+              <a:pPr/>
               <a:t>02.06.2020</a:t>
             </a:fld>
             <a:endParaRPr lang="ru-RU"/>
@@ -3399,6 +3448,7 @@
           <a:p>
             <a:fld id="{FDCE6230-57CD-4539-9246-88E6F68163B3}" type="slidenum">
               <a:rPr lang="ru-RU" smtClean="0"/>
+              <a:pPr/>
               <a:t>‹#›</a:t>
             </a:fld>
             <a:endParaRPr lang="ru-RU"/>
@@ -3408,7 +3458,7 @@
     </p:spTree>
     <p:extLst>
       <p:ext uri="{BB962C8B-B14F-4D97-AF65-F5344CB8AC3E}">
-        <p14:creationId xmlns:p14="http://schemas.microsoft.com/office/powerpoint/2010/main" val="3862036576"/>
+        <p14:creationId xmlns:p14="http://schemas.microsoft.com/office/powerpoint/2010/main" xmlns="" val="3862036576"/>
       </p:ext>
     </p:extLst>
   </p:cSld>
@@ -3525,6 +3575,7 @@
           <a:p>
             <a:fld id="{8CB1D365-0DE8-42C8-8052-728C07EFD32C}" type="datetimeFigureOut">
               <a:rPr lang="ru-RU" smtClean="0"/>
+              <a:pPr/>
               <a:t>02.06.2020</a:t>
             </a:fld>
             <a:endParaRPr lang="ru-RU"/>
@@ -3567,6 +3618,7 @@
           <a:p>
             <a:fld id="{FDCE6230-57CD-4539-9246-88E6F68163B3}" type="slidenum">
               <a:rPr lang="ru-RU" smtClean="0"/>
+              <a:pPr/>
               <a:t>‹#›</a:t>
             </a:fld>
             <a:endParaRPr lang="ru-RU"/>
@@ -3576,7 +3628,7 @@
     </p:spTree>
     <p:extLst>
       <p:ext uri="{BB962C8B-B14F-4D97-AF65-F5344CB8AC3E}">
-        <p14:creationId xmlns:p14="http://schemas.microsoft.com/office/powerpoint/2010/main" val="1805817191"/>
+        <p14:creationId xmlns:p14="http://schemas.microsoft.com/office/powerpoint/2010/main" xmlns="" val="1805817191"/>
       </p:ext>
     </p:extLst>
   </p:cSld>
@@ -3770,6 +3822,7 @@
           <a:p>
             <a:fld id="{8CB1D365-0DE8-42C8-8052-728C07EFD32C}" type="datetimeFigureOut">
               <a:rPr lang="ru-RU" smtClean="0"/>
+              <a:pPr/>
               <a:t>02.06.2020</a:t>
             </a:fld>
             <a:endParaRPr lang="ru-RU"/>
@@ -3812,6 +3865,7 @@
           <a:p>
             <a:fld id="{FDCE6230-57CD-4539-9246-88E6F68163B3}" type="slidenum">
               <a:rPr lang="ru-RU" smtClean="0"/>
+              <a:pPr/>
               <a:t>‹#›</a:t>
             </a:fld>
             <a:endParaRPr lang="ru-RU"/>
@@ -3821,7 +3875,7 @@
     </p:spTree>
     <p:extLst>
       <p:ext uri="{BB962C8B-B14F-4D97-AF65-F5344CB8AC3E}">
-        <p14:creationId xmlns:p14="http://schemas.microsoft.com/office/powerpoint/2010/main" val="53453383"/>
+        <p14:creationId xmlns:p14="http://schemas.microsoft.com/office/powerpoint/2010/main" xmlns="" val="53453383"/>
       </p:ext>
     </p:extLst>
   </p:cSld>
@@ -3999,6 +4053,7 @@
           <a:p>
             <a:fld id="{8CB1D365-0DE8-42C8-8052-728C07EFD32C}" type="datetimeFigureOut">
               <a:rPr lang="ru-RU" smtClean="0"/>
+              <a:pPr/>
               <a:t>02.06.2020</a:t>
             </a:fld>
             <a:endParaRPr lang="ru-RU"/>
@@ -4041,6 +4096,7 @@
           <a:p>
             <a:fld id="{FDCE6230-57CD-4539-9246-88E6F68163B3}" type="slidenum">
               <a:rPr lang="ru-RU" smtClean="0"/>
+              <a:pPr/>
               <a:t>‹#›</a:t>
             </a:fld>
             <a:endParaRPr lang="ru-RU"/>
@@ -4050,7 +4106,7 @@
     </p:spTree>
     <p:extLst>
       <p:ext uri="{BB962C8B-B14F-4D97-AF65-F5344CB8AC3E}">
-        <p14:creationId xmlns:p14="http://schemas.microsoft.com/office/powerpoint/2010/main" val="931500122"/>
+        <p14:creationId xmlns:p14="http://schemas.microsoft.com/office/powerpoint/2010/main" xmlns="" val="931500122"/>
       </p:ext>
     </p:extLst>
   </p:cSld>
@@ -4363,6 +4419,7 @@
           <a:p>
             <a:fld id="{8CB1D365-0DE8-42C8-8052-728C07EFD32C}" type="datetimeFigureOut">
               <a:rPr lang="ru-RU" smtClean="0"/>
+              <a:pPr/>
               <a:t>02.06.2020</a:t>
             </a:fld>
             <a:endParaRPr lang="ru-RU"/>
@@ -4405,6 +4462,7 @@
           <a:p>
             <a:fld id="{FDCE6230-57CD-4539-9246-88E6F68163B3}" type="slidenum">
               <a:rPr lang="ru-RU" smtClean="0"/>
+              <a:pPr/>
               <a:t>‹#›</a:t>
             </a:fld>
             <a:endParaRPr lang="ru-RU"/>
@@ -4414,7 +4472,7 @@
     </p:spTree>
     <p:extLst>
       <p:ext uri="{BB962C8B-B14F-4D97-AF65-F5344CB8AC3E}">
-        <p14:creationId xmlns:p14="http://schemas.microsoft.com/office/powerpoint/2010/main" val="3132244521"/>
+        <p14:creationId xmlns:p14="http://schemas.microsoft.com/office/powerpoint/2010/main" xmlns="" val="3132244521"/>
       </p:ext>
     </p:extLst>
   </p:cSld>
@@ -4480,6 +4538,7 @@
           <a:p>
             <a:fld id="{8CB1D365-0DE8-42C8-8052-728C07EFD32C}" type="datetimeFigureOut">
               <a:rPr lang="ru-RU" smtClean="0"/>
+              <a:pPr/>
               <a:t>02.06.2020</a:t>
             </a:fld>
             <a:endParaRPr lang="ru-RU"/>
@@ -4522,6 +4581,7 @@
           <a:p>
             <a:fld id="{FDCE6230-57CD-4539-9246-88E6F68163B3}" type="slidenum">
               <a:rPr lang="ru-RU" smtClean="0"/>
+              <a:pPr/>
               <a:t>‹#›</a:t>
             </a:fld>
             <a:endParaRPr lang="ru-RU"/>
@@ -4531,7 +4591,7 @@
     </p:spTree>
     <p:extLst>
       <p:ext uri="{BB962C8B-B14F-4D97-AF65-F5344CB8AC3E}">
-        <p14:creationId xmlns:p14="http://schemas.microsoft.com/office/powerpoint/2010/main" val="3177510510"/>
+        <p14:creationId xmlns:p14="http://schemas.microsoft.com/office/powerpoint/2010/main" xmlns="" val="3177510510"/>
       </p:ext>
     </p:extLst>
   </p:cSld>
@@ -4575,6 +4635,7 @@
           <a:p>
             <a:fld id="{8CB1D365-0DE8-42C8-8052-728C07EFD32C}" type="datetimeFigureOut">
               <a:rPr lang="ru-RU" smtClean="0"/>
+              <a:pPr/>
               <a:t>02.06.2020</a:t>
             </a:fld>
             <a:endParaRPr lang="ru-RU"/>
@@ -4617,6 +4678,7 @@
           <a:p>
             <a:fld id="{FDCE6230-57CD-4539-9246-88E6F68163B3}" type="slidenum">
               <a:rPr lang="ru-RU" smtClean="0"/>
+              <a:pPr/>
               <a:t>‹#›</a:t>
             </a:fld>
             <a:endParaRPr lang="ru-RU"/>
@@ -4626,7 +4688,7 @@
     </p:spTree>
     <p:extLst>
       <p:ext uri="{BB962C8B-B14F-4D97-AF65-F5344CB8AC3E}">
-        <p14:creationId xmlns:p14="http://schemas.microsoft.com/office/powerpoint/2010/main" val="342349238"/>
+        <p14:creationId xmlns:p14="http://schemas.microsoft.com/office/powerpoint/2010/main" xmlns="" val="342349238"/>
       </p:ext>
     </p:extLst>
   </p:cSld>
@@ -4850,6 +4912,7 @@
           <a:p>
             <a:fld id="{8CB1D365-0DE8-42C8-8052-728C07EFD32C}" type="datetimeFigureOut">
               <a:rPr lang="ru-RU" smtClean="0"/>
+              <a:pPr/>
               <a:t>02.06.2020</a:t>
             </a:fld>
             <a:endParaRPr lang="ru-RU"/>
@@ -4892,6 +4955,7 @@
           <a:p>
             <a:fld id="{FDCE6230-57CD-4539-9246-88E6F68163B3}" type="slidenum">
               <a:rPr lang="ru-RU" smtClean="0"/>
+              <a:pPr/>
               <a:t>‹#›</a:t>
             </a:fld>
             <a:endParaRPr lang="ru-RU"/>
@@ -4901,7 +4965,7 @@
     </p:spTree>
     <p:extLst>
       <p:ext uri="{BB962C8B-B14F-4D97-AF65-F5344CB8AC3E}">
-        <p14:creationId xmlns:p14="http://schemas.microsoft.com/office/powerpoint/2010/main" val="1713485864"/>
+        <p14:creationId xmlns:p14="http://schemas.microsoft.com/office/powerpoint/2010/main" xmlns="" val="1713485864"/>
       </p:ext>
     </p:extLst>
   </p:cSld>
@@ -5102,6 +5166,7 @@
           <a:p>
             <a:fld id="{8CB1D365-0DE8-42C8-8052-728C07EFD32C}" type="datetimeFigureOut">
               <a:rPr lang="ru-RU" smtClean="0"/>
+              <a:pPr/>
               <a:t>02.06.2020</a:t>
             </a:fld>
             <a:endParaRPr lang="ru-RU"/>
@@ -5144,6 +5209,7 @@
           <a:p>
             <a:fld id="{FDCE6230-57CD-4539-9246-88E6F68163B3}" type="slidenum">
               <a:rPr lang="ru-RU" smtClean="0"/>
+              <a:pPr/>
               <a:t>‹#›</a:t>
             </a:fld>
             <a:endParaRPr lang="ru-RU"/>
@@ -5153,7 +5219,7 @@
     </p:spTree>
     <p:extLst>
       <p:ext uri="{BB962C8B-B14F-4D97-AF65-F5344CB8AC3E}">
-        <p14:creationId xmlns:p14="http://schemas.microsoft.com/office/powerpoint/2010/main" val="832183107"/>
+        <p14:creationId xmlns:p14="http://schemas.microsoft.com/office/powerpoint/2010/main" xmlns="" val="832183107"/>
       </p:ext>
     </p:extLst>
   </p:cSld>
@@ -5313,6 +5379,7 @@
           <a:p>
             <a:fld id="{8CB1D365-0DE8-42C8-8052-728C07EFD32C}" type="datetimeFigureOut">
               <a:rPr lang="ru-RU" smtClean="0"/>
+              <a:pPr/>
               <a:t>02.06.2020</a:t>
             </a:fld>
             <a:endParaRPr lang="ru-RU"/>
@@ -5391,6 +5458,7 @@
           <a:p>
             <a:fld id="{FDCE6230-57CD-4539-9246-88E6F68163B3}" type="slidenum">
               <a:rPr lang="ru-RU" smtClean="0"/>
+              <a:pPr/>
               <a:t>‹#›</a:t>
             </a:fld>
             <a:endParaRPr lang="ru-RU"/>
@@ -5400,7 +5468,7 @@
     </p:spTree>
     <p:extLst>
       <p:ext uri="{BB962C8B-B14F-4D97-AF65-F5344CB8AC3E}">
-        <p14:creationId xmlns:p14="http://schemas.microsoft.com/office/powerpoint/2010/main" val="2427165232"/>
+        <p14:creationId xmlns:p14="http://schemas.microsoft.com/office/powerpoint/2010/main" xmlns="" val="2427165232"/>
       </p:ext>
     </p:extLst>
   </p:cSld>
@@ -5878,18 +5946,18 @@
     </p:spTree>
     <p:extLst>
       <p:ext uri="{BB962C8B-B14F-4D97-AF65-F5344CB8AC3E}">
-        <p14:creationId xmlns:p14="http://schemas.microsoft.com/office/powerpoint/2010/main" val="1995768277"/>
+        <p14:creationId xmlns:p14="http://schemas.microsoft.com/office/powerpoint/2010/main" xmlns="" val="1995768277"/>
       </p:ext>
     </p:extLst>
   </p:cSld>
   <p:clrMapOvr>
     <a:masterClrMapping/>
   </p:clrMapOvr>
-  <mc:AlternateContent xmlns:mc="http://schemas.openxmlformats.org/markup-compatibility/2006" xmlns:p14="http://schemas.microsoft.com/office/powerpoint/2010/main">
-    <mc:Choice Requires="p14">
+  <mc:AlternateContent xmlns:mc="http://schemas.openxmlformats.org/markup-compatibility/2006">
+    <mc:Choice xmlns:p14="http://schemas.microsoft.com/office/powerpoint/2010/main" xmlns="" Requires="p14">
       <p:transition spd="slow" p14:dur="2000" advTm="173"/>
     </mc:Choice>
-    <mc:Fallback xmlns="">
+    <mc:Fallback>
       <p:transition spd="slow" advTm="173"/>
     </mc:Fallback>
   </mc:AlternateContent>
@@ -5957,7 +6025,7 @@
         <p:spPr>
           <a:xfrm>
             <a:off x="10563844" y="6491887"/>
-            <a:ext cx="1380506" cy="369332"/>
+            <a:ext cx="1508746" cy="369332"/>
           </a:xfrm>
           <a:prstGeom prst="rect">
             <a:avLst/>
@@ -5978,11 +6046,11 @@
               <a:t>Слайд № </a:t>
             </a:r>
             <a:r>
-              <a:rPr lang="en-US" dirty="0">
+              <a:rPr lang="ru-RU" dirty="0" smtClean="0">
                 <a:latin typeface="Arial" panose="020B0604020202020204" pitchFamily="34" charset="0"/>
                 <a:cs typeface="Arial" panose="020B0604020202020204" pitchFamily="34" charset="0"/>
               </a:rPr>
-              <a:t>9</a:t>
+              <a:t>10</a:t>
             </a:r>
             <a:endParaRPr lang="ru-RU" dirty="0">
               <a:latin typeface="Arial" panose="020B0604020202020204" pitchFamily="34" charset="0"/>
@@ -6054,12 +6122,16 @@
               </a:lnSpc>
             </a:pPr>
             <a:r>
-              <a:rPr lang="ru-RU" sz="3200" b="1" dirty="0">
+              <a:rPr lang="ru-RU" sz="3200" b="1" dirty="0" smtClean="0">
                 <a:latin typeface="Arial" panose="020B0604020202020204" pitchFamily="34" charset="0"/>
                 <a:cs typeface="Arial" panose="020B0604020202020204" pitchFamily="34" charset="0"/>
               </a:rPr>
-              <a:t>Алгоритм передачи данных</a:t>
-            </a:r>
+              <a:t>Итоги: проделанная автором работа</a:t>
+            </a:r>
+            <a:endParaRPr lang="ru-RU" sz="3200" b="1" dirty="0">
+              <a:latin typeface="Arial" panose="020B0604020202020204" pitchFamily="34" charset="0"/>
+              <a:cs typeface="Arial" panose="020B0604020202020204" pitchFamily="34" charset="0"/>
+            </a:endParaRPr>
           </a:p>
         </p:txBody>
       </p:sp>
@@ -6107,7 +6179,7 @@
           <a:blip r:embed="rId3" cstate="print">
             <a:extLst>
               <a:ext uri="{28A0092B-C50C-407E-A947-70E740481C1C}">
-                <a14:useLocalDpi xmlns:a14="http://schemas.microsoft.com/office/drawing/2010/main" val="0"/>
+                <a14:useLocalDpi xmlns:a14="http://schemas.microsoft.com/office/drawing/2010/main" xmlns="" val="0"/>
               </a:ext>
             </a:extLst>
           </a:blip>
@@ -6127,7 +6199,7 @@
           <a:noFill/>
           <a:extLst>
             <a:ext uri="{909E8E84-426E-40DD-AFC4-6F175D3DCCD1}">
-              <a14:hiddenFill xmlns:a14="http://schemas.microsoft.com/office/drawing/2010/main">
+              <a14:hiddenFill xmlns:a14="http://schemas.microsoft.com/office/drawing/2010/main" xmlns="">
                 <a:solidFill>
                   <a:srgbClr val="FFFFFF"/>
                 </a:solidFill>
@@ -6136,39 +6208,530 @@
           </a:extLst>
         </p:spPr>
       </p:pic>
-      <p:pic>
-        <p:nvPicPr>
-          <p:cNvPr id="2" name="Рисунок 1"/>
-          <p:cNvPicPr>
-            <a:picLocks noChangeAspect="1"/>
-          </p:cNvPicPr>
+      <p:sp>
+        <p:nvSpPr>
+          <p:cNvPr id="14" name="TextBox 13"/>
+          <p:cNvSpPr txBox="1"/>
           <p:nvPr/>
-        </p:nvPicPr>
-        <p:blipFill rotWithShape="1">
-          <a:blip r:embed="rId4">
-            <a:extLst>
-              <a:ext uri="{28A0092B-C50C-407E-A947-70E740481C1C}">
-                <a14:useLocalDpi xmlns:a14="http://schemas.microsoft.com/office/drawing/2010/main" val="0"/>
-              </a:ext>
-            </a:extLst>
-          </a:blip>
-          <a:srcRect t="3486" b="2089"/>
-          <a:stretch/>
-        </p:blipFill>
+        </p:nvSpPr>
         <p:spPr>
           <a:xfrm>
-            <a:off x="1488745" y="776399"/>
-            <a:ext cx="8847448" cy="5518533"/>
+            <a:off x="704850" y="819148"/>
+            <a:ext cx="10991850" cy="5632311"/>
           </a:xfrm>
           <a:prstGeom prst="rect">
             <a:avLst/>
           </a:prstGeom>
-        </p:spPr>
-      </p:pic>
+          <a:noFill/>
+        </p:spPr>
+        <p:txBody>
+          <a:bodyPr wrap="square" rtlCol="0">
+            <a:spAutoFit/>
+          </a:bodyPr>
+          <a:lstStyle/>
+          <a:p>
+            <a:pPr algn="just"/>
+            <a:r>
+              <a:rPr lang="ru-RU" b="1" dirty="0" smtClean="0">
+                <a:latin typeface="Arial" pitchFamily="34" charset="0"/>
+                <a:cs typeface="Arial" pitchFamily="34" charset="0"/>
+              </a:rPr>
+              <a:t>Разработано </a:t>
+            </a:r>
+            <a:r>
+              <a:rPr lang="ru-RU" b="1" dirty="0" smtClean="0">
+                <a:latin typeface="Arial" pitchFamily="34" charset="0"/>
+                <a:cs typeface="Arial" pitchFamily="34" charset="0"/>
+              </a:rPr>
+              <a:t>встроенное программное обеспечение на языке программирования Си, удовлетворяющее требованиям комплекса «АСТРОКАРД® - VIVO</a:t>
+            </a:r>
+            <a:r>
+              <a:rPr lang="ru-RU" b="1" dirty="0" smtClean="0">
+                <a:latin typeface="Arial" pitchFamily="34" charset="0"/>
+                <a:cs typeface="Arial" pitchFamily="34" charset="0"/>
+              </a:rPr>
+              <a:t>»:</a:t>
+            </a:r>
+            <a:endParaRPr lang="ru-RU" b="1" dirty="0" smtClean="0">
+              <a:latin typeface="Arial" pitchFamily="34" charset="0"/>
+              <a:cs typeface="Arial" pitchFamily="34" charset="0"/>
+            </a:endParaRPr>
+          </a:p>
+          <a:p>
+            <a:pPr algn="just">
+              <a:buFont typeface="Wingdings" pitchFamily="2" charset="2"/>
+              <a:buChar char="ü"/>
+            </a:pPr>
+            <a:endParaRPr lang="ru-RU" dirty="0" smtClean="0">
+              <a:latin typeface="Arial" pitchFamily="34" charset="0"/>
+              <a:cs typeface="Arial" pitchFamily="34" charset="0"/>
+            </a:endParaRPr>
+          </a:p>
+          <a:p>
+            <a:pPr algn="just">
+              <a:buFont typeface="Wingdings" pitchFamily="2" charset="2"/>
+              <a:buChar char="ü"/>
+            </a:pPr>
+            <a:r>
+              <a:rPr lang="ru-RU" dirty="0" smtClean="0">
+                <a:latin typeface="Arial" pitchFamily="34" charset="0"/>
+                <a:cs typeface="Arial" pitchFamily="34" charset="0"/>
+              </a:rPr>
+              <a:t> </a:t>
+            </a:r>
+            <a:r>
+              <a:rPr lang="ru-RU" dirty="0" smtClean="0">
+                <a:latin typeface="Arial" pitchFamily="34" charset="0"/>
+                <a:cs typeface="Arial" pitchFamily="34" charset="0"/>
+              </a:rPr>
+              <a:t>Реализованы задачи приема и обработки данных средствами ОСРВ </a:t>
+            </a:r>
+            <a:r>
+              <a:rPr lang="en-US" dirty="0" err="1" smtClean="0">
+                <a:latin typeface="Arial" pitchFamily="34" charset="0"/>
+                <a:cs typeface="Arial" pitchFamily="34" charset="0"/>
+              </a:rPr>
+              <a:t>FreeRTOS</a:t>
+            </a:r>
+            <a:endParaRPr lang="ru-RU" dirty="0" smtClean="0">
+              <a:latin typeface="Arial" pitchFamily="34" charset="0"/>
+              <a:cs typeface="Arial" pitchFamily="34" charset="0"/>
+            </a:endParaRPr>
+          </a:p>
+          <a:p>
+            <a:pPr algn="just">
+              <a:buFont typeface="Wingdings" pitchFamily="2" charset="2"/>
+              <a:buChar char="ü"/>
+            </a:pPr>
+            <a:r>
+              <a:rPr lang="ru-RU" dirty="0" smtClean="0">
+                <a:latin typeface="Arial" pitchFamily="34" charset="0"/>
+                <a:cs typeface="Arial" pitchFamily="34" charset="0"/>
+              </a:rPr>
+              <a:t> Реализованы </a:t>
+            </a:r>
+            <a:r>
+              <a:rPr lang="ru-RU" dirty="0" smtClean="0">
+                <a:latin typeface="Arial" pitchFamily="34" charset="0"/>
+                <a:cs typeface="Arial" pitchFamily="34" charset="0"/>
+              </a:rPr>
+              <a:t>взаимодействие и обмен данными между </a:t>
+            </a:r>
+            <a:r>
+              <a:rPr lang="ru-RU" dirty="0" smtClean="0">
+                <a:latin typeface="Arial" pitchFamily="34" charset="0"/>
+                <a:cs typeface="Arial" pitchFamily="34" charset="0"/>
+              </a:rPr>
+              <a:t>задачами</a:t>
+            </a:r>
+          </a:p>
+          <a:p>
+            <a:pPr algn="just">
+              <a:buFont typeface="Wingdings" pitchFamily="2" charset="2"/>
+              <a:buChar char="ü"/>
+            </a:pPr>
+            <a:r>
+              <a:rPr lang="ru-RU" dirty="0" smtClean="0">
+                <a:latin typeface="Arial" pitchFamily="34" charset="0"/>
+                <a:cs typeface="Arial" pitchFamily="34" charset="0"/>
+              </a:rPr>
+              <a:t> Реализован протокол передачи данных между устройством и медицинским компьютером</a:t>
+            </a:r>
+          </a:p>
+          <a:p>
+            <a:pPr algn="just">
+              <a:buFont typeface="Wingdings" pitchFamily="2" charset="2"/>
+              <a:buChar char="ü"/>
+            </a:pPr>
+            <a:r>
+              <a:rPr lang="ru-RU" dirty="0" smtClean="0">
+                <a:latin typeface="Arial" pitchFamily="34" charset="0"/>
+                <a:cs typeface="Arial" pitchFamily="34" charset="0"/>
+              </a:rPr>
+              <a:t> Реализована </a:t>
+            </a:r>
+            <a:r>
+              <a:rPr lang="ru-RU" dirty="0" smtClean="0">
+                <a:latin typeface="Arial" pitchFamily="34" charset="0"/>
+                <a:cs typeface="Arial" pitchFamily="34" charset="0"/>
+              </a:rPr>
+              <a:t>простейшая система </a:t>
+            </a:r>
+            <a:r>
+              <a:rPr lang="ru-RU" dirty="0" smtClean="0">
+                <a:latin typeface="Arial" pitchFamily="34" charset="0"/>
+                <a:cs typeface="Arial" pitchFamily="34" charset="0"/>
+              </a:rPr>
+              <a:t>тревог</a:t>
+            </a:r>
+          </a:p>
+          <a:p>
+            <a:pPr algn="just">
+              <a:buFont typeface="Wingdings" pitchFamily="2" charset="2"/>
+              <a:buChar char="ü"/>
+            </a:pPr>
+            <a:endParaRPr lang="ru-RU" dirty="0" smtClean="0">
+              <a:latin typeface="Arial" pitchFamily="34" charset="0"/>
+              <a:cs typeface="Arial" pitchFamily="34" charset="0"/>
+            </a:endParaRPr>
+          </a:p>
+          <a:p>
+            <a:pPr algn="just"/>
+            <a:r>
+              <a:rPr lang="ru-RU" b="1" dirty="0" smtClean="0">
+                <a:latin typeface="Arial" pitchFamily="34" charset="0"/>
+                <a:cs typeface="Arial" pitchFamily="34" charset="0"/>
+              </a:rPr>
+              <a:t>Реализованы </a:t>
+            </a:r>
+            <a:r>
+              <a:rPr lang="ru-RU" b="1" dirty="0" smtClean="0">
+                <a:latin typeface="Arial" pitchFamily="34" charset="0"/>
+                <a:cs typeface="Arial" pitchFamily="34" charset="0"/>
+              </a:rPr>
+              <a:t>схемотехнические решения направленные на улучшение работы комплекса «АСТРОКАРД® - VIVO</a:t>
+            </a:r>
+            <a:r>
+              <a:rPr lang="ru-RU" b="1" dirty="0" smtClean="0">
+                <a:latin typeface="Arial" pitchFamily="34" charset="0"/>
+                <a:cs typeface="Arial" pitchFamily="34" charset="0"/>
+              </a:rPr>
+              <a:t>»:</a:t>
+            </a:r>
+          </a:p>
+          <a:p>
+            <a:pPr algn="just"/>
+            <a:endParaRPr lang="ru-RU" dirty="0" smtClean="0">
+              <a:latin typeface="Arial" pitchFamily="34" charset="0"/>
+              <a:cs typeface="Arial" pitchFamily="34" charset="0"/>
+            </a:endParaRPr>
+          </a:p>
+          <a:p>
+            <a:pPr algn="just">
+              <a:buFont typeface="Wingdings" pitchFamily="2" charset="2"/>
+              <a:buChar char="ü"/>
+            </a:pPr>
+            <a:r>
+              <a:rPr lang="ru-RU" dirty="0" smtClean="0">
+                <a:latin typeface="Arial" pitchFamily="34" charset="0"/>
+                <a:cs typeface="Arial" pitchFamily="34" charset="0"/>
+              </a:rPr>
+              <a:t> Осуществлена </a:t>
+            </a:r>
+            <a:r>
+              <a:rPr lang="ru-RU" dirty="0" smtClean="0">
+                <a:latin typeface="Arial" pitchFamily="34" charset="0"/>
+                <a:cs typeface="Arial" pitchFamily="34" charset="0"/>
+              </a:rPr>
+              <a:t>замена микроконтроллера </a:t>
+            </a:r>
+            <a:r>
+              <a:rPr lang="en-US" dirty="0" smtClean="0">
+                <a:latin typeface="Arial" pitchFamily="34" charset="0"/>
+                <a:cs typeface="Arial" pitchFamily="34" charset="0"/>
+              </a:rPr>
+              <a:t>STM</a:t>
+            </a:r>
+            <a:r>
+              <a:rPr lang="ru-RU" dirty="0" smtClean="0">
+                <a:latin typeface="Arial" pitchFamily="34" charset="0"/>
+                <a:cs typeface="Arial" pitchFamily="34" charset="0"/>
+              </a:rPr>
+              <a:t>32</a:t>
+            </a:r>
+            <a:r>
+              <a:rPr lang="en-US" dirty="0" smtClean="0">
+                <a:latin typeface="Arial" pitchFamily="34" charset="0"/>
+                <a:cs typeface="Arial" pitchFamily="34" charset="0"/>
+              </a:rPr>
+              <a:t>F</a:t>
+            </a:r>
+            <a:r>
+              <a:rPr lang="ru-RU" dirty="0" smtClean="0">
+                <a:latin typeface="Arial" pitchFamily="34" charset="0"/>
+                <a:cs typeface="Arial" pitchFamily="34" charset="0"/>
+              </a:rPr>
+              <a:t>205</a:t>
+            </a:r>
+            <a:r>
+              <a:rPr lang="en-US" dirty="0" smtClean="0">
+                <a:latin typeface="Arial" pitchFamily="34" charset="0"/>
+                <a:cs typeface="Arial" pitchFamily="34" charset="0"/>
+              </a:rPr>
+              <a:t>RET </a:t>
+            </a:r>
+            <a:r>
+              <a:rPr lang="ru-RU" dirty="0" smtClean="0">
+                <a:latin typeface="Arial" pitchFamily="34" charset="0"/>
+                <a:cs typeface="Arial" pitchFamily="34" charset="0"/>
+              </a:rPr>
+              <a:t>на </a:t>
+            </a:r>
+            <a:r>
+              <a:rPr lang="en-US" dirty="0" smtClean="0">
+                <a:latin typeface="Arial" pitchFamily="34" charset="0"/>
+                <a:cs typeface="Arial" pitchFamily="34" charset="0"/>
+              </a:rPr>
+              <a:t>STM</a:t>
+            </a:r>
+            <a:r>
+              <a:rPr lang="ru-RU" dirty="0" smtClean="0">
+                <a:latin typeface="Arial" pitchFamily="34" charset="0"/>
+                <a:cs typeface="Arial" pitchFamily="34" charset="0"/>
+              </a:rPr>
+              <a:t>32</a:t>
+            </a:r>
+            <a:r>
+              <a:rPr lang="en-US" dirty="0" smtClean="0">
+                <a:latin typeface="Arial" pitchFamily="34" charset="0"/>
+                <a:cs typeface="Arial" pitchFamily="34" charset="0"/>
+              </a:rPr>
+              <a:t>F</a:t>
+            </a:r>
+            <a:r>
+              <a:rPr lang="ru-RU" dirty="0" smtClean="0">
+                <a:latin typeface="Arial" pitchFamily="34" charset="0"/>
+                <a:cs typeface="Arial" pitchFamily="34" charset="0"/>
+              </a:rPr>
+              <a:t>413</a:t>
+            </a:r>
+            <a:r>
+              <a:rPr lang="en-US" dirty="0" smtClean="0">
+                <a:latin typeface="Arial" pitchFamily="34" charset="0"/>
+                <a:cs typeface="Arial" pitchFamily="34" charset="0"/>
+              </a:rPr>
+              <a:t>VGT</a:t>
+            </a:r>
+            <a:endParaRPr lang="ru-RU" dirty="0" smtClean="0">
+              <a:latin typeface="Arial" pitchFamily="34" charset="0"/>
+              <a:cs typeface="Arial" pitchFamily="34" charset="0"/>
+            </a:endParaRPr>
+          </a:p>
+          <a:p>
+            <a:pPr algn="just">
+              <a:buFont typeface="Wingdings" pitchFamily="2" charset="2"/>
+              <a:buChar char="ü"/>
+            </a:pPr>
+            <a:r>
+              <a:rPr lang="ru-RU" dirty="0" smtClean="0">
+                <a:latin typeface="Arial" pitchFamily="34" charset="0"/>
+                <a:cs typeface="Arial" pitchFamily="34" charset="0"/>
+              </a:rPr>
+              <a:t> Спроектирован </a:t>
+            </a:r>
+            <a:r>
+              <a:rPr lang="ru-RU" dirty="0" smtClean="0">
+                <a:latin typeface="Arial" pitchFamily="34" charset="0"/>
+                <a:cs typeface="Arial" pitchFamily="34" charset="0"/>
+              </a:rPr>
+              <a:t>резервный канал измерения давления на базе микроконтроллера </a:t>
+            </a:r>
+            <a:r>
+              <a:rPr lang="en-US" dirty="0" smtClean="0">
+                <a:latin typeface="Arial" pitchFamily="34" charset="0"/>
+                <a:cs typeface="Arial" pitchFamily="34" charset="0"/>
+              </a:rPr>
+              <a:t>STM</a:t>
+            </a:r>
+            <a:r>
+              <a:rPr lang="ru-RU" dirty="0" smtClean="0">
+                <a:latin typeface="Arial" pitchFamily="34" charset="0"/>
+                <a:cs typeface="Arial" pitchFamily="34" charset="0"/>
+              </a:rPr>
+              <a:t>32</a:t>
+            </a:r>
+            <a:r>
+              <a:rPr lang="en-US" dirty="0" smtClean="0">
+                <a:latin typeface="Arial" pitchFamily="34" charset="0"/>
+                <a:cs typeface="Arial" pitchFamily="34" charset="0"/>
+              </a:rPr>
+              <a:t>L</a:t>
+            </a:r>
+            <a:r>
+              <a:rPr lang="ru-RU" dirty="0" smtClean="0">
+                <a:latin typeface="Arial" pitchFamily="34" charset="0"/>
+                <a:cs typeface="Arial" pitchFamily="34" charset="0"/>
+              </a:rPr>
+              <a:t>412</a:t>
+            </a:r>
+            <a:r>
+              <a:rPr lang="en-US" dirty="0" smtClean="0">
+                <a:latin typeface="Arial" pitchFamily="34" charset="0"/>
+                <a:cs typeface="Arial" pitchFamily="34" charset="0"/>
+              </a:rPr>
+              <a:t>KBU</a:t>
+            </a:r>
+            <a:endParaRPr lang="ru-RU" dirty="0" smtClean="0">
+              <a:latin typeface="Arial" pitchFamily="34" charset="0"/>
+              <a:cs typeface="Arial" pitchFamily="34" charset="0"/>
+            </a:endParaRPr>
+          </a:p>
+          <a:p>
+            <a:pPr lvl="0" algn="just">
+              <a:buFont typeface="Wingdings" pitchFamily="2" charset="2"/>
+              <a:buChar char="ü"/>
+            </a:pPr>
+            <a:r>
+              <a:rPr lang="ru-RU" dirty="0" smtClean="0">
+                <a:latin typeface="Arial" pitchFamily="34" charset="0"/>
+                <a:cs typeface="Arial" pitchFamily="34" charset="0"/>
+              </a:rPr>
+              <a:t> В </a:t>
+            </a:r>
+            <a:r>
+              <a:rPr lang="ru-RU" dirty="0" smtClean="0">
+                <a:latin typeface="Arial" pitchFamily="34" charset="0"/>
+                <a:cs typeface="Arial" pitchFamily="34" charset="0"/>
+              </a:rPr>
+              <a:t>схему </a:t>
+            </a:r>
+            <a:r>
+              <a:rPr lang="ru-RU" dirty="0" smtClean="0">
+                <a:latin typeface="Arial" pitchFamily="34" charset="0"/>
+                <a:cs typeface="Arial" pitchFamily="34" charset="0"/>
+              </a:rPr>
+              <a:t>регистрации фотоплетизмограммы добавлены </a:t>
+            </a:r>
+            <a:r>
+              <a:rPr lang="ru-RU" dirty="0" smtClean="0">
+                <a:latin typeface="Arial" pitchFamily="34" charset="0"/>
+                <a:cs typeface="Arial" pitchFamily="34" charset="0"/>
+              </a:rPr>
+              <a:t>индуктивные фильтры подавления электромагнитных помех BLM18</a:t>
+            </a:r>
+          </a:p>
+          <a:p>
+            <a:pPr algn="just">
+              <a:buFont typeface="Wingdings" pitchFamily="2" charset="2"/>
+              <a:buChar char="ü"/>
+            </a:pPr>
+            <a:r>
+              <a:rPr lang="ru-RU" dirty="0" smtClean="0">
+                <a:latin typeface="Arial" pitchFamily="34" charset="0"/>
+                <a:cs typeface="Arial" pitchFamily="34" charset="0"/>
+              </a:rPr>
+              <a:t> Реализовано </a:t>
+            </a:r>
+            <a:r>
+              <a:rPr lang="ru-RU" dirty="0" smtClean="0">
+                <a:latin typeface="Arial" pitchFamily="34" charset="0"/>
+                <a:cs typeface="Arial" pitchFamily="34" charset="0"/>
+              </a:rPr>
+              <a:t>взаимодействие между микросхемами </a:t>
+            </a:r>
+            <a:r>
+              <a:rPr lang="en-US" dirty="0" smtClean="0">
+                <a:latin typeface="Arial" pitchFamily="34" charset="0"/>
+                <a:cs typeface="Arial" pitchFamily="34" charset="0"/>
+              </a:rPr>
+              <a:t>ADS</a:t>
+            </a:r>
+            <a:r>
+              <a:rPr lang="ru-RU" dirty="0" smtClean="0">
+                <a:latin typeface="Arial" pitchFamily="34" charset="0"/>
+                <a:cs typeface="Arial" pitchFamily="34" charset="0"/>
+              </a:rPr>
+              <a:t>1298 и </a:t>
+            </a:r>
+            <a:r>
+              <a:rPr lang="en-US" dirty="0" smtClean="0">
+                <a:latin typeface="Arial" pitchFamily="34" charset="0"/>
+                <a:cs typeface="Arial" pitchFamily="34" charset="0"/>
+              </a:rPr>
+              <a:t>ADS</a:t>
+            </a:r>
+            <a:r>
+              <a:rPr lang="ru-RU" dirty="0" smtClean="0">
+                <a:latin typeface="Arial" pitchFamily="34" charset="0"/>
+                <a:cs typeface="Arial" pitchFamily="34" charset="0"/>
+              </a:rPr>
+              <a:t>1292 средствами одного интерфейса </a:t>
+            </a:r>
+            <a:r>
+              <a:rPr lang="en-US" dirty="0" smtClean="0">
+                <a:latin typeface="Arial" pitchFamily="34" charset="0"/>
+                <a:cs typeface="Arial" pitchFamily="34" charset="0"/>
+              </a:rPr>
+              <a:t>SPI</a:t>
+            </a:r>
+            <a:endParaRPr lang="ru-RU" dirty="0" smtClean="0">
+              <a:latin typeface="Arial" pitchFamily="34" charset="0"/>
+              <a:cs typeface="Arial" pitchFamily="34" charset="0"/>
+            </a:endParaRPr>
+          </a:p>
+          <a:p>
+            <a:pPr algn="just">
+              <a:buFont typeface="Wingdings" pitchFamily="2" charset="2"/>
+              <a:buChar char="ü"/>
+            </a:pPr>
+            <a:r>
+              <a:rPr lang="ru-RU" dirty="0" smtClean="0">
+                <a:latin typeface="Arial" pitchFamily="34" charset="0"/>
+                <a:cs typeface="Arial" pitchFamily="34" charset="0"/>
+              </a:rPr>
+              <a:t> Добавлены </a:t>
+            </a:r>
+            <a:r>
+              <a:rPr lang="ru-RU" dirty="0" smtClean="0">
+                <a:latin typeface="Arial" pitchFamily="34" charset="0"/>
+                <a:cs typeface="Arial" pitchFamily="34" charset="0"/>
+              </a:rPr>
+              <a:t>элементы звуковой и световой тревожной </a:t>
+            </a:r>
+            <a:r>
+              <a:rPr lang="ru-RU" dirty="0" smtClean="0">
+                <a:latin typeface="Arial" pitchFamily="34" charset="0"/>
+                <a:cs typeface="Arial" pitchFamily="34" charset="0"/>
+              </a:rPr>
+              <a:t>сигнализации</a:t>
+            </a:r>
+          </a:p>
+          <a:p>
+            <a:pPr algn="just">
+              <a:buFont typeface="Wingdings" pitchFamily="2" charset="2"/>
+              <a:buChar char="ü"/>
+            </a:pPr>
+            <a:r>
+              <a:rPr lang="ru-RU" dirty="0" smtClean="0">
+                <a:latin typeface="Arial" pitchFamily="34" charset="0"/>
+                <a:cs typeface="Arial" pitchFamily="34" charset="0"/>
+              </a:rPr>
+              <a:t> Произведена </a:t>
+            </a:r>
+            <a:r>
+              <a:rPr lang="ru-RU" dirty="0" smtClean="0">
+                <a:latin typeface="Arial" pitchFamily="34" charset="0"/>
+                <a:cs typeface="Arial" pitchFamily="34" charset="0"/>
+              </a:rPr>
+              <a:t>компоновка </a:t>
+            </a:r>
+            <a:r>
+              <a:rPr lang="ru-RU" dirty="0" smtClean="0">
+                <a:latin typeface="Arial" pitchFamily="34" charset="0"/>
+                <a:cs typeface="Arial" pitchFamily="34" charset="0"/>
+              </a:rPr>
+              <a:t>электронных компонентов </a:t>
+            </a:r>
+            <a:r>
+              <a:rPr lang="ru-RU" dirty="0" smtClean="0">
+                <a:latin typeface="Arial" pitchFamily="34" charset="0"/>
+                <a:cs typeface="Arial" pitchFamily="34" charset="0"/>
+              </a:rPr>
+              <a:t>и выполнена трассировка платы</a:t>
+            </a:r>
+          </a:p>
+          <a:p>
+            <a:endParaRPr lang="ru-RU" dirty="0">
+              <a:latin typeface="Arial" panose="020B0604020202020204" pitchFamily="34" charset="0"/>
+              <a:cs typeface="Arial" panose="020B0604020202020204" pitchFamily="34" charset="0"/>
+            </a:endParaRPr>
+          </a:p>
+        </p:txBody>
+      </p:sp>
     </p:spTree>
     <p:extLst>
       <p:ext uri="{BB962C8B-B14F-4D97-AF65-F5344CB8AC3E}">
-        <p14:creationId xmlns:p14="http://schemas.microsoft.com/office/powerpoint/2010/main" val="301235932"/>
+        <p14:creationId xmlns:p14="http://schemas.microsoft.com/office/powerpoint/2010/main" xmlns="" val="301235932"/>
       </p:ext>
     </p:extLst>
   </p:cSld>
@@ -6195,45 +6758,6 @@
           <a:chExt cx="0" cy="0"/>
         </a:xfrm>
       </p:grpSpPr>
-      <p:pic>
-        <p:nvPicPr>
-          <p:cNvPr id="14" name="Рисунок 13"/>
-          <p:cNvPicPr>
-            <a:picLocks noChangeAspect="1"/>
-          </p:cNvPicPr>
-          <p:nvPr/>
-        </p:nvPicPr>
-        <p:blipFill>
-          <a:blip r:embed="rId3" cstate="print">
-            <a:extLst>
-              <a:ext uri="{BEBA8EAE-BF5A-486C-A8C5-ECC9F3942E4B}">
-                <a14:imgProps xmlns:a14="http://schemas.microsoft.com/office/drawing/2010/main">
-                  <a14:imgLayer r:embed="rId4">
-                    <a14:imgEffect>
-                      <a14:brightnessContrast bright="40000" contrast="-40000"/>
-                    </a14:imgEffect>
-                  </a14:imgLayer>
-                </a14:imgProps>
-              </a:ext>
-              <a:ext uri="{28A0092B-C50C-407E-A947-70E740481C1C}">
-                <a14:useLocalDpi xmlns:a14="http://schemas.microsoft.com/office/drawing/2010/main" val="0"/>
-              </a:ext>
-            </a:extLst>
-          </a:blip>
-          <a:stretch>
-            <a:fillRect/>
-          </a:stretch>
-        </p:blipFill>
-        <p:spPr>
-          <a:xfrm>
-            <a:off x="7546693" y="2949997"/>
-            <a:ext cx="4397657" cy="3274979"/>
-          </a:xfrm>
-          <a:prstGeom prst="rect">
-            <a:avLst/>
-          </a:prstGeom>
-        </p:spPr>
-      </p:pic>
       <p:cxnSp>
         <p:nvCxnSpPr>
           <p:cNvPr id="5" name="Прямая соединительная линия 4"/>
@@ -6278,7 +6802,7 @@
         <p:spPr>
           <a:xfrm>
             <a:off x="10563844" y="6491887"/>
-            <a:ext cx="1508746" cy="369332"/>
+            <a:ext cx="1491627" cy="369332"/>
           </a:xfrm>
           <a:prstGeom prst="rect">
             <a:avLst/>
@@ -6296,8 +6820,19 @@
                 <a:latin typeface="Arial" panose="020B0604020202020204" pitchFamily="34" charset="0"/>
                 <a:cs typeface="Arial" panose="020B0604020202020204" pitchFamily="34" charset="0"/>
               </a:rPr>
-              <a:t>Слайд № 10</a:t>
-            </a:r>
+              <a:t>Слайд № </a:t>
+            </a:r>
+            <a:r>
+              <a:rPr lang="ru-RU" dirty="0" smtClean="0">
+                <a:latin typeface="Arial" panose="020B0604020202020204" pitchFamily="34" charset="0"/>
+                <a:cs typeface="Arial" panose="020B0604020202020204" pitchFamily="34" charset="0"/>
+              </a:rPr>
+              <a:t>11</a:t>
+            </a:r>
+            <a:endParaRPr lang="ru-RU" dirty="0">
+              <a:latin typeface="Arial" panose="020B0604020202020204" pitchFamily="34" charset="0"/>
+              <a:cs typeface="Arial" panose="020B0604020202020204" pitchFamily="34" charset="0"/>
+            </a:endParaRPr>
           </a:p>
         </p:txBody>
       </p:sp>
@@ -6345,7 +6880,7 @@
         <p:spPr>
           <a:xfrm>
             <a:off x="986971" y="-87084"/>
-            <a:ext cx="10957379" cy="739754"/>
+            <a:ext cx="10957379" cy="830997"/>
           </a:xfrm>
           <a:prstGeom prst="rect">
             <a:avLst/>
@@ -6364,12 +6899,16 @@
               </a:lnSpc>
             </a:pPr>
             <a:r>
-              <a:rPr lang="ru-RU" sz="3200" b="1" dirty="0">
+              <a:rPr lang="ru-RU" sz="3200" b="1" dirty="0" smtClean="0">
                 <a:latin typeface="Arial" panose="020B0604020202020204" pitchFamily="34" charset="0"/>
                 <a:cs typeface="Arial" panose="020B0604020202020204" pitchFamily="34" charset="0"/>
               </a:rPr>
-              <a:t>ИТОГИ</a:t>
-            </a:r>
+              <a:t>Итоги: вывод регистрируемых параметров на экран</a:t>
+            </a:r>
+            <a:endParaRPr lang="ru-RU" sz="3200" b="1" dirty="0">
+              <a:latin typeface="Arial" panose="020B0604020202020204" pitchFamily="34" charset="0"/>
+              <a:cs typeface="Arial" panose="020B0604020202020204" pitchFamily="34" charset="0"/>
+            </a:endParaRPr>
           </a:p>
         </p:txBody>
       </p:sp>
@@ -6414,10 +6953,10 @@
           <p:nvPr/>
         </p:nvPicPr>
         <p:blipFill>
-          <a:blip r:embed="rId5" cstate="print">
+          <a:blip r:embed="rId3" cstate="print">
             <a:extLst>
               <a:ext uri="{28A0092B-C50C-407E-A947-70E740481C1C}">
-                <a14:useLocalDpi xmlns:a14="http://schemas.microsoft.com/office/drawing/2010/main" val="0"/>
+                <a14:useLocalDpi xmlns:a14="http://schemas.microsoft.com/office/drawing/2010/main" xmlns="" val="0"/>
               </a:ext>
             </a:extLst>
           </a:blip>
@@ -6437,7 +6976,7 @@
           <a:noFill/>
           <a:extLst>
             <a:ext uri="{909E8E84-426E-40DD-AFC4-6F175D3DCCD1}">
-              <a14:hiddenFill xmlns:a14="http://schemas.microsoft.com/office/drawing/2010/main">
+              <a14:hiddenFill xmlns:a14="http://schemas.microsoft.com/office/drawing/2010/main" xmlns="">
                 <a:solidFill>
                   <a:srgbClr val="FFFFFF"/>
                 </a:solidFill>
@@ -6446,148 +6985,10 @@
           </a:extLst>
         </p:spPr>
       </p:pic>
-      <p:sp>
-        <p:nvSpPr>
-          <p:cNvPr id="4" name="TextBox 3"/>
-          <p:cNvSpPr txBox="1"/>
-          <p:nvPr/>
-        </p:nvSpPr>
-        <p:spPr>
-          <a:xfrm>
-            <a:off x="279400" y="1446835"/>
-            <a:ext cx="10303013" cy="3477875"/>
-          </a:xfrm>
-          <a:prstGeom prst="rect">
-            <a:avLst/>
-          </a:prstGeom>
-          <a:noFill/>
-        </p:spPr>
-        <p:txBody>
-          <a:bodyPr wrap="none" rtlCol="0">
-            <a:spAutoFit/>
-          </a:bodyPr>
-          <a:lstStyle/>
-          <a:p>
-            <a:r>
-              <a:rPr lang="en-US" sz="2200" b="1" dirty="0">
-                <a:latin typeface="Arial" panose="020B0604020202020204" pitchFamily="34" charset="0"/>
-                <a:cs typeface="Arial" panose="020B0604020202020204" pitchFamily="34" charset="0"/>
-              </a:rPr>
-              <a:t>1. </a:t>
-            </a:r>
-            <a:r>
-              <a:rPr lang="ru-RU" sz="2200" dirty="0">
-                <a:latin typeface="Arial" panose="020B0604020202020204" pitchFamily="34" charset="0"/>
-                <a:cs typeface="Arial" panose="020B0604020202020204" pitchFamily="34" charset="0"/>
-              </a:rPr>
-              <a:t>Разработан прибор, соответствующий требованиям технического задания</a:t>
-            </a:r>
-          </a:p>
-          <a:p>
-            <a:pPr marL="342900" indent="-342900">
-              <a:buAutoNum type="arabicPeriod"/>
-            </a:pPr>
-            <a:endParaRPr lang="ru-RU" sz="2200" dirty="0">
-              <a:latin typeface="Arial" panose="020B0604020202020204" pitchFamily="34" charset="0"/>
-              <a:cs typeface="Arial" panose="020B0604020202020204" pitchFamily="34" charset="0"/>
-            </a:endParaRPr>
-          </a:p>
-          <a:p>
-            <a:endParaRPr lang="ru-RU" sz="2200" dirty="0">
-              <a:latin typeface="Arial" panose="020B0604020202020204" pitchFamily="34" charset="0"/>
-              <a:cs typeface="Arial" panose="020B0604020202020204" pitchFamily="34" charset="0"/>
-            </a:endParaRPr>
-          </a:p>
-          <a:p>
-            <a:pPr marL="342900" indent="-342900">
-              <a:buAutoNum type="arabicPeriod"/>
-            </a:pPr>
-            <a:endParaRPr lang="ru-RU" sz="2200" dirty="0">
-              <a:latin typeface="Arial" panose="020B0604020202020204" pitchFamily="34" charset="0"/>
-              <a:cs typeface="Arial" panose="020B0604020202020204" pitchFamily="34" charset="0"/>
-            </a:endParaRPr>
-          </a:p>
-          <a:p>
-            <a:r>
-              <a:rPr lang="en-US" sz="2200" b="1" dirty="0">
-                <a:latin typeface="Arial" panose="020B0604020202020204" pitchFamily="34" charset="0"/>
-                <a:cs typeface="Arial" panose="020B0604020202020204" pitchFamily="34" charset="0"/>
-              </a:rPr>
-              <a:t>2.</a:t>
-            </a:r>
-            <a:r>
-              <a:rPr lang="ru-RU" sz="2200" b="1" dirty="0">
-                <a:latin typeface="Arial" panose="020B0604020202020204" pitchFamily="34" charset="0"/>
-                <a:cs typeface="Arial" panose="020B0604020202020204" pitchFamily="34" charset="0"/>
-              </a:rPr>
-              <a:t> </a:t>
-            </a:r>
-            <a:r>
-              <a:rPr lang="ru-RU" sz="2200" dirty="0">
-                <a:latin typeface="Arial" panose="020B0604020202020204" pitchFamily="34" charset="0"/>
-                <a:cs typeface="Arial" panose="020B0604020202020204" pitchFamily="34" charset="0"/>
-              </a:rPr>
-              <a:t>Разработана файловая система для хранения данных ЭКГ</a:t>
-            </a:r>
-          </a:p>
-          <a:p>
-            <a:pPr marL="342900" indent="-342900">
-              <a:buAutoNum type="arabicPeriod"/>
-            </a:pPr>
-            <a:endParaRPr lang="ru-RU" sz="2200" dirty="0">
-              <a:latin typeface="Arial" panose="020B0604020202020204" pitchFamily="34" charset="0"/>
-              <a:cs typeface="Arial" panose="020B0604020202020204" pitchFamily="34" charset="0"/>
-            </a:endParaRPr>
-          </a:p>
-          <a:p>
-            <a:pPr marL="342900" indent="-342900">
-              <a:buAutoNum type="arabicPeriod"/>
-            </a:pPr>
-            <a:endParaRPr lang="ru-RU" sz="2200" dirty="0">
-              <a:latin typeface="Arial" panose="020B0604020202020204" pitchFamily="34" charset="0"/>
-              <a:cs typeface="Arial" panose="020B0604020202020204" pitchFamily="34" charset="0"/>
-            </a:endParaRPr>
-          </a:p>
-          <a:p>
-            <a:pPr marL="342900" indent="-342900">
-              <a:buAutoNum type="arabicPeriod"/>
-            </a:pPr>
-            <a:endParaRPr lang="ru-RU" sz="2200" dirty="0">
-              <a:latin typeface="Arial" panose="020B0604020202020204" pitchFamily="34" charset="0"/>
-              <a:cs typeface="Arial" panose="020B0604020202020204" pitchFamily="34" charset="0"/>
-            </a:endParaRPr>
-          </a:p>
-          <a:p>
-            <a:pPr marL="342900" indent="-342900">
-              <a:buAutoNum type="arabicPeriod"/>
-            </a:pPr>
-            <a:endParaRPr lang="ru-RU" sz="2200" dirty="0">
-              <a:latin typeface="Arial" panose="020B0604020202020204" pitchFamily="34" charset="0"/>
-              <a:cs typeface="Arial" panose="020B0604020202020204" pitchFamily="34" charset="0"/>
-            </a:endParaRPr>
-          </a:p>
-          <a:p>
-            <a:r>
-              <a:rPr lang="en-US" sz="2200" b="1" dirty="0">
-                <a:latin typeface="Arial" panose="020B0604020202020204" pitchFamily="34" charset="0"/>
-                <a:cs typeface="Arial" panose="020B0604020202020204" pitchFamily="34" charset="0"/>
-              </a:rPr>
-              <a:t>3. </a:t>
-            </a:r>
-            <a:r>
-              <a:rPr lang="ru-RU" sz="2200" dirty="0">
-                <a:latin typeface="Arial" panose="020B0604020202020204" pitchFamily="34" charset="0"/>
-                <a:cs typeface="Arial" panose="020B0604020202020204" pitchFamily="34" charset="0"/>
-              </a:rPr>
-              <a:t>На практике подтверждены инженерные решения</a:t>
-            </a:r>
-          </a:p>
-        </p:txBody>
-      </p:sp>
     </p:spTree>
     <p:extLst>
       <p:ext uri="{BB962C8B-B14F-4D97-AF65-F5344CB8AC3E}">
-        <p14:creationId xmlns:p14="http://schemas.microsoft.com/office/powerpoint/2010/main" val="3373546666"/>
+        <p14:creationId xmlns:p14="http://schemas.microsoft.com/office/powerpoint/2010/main" xmlns="" val="301235932"/>
       </p:ext>
     </p:extLst>
   </p:cSld>
@@ -6658,7 +7059,7 @@
         <p:spPr>
           <a:xfrm>
             <a:off x="10563844" y="6491887"/>
-            <a:ext cx="1491627" cy="369332"/>
+            <a:ext cx="1508746" cy="369332"/>
           </a:xfrm>
           <a:prstGeom prst="rect">
             <a:avLst/>
@@ -6676,8 +7077,19 @@
                 <a:latin typeface="Arial" panose="020B0604020202020204" pitchFamily="34" charset="0"/>
                 <a:cs typeface="Arial" panose="020B0604020202020204" pitchFamily="34" charset="0"/>
               </a:rPr>
-              <a:t>Слайд № 11</a:t>
-            </a:r>
+              <a:t>Слайд № </a:t>
+            </a:r>
+            <a:r>
+              <a:rPr lang="ru-RU" dirty="0" smtClean="0">
+                <a:latin typeface="Arial" panose="020B0604020202020204" pitchFamily="34" charset="0"/>
+                <a:cs typeface="Arial" panose="020B0604020202020204" pitchFamily="34" charset="0"/>
+              </a:rPr>
+              <a:t>12</a:t>
+            </a:r>
+            <a:endParaRPr lang="ru-RU" dirty="0">
+              <a:latin typeface="Arial" panose="020B0604020202020204" pitchFamily="34" charset="0"/>
+              <a:cs typeface="Arial" panose="020B0604020202020204" pitchFamily="34" charset="0"/>
+            </a:endParaRPr>
           </a:p>
         </p:txBody>
       </p:sp>
@@ -6744,12 +7156,16 @@
               </a:lnSpc>
             </a:pPr>
             <a:r>
-              <a:rPr lang="ru-RU" sz="3200" b="1" dirty="0">
+              <a:rPr lang="ru-RU" sz="3200" b="1" dirty="0" smtClean="0">
                 <a:latin typeface="Arial" panose="020B0604020202020204" pitchFamily="34" charset="0"/>
                 <a:cs typeface="Arial" panose="020B0604020202020204" pitchFamily="34" charset="0"/>
               </a:rPr>
-              <a:t>КОМПЛЕКС ФУНКЦИОНИРУЕТ В :</a:t>
-            </a:r>
+              <a:t>Итоги: фото прототипа разработанной платы</a:t>
+            </a:r>
+            <a:endParaRPr lang="ru-RU" sz="3200" b="1" dirty="0">
+              <a:latin typeface="Arial" panose="020B0604020202020204" pitchFamily="34" charset="0"/>
+              <a:cs typeface="Arial" panose="020B0604020202020204" pitchFamily="34" charset="0"/>
+            </a:endParaRPr>
           </a:p>
         </p:txBody>
       </p:sp>
@@ -6785,1234 +7201,6 @@
           </a:p>
         </p:txBody>
       </p:sp>
-      <p:graphicFrame>
-        <p:nvGraphicFramePr>
-          <p:cNvPr id="3" name="Таблица 2"/>
-          <p:cNvGraphicFramePr>
-            <a:graphicFrameLocks noGrp="1"/>
-          </p:cNvGraphicFramePr>
-          <p:nvPr>
-            <p:extLst>
-              <p:ext uri="{D42A27DB-BD31-4B8C-83A1-F6EECF244321}">
-                <p14:modId xmlns:p14="http://schemas.microsoft.com/office/powerpoint/2010/main" val="4291441256"/>
-              </p:ext>
-            </p:extLst>
-          </p:nvPr>
-        </p:nvGraphicFramePr>
-        <p:xfrm>
-          <a:off x="293688" y="844405"/>
-          <a:ext cx="11650662" cy="5585788"/>
-        </p:xfrm>
-        <a:graphic>
-          <a:graphicData uri="http://schemas.openxmlformats.org/drawingml/2006/table">
-            <a:tbl>
-              <a:tblPr firstRow="1" firstCol="1" bandRow="1">
-                <a:tableStyleId>{5C22544A-7EE6-4342-B048-85BDC9FD1C3A}</a:tableStyleId>
-              </a:tblPr>
-              <a:tblGrid>
-                <a:gridCol w="5885582">
-                  <a:extLst>
-                    <a:ext uri="{9D8B030D-6E8A-4147-A177-3AD203B41FA5}">
-                      <a16:colId xmlns:a16="http://schemas.microsoft.com/office/drawing/2014/main" val="1180253805"/>
-                    </a:ext>
-                  </a:extLst>
-                </a:gridCol>
-                <a:gridCol w="5765080">
-                  <a:extLst>
-                    <a:ext uri="{9D8B030D-6E8A-4147-A177-3AD203B41FA5}">
-                      <a16:colId xmlns:a16="http://schemas.microsoft.com/office/drawing/2014/main" val="1089449277"/>
-                    </a:ext>
-                  </a:extLst>
-                </a:gridCol>
-              </a:tblGrid>
-              <a:tr h="381149">
-                <a:tc>
-                  <a:txBody>
-                    <a:bodyPr/>
-                    <a:lstStyle/>
-                    <a:p>
-                      <a:pPr algn="ctr">
-                        <a:spcBef>
-                          <a:spcPts val="1200"/>
-                        </a:spcBef>
-                        <a:spcAft>
-                          <a:spcPts val="0"/>
-                        </a:spcAft>
-                      </a:pPr>
-                      <a:r>
-                        <a:rPr lang="ru-RU" sz="2000" dirty="0">
-                          <a:solidFill>
-                            <a:schemeClr val="tx1"/>
-                          </a:solidFill>
-                          <a:effectLst/>
-                          <a:latin typeface="Arial" panose="020B0604020202020204" pitchFamily="34" charset="0"/>
-                          <a:cs typeface="Arial" panose="020B0604020202020204" pitchFamily="34" charset="0"/>
-                        </a:rPr>
-                        <a:t>Медицинское учреждение</a:t>
-                      </a:r>
-                    </a:p>
-                  </a:txBody>
-                  <a:tcPr marL="68580" marR="68580" marT="0" marB="0">
-                    <a:lnL w="12700" cap="flat" cmpd="sng" algn="ctr">
-                      <a:solidFill>
-                        <a:schemeClr val="tx1"/>
-                      </a:solidFill>
-                      <a:prstDash val="solid"/>
-                      <a:round/>
-                      <a:headEnd type="none" w="med" len="med"/>
-                      <a:tailEnd type="none" w="med" len="med"/>
-                    </a:lnL>
-                    <a:lnR w="12700" cap="flat" cmpd="sng" algn="ctr">
-                      <a:solidFill>
-                        <a:schemeClr val="tx1"/>
-                      </a:solidFill>
-                      <a:prstDash val="solid"/>
-                      <a:round/>
-                      <a:headEnd type="none" w="med" len="med"/>
-                      <a:tailEnd type="none" w="med" len="med"/>
-                    </a:lnR>
-                    <a:lnT w="12700" cap="flat" cmpd="sng" algn="ctr">
-                      <a:solidFill>
-                        <a:schemeClr val="tx1"/>
-                      </a:solidFill>
-                      <a:prstDash val="solid"/>
-                      <a:round/>
-                      <a:headEnd type="none" w="med" len="med"/>
-                      <a:tailEnd type="none" w="med" len="med"/>
-                    </a:lnT>
-                    <a:lnB w="12700" cap="flat" cmpd="sng" algn="ctr">
-                      <a:solidFill>
-                        <a:schemeClr val="tx1"/>
-                      </a:solidFill>
-                      <a:prstDash val="solid"/>
-                      <a:round/>
-                      <a:headEnd type="none" w="med" len="med"/>
-                      <a:tailEnd type="none" w="med" len="med"/>
-                    </a:lnB>
-                    <a:solidFill>
-                      <a:schemeClr val="bg1">
-                        <a:lumMod val="95000"/>
-                      </a:schemeClr>
-                    </a:solidFill>
-                  </a:tcPr>
-                </a:tc>
-                <a:tc>
-                  <a:txBody>
-                    <a:bodyPr/>
-                    <a:lstStyle/>
-                    <a:p>
-                      <a:pPr algn="ctr">
-                        <a:lnSpc>
-                          <a:spcPct val="107000"/>
-                        </a:lnSpc>
-                        <a:spcAft>
-                          <a:spcPts val="0"/>
-                        </a:spcAft>
-                      </a:pPr>
-                      <a:r>
-                        <a:rPr lang="ru-RU" sz="2000">
-                          <a:solidFill>
-                            <a:schemeClr val="tx1"/>
-                          </a:solidFill>
-                          <a:effectLst/>
-                          <a:latin typeface="Arial" panose="020B0604020202020204" pitchFamily="34" charset="0"/>
-                          <a:cs typeface="Arial" panose="020B0604020202020204" pitchFamily="34" charset="0"/>
-                        </a:rPr>
-                        <a:t>Отдел или подразделение</a:t>
-                      </a:r>
-                      <a:endParaRPr lang="ru-RU" sz="2000">
-                        <a:solidFill>
-                          <a:schemeClr val="tx1"/>
-                        </a:solidFill>
-                        <a:effectLst/>
-                        <a:latin typeface="Arial" panose="020B0604020202020204" pitchFamily="34" charset="0"/>
-                        <a:ea typeface="Calibri" panose="020F0502020204030204" pitchFamily="34" charset="0"/>
-                        <a:cs typeface="Arial" panose="020B0604020202020204" pitchFamily="34" charset="0"/>
-                      </a:endParaRPr>
-                    </a:p>
-                  </a:txBody>
-                  <a:tcPr marL="68580" marR="68580" marT="0" marB="0">
-                    <a:lnL w="12700" cap="flat" cmpd="sng" algn="ctr">
-                      <a:solidFill>
-                        <a:schemeClr val="tx1"/>
-                      </a:solidFill>
-                      <a:prstDash val="solid"/>
-                      <a:round/>
-                      <a:headEnd type="none" w="med" len="med"/>
-                      <a:tailEnd type="none" w="med" len="med"/>
-                    </a:lnL>
-                    <a:lnR w="12700" cap="flat" cmpd="sng" algn="ctr">
-                      <a:solidFill>
-                        <a:schemeClr val="tx1"/>
-                      </a:solidFill>
-                      <a:prstDash val="solid"/>
-                      <a:round/>
-                      <a:headEnd type="none" w="med" len="med"/>
-                      <a:tailEnd type="none" w="med" len="med"/>
-                    </a:lnR>
-                    <a:lnT w="12700" cap="flat" cmpd="sng" algn="ctr">
-                      <a:solidFill>
-                        <a:schemeClr val="tx1"/>
-                      </a:solidFill>
-                      <a:prstDash val="solid"/>
-                      <a:round/>
-                      <a:headEnd type="none" w="med" len="med"/>
-                      <a:tailEnd type="none" w="med" len="med"/>
-                    </a:lnT>
-                    <a:lnB w="12700" cap="flat" cmpd="sng" algn="ctr">
-                      <a:solidFill>
-                        <a:schemeClr val="tx1"/>
-                      </a:solidFill>
-                      <a:prstDash val="solid"/>
-                      <a:round/>
-                      <a:headEnd type="none" w="med" len="med"/>
-                      <a:tailEnd type="none" w="med" len="med"/>
-                    </a:lnB>
-                    <a:solidFill>
-                      <a:schemeClr val="bg1">
-                        <a:lumMod val="95000"/>
-                      </a:schemeClr>
-                    </a:solidFill>
-                  </a:tcPr>
-                </a:tc>
-                <a:extLst>
-                  <a:ext uri="{0D108BD9-81ED-4DB2-BD59-A6C34878D82A}">
-                    <a16:rowId xmlns:a16="http://schemas.microsoft.com/office/drawing/2014/main" val="1243390308"/>
-                  </a:ext>
-                </a:extLst>
-              </a:tr>
-              <a:tr h="2212127">
-                <a:tc>
-                  <a:txBody>
-                    <a:bodyPr/>
-                    <a:lstStyle/>
-                    <a:p>
-                      <a:pPr algn="l">
-                        <a:spcBef>
-                          <a:spcPts val="1200"/>
-                        </a:spcBef>
-                        <a:spcAft>
-                          <a:spcPts val="0"/>
-                        </a:spcAft>
-                      </a:pPr>
-                      <a:r>
-                        <a:rPr lang="ru-RU" sz="2000" b="0" cap="all" dirty="0">
-                          <a:solidFill>
-                            <a:schemeClr val="tx1"/>
-                          </a:solidFill>
-                          <a:effectLst/>
-                          <a:latin typeface="Arial" panose="020B0604020202020204" pitchFamily="34" charset="0"/>
-                          <a:cs typeface="Arial" panose="020B0604020202020204" pitchFamily="34" charset="0"/>
-                        </a:rPr>
-                        <a:t>ФГБУ Н</a:t>
-                      </a:r>
-                      <a:r>
-                        <a:rPr lang="ru-RU" sz="2000" b="0" dirty="0">
-                          <a:solidFill>
-                            <a:schemeClr val="tx1"/>
-                          </a:solidFill>
-                          <a:effectLst/>
-                          <a:latin typeface="Arial" panose="020B0604020202020204" pitchFamily="34" charset="0"/>
-                          <a:cs typeface="Arial" panose="020B0604020202020204" pitchFamily="34" charset="0"/>
-                        </a:rPr>
-                        <a:t>МИЦ Кардиологии Минздрава России</a:t>
-                      </a:r>
-                    </a:p>
-                  </a:txBody>
-                  <a:tcPr marL="68580" marR="68580" marT="0" marB="0">
-                    <a:lnL w="12700" cap="flat" cmpd="sng" algn="ctr">
-                      <a:solidFill>
-                        <a:schemeClr val="tx1"/>
-                      </a:solidFill>
-                      <a:prstDash val="solid"/>
-                      <a:round/>
-                      <a:headEnd type="none" w="med" len="med"/>
-                      <a:tailEnd type="none" w="med" len="med"/>
-                    </a:lnL>
-                    <a:lnR w="12700" cap="flat" cmpd="sng" algn="ctr">
-                      <a:solidFill>
-                        <a:schemeClr val="tx1"/>
-                      </a:solidFill>
-                      <a:prstDash val="solid"/>
-                      <a:round/>
-                      <a:headEnd type="none" w="med" len="med"/>
-                      <a:tailEnd type="none" w="med" len="med"/>
-                    </a:lnR>
-                    <a:lnT w="12700" cap="flat" cmpd="sng" algn="ctr">
-                      <a:solidFill>
-                        <a:schemeClr val="tx1"/>
-                      </a:solidFill>
-                      <a:prstDash val="solid"/>
-                      <a:round/>
-                      <a:headEnd type="none" w="med" len="med"/>
-                      <a:tailEnd type="none" w="med" len="med"/>
-                    </a:lnT>
-                    <a:lnB w="12700" cap="flat" cmpd="sng" algn="ctr">
-                      <a:solidFill>
-                        <a:schemeClr val="tx1"/>
-                      </a:solidFill>
-                      <a:prstDash val="solid"/>
-                      <a:round/>
-                      <a:headEnd type="none" w="med" len="med"/>
-                      <a:tailEnd type="none" w="med" len="med"/>
-                    </a:lnB>
-                    <a:solidFill>
-                      <a:schemeClr val="bg1">
-                        <a:lumMod val="95000"/>
-                      </a:schemeClr>
-                    </a:solidFill>
-                  </a:tcPr>
-                </a:tc>
-                <a:tc>
-                  <a:txBody>
-                    <a:bodyPr/>
-                    <a:lstStyle/>
-                    <a:p>
-                      <a:pPr algn="just">
-                        <a:lnSpc>
-                          <a:spcPct val="107000"/>
-                        </a:lnSpc>
-                        <a:spcAft>
-                          <a:spcPts val="0"/>
-                        </a:spcAft>
-                      </a:pPr>
-                      <a:r>
-                        <a:rPr lang="ru-RU" sz="2000" dirty="0">
-                          <a:solidFill>
-                            <a:schemeClr val="tx1"/>
-                          </a:solidFill>
-                          <a:effectLst/>
-                          <a:latin typeface="Arial" panose="020B0604020202020204" pitchFamily="34" charset="0"/>
-                          <a:cs typeface="Arial" panose="020B0604020202020204" pitchFamily="34" charset="0"/>
-                        </a:rPr>
-                        <a:t>1. Отдел новых методов диагностики</a:t>
-                      </a:r>
-                    </a:p>
-                    <a:p>
-                      <a:pPr>
-                        <a:spcBef>
-                          <a:spcPts val="1200"/>
-                        </a:spcBef>
-                        <a:spcAft>
-                          <a:spcPts val="0"/>
-                        </a:spcAft>
-                      </a:pPr>
-                      <a:r>
-                        <a:rPr lang="ru-RU" sz="2000" dirty="0">
-                          <a:solidFill>
-                            <a:schemeClr val="tx1"/>
-                          </a:solidFill>
-                          <a:effectLst/>
-                          <a:latin typeface="Arial" panose="020B0604020202020204" pitchFamily="34" charset="0"/>
-                          <a:cs typeface="Arial" panose="020B0604020202020204" pitchFamily="34" charset="0"/>
-                        </a:rPr>
-                        <a:t>2. Отдел клинической электрофизиологии и рентгенохирургических методов лечения нарушений ритма сердца.</a:t>
-                      </a:r>
-                    </a:p>
-                    <a:p>
-                      <a:pPr algn="just">
-                        <a:spcBef>
-                          <a:spcPts val="1200"/>
-                        </a:spcBef>
-                        <a:spcAft>
-                          <a:spcPts val="0"/>
-                        </a:spcAft>
-                      </a:pPr>
-                      <a:r>
-                        <a:rPr lang="ru-RU" sz="2000" dirty="0">
-                          <a:solidFill>
-                            <a:schemeClr val="tx1"/>
-                          </a:solidFill>
-                          <a:effectLst/>
-                          <a:latin typeface="Arial" panose="020B0604020202020204" pitchFamily="34" charset="0"/>
-                          <a:cs typeface="Arial" panose="020B0604020202020204" pitchFamily="34" charset="0"/>
-                        </a:rPr>
-                        <a:t>3. Поликлиника кардиоцентра</a:t>
-                      </a:r>
-                    </a:p>
-                    <a:p>
-                      <a:pPr algn="just">
-                        <a:spcBef>
-                          <a:spcPts val="1200"/>
-                        </a:spcBef>
-                        <a:spcAft>
-                          <a:spcPts val="0"/>
-                        </a:spcAft>
-                      </a:pPr>
-                      <a:r>
-                        <a:rPr lang="ru-RU" sz="2000" dirty="0">
-                          <a:solidFill>
-                            <a:schemeClr val="tx1"/>
-                          </a:solidFill>
-                          <a:effectLst/>
-                          <a:latin typeface="Arial" panose="020B0604020202020204" pitchFamily="34" charset="0"/>
-                          <a:cs typeface="Arial" panose="020B0604020202020204" pitchFamily="34" charset="0"/>
-                        </a:rPr>
-                        <a:t>4. </a:t>
-                      </a:r>
-                      <a:r>
-                        <a:rPr lang="ru-RU" sz="2000" dirty="0">
-                          <a:solidFill>
-                            <a:srgbClr val="FF0000"/>
-                          </a:solidFill>
-                          <a:effectLst/>
-                          <a:latin typeface="Arial" panose="020B0604020202020204" pitchFamily="34" charset="0"/>
-                          <a:cs typeface="Arial" panose="020B0604020202020204" pitchFamily="34" charset="0"/>
-                        </a:rPr>
-                        <a:t>Красная</a:t>
-                      </a:r>
-                      <a:r>
-                        <a:rPr lang="ru-RU" sz="2000" baseline="0" dirty="0">
-                          <a:solidFill>
-                            <a:srgbClr val="FF0000"/>
-                          </a:solidFill>
-                          <a:effectLst/>
-                          <a:latin typeface="Arial" panose="020B0604020202020204" pitchFamily="34" charset="0"/>
-                          <a:cs typeface="Arial" panose="020B0604020202020204" pitchFamily="34" charset="0"/>
-                        </a:rPr>
-                        <a:t> зона </a:t>
-                      </a:r>
-                      <a:r>
-                        <a:rPr lang="en-US" sz="2000" dirty="0">
-                          <a:solidFill>
-                            <a:srgbClr val="FF0000"/>
-                          </a:solidFill>
-                          <a:effectLst/>
-                          <a:latin typeface="Arial" panose="020B0604020202020204" pitchFamily="34" charset="0"/>
-                          <a:cs typeface="Arial" panose="020B0604020202020204" pitchFamily="34" charset="0"/>
-                        </a:rPr>
-                        <a:t>COVID-</a:t>
-                      </a:r>
-                      <a:r>
-                        <a:rPr lang="ru-RU" sz="2000" dirty="0">
-                          <a:solidFill>
-                            <a:srgbClr val="FF0000"/>
-                          </a:solidFill>
-                          <a:effectLst/>
-                          <a:latin typeface="Arial" panose="020B0604020202020204" pitchFamily="34" charset="0"/>
-                          <a:cs typeface="Arial" panose="020B0604020202020204" pitchFamily="34" charset="0"/>
-                        </a:rPr>
-                        <a:t>центр</a:t>
-                      </a:r>
-                    </a:p>
-                  </a:txBody>
-                  <a:tcPr marL="68580" marR="68580" marT="0" marB="0">
-                    <a:lnL w="12700" cap="flat" cmpd="sng" algn="ctr">
-                      <a:solidFill>
-                        <a:schemeClr val="tx1"/>
-                      </a:solidFill>
-                      <a:prstDash val="solid"/>
-                      <a:round/>
-                      <a:headEnd type="none" w="med" len="med"/>
-                      <a:tailEnd type="none" w="med" len="med"/>
-                    </a:lnL>
-                    <a:lnR w="12700" cap="flat" cmpd="sng" algn="ctr">
-                      <a:solidFill>
-                        <a:schemeClr val="tx1"/>
-                      </a:solidFill>
-                      <a:prstDash val="solid"/>
-                      <a:round/>
-                      <a:headEnd type="none" w="med" len="med"/>
-                      <a:tailEnd type="none" w="med" len="med"/>
-                    </a:lnR>
-                    <a:lnT w="12700" cap="flat" cmpd="sng" algn="ctr">
-                      <a:solidFill>
-                        <a:schemeClr val="tx1"/>
-                      </a:solidFill>
-                      <a:prstDash val="solid"/>
-                      <a:round/>
-                      <a:headEnd type="none" w="med" len="med"/>
-                      <a:tailEnd type="none" w="med" len="med"/>
-                    </a:lnT>
-                    <a:lnB w="12700" cap="flat" cmpd="sng" algn="ctr">
-                      <a:solidFill>
-                        <a:schemeClr val="tx1"/>
-                      </a:solidFill>
-                      <a:prstDash val="solid"/>
-                      <a:round/>
-                      <a:headEnd type="none" w="med" len="med"/>
-                      <a:tailEnd type="none" w="med" len="med"/>
-                    </a:lnB>
-                    <a:lnTlToBr w="12700" cmpd="sng">
-                      <a:noFill/>
-                      <a:prstDash val="solid"/>
-                    </a:lnTlToBr>
-                    <a:lnBlToTr w="12700" cmpd="sng">
-                      <a:noFill/>
-                      <a:prstDash val="solid"/>
-                    </a:lnBlToTr>
-                    <a:solidFill>
-                      <a:schemeClr val="bg1">
-                        <a:lumMod val="95000"/>
-                      </a:schemeClr>
-                    </a:solidFill>
-                  </a:tcPr>
-                </a:tc>
-                <a:extLst>
-                  <a:ext uri="{0D108BD9-81ED-4DB2-BD59-A6C34878D82A}">
-                    <a16:rowId xmlns:a16="http://schemas.microsoft.com/office/drawing/2014/main" val="1280663094"/>
-                  </a:ext>
-                </a:extLst>
-              </a:tr>
-              <a:tr h="356168">
-                <a:tc>
-                  <a:txBody>
-                    <a:bodyPr/>
-                    <a:lstStyle/>
-                    <a:p>
-                      <a:pPr marL="0" marR="0" lvl="0" indent="0" algn="l" defTabSz="914400" rtl="0" eaLnBrk="1" fontAlgn="auto" latinLnBrk="0" hangingPunct="1">
-                        <a:lnSpc>
-                          <a:spcPct val="100000"/>
-                        </a:lnSpc>
-                        <a:spcBef>
-                          <a:spcPts val="1200"/>
-                        </a:spcBef>
-                        <a:spcAft>
-                          <a:spcPts val="0"/>
-                        </a:spcAft>
-                        <a:buClrTx/>
-                        <a:buSzTx/>
-                        <a:buFontTx/>
-                        <a:buNone/>
-                        <a:tabLst/>
-                        <a:defRPr/>
-                      </a:pPr>
-                      <a:r>
-                        <a:rPr lang="ru-RU" sz="2000" b="0" u="none" strike="noStrike" dirty="0">
-                          <a:solidFill>
-                            <a:schemeClr val="tx1"/>
-                          </a:solidFill>
-                          <a:effectLst/>
-                          <a:latin typeface="Arial" panose="020B0604020202020204" pitchFamily="34" charset="0"/>
-                          <a:cs typeface="Arial" panose="020B0604020202020204" pitchFamily="34" charset="0"/>
-                        </a:rPr>
-                        <a:t>ФГБУ </a:t>
-                      </a:r>
-                      <a:r>
-                        <a:rPr lang="ru-RU" sz="2000" b="0" i="0" u="none" strike="noStrike" kern="1200" baseline="0" dirty="0">
-                          <a:solidFill>
-                            <a:schemeClr val="tx1"/>
-                          </a:solidFill>
-                          <a:latin typeface="Arial" panose="020B0604020202020204" pitchFamily="34" charset="0"/>
-                          <a:ea typeface="+mn-ea"/>
-                          <a:cs typeface="Arial" panose="020B0604020202020204" pitchFamily="34" charset="0"/>
-                        </a:rPr>
-                        <a:t>НМИЦ Хирургии им. А.В. Вишневского» Минздрава России 	</a:t>
-                      </a:r>
-                    </a:p>
-                  </a:txBody>
-                  <a:tcPr marL="68580" marR="68580" marT="0" marB="0">
-                    <a:lnL w="12700" cap="flat" cmpd="sng" algn="ctr">
-                      <a:solidFill>
-                        <a:schemeClr val="tx1"/>
-                      </a:solidFill>
-                      <a:prstDash val="solid"/>
-                      <a:round/>
-                      <a:headEnd type="none" w="med" len="med"/>
-                      <a:tailEnd type="none" w="med" len="med"/>
-                    </a:lnL>
-                    <a:lnR w="12700" cap="flat" cmpd="sng" algn="ctr">
-                      <a:solidFill>
-                        <a:schemeClr val="tx1"/>
-                      </a:solidFill>
-                      <a:prstDash val="solid"/>
-                      <a:round/>
-                      <a:headEnd type="none" w="med" len="med"/>
-                      <a:tailEnd type="none" w="med" len="med"/>
-                    </a:lnR>
-                    <a:lnT w="12700" cap="flat" cmpd="sng" algn="ctr">
-                      <a:solidFill>
-                        <a:schemeClr val="tx1"/>
-                      </a:solidFill>
-                      <a:prstDash val="solid"/>
-                      <a:round/>
-                      <a:headEnd type="none" w="med" len="med"/>
-                      <a:tailEnd type="none" w="med" len="med"/>
-                    </a:lnT>
-                    <a:lnB w="12700" cap="flat" cmpd="sng" algn="ctr">
-                      <a:solidFill>
-                        <a:schemeClr val="tx1"/>
-                      </a:solidFill>
-                      <a:prstDash val="solid"/>
-                      <a:round/>
-                      <a:headEnd type="none" w="med" len="med"/>
-                      <a:tailEnd type="none" w="med" len="med"/>
-                    </a:lnB>
-                    <a:solidFill>
-                      <a:schemeClr val="bg1">
-                        <a:lumMod val="95000"/>
-                      </a:schemeClr>
-                    </a:solidFill>
-                  </a:tcPr>
-                </a:tc>
-                <a:tc>
-                  <a:txBody>
-                    <a:bodyPr/>
-                    <a:lstStyle/>
-                    <a:p>
-                      <a:pPr algn="just">
-                        <a:spcBef>
-                          <a:spcPts val="1200"/>
-                        </a:spcBef>
-                        <a:spcAft>
-                          <a:spcPts val="0"/>
-                        </a:spcAft>
-                      </a:pPr>
-                      <a:r>
-                        <a:rPr lang="ru-RU" sz="2000" dirty="0">
-                          <a:solidFill>
-                            <a:schemeClr val="tx1"/>
-                          </a:solidFill>
-                          <a:effectLst/>
-                          <a:latin typeface="Arial" panose="020B0604020202020204" pitchFamily="34" charset="0"/>
-                          <a:cs typeface="Arial" panose="020B0604020202020204" pitchFamily="34" charset="0"/>
-                        </a:rPr>
-                        <a:t>Аритмологический центр</a:t>
-                      </a:r>
-                    </a:p>
-                  </a:txBody>
-                  <a:tcPr marL="68580" marR="68580" marT="0" marB="0">
-                    <a:lnL w="12700" cap="flat" cmpd="sng" algn="ctr">
-                      <a:solidFill>
-                        <a:schemeClr val="tx1"/>
-                      </a:solidFill>
-                      <a:prstDash val="solid"/>
-                      <a:round/>
-                      <a:headEnd type="none" w="med" len="med"/>
-                      <a:tailEnd type="none" w="med" len="med"/>
-                    </a:lnL>
-                    <a:lnR w="12700" cap="flat" cmpd="sng" algn="ctr">
-                      <a:solidFill>
-                        <a:schemeClr val="tx1"/>
-                      </a:solidFill>
-                      <a:prstDash val="solid"/>
-                      <a:round/>
-                      <a:headEnd type="none" w="med" len="med"/>
-                      <a:tailEnd type="none" w="med" len="med"/>
-                    </a:lnR>
-                    <a:lnT w="12700" cap="flat" cmpd="sng" algn="ctr">
-                      <a:solidFill>
-                        <a:schemeClr val="tx1"/>
-                      </a:solidFill>
-                      <a:prstDash val="solid"/>
-                      <a:round/>
-                      <a:headEnd type="none" w="med" len="med"/>
-                      <a:tailEnd type="none" w="med" len="med"/>
-                    </a:lnT>
-                    <a:lnB w="12700" cap="flat" cmpd="sng" algn="ctr">
-                      <a:solidFill>
-                        <a:schemeClr val="tx1"/>
-                      </a:solidFill>
-                      <a:prstDash val="solid"/>
-                      <a:round/>
-                      <a:headEnd type="none" w="med" len="med"/>
-                      <a:tailEnd type="none" w="med" len="med"/>
-                    </a:lnB>
-                    <a:solidFill>
-                      <a:schemeClr val="bg1">
-                        <a:lumMod val="95000"/>
-                      </a:schemeClr>
-                    </a:solidFill>
-                  </a:tcPr>
-                </a:tc>
-                <a:extLst>
-                  <a:ext uri="{0D108BD9-81ED-4DB2-BD59-A6C34878D82A}">
-                    <a16:rowId xmlns:a16="http://schemas.microsoft.com/office/drawing/2014/main" val="3138167375"/>
-                  </a:ext>
-                </a:extLst>
-              </a:tr>
-              <a:tr h="712335">
-                <a:tc>
-                  <a:txBody>
-                    <a:bodyPr/>
-                    <a:lstStyle/>
-                    <a:p>
-                      <a:pPr algn="l">
-                        <a:spcBef>
-                          <a:spcPts val="1200"/>
-                        </a:spcBef>
-                        <a:spcAft>
-                          <a:spcPts val="0"/>
-                        </a:spcAft>
-                      </a:pPr>
-                      <a:r>
-                        <a:rPr lang="ru-RU" sz="2000" b="0" dirty="0">
-                          <a:solidFill>
-                            <a:schemeClr val="tx1"/>
-                          </a:solidFill>
-                          <a:effectLst/>
-                          <a:latin typeface="Arial" panose="020B0604020202020204" pitchFamily="34" charset="0"/>
-                          <a:cs typeface="Arial" panose="020B0604020202020204" pitchFamily="34" charset="0"/>
-                        </a:rPr>
-                        <a:t>Городская клиническая больница №4 Департамента здравоохранения города Москвы  </a:t>
-                      </a:r>
-                    </a:p>
-                  </a:txBody>
-                  <a:tcPr marL="68580" marR="68580" marT="0" marB="0">
-                    <a:lnL w="12700" cap="flat" cmpd="sng" algn="ctr">
-                      <a:solidFill>
-                        <a:schemeClr val="tx1"/>
-                      </a:solidFill>
-                      <a:prstDash val="solid"/>
-                      <a:round/>
-                      <a:headEnd type="none" w="med" len="med"/>
-                      <a:tailEnd type="none" w="med" len="med"/>
-                    </a:lnL>
-                    <a:lnR w="12700" cap="flat" cmpd="sng" algn="ctr">
-                      <a:solidFill>
-                        <a:schemeClr val="tx1"/>
-                      </a:solidFill>
-                      <a:prstDash val="solid"/>
-                      <a:round/>
-                      <a:headEnd type="none" w="med" len="med"/>
-                      <a:tailEnd type="none" w="med" len="med"/>
-                    </a:lnR>
-                    <a:lnT w="12700" cap="flat" cmpd="sng" algn="ctr">
-                      <a:solidFill>
-                        <a:schemeClr val="tx1"/>
-                      </a:solidFill>
-                      <a:prstDash val="solid"/>
-                      <a:round/>
-                      <a:headEnd type="none" w="med" len="med"/>
-                      <a:tailEnd type="none" w="med" len="med"/>
-                    </a:lnT>
-                    <a:lnB w="12700" cap="flat" cmpd="sng" algn="ctr">
-                      <a:solidFill>
-                        <a:schemeClr val="tx1"/>
-                      </a:solidFill>
-                      <a:prstDash val="solid"/>
-                      <a:round/>
-                      <a:headEnd type="none" w="med" len="med"/>
-                      <a:tailEnd type="none" w="med" len="med"/>
-                    </a:lnB>
-                    <a:solidFill>
-                      <a:schemeClr val="bg1">
-                        <a:lumMod val="95000"/>
-                      </a:schemeClr>
-                    </a:solidFill>
-                  </a:tcPr>
-                </a:tc>
-                <a:tc>
-                  <a:txBody>
-                    <a:bodyPr/>
-                    <a:lstStyle/>
-                    <a:p>
-                      <a:pPr algn="just">
-                        <a:spcBef>
-                          <a:spcPts val="1200"/>
-                        </a:spcBef>
-                        <a:spcAft>
-                          <a:spcPts val="0"/>
-                        </a:spcAft>
-                      </a:pPr>
-                      <a:r>
-                        <a:rPr lang="ru-RU" sz="2000" dirty="0">
-                          <a:solidFill>
-                            <a:schemeClr val="tx1"/>
-                          </a:solidFill>
-                          <a:effectLst/>
-                          <a:latin typeface="Arial" panose="020B0604020202020204" pitchFamily="34" charset="0"/>
-                          <a:cs typeface="Arial" panose="020B0604020202020204" pitchFamily="34" charset="0"/>
-                        </a:rPr>
-                        <a:t>Кардиологическое отделение №1</a:t>
-                      </a:r>
-                    </a:p>
-                  </a:txBody>
-                  <a:tcPr marL="68580" marR="68580" marT="0" marB="0">
-                    <a:lnL w="12700" cap="flat" cmpd="sng" algn="ctr">
-                      <a:solidFill>
-                        <a:schemeClr val="tx1"/>
-                      </a:solidFill>
-                      <a:prstDash val="solid"/>
-                      <a:round/>
-                      <a:headEnd type="none" w="med" len="med"/>
-                      <a:tailEnd type="none" w="med" len="med"/>
-                    </a:lnL>
-                    <a:lnR w="12700" cap="flat" cmpd="sng" algn="ctr">
-                      <a:solidFill>
-                        <a:schemeClr val="tx1"/>
-                      </a:solidFill>
-                      <a:prstDash val="solid"/>
-                      <a:round/>
-                      <a:headEnd type="none" w="med" len="med"/>
-                      <a:tailEnd type="none" w="med" len="med"/>
-                    </a:lnR>
-                    <a:lnT w="12700" cap="flat" cmpd="sng" algn="ctr">
-                      <a:solidFill>
-                        <a:schemeClr val="tx1"/>
-                      </a:solidFill>
-                      <a:prstDash val="solid"/>
-                      <a:round/>
-                      <a:headEnd type="none" w="med" len="med"/>
-                      <a:tailEnd type="none" w="med" len="med"/>
-                    </a:lnT>
-                    <a:lnB w="12700" cap="flat" cmpd="sng" algn="ctr">
-                      <a:solidFill>
-                        <a:schemeClr val="tx1"/>
-                      </a:solidFill>
-                      <a:prstDash val="solid"/>
-                      <a:round/>
-                      <a:headEnd type="none" w="med" len="med"/>
-                      <a:tailEnd type="none" w="med" len="med"/>
-                    </a:lnB>
-                    <a:solidFill>
-                      <a:schemeClr val="bg1">
-                        <a:lumMod val="95000"/>
-                      </a:schemeClr>
-                    </a:solidFill>
-                  </a:tcPr>
-                </a:tc>
-                <a:extLst>
-                  <a:ext uri="{0D108BD9-81ED-4DB2-BD59-A6C34878D82A}">
-                    <a16:rowId xmlns:a16="http://schemas.microsoft.com/office/drawing/2014/main" val="2871617051"/>
-                  </a:ext>
-                </a:extLst>
-              </a:tr>
-              <a:tr h="356168">
-                <a:tc>
-                  <a:txBody>
-                    <a:bodyPr/>
-                    <a:lstStyle/>
-                    <a:p>
-                      <a:pPr algn="l">
-                        <a:spcBef>
-                          <a:spcPts val="1200"/>
-                        </a:spcBef>
-                        <a:spcAft>
-                          <a:spcPts val="0"/>
-                        </a:spcAft>
-                      </a:pPr>
-                      <a:r>
-                        <a:rPr lang="ru-RU" sz="2000" b="0">
-                          <a:solidFill>
-                            <a:schemeClr val="tx1"/>
-                          </a:solidFill>
-                          <a:effectLst/>
-                          <a:latin typeface="Arial" panose="020B0604020202020204" pitchFamily="34" charset="0"/>
-                          <a:cs typeface="Arial" panose="020B0604020202020204" pitchFamily="34" charset="0"/>
-                        </a:rPr>
-                        <a:t>Пензенская областная клиническая больница имени Н.Н. Бурденко</a:t>
-                      </a:r>
-                    </a:p>
-                  </a:txBody>
-                  <a:tcPr marL="68580" marR="68580" marT="0" marB="0">
-                    <a:lnL w="12700" cap="flat" cmpd="sng" algn="ctr">
-                      <a:solidFill>
-                        <a:schemeClr val="tx1"/>
-                      </a:solidFill>
-                      <a:prstDash val="solid"/>
-                      <a:round/>
-                      <a:headEnd type="none" w="med" len="med"/>
-                      <a:tailEnd type="none" w="med" len="med"/>
-                    </a:lnL>
-                    <a:lnR w="12700" cap="flat" cmpd="sng" algn="ctr">
-                      <a:solidFill>
-                        <a:schemeClr val="tx1"/>
-                      </a:solidFill>
-                      <a:prstDash val="solid"/>
-                      <a:round/>
-                      <a:headEnd type="none" w="med" len="med"/>
-                      <a:tailEnd type="none" w="med" len="med"/>
-                    </a:lnR>
-                    <a:lnT w="12700" cap="flat" cmpd="sng" algn="ctr">
-                      <a:solidFill>
-                        <a:schemeClr val="tx1"/>
-                      </a:solidFill>
-                      <a:prstDash val="solid"/>
-                      <a:round/>
-                      <a:headEnd type="none" w="med" len="med"/>
-                      <a:tailEnd type="none" w="med" len="med"/>
-                    </a:lnT>
-                    <a:lnB w="12700" cap="flat" cmpd="sng" algn="ctr">
-                      <a:solidFill>
-                        <a:schemeClr val="tx1"/>
-                      </a:solidFill>
-                      <a:prstDash val="solid"/>
-                      <a:round/>
-                      <a:headEnd type="none" w="med" len="med"/>
-                      <a:tailEnd type="none" w="med" len="med"/>
-                    </a:lnB>
-                    <a:solidFill>
-                      <a:schemeClr val="bg1">
-                        <a:lumMod val="95000"/>
-                      </a:schemeClr>
-                    </a:solidFill>
-                  </a:tcPr>
-                </a:tc>
-                <a:tc>
-                  <a:txBody>
-                    <a:bodyPr/>
-                    <a:lstStyle/>
-                    <a:p>
-                      <a:pPr algn="just">
-                        <a:spcBef>
-                          <a:spcPts val="1200"/>
-                        </a:spcBef>
-                        <a:spcAft>
-                          <a:spcPts val="0"/>
-                        </a:spcAft>
-                      </a:pPr>
-                      <a:r>
-                        <a:rPr lang="ru-RU" sz="2000" dirty="0">
-                          <a:solidFill>
-                            <a:schemeClr val="tx1"/>
-                          </a:solidFill>
-                          <a:effectLst/>
-                          <a:latin typeface="Arial" panose="020B0604020202020204" pitchFamily="34" charset="0"/>
-                          <a:cs typeface="Arial" panose="020B0604020202020204" pitchFamily="34" charset="0"/>
-                        </a:rPr>
-                        <a:t>Кардиологическое отделение</a:t>
-                      </a:r>
-                    </a:p>
-                  </a:txBody>
-                  <a:tcPr marL="68580" marR="68580" marT="0" marB="0">
-                    <a:lnL w="12700" cap="flat" cmpd="sng" algn="ctr">
-                      <a:solidFill>
-                        <a:schemeClr val="tx1"/>
-                      </a:solidFill>
-                      <a:prstDash val="solid"/>
-                      <a:round/>
-                      <a:headEnd type="none" w="med" len="med"/>
-                      <a:tailEnd type="none" w="med" len="med"/>
-                    </a:lnL>
-                    <a:lnR w="12700" cap="flat" cmpd="sng" algn="ctr">
-                      <a:solidFill>
-                        <a:schemeClr val="tx1"/>
-                      </a:solidFill>
-                      <a:prstDash val="solid"/>
-                      <a:round/>
-                      <a:headEnd type="none" w="med" len="med"/>
-                      <a:tailEnd type="none" w="med" len="med"/>
-                    </a:lnR>
-                    <a:lnT w="12700" cap="flat" cmpd="sng" algn="ctr">
-                      <a:solidFill>
-                        <a:schemeClr val="tx1"/>
-                      </a:solidFill>
-                      <a:prstDash val="solid"/>
-                      <a:round/>
-                      <a:headEnd type="none" w="med" len="med"/>
-                      <a:tailEnd type="none" w="med" len="med"/>
-                    </a:lnT>
-                    <a:lnB w="12700" cap="flat" cmpd="sng" algn="ctr">
-                      <a:solidFill>
-                        <a:schemeClr val="tx1"/>
-                      </a:solidFill>
-                      <a:prstDash val="solid"/>
-                      <a:round/>
-                      <a:headEnd type="none" w="med" len="med"/>
-                      <a:tailEnd type="none" w="med" len="med"/>
-                    </a:lnB>
-                    <a:solidFill>
-                      <a:schemeClr val="bg1">
-                        <a:lumMod val="95000"/>
-                      </a:schemeClr>
-                    </a:solidFill>
-                  </a:tcPr>
-                </a:tc>
-                <a:extLst>
-                  <a:ext uri="{0D108BD9-81ED-4DB2-BD59-A6C34878D82A}">
-                    <a16:rowId xmlns:a16="http://schemas.microsoft.com/office/drawing/2014/main" val="2338444465"/>
-                  </a:ext>
-                </a:extLst>
-              </a:tr>
-              <a:tr h="356168">
-                <a:tc>
-                  <a:txBody>
-                    <a:bodyPr/>
-                    <a:lstStyle/>
-                    <a:p>
-                      <a:pPr algn="l">
-                        <a:spcBef>
-                          <a:spcPts val="1200"/>
-                        </a:spcBef>
-                        <a:spcAft>
-                          <a:spcPts val="0"/>
-                        </a:spcAft>
-                      </a:pPr>
-                      <a:r>
-                        <a:rPr lang="ru-RU" sz="2000" b="0">
-                          <a:solidFill>
-                            <a:schemeClr val="tx1"/>
-                          </a:solidFill>
-                          <a:effectLst/>
-                          <a:latin typeface="Arial" panose="020B0604020202020204" pitchFamily="34" charset="0"/>
-                          <a:cs typeface="Arial" panose="020B0604020202020204" pitchFamily="34" charset="0"/>
-                        </a:rPr>
-                        <a:t>ФГБУ НМИЦ терапии и профилактической медицины Минздрава России</a:t>
-                      </a:r>
-                    </a:p>
-                  </a:txBody>
-                  <a:tcPr marL="68580" marR="68580" marT="0" marB="0">
-                    <a:lnL w="12700" cap="flat" cmpd="sng" algn="ctr">
-                      <a:solidFill>
-                        <a:schemeClr val="tx1"/>
-                      </a:solidFill>
-                      <a:prstDash val="solid"/>
-                      <a:round/>
-                      <a:headEnd type="none" w="med" len="med"/>
-                      <a:tailEnd type="none" w="med" len="med"/>
-                    </a:lnL>
-                    <a:lnR w="12700" cap="flat" cmpd="sng" algn="ctr">
-                      <a:solidFill>
-                        <a:schemeClr val="tx1"/>
-                      </a:solidFill>
-                      <a:prstDash val="solid"/>
-                      <a:round/>
-                      <a:headEnd type="none" w="med" len="med"/>
-                      <a:tailEnd type="none" w="med" len="med"/>
-                    </a:lnR>
-                    <a:lnT w="12700" cap="flat" cmpd="sng" algn="ctr">
-                      <a:solidFill>
-                        <a:schemeClr val="tx1"/>
-                      </a:solidFill>
-                      <a:prstDash val="solid"/>
-                      <a:round/>
-                      <a:headEnd type="none" w="med" len="med"/>
-                      <a:tailEnd type="none" w="med" len="med"/>
-                    </a:lnT>
-                    <a:lnB w="12700" cap="flat" cmpd="sng" algn="ctr">
-                      <a:solidFill>
-                        <a:schemeClr val="tx1"/>
-                      </a:solidFill>
-                      <a:prstDash val="solid"/>
-                      <a:round/>
-                      <a:headEnd type="none" w="med" len="med"/>
-                      <a:tailEnd type="none" w="med" len="med"/>
-                    </a:lnB>
-                    <a:solidFill>
-                      <a:schemeClr val="bg1">
-                        <a:lumMod val="95000"/>
-                      </a:schemeClr>
-                    </a:solidFill>
-                  </a:tcPr>
-                </a:tc>
-                <a:tc>
-                  <a:txBody>
-                    <a:bodyPr/>
-                    <a:lstStyle/>
-                    <a:p>
-                      <a:pPr>
-                        <a:spcBef>
-                          <a:spcPts val="1200"/>
-                        </a:spcBef>
-                        <a:spcAft>
-                          <a:spcPts val="0"/>
-                        </a:spcAft>
-                      </a:pPr>
-                      <a:r>
-                        <a:rPr lang="ru-RU" sz="2000" dirty="0">
-                          <a:solidFill>
-                            <a:schemeClr val="tx1"/>
-                          </a:solidFill>
-                          <a:effectLst/>
-                          <a:latin typeface="Arial" panose="020B0604020202020204" pitchFamily="34" charset="0"/>
-                          <a:cs typeface="Arial" panose="020B0604020202020204" pitchFamily="34" charset="0"/>
-                        </a:rPr>
-                        <a:t>Отдел нарушений ритма и проводимости сердца</a:t>
-                      </a:r>
-                    </a:p>
-                  </a:txBody>
-                  <a:tcPr marL="68580" marR="68580" marT="0" marB="0">
-                    <a:lnL w="12700" cap="flat" cmpd="sng" algn="ctr">
-                      <a:solidFill>
-                        <a:schemeClr val="tx1"/>
-                      </a:solidFill>
-                      <a:prstDash val="solid"/>
-                      <a:round/>
-                      <a:headEnd type="none" w="med" len="med"/>
-                      <a:tailEnd type="none" w="med" len="med"/>
-                    </a:lnL>
-                    <a:lnR w="12700" cap="flat" cmpd="sng" algn="ctr">
-                      <a:solidFill>
-                        <a:schemeClr val="tx1"/>
-                      </a:solidFill>
-                      <a:prstDash val="solid"/>
-                      <a:round/>
-                      <a:headEnd type="none" w="med" len="med"/>
-                      <a:tailEnd type="none" w="med" len="med"/>
-                    </a:lnR>
-                    <a:lnT w="12700" cap="flat" cmpd="sng" algn="ctr">
-                      <a:solidFill>
-                        <a:schemeClr val="tx1"/>
-                      </a:solidFill>
-                      <a:prstDash val="solid"/>
-                      <a:round/>
-                      <a:headEnd type="none" w="med" len="med"/>
-                      <a:tailEnd type="none" w="med" len="med"/>
-                    </a:lnT>
-                    <a:lnB w="12700" cap="flat" cmpd="sng" algn="ctr">
-                      <a:solidFill>
-                        <a:schemeClr val="tx1"/>
-                      </a:solidFill>
-                      <a:prstDash val="solid"/>
-                      <a:round/>
-                      <a:headEnd type="none" w="med" len="med"/>
-                      <a:tailEnd type="none" w="med" len="med"/>
-                    </a:lnB>
-                    <a:solidFill>
-                      <a:schemeClr val="bg1">
-                        <a:lumMod val="95000"/>
-                      </a:schemeClr>
-                    </a:solidFill>
-                  </a:tcPr>
-                </a:tc>
-                <a:extLst>
-                  <a:ext uri="{0D108BD9-81ED-4DB2-BD59-A6C34878D82A}">
-                    <a16:rowId xmlns:a16="http://schemas.microsoft.com/office/drawing/2014/main" val="2216350011"/>
-                  </a:ext>
-                </a:extLst>
-              </a:tr>
-              <a:tr h="356168">
-                <a:tc>
-                  <a:txBody>
-                    <a:bodyPr/>
-                    <a:lstStyle/>
-                    <a:p>
-                      <a:pPr algn="l">
-                        <a:spcBef>
-                          <a:spcPts val="1200"/>
-                        </a:spcBef>
-                        <a:spcAft>
-                          <a:spcPts val="0"/>
-                        </a:spcAft>
-                      </a:pPr>
-                      <a:r>
-                        <a:rPr lang="ru-RU" sz="2000" b="0" dirty="0">
-                          <a:solidFill>
-                            <a:schemeClr val="tx1"/>
-                          </a:solidFill>
-                          <a:effectLst/>
-                          <a:latin typeface="Arial" panose="020B0604020202020204" pitchFamily="34" charset="0"/>
-                          <a:cs typeface="Arial" panose="020B0604020202020204" pitchFamily="34" charset="0"/>
-                        </a:rPr>
-                        <a:t>ФГАУ НМИЦ Здоровья детей</a:t>
-                      </a:r>
-                    </a:p>
-                  </a:txBody>
-                  <a:tcPr marL="68580" marR="68580" marT="0" marB="0">
-                    <a:lnL w="12700" cap="flat" cmpd="sng" algn="ctr">
-                      <a:solidFill>
-                        <a:schemeClr val="tx1"/>
-                      </a:solidFill>
-                      <a:prstDash val="solid"/>
-                      <a:round/>
-                      <a:headEnd type="none" w="med" len="med"/>
-                      <a:tailEnd type="none" w="med" len="med"/>
-                    </a:lnL>
-                    <a:lnR w="12700" cap="flat" cmpd="sng" algn="ctr">
-                      <a:solidFill>
-                        <a:schemeClr val="tx1"/>
-                      </a:solidFill>
-                      <a:prstDash val="solid"/>
-                      <a:round/>
-                      <a:headEnd type="none" w="med" len="med"/>
-                      <a:tailEnd type="none" w="med" len="med"/>
-                    </a:lnR>
-                    <a:lnT w="12700" cap="flat" cmpd="sng" algn="ctr">
-                      <a:solidFill>
-                        <a:schemeClr val="tx1"/>
-                      </a:solidFill>
-                      <a:prstDash val="solid"/>
-                      <a:round/>
-                      <a:headEnd type="none" w="med" len="med"/>
-                      <a:tailEnd type="none" w="med" len="med"/>
-                    </a:lnT>
-                    <a:lnB w="12700" cap="flat" cmpd="sng" algn="ctr">
-                      <a:solidFill>
-                        <a:schemeClr val="tx1"/>
-                      </a:solidFill>
-                      <a:prstDash val="solid"/>
-                      <a:round/>
-                      <a:headEnd type="none" w="med" len="med"/>
-                      <a:tailEnd type="none" w="med" len="med"/>
-                    </a:lnB>
-                    <a:solidFill>
-                      <a:schemeClr val="bg1">
-                        <a:lumMod val="95000"/>
-                      </a:schemeClr>
-                    </a:solidFill>
-                  </a:tcPr>
-                </a:tc>
-                <a:tc>
-                  <a:txBody>
-                    <a:bodyPr/>
-                    <a:lstStyle/>
-                    <a:p>
-                      <a:pPr>
-                        <a:spcBef>
-                          <a:spcPts val="1200"/>
-                        </a:spcBef>
-                        <a:spcAft>
-                          <a:spcPts val="0"/>
-                        </a:spcAft>
-                      </a:pPr>
-                      <a:r>
-                        <a:rPr lang="ru-RU" sz="2000" dirty="0">
-                          <a:solidFill>
-                            <a:schemeClr val="tx1"/>
-                          </a:solidFill>
-                          <a:effectLst/>
-                          <a:latin typeface="Arial" panose="020B0604020202020204" pitchFamily="34" charset="0"/>
-                          <a:cs typeface="Arial" panose="020B0604020202020204" pitchFamily="34" charset="0"/>
-                        </a:rPr>
-                        <a:t>Отдел инструментальной диагностики</a:t>
-                      </a:r>
-                    </a:p>
-                  </a:txBody>
-                  <a:tcPr marL="68580" marR="68580" marT="0" marB="0">
-                    <a:lnL w="12700" cap="flat" cmpd="sng" algn="ctr">
-                      <a:solidFill>
-                        <a:schemeClr val="tx1"/>
-                      </a:solidFill>
-                      <a:prstDash val="solid"/>
-                      <a:round/>
-                      <a:headEnd type="none" w="med" len="med"/>
-                      <a:tailEnd type="none" w="med" len="med"/>
-                    </a:lnL>
-                    <a:lnR w="12700" cap="flat" cmpd="sng" algn="ctr">
-                      <a:solidFill>
-                        <a:schemeClr val="tx1"/>
-                      </a:solidFill>
-                      <a:prstDash val="solid"/>
-                      <a:round/>
-                      <a:headEnd type="none" w="med" len="med"/>
-                      <a:tailEnd type="none" w="med" len="med"/>
-                    </a:lnR>
-                    <a:lnT w="12700" cap="flat" cmpd="sng" algn="ctr">
-                      <a:solidFill>
-                        <a:schemeClr val="tx1"/>
-                      </a:solidFill>
-                      <a:prstDash val="solid"/>
-                      <a:round/>
-                      <a:headEnd type="none" w="med" len="med"/>
-                      <a:tailEnd type="none" w="med" len="med"/>
-                    </a:lnT>
-                    <a:lnB w="12700" cap="flat" cmpd="sng" algn="ctr">
-                      <a:solidFill>
-                        <a:schemeClr val="tx1"/>
-                      </a:solidFill>
-                      <a:prstDash val="solid"/>
-                      <a:round/>
-                      <a:headEnd type="none" w="med" len="med"/>
-                      <a:tailEnd type="none" w="med" len="med"/>
-                    </a:lnB>
-                    <a:solidFill>
-                      <a:schemeClr val="bg1">
-                        <a:lumMod val="95000"/>
-                      </a:schemeClr>
-                    </a:solidFill>
-                  </a:tcPr>
-                </a:tc>
-                <a:extLst>
-                  <a:ext uri="{0D108BD9-81ED-4DB2-BD59-A6C34878D82A}">
-                    <a16:rowId xmlns:a16="http://schemas.microsoft.com/office/drawing/2014/main" val="4281275305"/>
-                  </a:ext>
-                </a:extLst>
-              </a:tr>
-            </a:tbl>
-          </a:graphicData>
-        </a:graphic>
-      </p:graphicFrame>
       <p:pic>
         <p:nvPicPr>
           <p:cNvPr id="12" name="Picture 4" descr="http://clustermedtex.ru/files/images/companies/baumana/gerb_mgtu_imeni_baumana.png"/>
@@ -8025,7 +7213,7 @@
           <a:blip r:embed="rId3" cstate="print">
             <a:extLst>
               <a:ext uri="{28A0092B-C50C-407E-A947-70E740481C1C}">
-                <a14:useLocalDpi xmlns:a14="http://schemas.microsoft.com/office/drawing/2010/main" val="0"/>
+                <a14:useLocalDpi xmlns:a14="http://schemas.microsoft.com/office/drawing/2010/main" xmlns="" val="0"/>
               </a:ext>
             </a:extLst>
           </a:blip>
@@ -8045,7 +7233,7 @@
           <a:noFill/>
           <a:extLst>
             <a:ext uri="{909E8E84-426E-40DD-AFC4-6F175D3DCCD1}">
-              <a14:hiddenFill xmlns:a14="http://schemas.microsoft.com/office/drawing/2010/main">
+              <a14:hiddenFill xmlns:a14="http://schemas.microsoft.com/office/drawing/2010/main" xmlns="">
                 <a:solidFill>
                   <a:srgbClr val="FFFFFF"/>
                 </a:solidFill>
@@ -8057,7 +7245,7 @@
     </p:spTree>
     <p:extLst>
       <p:ext uri="{BB962C8B-B14F-4D97-AF65-F5344CB8AC3E}">
-        <p14:creationId xmlns:p14="http://schemas.microsoft.com/office/powerpoint/2010/main" val="1200680668"/>
+        <p14:creationId xmlns:p14="http://schemas.microsoft.com/office/powerpoint/2010/main" xmlns="" val="301235932"/>
       </p:ext>
     </p:extLst>
   </p:cSld>
@@ -8084,73 +7272,9 @@
           <a:chExt cx="0" cy="0"/>
         </a:xfrm>
       </p:grpSpPr>
-      <p:sp>
-        <p:nvSpPr>
-          <p:cNvPr id="10" name="TextBox 9"/>
-          <p:cNvSpPr txBox="1"/>
-          <p:nvPr/>
-        </p:nvSpPr>
-        <p:spPr>
-          <a:xfrm>
-            <a:off x="0" y="2014984"/>
-            <a:ext cx="12192000" cy="2217082"/>
-          </a:xfrm>
-          <a:prstGeom prst="rect">
-            <a:avLst/>
-          </a:prstGeom>
-          <a:noFill/>
-        </p:spPr>
-        <p:txBody>
-          <a:bodyPr wrap="square" rtlCol="0">
-            <a:spAutoFit/>
-          </a:bodyPr>
-          <a:lstStyle/>
-          <a:p>
-            <a:pPr algn="ctr">
-              <a:lnSpc>
-                <a:spcPct val="150000"/>
-              </a:lnSpc>
-            </a:pPr>
-            <a:r>
-              <a:rPr lang="ru-RU" sz="3200" b="1" dirty="0">
-                <a:latin typeface="Arial" panose="020B0604020202020204" pitchFamily="34" charset="0"/>
-                <a:cs typeface="Arial" panose="020B0604020202020204" pitchFamily="34" charset="0"/>
-              </a:rPr>
-              <a:t>Спасибо за внимание!</a:t>
-            </a:r>
-            <a:br>
-              <a:rPr lang="ru-RU" sz="3200" b="1" dirty="0">
-                <a:latin typeface="Arial" panose="020B0604020202020204" pitchFamily="34" charset="0"/>
-                <a:cs typeface="Arial" panose="020B0604020202020204" pitchFamily="34" charset="0"/>
-              </a:rPr>
-            </a:br>
-            <a:r>
-              <a:rPr lang="ru-RU" sz="3200" b="1" dirty="0">
-                <a:latin typeface="Arial" panose="020B0604020202020204" pitchFamily="34" charset="0"/>
-                <a:cs typeface="Arial" panose="020B0604020202020204" pitchFamily="34" charset="0"/>
-              </a:rPr>
-              <a:t>С уважением, студент группы ИУ1-122, </a:t>
-            </a:r>
-          </a:p>
-          <a:p>
-            <a:pPr algn="ctr">
-              <a:lnSpc>
-                <a:spcPct val="150000"/>
-              </a:lnSpc>
-            </a:pPr>
-            <a:r>
-              <a:rPr lang="ru-RU" sz="3200" b="1" dirty="0">
-                <a:latin typeface="Arial" panose="020B0604020202020204" pitchFamily="34" charset="0"/>
-                <a:cs typeface="Arial" panose="020B0604020202020204" pitchFamily="34" charset="0"/>
-              </a:rPr>
-              <a:t>Уланов Кирилл</a:t>
-            </a:r>
-          </a:p>
-        </p:txBody>
-      </p:sp>
       <p:cxnSp>
         <p:nvCxnSpPr>
-          <p:cNvPr id="3" name="Прямая соединительная линия 2"/>
+          <p:cNvPr id="5" name="Прямая соединительная линия 4"/>
           <p:cNvCxnSpPr/>
           <p:nvPr/>
         </p:nvCxnSpPr>
@@ -8185,7 +7309,7 @@
       </p:cxnSp>
       <p:sp>
         <p:nvSpPr>
-          <p:cNvPr id="4" name="TextBox 3"/>
+          <p:cNvPr id="8" name="TextBox 7"/>
           <p:cNvSpPr txBox="1"/>
           <p:nvPr/>
         </p:nvSpPr>
@@ -8213,32 +7337,64 @@
               <a:t>Слайд № </a:t>
             </a:r>
             <a:r>
-              <a:rPr lang="en-US" dirty="0">
+              <a:rPr lang="ru-RU" dirty="0" smtClean="0">
                 <a:latin typeface="Arial" panose="020B0604020202020204" pitchFamily="34" charset="0"/>
                 <a:cs typeface="Arial" panose="020B0604020202020204" pitchFamily="34" charset="0"/>
               </a:rPr>
-              <a:t>1</a:t>
-            </a:r>
-            <a:r>
-              <a:rPr lang="ru-RU" dirty="0">
-                <a:latin typeface="Arial" panose="020B0604020202020204" pitchFamily="34" charset="0"/>
-                <a:cs typeface="Arial" panose="020B0604020202020204" pitchFamily="34" charset="0"/>
-              </a:rPr>
-              <a:t>2</a:t>
-            </a:r>
-          </a:p>
-        </p:txBody>
-      </p:sp>
-      <p:sp>
-        <p:nvSpPr>
-          <p:cNvPr id="5" name="TextBox 4"/>
+              <a:t>13</a:t>
+            </a:r>
+            <a:endParaRPr lang="ru-RU" dirty="0">
+              <a:latin typeface="Arial" panose="020B0604020202020204" pitchFamily="34" charset="0"/>
+              <a:cs typeface="Arial" panose="020B0604020202020204" pitchFamily="34" charset="0"/>
+            </a:endParaRPr>
+          </a:p>
+        </p:txBody>
+      </p:sp>
+      <p:cxnSp>
+        <p:nvCxnSpPr>
+          <p:cNvPr id="9" name="Прямая соединительная линия 8"/>
+          <p:cNvCxnSpPr/>
+          <p:nvPr/>
+        </p:nvCxnSpPr>
+        <p:spPr>
+          <a:xfrm>
+            <a:off x="986971" y="579267"/>
+            <a:ext cx="10957379" cy="34952"/>
+          </a:xfrm>
+          <a:prstGeom prst="line">
+            <a:avLst/>
+          </a:prstGeom>
+          <a:ln w="19050">
+            <a:solidFill>
+              <a:schemeClr val="tx1"/>
+            </a:solidFill>
+          </a:ln>
+        </p:spPr>
+        <p:style>
+          <a:lnRef idx="1">
+            <a:schemeClr val="accent1"/>
+          </a:lnRef>
+          <a:fillRef idx="0">
+            <a:schemeClr val="accent1"/>
+          </a:fillRef>
+          <a:effectRef idx="0">
+            <a:schemeClr val="accent1"/>
+          </a:effectRef>
+          <a:fontRef idx="minor">
+            <a:schemeClr val="tx1"/>
+          </a:fontRef>
+        </p:style>
+      </p:cxnSp>
+      <p:sp>
+        <p:nvSpPr>
+          <p:cNvPr id="10" name="TextBox 9"/>
           <p:cNvSpPr txBox="1"/>
           <p:nvPr/>
         </p:nvSpPr>
         <p:spPr>
           <a:xfrm>
-            <a:off x="180764" y="6491887"/>
-            <a:ext cx="4667945" cy="369332"/>
+            <a:off x="986971" y="-87084"/>
+            <a:ext cx="10957379" cy="830997"/>
           </a:xfrm>
           <a:prstGeom prst="rect">
             <a:avLst/>
@@ -8246,6 +7402,54 @@
           <a:noFill/>
         </p:spPr>
         <p:txBody>
+          <a:bodyPr wrap="square" rtlCol="0">
+            <a:spAutoFit/>
+          </a:bodyPr>
+          <a:lstStyle/>
+          <a:p>
+            <a:pPr algn="ctr">
+              <a:lnSpc>
+                <a:spcPct val="150000"/>
+              </a:lnSpc>
+            </a:pPr>
+            <a:r>
+              <a:rPr lang="ru-RU" sz="3200" b="1" dirty="0" smtClean="0">
+                <a:latin typeface="Arial" panose="020B0604020202020204" pitchFamily="34" charset="0"/>
+                <a:cs typeface="Arial" panose="020B0604020202020204" pitchFamily="34" charset="0"/>
+              </a:rPr>
+              <a:t>Итоги: </a:t>
+            </a:r>
+            <a:r>
+              <a:rPr lang="ru-RU" sz="3200" b="1" dirty="0" smtClean="0">
+                <a:latin typeface="Arial" panose="020B0604020202020204" pitchFamily="34" charset="0"/>
+                <a:cs typeface="Arial" panose="020B0604020202020204" pitchFamily="34" charset="0"/>
+              </a:rPr>
+              <a:t>дальнейшие перспективы развития проекта</a:t>
+            </a:r>
+            <a:endParaRPr lang="ru-RU" sz="3200" b="1" dirty="0">
+              <a:latin typeface="Arial" panose="020B0604020202020204" pitchFamily="34" charset="0"/>
+              <a:cs typeface="Arial" panose="020B0604020202020204" pitchFamily="34" charset="0"/>
+            </a:endParaRPr>
+          </a:p>
+        </p:txBody>
+      </p:sp>
+      <p:sp>
+        <p:nvSpPr>
+          <p:cNvPr id="11" name="TextBox 10"/>
+          <p:cNvSpPr txBox="1"/>
+          <p:nvPr/>
+        </p:nvSpPr>
+        <p:spPr>
+          <a:xfrm>
+            <a:off x="180764" y="6491887"/>
+            <a:ext cx="4667945" cy="369332"/>
+          </a:xfrm>
+          <a:prstGeom prst="rect">
+            <a:avLst/>
+          </a:prstGeom>
+          <a:noFill/>
+        </p:spPr>
+        <p:txBody>
           <a:bodyPr wrap="none" rtlCol="0">
             <a:spAutoFit/>
           </a:bodyPr>
@@ -8263,7 +7467,7 @@
       </p:sp>
       <p:pic>
         <p:nvPicPr>
-          <p:cNvPr id="6" name="Picture 4" descr="http://clustermedtex.ru/files/images/companies/baumana/gerb_mgtu_imeni_baumana.png"/>
+          <p:cNvPr id="12" name="Picture 4" descr="http://clustermedtex.ru/files/images/companies/baumana/gerb_mgtu_imeni_baumana.png"/>
           <p:cNvPicPr>
             <a:picLocks noChangeAspect="1" noChangeArrowheads="1"/>
           </p:cNvPicPr>
@@ -8273,7 +7477,7 @@
           <a:blip r:embed="rId3" cstate="print">
             <a:extLst>
               <a:ext uri="{28A0092B-C50C-407E-A947-70E740481C1C}">
-                <a14:useLocalDpi xmlns:a14="http://schemas.microsoft.com/office/drawing/2010/main" val="0"/>
+                <a14:useLocalDpi xmlns:a14="http://schemas.microsoft.com/office/drawing/2010/main" xmlns="" val="0"/>
               </a:ext>
             </a:extLst>
           </a:blip>
@@ -8293,7 +7497,7 @@
           <a:noFill/>
           <a:extLst>
             <a:ext uri="{909E8E84-426E-40DD-AFC4-6F175D3DCCD1}">
-              <a14:hiddenFill xmlns:a14="http://schemas.microsoft.com/office/drawing/2010/main">
+              <a14:hiddenFill xmlns:a14="http://schemas.microsoft.com/office/drawing/2010/main" xmlns="">
                 <a:solidFill>
                   <a:srgbClr val="FFFFFF"/>
                 </a:solidFill>
@@ -8302,10 +7506,199 @@
           </a:extLst>
         </p:spPr>
       </p:pic>
+      <p:sp>
+        <p:nvSpPr>
+          <p:cNvPr id="13" name="TextBox 12"/>
+          <p:cNvSpPr txBox="1"/>
+          <p:nvPr/>
+        </p:nvSpPr>
+        <p:spPr>
+          <a:xfrm>
+            <a:off x="371475" y="1581150"/>
+            <a:ext cx="11553825" cy="3323987"/>
+          </a:xfrm>
+          <a:prstGeom prst="rect">
+            <a:avLst/>
+          </a:prstGeom>
+          <a:noFill/>
+        </p:spPr>
+        <p:txBody>
+          <a:bodyPr wrap="square" rtlCol="0">
+            <a:spAutoFit/>
+          </a:bodyPr>
+          <a:lstStyle/>
+          <a:p>
+            <a:pPr lvl="0" algn="just">
+              <a:buFont typeface="Arial" pitchFamily="34" charset="0"/>
+              <a:buChar char="•"/>
+            </a:pPr>
+            <a:r>
+              <a:rPr lang="ru-RU" sz="2400" dirty="0" smtClean="0">
+                <a:latin typeface="Arial" pitchFamily="34" charset="0"/>
+                <a:cs typeface="Arial" pitchFamily="34" charset="0"/>
+              </a:rPr>
+              <a:t> Использование </a:t>
+            </a:r>
+            <a:r>
+              <a:rPr lang="ru-RU" sz="2400" dirty="0" smtClean="0">
+                <a:latin typeface="Arial" pitchFamily="34" charset="0"/>
+                <a:cs typeface="Arial" pitchFamily="34" charset="0"/>
+              </a:rPr>
+              <a:t>беспроводных методов передачи данных для отправки в систему облачного хранения </a:t>
+            </a:r>
+            <a:r>
+              <a:rPr lang="ru-RU" sz="2400" dirty="0" smtClean="0">
+                <a:latin typeface="Arial" pitchFamily="34" charset="0"/>
+                <a:cs typeface="Arial" pitchFamily="34" charset="0"/>
+              </a:rPr>
+              <a:t>данных </a:t>
+            </a:r>
+            <a:r>
+              <a:rPr lang="en-US" sz="2400" dirty="0" err="1" smtClean="0">
+                <a:latin typeface="Arial" pitchFamily="34" charset="0"/>
+                <a:cs typeface="Arial" pitchFamily="34" charset="0"/>
+              </a:rPr>
+              <a:t>Astrocard</a:t>
+            </a:r>
+            <a:r>
+              <a:rPr lang="en-US" sz="2400" dirty="0" smtClean="0">
+                <a:latin typeface="Arial" pitchFamily="34" charset="0"/>
+                <a:cs typeface="Arial" pitchFamily="34" charset="0"/>
+              </a:rPr>
+              <a:t> Global Monitoring</a:t>
+            </a:r>
+            <a:r>
+              <a:rPr lang="ru-RU" sz="2400" dirty="0" smtClean="0">
+                <a:latin typeface="Arial" pitchFamily="34" charset="0"/>
+                <a:cs typeface="Arial" pitchFamily="34" charset="0"/>
+              </a:rPr>
+              <a:t>.</a:t>
+            </a:r>
+          </a:p>
+          <a:p>
+            <a:pPr lvl="0" algn="just"/>
+            <a:endParaRPr lang="ru-RU" sz="2400" dirty="0" smtClean="0">
+              <a:latin typeface="Arial" pitchFamily="34" charset="0"/>
+              <a:cs typeface="Arial" pitchFamily="34" charset="0"/>
+            </a:endParaRPr>
+          </a:p>
+          <a:p>
+            <a:pPr lvl="0" algn="just">
+              <a:buFont typeface="Arial" pitchFamily="34" charset="0"/>
+              <a:buChar char="•"/>
+            </a:pPr>
+            <a:r>
+              <a:rPr lang="ru-RU" sz="2400" dirty="0" smtClean="0">
+                <a:latin typeface="Arial" pitchFamily="34" charset="0"/>
+                <a:cs typeface="Arial" pitchFamily="34" charset="0"/>
+              </a:rPr>
+              <a:t> Расширение </a:t>
+            </a:r>
+            <a:r>
+              <a:rPr lang="ru-RU" sz="2400" dirty="0" smtClean="0">
+                <a:latin typeface="Arial" pitchFamily="34" charset="0"/>
+                <a:cs typeface="Arial" pitchFamily="34" charset="0"/>
+              </a:rPr>
+              <a:t>возможностей единого многопараметрического измерительного модуля за счет </a:t>
+            </a:r>
+            <a:r>
+              <a:rPr lang="ru-RU" sz="2400" dirty="0" smtClean="0">
+                <a:latin typeface="Arial" pitchFamily="34" charset="0"/>
+                <a:cs typeface="Arial" pitchFamily="34" charset="0"/>
+              </a:rPr>
+              <a:t>добавления </a:t>
+            </a:r>
+            <a:r>
+              <a:rPr lang="ru-RU" sz="2400" dirty="0" smtClean="0">
+                <a:latin typeface="Arial" pitchFamily="34" charset="0"/>
+                <a:cs typeface="Arial" pitchFamily="34" charset="0"/>
+              </a:rPr>
+              <a:t>новых </a:t>
+            </a:r>
+            <a:r>
+              <a:rPr lang="ru-RU" sz="2400" dirty="0" smtClean="0">
+                <a:latin typeface="Arial" pitchFamily="34" charset="0"/>
+                <a:cs typeface="Arial" pitchFamily="34" charset="0"/>
+              </a:rPr>
+              <a:t>типов </a:t>
+            </a:r>
+            <a:r>
+              <a:rPr lang="ru-RU" sz="2400" dirty="0" smtClean="0">
+                <a:latin typeface="Arial" pitchFamily="34" charset="0"/>
+                <a:cs typeface="Arial" pitchFamily="34" charset="0"/>
+              </a:rPr>
+              <a:t>измеряемых параметров. </a:t>
+            </a:r>
+            <a:endParaRPr lang="ru-RU" sz="2400" dirty="0" smtClean="0">
+              <a:latin typeface="Arial" pitchFamily="34" charset="0"/>
+              <a:cs typeface="Arial" pitchFamily="34" charset="0"/>
+            </a:endParaRPr>
+          </a:p>
+          <a:p>
+            <a:pPr lvl="0" algn="just"/>
+            <a:endParaRPr lang="ru-RU" sz="2400" dirty="0" smtClean="0">
+              <a:latin typeface="Arial" pitchFamily="34" charset="0"/>
+              <a:cs typeface="Arial" pitchFamily="34" charset="0"/>
+            </a:endParaRPr>
+          </a:p>
+          <a:p>
+            <a:pPr lvl="0" algn="just">
+              <a:buFont typeface="Arial" pitchFamily="34" charset="0"/>
+              <a:buChar char="•"/>
+            </a:pPr>
+            <a:r>
+              <a:rPr lang="ru-RU" sz="2400" dirty="0" smtClean="0">
+                <a:latin typeface="Arial" pitchFamily="34" charset="0"/>
+                <a:cs typeface="Arial" pitchFamily="34" charset="0"/>
+              </a:rPr>
+              <a:t> Возможность </a:t>
+            </a:r>
+            <a:r>
+              <a:rPr lang="ru-RU" sz="2400" dirty="0" smtClean="0">
+                <a:latin typeface="Arial" pitchFamily="34" charset="0"/>
+                <a:cs typeface="Arial" pitchFamily="34" charset="0"/>
+              </a:rPr>
+              <a:t>измерения артериального давления </a:t>
+            </a:r>
+            <a:r>
+              <a:rPr lang="ru-RU" sz="2400" dirty="0" err="1" smtClean="0">
+                <a:latin typeface="Arial" pitchFamily="34" charset="0"/>
+                <a:cs typeface="Arial" pitchFamily="34" charset="0"/>
+              </a:rPr>
+              <a:t>инвазивным</a:t>
+            </a:r>
+            <a:r>
+              <a:rPr lang="ru-RU" sz="2400" dirty="0" smtClean="0">
+                <a:latin typeface="Arial" pitchFamily="34" charset="0"/>
+                <a:cs typeface="Arial" pitchFamily="34" charset="0"/>
+              </a:rPr>
+              <a:t> методом для повышения </a:t>
+            </a:r>
+            <a:r>
+              <a:rPr lang="ru-RU" sz="2400" dirty="0" smtClean="0">
+                <a:latin typeface="Arial" pitchFamily="34" charset="0"/>
+                <a:cs typeface="Arial" pitchFamily="34" charset="0"/>
+              </a:rPr>
+              <a:t>  точности мониторинга </a:t>
+            </a:r>
+            <a:r>
+              <a:rPr lang="ru-RU" sz="2400" dirty="0" smtClean="0">
+                <a:latin typeface="Arial" pitchFamily="34" charset="0"/>
+                <a:cs typeface="Arial" pitchFamily="34" charset="0"/>
+              </a:rPr>
+              <a:t>геодинамики.</a:t>
+            </a:r>
+          </a:p>
+          <a:p>
+            <a:pPr algn="just"/>
+            <a:endParaRPr lang="ru-RU" dirty="0"/>
+          </a:p>
+        </p:txBody>
+      </p:sp>
     </p:spTree>
     <p:extLst>
       <p:ext uri="{BB962C8B-B14F-4D97-AF65-F5344CB8AC3E}">
-        <p14:creationId xmlns:p14="http://schemas.microsoft.com/office/powerpoint/2010/main" val="3421224900"/>
+        <p14:creationId xmlns:p14="http://schemas.microsoft.com/office/powerpoint/2010/main" xmlns="" val="1200680668"/>
       </p:ext>
     </p:extLst>
   </p:cSld>
@@ -8334,173 +7727,75 @@
       </p:grpSpPr>
       <p:sp>
         <p:nvSpPr>
-          <p:cNvPr id="2" name="Заголовок 1"/>
-          <p:cNvSpPr>
-            <a:spLocks noGrp="1"/>
-          </p:cNvSpPr>
-          <p:nvPr>
-            <p:ph type="title"/>
-          </p:nvPr>
+          <p:cNvPr id="10" name="TextBox 9"/>
+          <p:cNvSpPr txBox="1"/>
+          <p:nvPr/>
         </p:nvSpPr>
         <p:spPr>
           <a:xfrm>
-            <a:off x="0" y="104506"/>
-            <a:ext cx="12192000" cy="1690688"/>
-          </a:xfrm>
-        </p:spPr>
-        <p:txBody>
-          <a:bodyPr>
-            <a:normAutofit/>
+            <a:off x="0" y="2014984"/>
+            <a:ext cx="12192000" cy="2308324"/>
+          </a:xfrm>
+          <a:prstGeom prst="rect">
+            <a:avLst/>
+          </a:prstGeom>
+          <a:noFill/>
+        </p:spPr>
+        <p:txBody>
+          <a:bodyPr wrap="square" rtlCol="0">
+            <a:spAutoFit/>
           </a:bodyPr>
           <a:lstStyle/>
           <a:p>
-            <a:pPr algn="ctr"/>
-            <a:r>
-              <a:rPr lang="ru-RU" sz="3600" b="1" dirty="0">
+            <a:pPr algn="ctr">
+              <a:lnSpc>
+                <a:spcPct val="150000"/>
+              </a:lnSpc>
+            </a:pPr>
+            <a:r>
+              <a:rPr lang="ru-RU" sz="3200" b="1" dirty="0">
                 <a:latin typeface="Arial" panose="020B0604020202020204" pitchFamily="34" charset="0"/>
                 <a:cs typeface="Arial" panose="020B0604020202020204" pitchFamily="34" charset="0"/>
               </a:rPr>
-              <a:t>Ответ на самый популярный вопрос:</a:t>
+              <a:t>Спасибо за внимание!</a:t>
             </a:r>
             <a:br>
-              <a:rPr lang="ru-RU" sz="3600" b="1" dirty="0">
+              <a:rPr lang="ru-RU" sz="3200" b="1" dirty="0">
                 <a:latin typeface="Arial" panose="020B0604020202020204" pitchFamily="34" charset="0"/>
                 <a:cs typeface="Arial" panose="020B0604020202020204" pitchFamily="34" charset="0"/>
               </a:rPr>
             </a:br>
-            <a:br>
-              <a:rPr lang="ru-RU" sz="3600" dirty="0">
+            <a:r>
+              <a:rPr lang="ru-RU" sz="3200" b="1" dirty="0">
                 <a:latin typeface="Arial" panose="020B0604020202020204" pitchFamily="34" charset="0"/>
                 <a:cs typeface="Arial" panose="020B0604020202020204" pitchFamily="34" charset="0"/>
               </a:rPr>
-            </a:br>
-            <a:r>
-              <a:rPr lang="ru-RU" sz="4200" dirty="0">
+              <a:t>С уважением, студент группы ИУ1-122, </a:t>
+            </a:r>
+          </a:p>
+          <a:p>
+            <a:pPr algn="ctr">
+              <a:lnSpc>
+                <a:spcPct val="150000"/>
+              </a:lnSpc>
+            </a:pPr>
+            <a:r>
+              <a:rPr lang="ru-RU" sz="3200" b="1" dirty="0" smtClean="0">
                 <a:latin typeface="Arial" panose="020B0604020202020204" pitchFamily="34" charset="0"/>
                 <a:cs typeface="Arial" panose="020B0604020202020204" pitchFamily="34" charset="0"/>
               </a:rPr>
-              <a:t>« Что конкретно я делал в этом проекте? »</a:t>
-            </a:r>
-          </a:p>
-        </p:txBody>
-      </p:sp>
-      <p:sp>
-        <p:nvSpPr>
-          <p:cNvPr id="3" name="Объект 2"/>
-          <p:cNvSpPr>
-            <a:spLocks noGrp="1"/>
-          </p:cNvSpPr>
-          <p:nvPr>
-            <p:ph idx="1"/>
-          </p:nvPr>
-        </p:nvSpPr>
-        <p:spPr>
-          <a:xfrm>
-            <a:off x="583476" y="2369961"/>
-            <a:ext cx="11181806" cy="3368988"/>
-          </a:xfrm>
-        </p:spPr>
-        <p:txBody>
-          <a:bodyPr>
-            <a:normAutofit/>
-          </a:bodyPr>
-          <a:lstStyle/>
-          <a:p>
-            <a:pPr lvl="0">
-              <a:buFont typeface="Wingdings" panose="05000000000000000000" pitchFamily="2" charset="2"/>
-              <a:buChar char="Ø"/>
-            </a:pPr>
-            <a:r>
-              <a:rPr lang="ru-RU" sz="2200" dirty="0">
-                <a:latin typeface="Arial" panose="020B0604020202020204" pitchFamily="34" charset="0"/>
-                <a:cs typeface="Arial" panose="020B0604020202020204" pitchFamily="34" charset="0"/>
-              </a:rPr>
-              <a:t> Проектирование блока питания регистратора от различных источников питания.</a:t>
-            </a:r>
-          </a:p>
-          <a:p>
-            <a:pPr lvl="0">
-              <a:buFont typeface="Wingdings" panose="05000000000000000000" pitchFamily="2" charset="2"/>
-              <a:buChar char="Ø"/>
-            </a:pPr>
-            <a:r>
-              <a:rPr lang="ru-RU" sz="2200" dirty="0">
-                <a:latin typeface="Arial" panose="020B0604020202020204" pitchFamily="34" charset="0"/>
-                <a:cs typeface="Arial" panose="020B0604020202020204" pitchFamily="34" charset="0"/>
-              </a:rPr>
-              <a:t> Проектирование печатных плат.</a:t>
-            </a:r>
-          </a:p>
-          <a:p>
-            <a:pPr lvl="0">
-              <a:buFont typeface="Wingdings" panose="05000000000000000000" pitchFamily="2" charset="2"/>
-              <a:buChar char="Ø"/>
-            </a:pPr>
-            <a:r>
-              <a:rPr lang="ru-RU" sz="2200" dirty="0">
-                <a:latin typeface="Arial" panose="020B0604020202020204" pitchFamily="34" charset="0"/>
-                <a:cs typeface="Arial" panose="020B0604020202020204" pitchFamily="34" charset="0"/>
-              </a:rPr>
-              <a:t> Разработка и программная реализация файловой системы хранения данных.</a:t>
-            </a:r>
-          </a:p>
-          <a:p>
-            <a:pPr lvl="0">
-              <a:buFont typeface="Wingdings" panose="05000000000000000000" pitchFamily="2" charset="2"/>
-              <a:buChar char="Ø"/>
-            </a:pPr>
-            <a:r>
-              <a:rPr lang="ru-RU" sz="2200" dirty="0">
-                <a:latin typeface="Arial" panose="020B0604020202020204" pitchFamily="34" charset="0"/>
-                <a:cs typeface="Arial" panose="020B0604020202020204" pitchFamily="34" charset="0"/>
-              </a:rPr>
-              <a:t> Разработка логики работы регистратора при передач данных на сервер.</a:t>
-            </a:r>
-          </a:p>
-          <a:p>
-            <a:pPr lvl="0">
-              <a:buFont typeface="Wingdings" panose="05000000000000000000" pitchFamily="2" charset="2"/>
-              <a:buChar char="Ø"/>
-            </a:pPr>
-            <a:r>
-              <a:rPr lang="ru-RU" sz="2200" dirty="0">
-                <a:latin typeface="Arial" panose="020B0604020202020204" pitchFamily="34" charset="0"/>
-                <a:cs typeface="Arial" panose="020B0604020202020204" pitchFamily="34" charset="0"/>
-              </a:rPr>
-              <a:t> Внедрение в алгоритм работы устройства команд управления регистратором.</a:t>
-            </a:r>
-          </a:p>
-          <a:p>
-            <a:pPr lvl="0">
-              <a:buFont typeface="Wingdings" panose="05000000000000000000" pitchFamily="2" charset="2"/>
-              <a:buChar char="Ø"/>
-            </a:pPr>
-            <a:r>
-              <a:rPr lang="ru-RU" sz="2200" dirty="0">
-                <a:latin typeface="Arial" panose="020B0604020202020204" pitchFamily="34" charset="0"/>
-                <a:cs typeface="Arial" panose="020B0604020202020204" pitchFamily="34" charset="0"/>
-              </a:rPr>
-              <a:t> Исследование приемлемого периода передачи данных, с точки зрения энергопотребления.</a:t>
-            </a:r>
-          </a:p>
-          <a:p>
-            <a:pPr lvl="0">
-              <a:buFont typeface="Wingdings" panose="05000000000000000000" pitchFamily="2" charset="2"/>
-              <a:buChar char="Ø"/>
-            </a:pPr>
-            <a:r>
-              <a:rPr lang="ru-RU" sz="2200" dirty="0">
-                <a:latin typeface="Arial" panose="020B0604020202020204" pitchFamily="34" charset="0"/>
-                <a:cs typeface="Arial" panose="020B0604020202020204" pitchFamily="34" charset="0"/>
-              </a:rPr>
-              <a:t> Разработка отладочного сервера приема данных.</a:t>
-            </a:r>
+              <a:t>Новиков Сергей Сергеевич</a:t>
+            </a:r>
+            <a:endParaRPr lang="ru-RU" sz="3200" b="1" dirty="0">
+              <a:latin typeface="Arial" panose="020B0604020202020204" pitchFamily="34" charset="0"/>
+              <a:cs typeface="Arial" panose="020B0604020202020204" pitchFamily="34" charset="0"/>
+            </a:endParaRPr>
           </a:p>
         </p:txBody>
       </p:sp>
       <p:cxnSp>
         <p:nvCxnSpPr>
-          <p:cNvPr id="4" name="Прямая соединительная линия 3"/>
+          <p:cNvPr id="3" name="Прямая соединительная линия 2"/>
           <p:cNvCxnSpPr/>
           <p:nvPr/>
         </p:nvCxnSpPr>
@@ -8535,7 +7830,7 @@
       </p:cxnSp>
       <p:sp>
         <p:nvSpPr>
-          <p:cNvPr id="5" name="TextBox 4"/>
+          <p:cNvPr id="4" name="TextBox 3"/>
           <p:cNvSpPr txBox="1"/>
           <p:nvPr/>
         </p:nvSpPr>
@@ -8560,14 +7855,25 @@
                 <a:latin typeface="Arial" panose="020B0604020202020204" pitchFamily="34" charset="0"/>
                 <a:cs typeface="Arial" panose="020B0604020202020204" pitchFamily="34" charset="0"/>
               </a:rPr>
-              <a:t>Слайд № 13</a:t>
-            </a:r>
-          </a:p>
-        </p:txBody>
-      </p:sp>
-      <p:sp>
-        <p:nvSpPr>
-          <p:cNvPr id="6" name="TextBox 5"/>
+              <a:t>Слайд № </a:t>
+            </a:r>
+            <a:r>
+              <a:rPr lang="ru-RU" dirty="0" smtClean="0">
+                <a:latin typeface="Arial" panose="020B0604020202020204" pitchFamily="34" charset="0"/>
+                <a:cs typeface="Arial" panose="020B0604020202020204" pitchFamily="34" charset="0"/>
+              </a:rPr>
+              <a:t>14</a:t>
+            </a:r>
+            <a:endParaRPr lang="ru-RU" dirty="0">
+              <a:latin typeface="Arial" panose="020B0604020202020204" pitchFamily="34" charset="0"/>
+              <a:cs typeface="Arial" panose="020B0604020202020204" pitchFamily="34" charset="0"/>
+            </a:endParaRPr>
+          </a:p>
+        </p:txBody>
+      </p:sp>
+      <p:sp>
+        <p:nvSpPr>
+          <p:cNvPr id="5" name="TextBox 4"/>
           <p:cNvSpPr txBox="1"/>
           <p:nvPr/>
         </p:nvSpPr>
@@ -8599,7 +7905,7 @@
       </p:sp>
       <p:pic>
         <p:nvPicPr>
-          <p:cNvPr id="7" name="Picture 4" descr="http://clustermedtex.ru/files/images/companies/baumana/gerb_mgtu_imeni_baumana.png"/>
+          <p:cNvPr id="6" name="Picture 4" descr="http://clustermedtex.ru/files/images/companies/baumana/gerb_mgtu_imeni_baumana.png"/>
           <p:cNvPicPr>
             <a:picLocks noChangeAspect="1" noChangeArrowheads="1"/>
           </p:cNvPicPr>
@@ -8609,7 +7915,7 @@
           <a:blip r:embed="rId3" cstate="print">
             <a:extLst>
               <a:ext uri="{28A0092B-C50C-407E-A947-70E740481C1C}">
-                <a14:useLocalDpi xmlns:a14="http://schemas.microsoft.com/office/drawing/2010/main" val="0"/>
+                <a14:useLocalDpi xmlns:a14="http://schemas.microsoft.com/office/drawing/2010/main" xmlns="" val="0"/>
               </a:ext>
             </a:extLst>
           </a:blip>
@@ -8629,7 +7935,7 @@
           <a:noFill/>
           <a:extLst>
             <a:ext uri="{909E8E84-426E-40DD-AFC4-6F175D3DCCD1}">
-              <a14:hiddenFill xmlns:a14="http://schemas.microsoft.com/office/drawing/2010/main">
+              <a14:hiddenFill xmlns:a14="http://schemas.microsoft.com/office/drawing/2010/main" xmlns="">
                 <a:solidFill>
                   <a:srgbClr val="FFFFFF"/>
                 </a:solidFill>
@@ -8638,45 +7944,10 @@
           </a:extLst>
         </p:spPr>
       </p:pic>
-      <p:cxnSp>
-        <p:nvCxnSpPr>
-          <p:cNvPr id="8" name="Прямая соединительная линия 7"/>
-          <p:cNvCxnSpPr/>
-          <p:nvPr/>
-        </p:nvCxnSpPr>
-        <p:spPr>
-          <a:xfrm>
-            <a:off x="891432" y="831800"/>
-            <a:ext cx="10971893" cy="48637"/>
-          </a:xfrm>
-          <a:prstGeom prst="line">
-            <a:avLst/>
-          </a:prstGeom>
-          <a:ln w="19050">
-            <a:solidFill>
-              <a:schemeClr val="tx1"/>
-            </a:solidFill>
-          </a:ln>
-        </p:spPr>
-        <p:style>
-          <a:lnRef idx="1">
-            <a:schemeClr val="accent1"/>
-          </a:lnRef>
-          <a:fillRef idx="0">
-            <a:schemeClr val="accent1"/>
-          </a:fillRef>
-          <a:effectRef idx="0">
-            <a:schemeClr val="accent1"/>
-          </a:effectRef>
-          <a:fontRef idx="minor">
-            <a:schemeClr val="tx1"/>
-          </a:fontRef>
-        </p:style>
-      </p:cxnSp>
     </p:spTree>
     <p:extLst>
       <p:ext uri="{BB962C8B-B14F-4D97-AF65-F5344CB8AC3E}">
-        <p14:creationId xmlns:p14="http://schemas.microsoft.com/office/powerpoint/2010/main" val="1861892955"/>
+        <p14:creationId xmlns:p14="http://schemas.microsoft.com/office/powerpoint/2010/main" xmlns="" val="3421224900"/>
       </p:ext>
     </p:extLst>
   </p:cSld>
@@ -8967,7 +8238,7 @@
           <a:blip r:embed="rId3" cstate="print">
             <a:extLst>
               <a:ext uri="{28A0092B-C50C-407E-A947-70E740481C1C}">
-                <a14:useLocalDpi xmlns:a14="http://schemas.microsoft.com/office/drawing/2010/main" val="0"/>
+                <a14:useLocalDpi xmlns:a14="http://schemas.microsoft.com/office/drawing/2010/main" xmlns="" val="0"/>
               </a:ext>
             </a:extLst>
           </a:blip>
@@ -8987,7 +8258,7 @@
           <a:noFill/>
           <a:extLst>
             <a:ext uri="{909E8E84-426E-40DD-AFC4-6F175D3DCCD1}">
-              <a14:hiddenFill xmlns:a14="http://schemas.microsoft.com/office/drawing/2010/main">
+              <a14:hiddenFill xmlns:a14="http://schemas.microsoft.com/office/drawing/2010/main" xmlns="">
                 <a:solidFill>
                   <a:srgbClr val="FFFFFF"/>
                 </a:solidFill>
@@ -8999,18 +8270,18 @@
     </p:spTree>
     <p:extLst>
       <p:ext uri="{BB962C8B-B14F-4D97-AF65-F5344CB8AC3E}">
-        <p14:creationId xmlns:p14="http://schemas.microsoft.com/office/powerpoint/2010/main" val="2832680016"/>
+        <p14:creationId xmlns:p14="http://schemas.microsoft.com/office/powerpoint/2010/main" xmlns="" val="2832680016"/>
       </p:ext>
     </p:extLst>
   </p:cSld>
   <p:clrMapOvr>
     <a:masterClrMapping/>
   </p:clrMapOvr>
-  <mc:AlternateContent xmlns:mc="http://schemas.openxmlformats.org/markup-compatibility/2006" xmlns:p14="http://schemas.microsoft.com/office/powerpoint/2010/main">
-    <mc:Choice Requires="p14">
+  <mc:AlternateContent xmlns:mc="http://schemas.openxmlformats.org/markup-compatibility/2006">
+    <mc:Choice xmlns:p14="http://schemas.microsoft.com/office/powerpoint/2010/main" xmlns="" Requires="p14">
       <p:transition spd="slow" p14:dur="2000" advTm="1822"/>
     </mc:Choice>
-    <mc:Fallback xmlns="">
+    <mc:Fallback>
       <p:transition spd="slow" advTm="1822"/>
     </mc:Fallback>
   </mc:AlternateContent>
@@ -9232,7 +8503,7 @@
           <a:blip r:embed="rId3" cstate="print">
             <a:extLst>
               <a:ext uri="{28A0092B-C50C-407E-A947-70E740481C1C}">
-                <a14:useLocalDpi xmlns:a14="http://schemas.microsoft.com/office/drawing/2010/main" val="0"/>
+                <a14:useLocalDpi xmlns:a14="http://schemas.microsoft.com/office/drawing/2010/main" xmlns="" val="0"/>
               </a:ext>
             </a:extLst>
           </a:blip>
@@ -9252,7 +8523,7 @@
           <a:noFill/>
           <a:extLst>
             <a:ext uri="{909E8E84-426E-40DD-AFC4-6F175D3DCCD1}">
-              <a14:hiddenFill xmlns:a14="http://schemas.microsoft.com/office/drawing/2010/main">
+              <a14:hiddenFill xmlns:a14="http://schemas.microsoft.com/office/drawing/2010/main" xmlns="">
                 <a:solidFill>
                   <a:srgbClr val="FFFFFF"/>
                 </a:solidFill>
@@ -9266,7 +8537,7 @@
           <p:cNvPr id="1028" name="Picture 4">
             <a:extLst>
               <a:ext uri="{FF2B5EF4-FFF2-40B4-BE49-F238E27FC236}">
-                <a16:creationId xmlns:a16="http://schemas.microsoft.com/office/drawing/2014/main" id="{5A3E4B1C-36E0-43A0-B106-DE2ED6BEBFF2}"/>
+                <a16:creationId xmlns:a16="http://schemas.microsoft.com/office/drawing/2014/main" xmlns="" id="{5A3E4B1C-36E0-43A0-B106-DE2ED6BEBFF2}"/>
               </a:ext>
             </a:extLst>
           </p:cNvPr>
@@ -9276,10 +8547,10 @@
           <p:nvPr/>
         </p:nvPicPr>
         <p:blipFill>
-          <a:blip r:embed="rId4">
+          <a:blip r:embed="rId4" cstate="print">
             <a:extLst>
               <a:ext uri="{28A0092B-C50C-407E-A947-70E740481C1C}">
-                <a14:useLocalDpi xmlns:a14="http://schemas.microsoft.com/office/drawing/2010/main" val="0"/>
+                <a14:useLocalDpi xmlns:a14="http://schemas.microsoft.com/office/drawing/2010/main" xmlns="" val="0"/>
               </a:ext>
             </a:extLst>
           </a:blip>
@@ -9299,7 +8570,7 @@
           <a:noFill/>
           <a:extLst>
             <a:ext uri="{909E8E84-426E-40DD-AFC4-6F175D3DCCD1}">
-              <a14:hiddenFill xmlns:a14="http://schemas.microsoft.com/office/drawing/2010/main">
+              <a14:hiddenFill xmlns:a14="http://schemas.microsoft.com/office/drawing/2010/main" xmlns="">
                 <a:solidFill>
                   <a:srgbClr val="FFFFFF"/>
                 </a:solidFill>
@@ -9313,7 +8584,7 @@
           <p:cNvPr id="3" name="TextBox 2">
             <a:extLst>
               <a:ext uri="{FF2B5EF4-FFF2-40B4-BE49-F238E27FC236}">
-                <a16:creationId xmlns:a16="http://schemas.microsoft.com/office/drawing/2014/main" id="{008437EA-C085-4559-AF00-B7EBAFE8CA03}"/>
+                <a16:creationId xmlns:a16="http://schemas.microsoft.com/office/drawing/2014/main" xmlns="" id="{008437EA-C085-4559-AF00-B7EBAFE8CA03}"/>
               </a:ext>
             </a:extLst>
           </p:cNvPr>
@@ -9405,7 +8676,7 @@
           <p:cNvPr id="4" name="TextBox 3">
             <a:extLst>
               <a:ext uri="{FF2B5EF4-FFF2-40B4-BE49-F238E27FC236}">
-                <a16:creationId xmlns:a16="http://schemas.microsoft.com/office/drawing/2014/main" id="{FDE5CFC2-E1BE-4735-AFFF-8F2E1EECC649}"/>
+                <a16:creationId xmlns:a16="http://schemas.microsoft.com/office/drawing/2014/main" xmlns="" id="{FDE5CFC2-E1BE-4735-AFFF-8F2E1EECC649}"/>
               </a:ext>
             </a:extLst>
           </p:cNvPr>
@@ -9438,7 +8709,7 @@
     </p:spTree>
     <p:extLst>
       <p:ext uri="{BB962C8B-B14F-4D97-AF65-F5344CB8AC3E}">
-        <p14:creationId xmlns:p14="http://schemas.microsoft.com/office/powerpoint/2010/main" val="631900643"/>
+        <p14:creationId xmlns:p14="http://schemas.microsoft.com/office/powerpoint/2010/main" xmlns="" val="631900643"/>
       </p:ext>
     </p:extLst>
   </p:cSld>
@@ -9663,7 +8934,7 @@
           <a:blip r:embed="rId3" cstate="print">
             <a:extLst>
               <a:ext uri="{28A0092B-C50C-407E-A947-70E740481C1C}">
-                <a14:useLocalDpi xmlns:a14="http://schemas.microsoft.com/office/drawing/2010/main" val="0"/>
+                <a14:useLocalDpi xmlns:a14="http://schemas.microsoft.com/office/drawing/2010/main" xmlns="" val="0"/>
               </a:ext>
             </a:extLst>
           </a:blip>
@@ -9683,7 +8954,7 @@
           <a:noFill/>
           <a:extLst>
             <a:ext uri="{909E8E84-426E-40DD-AFC4-6F175D3DCCD1}">
-              <a14:hiddenFill xmlns:a14="http://schemas.microsoft.com/office/drawing/2010/main">
+              <a14:hiddenFill xmlns:a14="http://schemas.microsoft.com/office/drawing/2010/main" xmlns="">
                 <a:solidFill>
                   <a:srgbClr val="FFFFFF"/>
                 </a:solidFill>
@@ -9697,7 +8968,7 @@
           <p:cNvPr id="12" name="Объект 2">
             <a:extLst>
               <a:ext uri="{FF2B5EF4-FFF2-40B4-BE49-F238E27FC236}">
-                <a16:creationId xmlns:a16="http://schemas.microsoft.com/office/drawing/2014/main" id="{FBF118A8-1316-4EBB-99E7-014571612D83}"/>
+                <a16:creationId xmlns:a16="http://schemas.microsoft.com/office/drawing/2014/main" xmlns="" id="{FBF118A8-1316-4EBB-99E7-014571612D83}"/>
               </a:ext>
             </a:extLst>
           </p:cNvPr>
@@ -9710,8 +8981,8 @@
         </p:nvSpPr>
         <p:spPr>
           <a:xfrm>
-            <a:off x="4748041" y="2145185"/>
-            <a:ext cx="6709620" cy="1910122"/>
+            <a:off x="4986166" y="1771650"/>
+            <a:ext cx="6709620" cy="2990850"/>
           </a:xfrm>
         </p:spPr>
         <p:txBody>
@@ -9725,8 +8996,25 @@
                 <a:latin typeface="Arial" panose="020B0604020202020204" pitchFamily="34" charset="0"/>
                 <a:cs typeface="Arial" panose="020B0604020202020204" pitchFamily="34" charset="0"/>
               </a:rPr>
-              <a:t>Острый инфаркт миокарда</a:t>
-            </a:r>
+              <a:t>Острый инфаркт </a:t>
+            </a:r>
+            <a:r>
+              <a:rPr lang="ru-RU" dirty="0" smtClean="0">
+                <a:latin typeface="Arial" panose="020B0604020202020204" pitchFamily="34" charset="0"/>
+                <a:cs typeface="Arial" panose="020B0604020202020204" pitchFamily="34" charset="0"/>
+              </a:rPr>
+              <a:t>миокарда</a:t>
+            </a:r>
+            <a:endParaRPr lang="en-US" dirty="0" smtClean="0">
+              <a:latin typeface="Arial" panose="020B0604020202020204" pitchFamily="34" charset="0"/>
+              <a:cs typeface="Arial" panose="020B0604020202020204" pitchFamily="34" charset="0"/>
+            </a:endParaRPr>
+          </a:p>
+          <a:p>
+            <a:endParaRPr lang="ru-RU" dirty="0">
+              <a:latin typeface="Arial" panose="020B0604020202020204" pitchFamily="34" charset="0"/>
+              <a:cs typeface="Arial" panose="020B0604020202020204" pitchFamily="34" charset="0"/>
+            </a:endParaRPr>
           </a:p>
           <a:p>
             <a:r>
@@ -9734,8 +9022,25 @@
                 <a:latin typeface="Arial" panose="020B0604020202020204" pitchFamily="34" charset="0"/>
                 <a:cs typeface="Arial" panose="020B0604020202020204" pitchFamily="34" charset="0"/>
               </a:rPr>
-              <a:t>Ишемическая болезнь сердца</a:t>
-            </a:r>
+              <a:t>Ишемическая болезнь </a:t>
+            </a:r>
+            <a:r>
+              <a:rPr lang="ru-RU" dirty="0" smtClean="0">
+                <a:latin typeface="Arial" panose="020B0604020202020204" pitchFamily="34" charset="0"/>
+                <a:cs typeface="Arial" panose="020B0604020202020204" pitchFamily="34" charset="0"/>
+              </a:rPr>
+              <a:t>сердца</a:t>
+            </a:r>
+            <a:endParaRPr lang="en-US" dirty="0" smtClean="0">
+              <a:latin typeface="Arial" panose="020B0604020202020204" pitchFamily="34" charset="0"/>
+              <a:cs typeface="Arial" panose="020B0604020202020204" pitchFamily="34" charset="0"/>
+            </a:endParaRPr>
+          </a:p>
+          <a:p>
+            <a:endParaRPr lang="ru-RU" dirty="0">
+              <a:latin typeface="Arial" panose="020B0604020202020204" pitchFamily="34" charset="0"/>
+              <a:cs typeface="Arial" panose="020B0604020202020204" pitchFamily="34" charset="0"/>
+            </a:endParaRPr>
           </a:p>
           <a:p>
             <a:r>
@@ -9753,7 +9058,7 @@
           <p:cNvPr id="2052" name="Picture 4" descr="Найден способ защитить сердце от опасных последствий инфаркта ...">
             <a:extLst>
               <a:ext uri="{FF2B5EF4-FFF2-40B4-BE49-F238E27FC236}">
-                <a16:creationId xmlns:a16="http://schemas.microsoft.com/office/drawing/2014/main" id="{DC7C1508-E7BE-4ABD-AE12-558A5F728950}"/>
+                <a16:creationId xmlns:a16="http://schemas.microsoft.com/office/drawing/2014/main" xmlns="" id="{DC7C1508-E7BE-4ABD-AE12-558A5F728950}"/>
               </a:ext>
             </a:extLst>
           </p:cNvPr>
@@ -9766,7 +9071,7 @@
           <a:blip r:embed="rId4" cstate="print">
             <a:extLst>
               <a:ext uri="{28A0092B-C50C-407E-A947-70E740481C1C}">
-                <a14:useLocalDpi xmlns:a14="http://schemas.microsoft.com/office/drawing/2010/main" val="0"/>
+                <a14:useLocalDpi xmlns:a14="http://schemas.microsoft.com/office/drawing/2010/main" xmlns="" val="0"/>
               </a:ext>
             </a:extLst>
           </a:blip>
@@ -9786,7 +9091,7 @@
           <a:noFill/>
           <a:extLst>
             <a:ext uri="{909E8E84-426E-40DD-AFC4-6F175D3DCCD1}">
-              <a14:hiddenFill xmlns:a14="http://schemas.microsoft.com/office/drawing/2010/main">
+              <a14:hiddenFill xmlns:a14="http://schemas.microsoft.com/office/drawing/2010/main" xmlns="">
                 <a:solidFill>
                   <a:srgbClr val="FFFFFF"/>
                 </a:solidFill>
@@ -9798,7 +9103,7 @@
     </p:spTree>
     <p:extLst>
       <p:ext uri="{BB962C8B-B14F-4D97-AF65-F5344CB8AC3E}">
-        <p14:creationId xmlns:p14="http://schemas.microsoft.com/office/powerpoint/2010/main" val="2033862032"/>
+        <p14:creationId xmlns:p14="http://schemas.microsoft.com/office/powerpoint/2010/main" xmlns="" val="2033862032"/>
       </p:ext>
     </p:extLst>
   </p:cSld>
@@ -10008,7 +9313,7 @@
           <a:blip r:embed="rId3" cstate="print">
             <a:extLst>
               <a:ext uri="{28A0092B-C50C-407E-A947-70E740481C1C}">
-                <a14:useLocalDpi xmlns:a14="http://schemas.microsoft.com/office/drawing/2010/main" val="0"/>
+                <a14:useLocalDpi xmlns:a14="http://schemas.microsoft.com/office/drawing/2010/main" xmlns="" val="0"/>
               </a:ext>
             </a:extLst>
           </a:blip>
@@ -10028,7 +9333,7 @@
           <a:noFill/>
           <a:extLst>
             <a:ext uri="{909E8E84-426E-40DD-AFC4-6F175D3DCCD1}">
-              <a14:hiddenFill xmlns:a14="http://schemas.microsoft.com/office/drawing/2010/main">
+              <a14:hiddenFill xmlns:a14="http://schemas.microsoft.com/office/drawing/2010/main" xmlns="">
                 <a:solidFill>
                   <a:srgbClr val="FFFFFF"/>
                 </a:solidFill>
@@ -10042,7 +9347,7 @@
           <p:cNvPr id="11" name="Рисунок 10">
             <a:extLst>
               <a:ext uri="{FF2B5EF4-FFF2-40B4-BE49-F238E27FC236}">
-                <a16:creationId xmlns:a16="http://schemas.microsoft.com/office/drawing/2014/main" id="{15057CFA-2E6E-4433-9057-DAA943E8776C}"/>
+                <a16:creationId xmlns:a16="http://schemas.microsoft.com/office/drawing/2014/main" xmlns="" id="{15057CFA-2E6E-4433-9057-DAA943E8776C}"/>
               </a:ext>
             </a:extLst>
           </p:cNvPr>
@@ -10052,10 +9357,10 @@
           <p:nvPr/>
         </p:nvPicPr>
         <p:blipFill>
-          <a:blip r:embed="rId4">
+          <a:blip r:embed="rId4" cstate="print">
             <a:extLst>
               <a:ext uri="{28A0092B-C50C-407E-A947-70E740481C1C}">
-                <a14:useLocalDpi xmlns:a14="http://schemas.microsoft.com/office/drawing/2010/main" val="0"/>
+                <a14:useLocalDpi xmlns:a14="http://schemas.microsoft.com/office/drawing/2010/main" xmlns="" val="0"/>
               </a:ext>
             </a:extLst>
           </a:blip>
@@ -10076,7 +9381,7 @@
     </p:spTree>
     <p:extLst>
       <p:ext uri="{BB962C8B-B14F-4D97-AF65-F5344CB8AC3E}">
-        <p14:creationId xmlns:p14="http://schemas.microsoft.com/office/powerpoint/2010/main" val="1468586659"/>
+        <p14:creationId xmlns:p14="http://schemas.microsoft.com/office/powerpoint/2010/main" xmlns="" val="1468586659"/>
       </p:ext>
     </p:extLst>
   </p:cSld>
@@ -10327,7 +9632,7 @@
           <a:blip r:embed="rId3" cstate="print">
             <a:extLst>
               <a:ext uri="{28A0092B-C50C-407E-A947-70E740481C1C}">
-                <a14:useLocalDpi xmlns:a14="http://schemas.microsoft.com/office/drawing/2010/main" val="0"/>
+                <a14:useLocalDpi xmlns:a14="http://schemas.microsoft.com/office/drawing/2010/main" xmlns="" val="0"/>
               </a:ext>
             </a:extLst>
           </a:blip>
@@ -10347,7 +9652,7 @@
           <a:noFill/>
           <a:extLst>
             <a:ext uri="{909E8E84-426E-40DD-AFC4-6F175D3DCCD1}">
-              <a14:hiddenFill xmlns:a14="http://schemas.microsoft.com/office/drawing/2010/main">
+              <a14:hiddenFill xmlns:a14="http://schemas.microsoft.com/office/drawing/2010/main" xmlns="">
                 <a:solidFill>
                   <a:srgbClr val="FFFFFF"/>
                 </a:solidFill>
@@ -10361,7 +9666,7 @@
           <p:cNvPr id="7" name="Рисунок 6">
             <a:extLst>
               <a:ext uri="{FF2B5EF4-FFF2-40B4-BE49-F238E27FC236}">
-                <a16:creationId xmlns:a16="http://schemas.microsoft.com/office/drawing/2014/main" id="{D705BCD6-BA73-4C86-80AA-60998B1E6F63}"/>
+                <a16:creationId xmlns:a16="http://schemas.microsoft.com/office/drawing/2014/main" xmlns="" id="{D705BCD6-BA73-4C86-80AA-60998B1E6F63}"/>
               </a:ext>
             </a:extLst>
           </p:cNvPr>
@@ -10371,10 +9676,10 @@
           <p:nvPr/>
         </p:nvPicPr>
         <p:blipFill>
-          <a:blip r:embed="rId4">
+          <a:blip r:embed="rId4" cstate="print">
             <a:extLst>
               <a:ext uri="{28A0092B-C50C-407E-A947-70E740481C1C}">
-                <a14:useLocalDpi xmlns:a14="http://schemas.microsoft.com/office/drawing/2010/main" val="0"/>
+                <a14:useLocalDpi xmlns:a14="http://schemas.microsoft.com/office/drawing/2010/main" xmlns="" val="0"/>
               </a:ext>
             </a:extLst>
           </a:blip>
@@ -10395,7 +9700,7 @@
     </p:spTree>
     <p:extLst>
       <p:ext uri="{BB962C8B-B14F-4D97-AF65-F5344CB8AC3E}">
-        <p14:creationId xmlns:p14="http://schemas.microsoft.com/office/powerpoint/2010/main" val="1836509494"/>
+        <p14:creationId xmlns:p14="http://schemas.microsoft.com/office/powerpoint/2010/main" xmlns="" val="1836509494"/>
       </p:ext>
     </p:extLst>
   </p:cSld>
@@ -10605,7 +9910,7 @@
           <a:blip r:embed="rId3" cstate="print">
             <a:extLst>
               <a:ext uri="{28A0092B-C50C-407E-A947-70E740481C1C}">
-                <a14:useLocalDpi xmlns:a14="http://schemas.microsoft.com/office/drawing/2010/main" val="0"/>
+                <a14:useLocalDpi xmlns:a14="http://schemas.microsoft.com/office/drawing/2010/main" xmlns="" val="0"/>
               </a:ext>
             </a:extLst>
           </a:blip>
@@ -10625,7 +9930,7 @@
           <a:noFill/>
           <a:extLst>
             <a:ext uri="{909E8E84-426E-40DD-AFC4-6F175D3DCCD1}">
-              <a14:hiddenFill xmlns:a14="http://schemas.microsoft.com/office/drawing/2010/main">
+              <a14:hiddenFill xmlns:a14="http://schemas.microsoft.com/office/drawing/2010/main" xmlns="">
                 <a:solidFill>
                   <a:srgbClr val="FFFFFF"/>
                 </a:solidFill>
@@ -10634,10 +9939,258 @@
           </a:extLst>
         </p:spPr>
       </p:pic>
+      <p:pic>
+        <p:nvPicPr>
+          <p:cNvPr id="1026" name="Picture 2" descr="C:\Users\Serg.000\Desktop\ВКР\Graduation-Qualification-Work\Модуль.jpg"/>
+          <p:cNvPicPr>
+            <a:picLocks noChangeAspect="1" noChangeArrowheads="1"/>
+          </p:cNvPicPr>
+          <p:nvPr/>
+        </p:nvPicPr>
+        <p:blipFill>
+          <a:blip r:embed="rId4" cstate="print"/>
+          <a:srcRect/>
+          <a:stretch>
+            <a:fillRect/>
+          </a:stretch>
+        </p:blipFill>
+        <p:spPr bwMode="auto">
+          <a:xfrm>
+            <a:off x="2971800" y="1204913"/>
+            <a:ext cx="8477250" cy="4200525"/>
+          </a:xfrm>
+          <a:prstGeom prst="rect">
+            <a:avLst/>
+          </a:prstGeom>
+          <a:noFill/>
+        </p:spPr>
+      </p:pic>
+      <p:pic>
+        <p:nvPicPr>
+          <p:cNvPr id="1033" name="Picture 9" descr="C:\Users\Serg.000\Desktop\ВКР\Graduation-Qualification-Work\ЭКГ+ФПГ.png"/>
+          <p:cNvPicPr>
+            <a:picLocks noChangeAspect="1" noChangeArrowheads="1"/>
+          </p:cNvPicPr>
+          <p:nvPr/>
+        </p:nvPicPr>
+        <p:blipFill>
+          <a:blip r:embed="rId5" cstate="print"/>
+          <a:srcRect/>
+          <a:stretch>
+            <a:fillRect/>
+          </a:stretch>
+        </p:blipFill>
+        <p:spPr bwMode="auto">
+          <a:xfrm>
+            <a:off x="171450" y="1038224"/>
+            <a:ext cx="2882901" cy="2238376"/>
+          </a:xfrm>
+          <a:prstGeom prst="rect">
+            <a:avLst/>
+          </a:prstGeom>
+          <a:noFill/>
+        </p:spPr>
+      </p:pic>
+      <p:pic>
+        <p:nvPicPr>
+          <p:cNvPr id="1034" name="Picture 10" descr="C:\Users\Serg.000\Desktop\ВКР\Graduation-Qualification-Work\Кривая дыхания.png"/>
+          <p:cNvPicPr>
+            <a:picLocks noChangeAspect="1" noChangeArrowheads="1"/>
+          </p:cNvPicPr>
+          <p:nvPr/>
+        </p:nvPicPr>
+        <p:blipFill>
+          <a:blip r:embed="rId6" cstate="print"/>
+          <a:srcRect/>
+          <a:stretch>
+            <a:fillRect/>
+          </a:stretch>
+        </p:blipFill>
+        <p:spPr bwMode="auto">
+          <a:xfrm>
+            <a:off x="0" y="3352799"/>
+            <a:ext cx="3130824" cy="981075"/>
+          </a:xfrm>
+          <a:prstGeom prst="rect">
+            <a:avLst/>
+          </a:prstGeom>
+          <a:noFill/>
+        </p:spPr>
+      </p:pic>
+      <p:sp>
+        <p:nvSpPr>
+          <p:cNvPr id="14" name="TextBox 13"/>
+          <p:cNvSpPr txBox="1"/>
+          <p:nvPr/>
+        </p:nvSpPr>
+        <p:spPr>
+          <a:xfrm>
+            <a:off x="390525" y="1028700"/>
+            <a:ext cx="2607830" cy="369332"/>
+          </a:xfrm>
+          <a:prstGeom prst="rect">
+            <a:avLst/>
+          </a:prstGeom>
+          <a:noFill/>
+        </p:spPr>
+        <p:txBody>
+          <a:bodyPr wrap="none" rtlCol="0">
+            <a:spAutoFit/>
+          </a:bodyPr>
+          <a:lstStyle/>
+          <a:p>
+            <a:r>
+              <a:rPr lang="ru-RU" dirty="0" smtClean="0">
+                <a:latin typeface="Arial" pitchFamily="34" charset="0"/>
+                <a:cs typeface="Arial" pitchFamily="34" charset="0"/>
+              </a:rPr>
+              <a:t>Электрокардиограмма</a:t>
+            </a:r>
+            <a:endParaRPr lang="ru-RU" dirty="0">
+              <a:latin typeface="Arial" pitchFamily="34" charset="0"/>
+              <a:cs typeface="Arial" pitchFamily="34" charset="0"/>
+            </a:endParaRPr>
+          </a:p>
+        </p:txBody>
+      </p:sp>
+      <p:sp>
+        <p:nvSpPr>
+          <p:cNvPr id="15" name="TextBox 14"/>
+          <p:cNvSpPr txBox="1"/>
+          <p:nvPr/>
+        </p:nvSpPr>
+        <p:spPr>
+          <a:xfrm>
+            <a:off x="438150" y="2009775"/>
+            <a:ext cx="2508123" cy="369332"/>
+          </a:xfrm>
+          <a:prstGeom prst="rect">
+            <a:avLst/>
+          </a:prstGeom>
+          <a:noFill/>
+        </p:spPr>
+        <p:txBody>
+          <a:bodyPr wrap="none" rtlCol="0">
+            <a:spAutoFit/>
+          </a:bodyPr>
+          <a:lstStyle/>
+          <a:p>
+            <a:r>
+              <a:rPr lang="ru-RU" dirty="0" err="1" smtClean="0">
+                <a:latin typeface="Arial" pitchFamily="34" charset="0"/>
+                <a:cs typeface="Arial" pitchFamily="34" charset="0"/>
+              </a:rPr>
+              <a:t>Фотоплетизмограмма</a:t>
+            </a:r>
+            <a:endParaRPr lang="ru-RU" dirty="0">
+              <a:latin typeface="Arial" pitchFamily="34" charset="0"/>
+              <a:cs typeface="Arial" pitchFamily="34" charset="0"/>
+            </a:endParaRPr>
+          </a:p>
+        </p:txBody>
+      </p:sp>
+      <p:sp>
+        <p:nvSpPr>
+          <p:cNvPr id="16" name="TextBox 15"/>
+          <p:cNvSpPr txBox="1"/>
+          <p:nvPr/>
+        </p:nvSpPr>
+        <p:spPr>
+          <a:xfrm>
+            <a:off x="447675" y="3048000"/>
+            <a:ext cx="2378985" cy="369332"/>
+          </a:xfrm>
+          <a:prstGeom prst="rect">
+            <a:avLst/>
+          </a:prstGeom>
+          <a:noFill/>
+        </p:spPr>
+        <p:txBody>
+          <a:bodyPr wrap="none" rtlCol="0">
+            <a:spAutoFit/>
+          </a:bodyPr>
+          <a:lstStyle/>
+          <a:p>
+            <a:r>
+              <a:rPr lang="ru-RU" dirty="0" err="1" smtClean="0">
+                <a:latin typeface="Arial" pitchFamily="34" charset="0"/>
+                <a:cs typeface="Arial" pitchFamily="34" charset="0"/>
+              </a:rPr>
+              <a:t>Реоплетизмограмма</a:t>
+            </a:r>
+            <a:endParaRPr lang="ru-RU" dirty="0">
+              <a:latin typeface="Arial" pitchFamily="34" charset="0"/>
+              <a:cs typeface="Arial" pitchFamily="34" charset="0"/>
+            </a:endParaRPr>
+          </a:p>
+        </p:txBody>
+      </p:sp>
+      <p:pic>
+        <p:nvPicPr>
+          <p:cNvPr id="1035" name="Picture 11" descr="C:\Users\Serg.000\Desktop\ВКР\Graduation-Qualification-Work\Кривая давления.png"/>
+          <p:cNvPicPr>
+            <a:picLocks noChangeAspect="1" noChangeArrowheads="1"/>
+          </p:cNvPicPr>
+          <p:nvPr/>
+        </p:nvPicPr>
+        <p:blipFill>
+          <a:blip r:embed="rId7" cstate="print"/>
+          <a:srcRect/>
+          <a:stretch>
+            <a:fillRect/>
+          </a:stretch>
+        </p:blipFill>
+        <p:spPr bwMode="auto">
+          <a:xfrm>
+            <a:off x="0" y="4343400"/>
+            <a:ext cx="3028950" cy="1320311"/>
+          </a:xfrm>
+          <a:prstGeom prst="rect">
+            <a:avLst/>
+          </a:prstGeom>
+          <a:noFill/>
+        </p:spPr>
+      </p:pic>
+      <p:sp>
+        <p:nvSpPr>
+          <p:cNvPr id="19" name="TextBox 18"/>
+          <p:cNvSpPr txBox="1"/>
+          <p:nvPr/>
+        </p:nvSpPr>
+        <p:spPr>
+          <a:xfrm>
+            <a:off x="0" y="4171950"/>
+            <a:ext cx="3690690" cy="369332"/>
+          </a:xfrm>
+          <a:prstGeom prst="rect">
+            <a:avLst/>
+          </a:prstGeom>
+          <a:noFill/>
+        </p:spPr>
+        <p:txBody>
+          <a:bodyPr wrap="none" rtlCol="0">
+            <a:spAutoFit/>
+          </a:bodyPr>
+          <a:lstStyle/>
+          <a:p>
+            <a:r>
+              <a:rPr lang="ru-RU" dirty="0" smtClean="0">
+                <a:latin typeface="Arial" pitchFamily="34" charset="0"/>
+                <a:cs typeface="Arial" pitchFamily="34" charset="0"/>
+              </a:rPr>
+              <a:t>Кривая артериального давления</a:t>
+            </a:r>
+            <a:endParaRPr lang="ru-RU" dirty="0">
+              <a:latin typeface="Arial" pitchFamily="34" charset="0"/>
+              <a:cs typeface="Arial" pitchFamily="34" charset="0"/>
+            </a:endParaRPr>
+          </a:p>
+        </p:txBody>
+      </p:sp>
     </p:spTree>
     <p:extLst>
       <p:ext uri="{BB962C8B-B14F-4D97-AF65-F5344CB8AC3E}">
-        <p14:creationId xmlns:p14="http://schemas.microsoft.com/office/powerpoint/2010/main" val="904243305"/>
+        <p14:creationId xmlns:p14="http://schemas.microsoft.com/office/powerpoint/2010/main" xmlns="" val="904243305"/>
       </p:ext>
     </p:extLst>
   </p:cSld>
@@ -10733,15 +10286,19 @@
                 <a:latin typeface="Arial" panose="020B0604020202020204" pitchFamily="34" charset="0"/>
                 <a:cs typeface="Arial" panose="020B0604020202020204" pitchFamily="34" charset="0"/>
               </a:rPr>
-              <a:t> 7</a:t>
-            </a:r>
-            <a:r>
-              <a:rPr lang="ru-RU" dirty="0">
+              <a:t> </a:t>
+            </a:r>
+            <a:r>
+              <a:rPr lang="ru-RU" dirty="0" smtClean="0">
                 <a:latin typeface="Arial" panose="020B0604020202020204" pitchFamily="34" charset="0"/>
                 <a:cs typeface="Arial" panose="020B0604020202020204" pitchFamily="34" charset="0"/>
               </a:rPr>
-              <a:t> </a:t>
-            </a:r>
+              <a:t>8 </a:t>
+            </a:r>
+            <a:endParaRPr lang="ru-RU" dirty="0">
+              <a:latin typeface="Arial" panose="020B0604020202020204" pitchFamily="34" charset="0"/>
+              <a:cs typeface="Arial" panose="020B0604020202020204" pitchFamily="34" charset="0"/>
+            </a:endParaRPr>
           </a:p>
         </p:txBody>
       </p:sp>
@@ -10789,7 +10346,7 @@
         <p:spPr>
           <a:xfrm>
             <a:off x="810000" y="-50186"/>
-            <a:ext cx="11730788" cy="658835"/>
+            <a:ext cx="11730788" cy="738664"/>
           </a:xfrm>
           <a:prstGeom prst="rect">
             <a:avLst/>
@@ -10808,12 +10365,23 @@
               </a:lnSpc>
             </a:pPr>
             <a:r>
-              <a:rPr lang="ru-RU" sz="2800" b="1" dirty="0">
+              <a:rPr lang="ru-RU" sz="2800" b="1" dirty="0" smtClean="0">
                 <a:latin typeface="Arial" panose="020B0604020202020204" pitchFamily="34" charset="0"/>
                 <a:cs typeface="Arial" panose="020B0604020202020204" pitchFamily="34" charset="0"/>
               </a:rPr>
-              <a:t>Алгоритм архивации данных и организация их хранения</a:t>
-            </a:r>
+              <a:t>Блок схема алгоритма работы </a:t>
+            </a:r>
+            <a:r>
+              <a:rPr lang="ru-RU" sz="2800" b="1" dirty="0" smtClean="0">
+                <a:latin typeface="Arial" panose="020B0604020202020204" pitchFamily="34" charset="0"/>
+                <a:cs typeface="Arial" panose="020B0604020202020204" pitchFamily="34" charset="0"/>
+              </a:rPr>
+              <a:t>встроенного ПО</a:t>
+            </a:r>
+            <a:endParaRPr lang="ru-RU" sz="2800" b="1" dirty="0">
+              <a:latin typeface="Arial" panose="020B0604020202020204" pitchFamily="34" charset="0"/>
+              <a:cs typeface="Arial" panose="020B0604020202020204" pitchFamily="34" charset="0"/>
+            </a:endParaRPr>
           </a:p>
         </p:txBody>
       </p:sp>
@@ -10861,7 +10429,7 @@
           <a:blip r:embed="rId3" cstate="print">
             <a:extLst>
               <a:ext uri="{28A0092B-C50C-407E-A947-70E740481C1C}">
-                <a14:useLocalDpi xmlns:a14="http://schemas.microsoft.com/office/drawing/2010/main" val="0"/>
+                <a14:useLocalDpi xmlns:a14="http://schemas.microsoft.com/office/drawing/2010/main" xmlns="" val="0"/>
               </a:ext>
             </a:extLst>
           </a:blip>
@@ -10881,7 +10449,7 @@
           <a:noFill/>
           <a:extLst>
             <a:ext uri="{909E8E84-426E-40DD-AFC4-6F175D3DCCD1}">
-              <a14:hiddenFill xmlns:a14="http://schemas.microsoft.com/office/drawing/2010/main">
+              <a14:hiddenFill xmlns:a14="http://schemas.microsoft.com/office/drawing/2010/main" xmlns="">
                 <a:solidFill>
                   <a:srgbClr val="FFFFFF"/>
                 </a:solidFill>
@@ -10892,20 +10460,14 @@
       </p:pic>
       <p:pic>
         <p:nvPicPr>
-          <p:cNvPr id="1026" name="Picture 2"/>
+          <p:cNvPr id="15361" name="Picture 1" descr="C:\Users\Serg.000\Desktop\ВКР\Graduation-Qualification-Work\Алгоритм.jpg"/>
           <p:cNvPicPr>
             <a:picLocks noChangeAspect="1" noChangeArrowheads="1"/>
           </p:cNvPicPr>
           <p:nvPr/>
         </p:nvPicPr>
         <p:blipFill>
-          <a:blip r:embed="rId4">
-            <a:extLst>
-              <a:ext uri="{28A0092B-C50C-407E-A947-70E740481C1C}">
-                <a14:useLocalDpi xmlns:a14="http://schemas.microsoft.com/office/drawing/2010/main" val="0"/>
-              </a:ext>
-            </a:extLst>
-          </a:blip>
+          <a:blip r:embed="rId4" cstate="print"/>
           <a:srcRect/>
           <a:stretch>
             <a:fillRect/>
@@ -10913,41 +10475,19 @@
         </p:blipFill>
         <p:spPr bwMode="auto">
           <a:xfrm>
-            <a:off x="1377143" y="977678"/>
-            <a:ext cx="10162519" cy="4715325"/>
+            <a:off x="114301" y="985157"/>
+            <a:ext cx="12035296" cy="4786766"/>
           </a:xfrm>
           <a:prstGeom prst="rect">
             <a:avLst/>
           </a:prstGeom>
           <a:noFill/>
-          <a:ln>
-            <a:noFill/>
-          </a:ln>
-          <a:extLst>
-            <a:ext uri="{909E8E84-426E-40DD-AFC4-6F175D3DCCD1}">
-              <a14:hiddenFill xmlns:a14="http://schemas.microsoft.com/office/drawing/2010/main">
-                <a:solidFill>
-                  <a:schemeClr val="accent1"/>
-                </a:solidFill>
-              </a14:hiddenFill>
-            </a:ext>
-            <a:ext uri="{91240B29-F687-4F45-9708-019B960494DF}">
-              <a14:hiddenLine xmlns:a14="http://schemas.microsoft.com/office/drawing/2010/main" w="9525">
-                <a:solidFill>
-                  <a:schemeClr val="tx1"/>
-                </a:solidFill>
-                <a:miter lim="800000"/>
-                <a:headEnd/>
-                <a:tailEnd/>
-              </a14:hiddenLine>
-            </a:ext>
-          </a:extLst>
         </p:spPr>
       </p:pic>
     </p:spTree>
     <p:extLst>
       <p:ext uri="{BB962C8B-B14F-4D97-AF65-F5344CB8AC3E}">
-        <p14:creationId xmlns:p14="http://schemas.microsoft.com/office/powerpoint/2010/main" val="1274956292"/>
+        <p14:creationId xmlns:p14="http://schemas.microsoft.com/office/powerpoint/2010/main" xmlns="" val="1274956292"/>
       </p:ext>
     </p:extLst>
   </p:cSld>
@@ -11039,11 +10579,11 @@
               <a:t>Слайд № </a:t>
             </a:r>
             <a:r>
-              <a:rPr lang="en-US" dirty="0">
+              <a:rPr lang="ru-RU" dirty="0" smtClean="0">
                 <a:latin typeface="Arial" panose="020B0604020202020204" pitchFamily="34" charset="0"/>
                 <a:cs typeface="Arial" panose="020B0604020202020204" pitchFamily="34" charset="0"/>
               </a:rPr>
-              <a:t>8</a:t>
+              <a:t>9</a:t>
             </a:r>
             <a:endParaRPr lang="ru-RU" dirty="0">
               <a:latin typeface="Arial" panose="020B0604020202020204" pitchFamily="34" charset="0"/>
@@ -11096,7 +10636,7 @@
         <p:spPr>
           <a:xfrm>
             <a:off x="878074" y="-155778"/>
-            <a:ext cx="11232149" cy="784830"/>
+            <a:ext cx="11232149" cy="699230"/>
           </a:xfrm>
           <a:prstGeom prst="rect">
             <a:avLst/>
@@ -11115,12 +10655,16 @@
               </a:lnSpc>
             </a:pPr>
             <a:r>
-              <a:rPr lang="ru-RU" sz="3000" b="1" dirty="0">
+              <a:rPr lang="ru-RU" sz="3000" b="1" dirty="0" smtClean="0">
                 <a:latin typeface="Arial" panose="020B0604020202020204" pitchFamily="34" charset="0"/>
                 <a:cs typeface="Arial" panose="020B0604020202020204" pitchFamily="34" charset="0"/>
               </a:rPr>
-              <a:t>Блок схема технического алгоритма работы регистратора</a:t>
-            </a:r>
+              <a:t>Особенности реализации встроенного ПО</a:t>
+            </a:r>
+            <a:endParaRPr lang="ru-RU" sz="3000" b="1" dirty="0">
+              <a:latin typeface="Arial" panose="020B0604020202020204" pitchFamily="34" charset="0"/>
+              <a:cs typeface="Arial" panose="020B0604020202020204" pitchFamily="34" charset="0"/>
+            </a:endParaRPr>
           </a:p>
         </p:txBody>
       </p:sp>
@@ -11168,7 +10712,7 @@
           <a:blip r:embed="rId3" cstate="print">
             <a:extLst>
               <a:ext uri="{28A0092B-C50C-407E-A947-70E740481C1C}">
-                <a14:useLocalDpi xmlns:a14="http://schemas.microsoft.com/office/drawing/2010/main" val="0"/>
+                <a14:useLocalDpi xmlns:a14="http://schemas.microsoft.com/office/drawing/2010/main" xmlns="" val="0"/>
               </a:ext>
             </a:extLst>
           </a:blip>
@@ -11188,7 +10732,7 @@
           <a:noFill/>
           <a:extLst>
             <a:ext uri="{909E8E84-426E-40DD-AFC4-6F175D3DCCD1}">
-              <a14:hiddenFill xmlns:a14="http://schemas.microsoft.com/office/drawing/2010/main">
+              <a14:hiddenFill xmlns:a14="http://schemas.microsoft.com/office/drawing/2010/main" xmlns="">
                 <a:solidFill>
                   <a:srgbClr val="FFFFFF"/>
                 </a:solidFill>
@@ -11199,518 +10743,131 @@
       </p:pic>
       <p:sp>
         <p:nvSpPr>
-          <p:cNvPr id="2" name="Овал 1"/>
-          <p:cNvSpPr/>
+          <p:cNvPr id="23" name="TextBox 22"/>
+          <p:cNvSpPr txBox="1"/>
           <p:nvPr/>
         </p:nvSpPr>
         <p:spPr>
           <a:xfrm>
-            <a:off x="11366413" y="1808624"/>
-            <a:ext cx="47625" cy="45719"/>
-          </a:xfrm>
-          <a:prstGeom prst="ellipse">
-            <a:avLst/>
-          </a:prstGeom>
-          <a:solidFill>
-            <a:schemeClr val="tx2"/>
-          </a:solidFill>
-          <a:ln>
-            <a:solidFill>
-              <a:schemeClr val="tx2"/>
-            </a:solidFill>
-          </a:ln>
-        </p:spPr>
-        <p:style>
-          <a:lnRef idx="2">
-            <a:schemeClr val="accent1">
-              <a:shade val="50000"/>
-            </a:schemeClr>
-          </a:lnRef>
-          <a:fillRef idx="1">
-            <a:schemeClr val="accent1"/>
-          </a:fillRef>
-          <a:effectRef idx="0">
-            <a:schemeClr val="accent1"/>
-          </a:effectRef>
-          <a:fontRef idx="minor">
-            <a:schemeClr val="lt1"/>
-          </a:fontRef>
-        </p:style>
-        <p:txBody>
-          <a:bodyPr rtlCol="0" anchor="ctr"/>
-          <a:lstStyle/>
-          <a:p>
-            <a:pPr algn="ctr"/>
-            <a:endParaRPr lang="ru-RU"/>
-          </a:p>
-        </p:txBody>
-      </p:sp>
-      <p:sp>
-        <p:nvSpPr>
-          <p:cNvPr id="11" name="Овал 10"/>
-          <p:cNvSpPr/>
-          <p:nvPr/>
-        </p:nvSpPr>
-        <p:spPr>
-          <a:xfrm>
-            <a:off x="11483096" y="1809013"/>
-            <a:ext cx="47625" cy="45719"/>
-          </a:xfrm>
-          <a:prstGeom prst="ellipse">
-            <a:avLst/>
-          </a:prstGeom>
-          <a:solidFill>
-            <a:schemeClr val="tx2"/>
-          </a:solidFill>
-          <a:ln>
-            <a:solidFill>
-              <a:schemeClr val="tx2"/>
-            </a:solidFill>
-          </a:ln>
-        </p:spPr>
-        <p:style>
-          <a:lnRef idx="2">
-            <a:schemeClr val="accent1">
-              <a:shade val="50000"/>
-            </a:schemeClr>
-          </a:lnRef>
-          <a:fillRef idx="1">
-            <a:schemeClr val="accent1"/>
-          </a:fillRef>
-          <a:effectRef idx="0">
-            <a:schemeClr val="accent1"/>
-          </a:effectRef>
-          <a:fontRef idx="minor">
-            <a:schemeClr val="lt1"/>
-          </a:fontRef>
-        </p:style>
-        <p:txBody>
-          <a:bodyPr rtlCol="0" anchor="ctr"/>
-          <a:lstStyle/>
-          <a:p>
-            <a:pPr algn="ctr"/>
-            <a:endParaRPr lang="ru-RU"/>
-          </a:p>
-        </p:txBody>
-      </p:sp>
-      <p:sp>
-        <p:nvSpPr>
-          <p:cNvPr id="14" name="Овал 13"/>
-          <p:cNvSpPr/>
-          <p:nvPr/>
-        </p:nvSpPr>
-        <p:spPr>
-          <a:xfrm>
-            <a:off x="645692" y="2988526"/>
-            <a:ext cx="47625" cy="45719"/>
-          </a:xfrm>
-          <a:prstGeom prst="ellipse">
-            <a:avLst/>
-          </a:prstGeom>
-          <a:solidFill>
-            <a:schemeClr val="tx2"/>
-          </a:solidFill>
-          <a:ln>
-            <a:solidFill>
-              <a:schemeClr val="tx2"/>
-            </a:solidFill>
-          </a:ln>
-        </p:spPr>
-        <p:style>
-          <a:lnRef idx="2">
-            <a:schemeClr val="accent1">
-              <a:shade val="50000"/>
-            </a:schemeClr>
-          </a:lnRef>
-          <a:fillRef idx="1">
-            <a:schemeClr val="accent1"/>
-          </a:fillRef>
-          <a:effectRef idx="0">
-            <a:schemeClr val="accent1"/>
-          </a:effectRef>
-          <a:fontRef idx="minor">
-            <a:schemeClr val="lt1"/>
-          </a:fontRef>
-        </p:style>
-        <p:txBody>
-          <a:bodyPr rtlCol="0" anchor="ctr"/>
-          <a:lstStyle/>
-          <a:p>
-            <a:pPr algn="ctr"/>
-            <a:endParaRPr lang="ru-RU"/>
-          </a:p>
-        </p:txBody>
-      </p:sp>
-      <p:sp>
-        <p:nvSpPr>
-          <p:cNvPr id="15" name="Овал 14"/>
-          <p:cNvSpPr/>
-          <p:nvPr/>
-        </p:nvSpPr>
-        <p:spPr>
-          <a:xfrm>
-            <a:off x="762375" y="2988137"/>
-            <a:ext cx="47625" cy="45719"/>
-          </a:xfrm>
-          <a:prstGeom prst="ellipse">
-            <a:avLst/>
-          </a:prstGeom>
-          <a:solidFill>
-            <a:schemeClr val="tx2"/>
-          </a:solidFill>
-          <a:ln>
-            <a:solidFill>
-              <a:schemeClr val="tx2"/>
-            </a:solidFill>
-          </a:ln>
-        </p:spPr>
-        <p:style>
-          <a:lnRef idx="2">
-            <a:schemeClr val="accent1">
-              <a:shade val="50000"/>
-            </a:schemeClr>
-          </a:lnRef>
-          <a:fillRef idx="1">
-            <a:schemeClr val="accent1"/>
-          </a:fillRef>
-          <a:effectRef idx="0">
-            <a:schemeClr val="accent1"/>
-          </a:effectRef>
-          <a:fontRef idx="minor">
-            <a:schemeClr val="lt1"/>
-          </a:fontRef>
-        </p:style>
-        <p:txBody>
-          <a:bodyPr rtlCol="0" anchor="ctr"/>
-          <a:lstStyle/>
-          <a:p>
-            <a:pPr algn="ctr"/>
-            <a:endParaRPr lang="ru-RU"/>
-          </a:p>
-        </p:txBody>
-      </p:sp>
-      <p:sp>
-        <p:nvSpPr>
-          <p:cNvPr id="16" name="Овал 15"/>
-          <p:cNvSpPr/>
-          <p:nvPr/>
-        </p:nvSpPr>
-        <p:spPr>
-          <a:xfrm>
-            <a:off x="11366413" y="2987748"/>
-            <a:ext cx="47625" cy="45719"/>
-          </a:xfrm>
-          <a:prstGeom prst="ellipse">
-            <a:avLst/>
-          </a:prstGeom>
-          <a:solidFill>
-            <a:schemeClr val="tx2"/>
-          </a:solidFill>
-          <a:ln>
-            <a:solidFill>
-              <a:schemeClr val="tx2"/>
-            </a:solidFill>
-          </a:ln>
-        </p:spPr>
-        <p:style>
-          <a:lnRef idx="2">
-            <a:schemeClr val="accent1">
-              <a:shade val="50000"/>
-            </a:schemeClr>
-          </a:lnRef>
-          <a:fillRef idx="1">
-            <a:schemeClr val="accent1"/>
-          </a:fillRef>
-          <a:effectRef idx="0">
-            <a:schemeClr val="accent1"/>
-          </a:effectRef>
-          <a:fontRef idx="minor">
-            <a:schemeClr val="lt1"/>
-          </a:fontRef>
-        </p:style>
-        <p:txBody>
-          <a:bodyPr rtlCol="0" anchor="ctr"/>
-          <a:lstStyle/>
-          <a:p>
-            <a:pPr algn="ctr"/>
-            <a:endParaRPr lang="ru-RU"/>
-          </a:p>
-        </p:txBody>
-      </p:sp>
-      <p:sp>
-        <p:nvSpPr>
-          <p:cNvPr id="17" name="Овал 16"/>
-          <p:cNvSpPr/>
-          <p:nvPr/>
-        </p:nvSpPr>
-        <p:spPr>
-          <a:xfrm>
-            <a:off x="11483096" y="2988137"/>
-            <a:ext cx="47625" cy="45719"/>
-          </a:xfrm>
-          <a:prstGeom prst="ellipse">
-            <a:avLst/>
-          </a:prstGeom>
-          <a:solidFill>
-            <a:schemeClr val="tx2"/>
-          </a:solidFill>
-          <a:ln>
-            <a:solidFill>
-              <a:schemeClr val="tx2"/>
-            </a:solidFill>
-          </a:ln>
-        </p:spPr>
-        <p:style>
-          <a:lnRef idx="2">
-            <a:schemeClr val="accent1">
-              <a:shade val="50000"/>
-            </a:schemeClr>
-          </a:lnRef>
-          <a:fillRef idx="1">
-            <a:schemeClr val="accent1"/>
-          </a:fillRef>
-          <a:effectRef idx="0">
-            <a:schemeClr val="accent1"/>
-          </a:effectRef>
-          <a:fontRef idx="minor">
-            <a:schemeClr val="lt1"/>
-          </a:fontRef>
-        </p:style>
-        <p:txBody>
-          <a:bodyPr rtlCol="0" anchor="ctr"/>
-          <a:lstStyle/>
-          <a:p>
-            <a:pPr algn="ctr"/>
-            <a:endParaRPr lang="ru-RU"/>
-          </a:p>
-        </p:txBody>
-      </p:sp>
-      <p:sp>
-        <p:nvSpPr>
-          <p:cNvPr id="18" name="Овал 17"/>
-          <p:cNvSpPr/>
-          <p:nvPr/>
-        </p:nvSpPr>
-        <p:spPr>
-          <a:xfrm>
-            <a:off x="11599779" y="2987748"/>
-            <a:ext cx="47625" cy="45719"/>
-          </a:xfrm>
-          <a:prstGeom prst="ellipse">
-            <a:avLst/>
-          </a:prstGeom>
-          <a:solidFill>
-            <a:schemeClr val="tx2"/>
-          </a:solidFill>
-          <a:ln>
-            <a:solidFill>
-              <a:schemeClr val="tx2"/>
-            </a:solidFill>
-          </a:ln>
-        </p:spPr>
-        <p:style>
-          <a:lnRef idx="2">
-            <a:schemeClr val="accent1">
-              <a:shade val="50000"/>
-            </a:schemeClr>
-          </a:lnRef>
-          <a:fillRef idx="1">
-            <a:schemeClr val="accent1"/>
-          </a:fillRef>
-          <a:effectRef idx="0">
-            <a:schemeClr val="accent1"/>
-          </a:effectRef>
-          <a:fontRef idx="minor">
-            <a:schemeClr val="lt1"/>
-          </a:fontRef>
-        </p:style>
-        <p:txBody>
-          <a:bodyPr rtlCol="0" anchor="ctr"/>
-          <a:lstStyle/>
-          <a:p>
-            <a:pPr algn="ctr"/>
-            <a:endParaRPr lang="ru-RU"/>
-          </a:p>
-        </p:txBody>
-      </p:sp>
-      <p:sp>
-        <p:nvSpPr>
-          <p:cNvPr id="20" name="Овал 19"/>
-          <p:cNvSpPr/>
-          <p:nvPr/>
-        </p:nvSpPr>
-        <p:spPr>
-          <a:xfrm>
-            <a:off x="529009" y="4722235"/>
-            <a:ext cx="47625" cy="45719"/>
-          </a:xfrm>
-          <a:prstGeom prst="ellipse">
-            <a:avLst/>
-          </a:prstGeom>
-          <a:solidFill>
-            <a:schemeClr val="tx2"/>
-          </a:solidFill>
-          <a:ln>
-            <a:solidFill>
-              <a:schemeClr val="tx2"/>
-            </a:solidFill>
-          </a:ln>
-        </p:spPr>
-        <p:style>
-          <a:lnRef idx="2">
-            <a:schemeClr val="accent1">
-              <a:shade val="50000"/>
-            </a:schemeClr>
-          </a:lnRef>
-          <a:fillRef idx="1">
-            <a:schemeClr val="accent1"/>
-          </a:fillRef>
-          <a:effectRef idx="0">
-            <a:schemeClr val="accent1"/>
-          </a:effectRef>
-          <a:fontRef idx="minor">
-            <a:schemeClr val="lt1"/>
-          </a:fontRef>
-        </p:style>
-        <p:txBody>
-          <a:bodyPr rtlCol="0" anchor="ctr"/>
-          <a:lstStyle/>
-          <a:p>
-            <a:pPr algn="ctr"/>
-            <a:endParaRPr lang="ru-RU"/>
-          </a:p>
-        </p:txBody>
-      </p:sp>
-      <p:sp>
-        <p:nvSpPr>
-          <p:cNvPr id="21" name="Овал 20"/>
-          <p:cNvSpPr/>
-          <p:nvPr/>
-        </p:nvSpPr>
-        <p:spPr>
-          <a:xfrm>
-            <a:off x="645692" y="4722624"/>
-            <a:ext cx="47625" cy="45719"/>
-          </a:xfrm>
-          <a:prstGeom prst="ellipse">
-            <a:avLst/>
-          </a:prstGeom>
-          <a:solidFill>
-            <a:schemeClr val="tx2"/>
-          </a:solidFill>
-          <a:ln>
-            <a:solidFill>
-              <a:schemeClr val="tx2"/>
-            </a:solidFill>
-          </a:ln>
-        </p:spPr>
-        <p:style>
-          <a:lnRef idx="2">
-            <a:schemeClr val="accent1">
-              <a:shade val="50000"/>
-            </a:schemeClr>
-          </a:lnRef>
-          <a:fillRef idx="1">
-            <a:schemeClr val="accent1"/>
-          </a:fillRef>
-          <a:effectRef idx="0">
-            <a:schemeClr val="accent1"/>
-          </a:effectRef>
-          <a:fontRef idx="minor">
-            <a:schemeClr val="lt1"/>
-          </a:fontRef>
-        </p:style>
-        <p:txBody>
-          <a:bodyPr rtlCol="0" anchor="ctr"/>
-          <a:lstStyle/>
-          <a:p>
-            <a:pPr algn="ctr"/>
-            <a:endParaRPr lang="ru-RU"/>
-          </a:p>
-        </p:txBody>
-      </p:sp>
-      <p:sp>
-        <p:nvSpPr>
-          <p:cNvPr id="22" name="Овал 21"/>
-          <p:cNvSpPr/>
-          <p:nvPr/>
-        </p:nvSpPr>
-        <p:spPr>
-          <a:xfrm>
-            <a:off x="762375" y="4722235"/>
-            <a:ext cx="47625" cy="45719"/>
-          </a:xfrm>
-          <a:prstGeom prst="ellipse">
-            <a:avLst/>
-          </a:prstGeom>
-          <a:solidFill>
-            <a:schemeClr val="tx2"/>
-          </a:solidFill>
-          <a:ln>
-            <a:solidFill>
-              <a:schemeClr val="tx2"/>
-            </a:solidFill>
-          </a:ln>
-        </p:spPr>
-        <p:style>
-          <a:lnRef idx="2">
-            <a:schemeClr val="accent1">
-              <a:shade val="50000"/>
-            </a:schemeClr>
-          </a:lnRef>
-          <a:fillRef idx="1">
-            <a:schemeClr val="accent1"/>
-          </a:fillRef>
-          <a:effectRef idx="0">
-            <a:schemeClr val="accent1"/>
-          </a:effectRef>
-          <a:fontRef idx="minor">
-            <a:schemeClr val="lt1"/>
-          </a:fontRef>
-        </p:style>
-        <p:txBody>
-          <a:bodyPr rtlCol="0" anchor="ctr"/>
-          <a:lstStyle/>
-          <a:p>
-            <a:pPr algn="ctr"/>
-            <a:endParaRPr lang="ru-RU"/>
-          </a:p>
-        </p:txBody>
-      </p:sp>
-      <p:pic>
-        <p:nvPicPr>
-          <p:cNvPr id="3" name="Рисунок 2"/>
-          <p:cNvPicPr>
-            <a:picLocks noChangeAspect="1"/>
-          </p:cNvPicPr>
-          <p:nvPr/>
-        </p:nvPicPr>
-        <p:blipFill>
-          <a:blip r:embed="rId4">
-            <a:extLst>
-              <a:ext uri="{28A0092B-C50C-407E-A947-70E740481C1C}">
-                <a14:useLocalDpi xmlns:a14="http://schemas.microsoft.com/office/drawing/2010/main" val="0"/>
-              </a:ext>
-            </a:extLst>
-          </a:blip>
-          <a:stretch>
-            <a:fillRect/>
-          </a:stretch>
-        </p:blipFill>
-        <p:spPr>
-          <a:xfrm>
-            <a:off x="938137" y="886368"/>
-            <a:ext cx="10544959" cy="5545939"/>
+            <a:off x="857249" y="1828797"/>
+            <a:ext cx="9934575" cy="3600986"/>
           </a:xfrm>
           <a:prstGeom prst="rect">
             <a:avLst/>
           </a:prstGeom>
-        </p:spPr>
-      </p:pic>
+          <a:noFill/>
+        </p:spPr>
+        <p:txBody>
+          <a:bodyPr wrap="square" rtlCol="0">
+            <a:spAutoFit/>
+          </a:bodyPr>
+          <a:lstStyle/>
+          <a:p>
+            <a:pPr>
+              <a:buFont typeface="Arial" pitchFamily="34" charset="0"/>
+              <a:buChar char="•"/>
+            </a:pPr>
+            <a:r>
+              <a:rPr lang="ru-RU" sz="2400" dirty="0" smtClean="0">
+                <a:latin typeface="Arial" pitchFamily="34" charset="0"/>
+                <a:cs typeface="Arial" pitchFamily="34" charset="0"/>
+              </a:rPr>
+              <a:t> Использование операционной системы реального времени для                   встроенных систем </a:t>
+            </a:r>
+            <a:r>
+              <a:rPr lang="en-US" sz="2400" dirty="0" err="1" smtClean="0">
+                <a:latin typeface="Arial" pitchFamily="34" charset="0"/>
+                <a:cs typeface="Arial" pitchFamily="34" charset="0"/>
+              </a:rPr>
+              <a:t>FreeRTOS</a:t>
+            </a:r>
+            <a:endParaRPr lang="en-US" sz="2400" dirty="0" smtClean="0">
+              <a:latin typeface="Arial" pitchFamily="34" charset="0"/>
+              <a:cs typeface="Arial" pitchFamily="34" charset="0"/>
+            </a:endParaRPr>
+          </a:p>
+          <a:p>
+            <a:pPr>
+              <a:buFont typeface="Arial" pitchFamily="34" charset="0"/>
+              <a:buChar char="•"/>
+            </a:pPr>
+            <a:endParaRPr lang="ru-RU" sz="2400" dirty="0" smtClean="0">
+              <a:latin typeface="Arial" pitchFamily="34" charset="0"/>
+              <a:cs typeface="Arial" pitchFamily="34" charset="0"/>
+            </a:endParaRPr>
+          </a:p>
+          <a:p>
+            <a:pPr>
+              <a:buFont typeface="Arial" pitchFamily="34" charset="0"/>
+              <a:buChar char="•"/>
+            </a:pPr>
+            <a:endParaRPr lang="en-US" sz="2400" dirty="0" smtClean="0">
+              <a:latin typeface="Arial" pitchFamily="34" charset="0"/>
+              <a:cs typeface="Arial" pitchFamily="34" charset="0"/>
+            </a:endParaRPr>
+          </a:p>
+          <a:p>
+            <a:pPr>
+              <a:buFont typeface="Arial" pitchFamily="34" charset="0"/>
+              <a:buChar char="•"/>
+            </a:pPr>
+            <a:r>
+              <a:rPr lang="ru-RU" sz="2400" dirty="0" smtClean="0">
+                <a:latin typeface="Arial" pitchFamily="34" charset="0"/>
+                <a:cs typeface="Arial" pitchFamily="34" charset="0"/>
+              </a:rPr>
+              <a:t> Реализация простейшей системы тревог</a:t>
+            </a:r>
+          </a:p>
+          <a:p>
+            <a:pPr>
+              <a:buFont typeface="Arial" pitchFamily="34" charset="0"/>
+              <a:buChar char="•"/>
+            </a:pPr>
+            <a:endParaRPr lang="ru-RU" sz="2400" dirty="0" smtClean="0">
+              <a:latin typeface="Arial" pitchFamily="34" charset="0"/>
+              <a:cs typeface="Arial" pitchFamily="34" charset="0"/>
+            </a:endParaRPr>
+          </a:p>
+          <a:p>
+            <a:pPr>
+              <a:buFont typeface="Arial" pitchFamily="34" charset="0"/>
+              <a:buChar char="•"/>
+            </a:pPr>
+            <a:endParaRPr lang="ru-RU" sz="2400" dirty="0" smtClean="0">
+              <a:latin typeface="Arial" pitchFamily="34" charset="0"/>
+              <a:cs typeface="Arial" pitchFamily="34" charset="0"/>
+            </a:endParaRPr>
+          </a:p>
+          <a:p>
+            <a:pPr>
+              <a:buFont typeface="Arial" pitchFamily="34" charset="0"/>
+              <a:buChar char="•"/>
+            </a:pPr>
+            <a:r>
+              <a:rPr lang="ru-RU" sz="2400" dirty="0" smtClean="0">
+                <a:latin typeface="Arial" pitchFamily="34" charset="0"/>
+                <a:cs typeface="Arial" pitchFamily="34" charset="0"/>
+              </a:rPr>
+              <a:t> Использование сторожевого таймера</a:t>
+            </a:r>
+            <a:endParaRPr lang="en-US" sz="2400" dirty="0" smtClean="0">
+              <a:latin typeface="Arial" pitchFamily="34" charset="0"/>
+              <a:cs typeface="Arial" pitchFamily="34" charset="0"/>
+            </a:endParaRPr>
+          </a:p>
+          <a:p>
+            <a:endParaRPr lang="en-US" dirty="0" smtClean="0"/>
+          </a:p>
+          <a:p>
+            <a:endParaRPr lang="ru-RU" dirty="0"/>
+          </a:p>
+        </p:txBody>
+      </p:sp>
     </p:spTree>
     <p:extLst>
       <p:ext uri="{BB962C8B-B14F-4D97-AF65-F5344CB8AC3E}">
-        <p14:creationId xmlns:p14="http://schemas.microsoft.com/office/powerpoint/2010/main" val="1980890628"/>
+        <p14:creationId xmlns:p14="http://schemas.microsoft.com/office/powerpoint/2010/main" xmlns="" val="1980890628"/>
       </p:ext>
     </p:extLst>
   </p:cSld>
@@ -11763,7 +10920,7 @@
     </a:clrScheme>
     <a:fontScheme name="Стандартная">
       <a:majorFont>
-        <a:latin typeface="Calibri Light" panose="020F0302020204030204"/>
+        <a:latin typeface="Calibri Light"/>
         <a:ea typeface=""/>
         <a:cs typeface=""/>
         <a:font script="Jpan" typeface="游ゴシック Light"/>
@@ -11798,7 +10955,7 @@
         <a:font script="Geor" typeface="Sylfaen"/>
       </a:majorFont>
       <a:minorFont>
-        <a:latin typeface="Calibri" panose="020F0502020204030204"/>
+        <a:latin typeface="Calibri"/>
         <a:ea typeface=""/>
         <a:cs typeface=""/>
         <a:font script="Jpan" typeface="游ゴシック"/>
@@ -11975,7 +11132,7 @@
   <a:extraClrSchemeLst/>
   <a:extLst>
     <a:ext uri="{05A4C25C-085E-4340-85A3-A5531E510DB2}">
-      <thm15:themeFamily xmlns:thm15="http://schemas.microsoft.com/office/thememl/2012/main" name="Office Theme" id="{62F939B6-93AF-4DB8-9C6B-D6C7DFDC589F}" vid="{4A3C46E8-61CC-4603-A589-7422A47A8E4A}"/>
+      <thm15:themeFamily xmlns:thm15="http://schemas.microsoft.com/office/thememl/2012/main" xmlns="" name="Office Theme" id="{62F939B6-93AF-4DB8-9C6B-D6C7DFDC589F}" vid="{4A3C46E8-61CC-4603-A589-7422A47A8E4A}"/>
     </a:ext>
   </a:extLst>
 </a:theme>
@@ -12024,7 +11181,7 @@
     </a:clrScheme>
     <a:fontScheme name="Стандартная">
       <a:majorFont>
-        <a:latin typeface="Calibri Light" panose="020F0302020204030204"/>
+        <a:latin typeface="Calibri Light"/>
         <a:ea typeface=""/>
         <a:cs typeface=""/>
         <a:font script="Jpan" typeface="游ゴシック Light"/>
@@ -12059,7 +11216,7 @@
         <a:font script="Geor" typeface="Sylfaen"/>
       </a:majorFont>
       <a:minorFont>
-        <a:latin typeface="Calibri" panose="020F0502020204030204"/>
+        <a:latin typeface="Calibri"/>
         <a:ea typeface=""/>
         <a:cs typeface=""/>
         <a:font script="Jpan" typeface="游ゴシック"/>
@@ -12236,7 +11393,7 @@
   <a:extraClrSchemeLst/>
   <a:extLst>
     <a:ext uri="{05A4C25C-085E-4340-85A3-A5531E510DB2}">
-      <thm15:themeFamily xmlns:thm15="http://schemas.microsoft.com/office/thememl/2012/main" name="Office Theme" id="{62F939B6-93AF-4DB8-9C6B-D6C7DFDC589F}" vid="{4A3C46E8-61CC-4603-A589-7422A47A8E4A}"/>
+      <thm15:themeFamily xmlns:thm15="http://schemas.microsoft.com/office/thememl/2012/main" xmlns="" name="Office Theme" id="{62F939B6-93AF-4DB8-9C6B-D6C7DFDC589F}" vid="{4A3C46E8-61CC-4603-A589-7422A47A8E4A}"/>
     </a:ext>
   </a:extLst>
 </a:theme>

--- a/РЕЧЬ_ПРЕЗЕНТАЦИЯ/VKR_Prezentatsia.pptx
+++ b/РЕЧЬ_ПРЕЗЕНТАЦИЯ/VKR_Prezentatsia.pptx
@@ -122,7 +122,7 @@
   </p:defaultTextStyle>
   <p:extLst>
     <p:ext uri="{EFAFB233-063F-42B5-8137-9DF3F51BA10A}">
-      <p15:sldGuideLst xmlns:p15="http://schemas.microsoft.com/office/powerpoint/2012/main" xmlns="">
+      <p15:sldGuideLst xmlns:p15="http://schemas.microsoft.com/office/powerpoint/2012/main">
         <p15:guide id="1" orient="horz" pos="2160">
           <p15:clr>
             <a:srgbClr val="A4A3A4"/>
@@ -222,7 +222,7 @@
             <a:fld id="{4094F45A-1AB0-444F-A645-7E7B34342DD4}" type="datetimeFigureOut">
               <a:rPr lang="ru-RU" smtClean="0"/>
               <a:pPr/>
-              <a:t>02.06.2020</a:t>
+              <a:t>03.06.2020</a:t>
             </a:fld>
             <a:endParaRPr lang="ru-RU"/>
           </a:p>
@@ -390,7 +390,7 @@
     </p:spTree>
     <p:extLst>
       <p:ext uri="{BB962C8B-B14F-4D97-AF65-F5344CB8AC3E}">
-        <p14:creationId xmlns:p14="http://schemas.microsoft.com/office/powerpoint/2010/main" xmlns="" val="1957787254"/>
+        <p14:creationId xmlns:p14="http://schemas.microsoft.com/office/powerpoint/2010/main" val="1957787254"/>
       </p:ext>
     </p:extLst>
   </p:cSld>
@@ -573,7 +573,7 @@
     </p:spTree>
     <p:extLst>
       <p:ext uri="{BB962C8B-B14F-4D97-AF65-F5344CB8AC3E}">
-        <p14:creationId xmlns:p14="http://schemas.microsoft.com/office/powerpoint/2010/main" xmlns="" val="1344278926"/>
+        <p14:creationId xmlns:p14="http://schemas.microsoft.com/office/powerpoint/2010/main" val="1344278926"/>
       </p:ext>
     </p:extLst>
   </p:cSld>
@@ -737,7 +737,7 @@
     </p:spTree>
     <p:extLst>
       <p:ext uri="{BB962C8B-B14F-4D97-AF65-F5344CB8AC3E}">
-        <p14:creationId xmlns:p14="http://schemas.microsoft.com/office/powerpoint/2010/main" xmlns="" val="2289282297"/>
+        <p14:creationId xmlns:p14="http://schemas.microsoft.com/office/powerpoint/2010/main" val="2289282297"/>
       </p:ext>
     </p:extLst>
   </p:cSld>
@@ -901,7 +901,7 @@
     </p:spTree>
     <p:extLst>
       <p:ext uri="{BB962C8B-B14F-4D97-AF65-F5344CB8AC3E}">
-        <p14:creationId xmlns:p14="http://schemas.microsoft.com/office/powerpoint/2010/main" xmlns="" val="2289282297"/>
+        <p14:creationId xmlns:p14="http://schemas.microsoft.com/office/powerpoint/2010/main" val="2289282297"/>
       </p:ext>
     </p:extLst>
   </p:cSld>
@@ -1065,7 +1065,7 @@
     </p:spTree>
     <p:extLst>
       <p:ext uri="{BB962C8B-B14F-4D97-AF65-F5344CB8AC3E}">
-        <p14:creationId xmlns:p14="http://schemas.microsoft.com/office/powerpoint/2010/main" xmlns="" val="2289282297"/>
+        <p14:creationId xmlns:p14="http://schemas.microsoft.com/office/powerpoint/2010/main" val="2289282297"/>
       </p:ext>
     </p:extLst>
   </p:cSld>
@@ -1180,7 +1180,7 @@
     </p:spTree>
     <p:extLst>
       <p:ext uri="{BB962C8B-B14F-4D97-AF65-F5344CB8AC3E}">
-        <p14:creationId xmlns:p14="http://schemas.microsoft.com/office/powerpoint/2010/main" xmlns="" val="2561957156"/>
+        <p14:creationId xmlns:p14="http://schemas.microsoft.com/office/powerpoint/2010/main" val="2561957156"/>
       </p:ext>
     </p:extLst>
   </p:cSld>
@@ -1273,7 +1273,7 @@
     </p:spTree>
     <p:extLst>
       <p:ext uri="{BB962C8B-B14F-4D97-AF65-F5344CB8AC3E}">
-        <p14:creationId xmlns:p14="http://schemas.microsoft.com/office/powerpoint/2010/main" xmlns="" val="280586843"/>
+        <p14:creationId xmlns:p14="http://schemas.microsoft.com/office/powerpoint/2010/main" val="280586843"/>
       </p:ext>
     </p:extLst>
   </p:cSld>
@@ -1366,7 +1366,7 @@
     </p:spTree>
     <p:extLst>
       <p:ext uri="{BB962C8B-B14F-4D97-AF65-F5344CB8AC3E}">
-        <p14:creationId xmlns:p14="http://schemas.microsoft.com/office/powerpoint/2010/main" xmlns="" val="312709961"/>
+        <p14:creationId xmlns:p14="http://schemas.microsoft.com/office/powerpoint/2010/main" val="312709961"/>
       </p:ext>
     </p:extLst>
   </p:cSld>
@@ -1714,7 +1714,7 @@
     </p:spTree>
     <p:extLst>
       <p:ext uri="{BB962C8B-B14F-4D97-AF65-F5344CB8AC3E}">
-        <p14:creationId xmlns:p14="http://schemas.microsoft.com/office/powerpoint/2010/main" xmlns="" val="1102800059"/>
+        <p14:creationId xmlns:p14="http://schemas.microsoft.com/office/powerpoint/2010/main" val="1102800059"/>
       </p:ext>
     </p:extLst>
   </p:cSld>
@@ -2062,7 +2062,7 @@
     </p:spTree>
     <p:extLst>
       <p:ext uri="{BB962C8B-B14F-4D97-AF65-F5344CB8AC3E}">
-        <p14:creationId xmlns:p14="http://schemas.microsoft.com/office/powerpoint/2010/main" xmlns="" val="798789825"/>
+        <p14:creationId xmlns:p14="http://schemas.microsoft.com/office/powerpoint/2010/main" val="798789825"/>
       </p:ext>
     </p:extLst>
   </p:cSld>
@@ -2220,7 +2220,7 @@
     </p:spTree>
     <p:extLst>
       <p:ext uri="{BB962C8B-B14F-4D97-AF65-F5344CB8AC3E}">
-        <p14:creationId xmlns:p14="http://schemas.microsoft.com/office/powerpoint/2010/main" xmlns="" val="1631471474"/>
+        <p14:creationId xmlns:p14="http://schemas.microsoft.com/office/powerpoint/2010/main" val="1631471474"/>
       </p:ext>
     </p:extLst>
   </p:cSld>
@@ -2499,7 +2499,7 @@
     </p:spTree>
     <p:extLst>
       <p:ext uri="{BB962C8B-B14F-4D97-AF65-F5344CB8AC3E}">
-        <p14:creationId xmlns:p14="http://schemas.microsoft.com/office/powerpoint/2010/main" xmlns="" val="2988094927"/>
+        <p14:creationId xmlns:p14="http://schemas.microsoft.com/office/powerpoint/2010/main" val="2988094927"/>
       </p:ext>
     </p:extLst>
   </p:cSld>
@@ -2613,7 +2613,7 @@
     </p:spTree>
     <p:extLst>
       <p:ext uri="{BB962C8B-B14F-4D97-AF65-F5344CB8AC3E}">
-        <p14:creationId xmlns:p14="http://schemas.microsoft.com/office/powerpoint/2010/main" xmlns="" val="1794171926"/>
+        <p14:creationId xmlns:p14="http://schemas.microsoft.com/office/powerpoint/2010/main" val="1794171926"/>
       </p:ext>
     </p:extLst>
   </p:cSld>
@@ -2754,7 +2754,7 @@
     </p:spTree>
     <p:extLst>
       <p:ext uri="{BB962C8B-B14F-4D97-AF65-F5344CB8AC3E}">
-        <p14:creationId xmlns:p14="http://schemas.microsoft.com/office/powerpoint/2010/main" xmlns="" val="1794171926"/>
+        <p14:creationId xmlns:p14="http://schemas.microsoft.com/office/powerpoint/2010/main" val="1794171926"/>
       </p:ext>
     </p:extLst>
   </p:cSld>
@@ -2916,7 +2916,7 @@
     </p:spTree>
     <p:extLst>
       <p:ext uri="{BB962C8B-B14F-4D97-AF65-F5344CB8AC3E}">
-        <p14:creationId xmlns:p14="http://schemas.microsoft.com/office/powerpoint/2010/main" xmlns="" val="1685300435"/>
+        <p14:creationId xmlns:p14="http://schemas.microsoft.com/office/powerpoint/2010/main" val="1685300435"/>
       </p:ext>
     </p:extLst>
   </p:cSld>
@@ -3056,7 +3056,7 @@
             <a:fld id="{8CB1D365-0DE8-42C8-8052-728C07EFD32C}" type="datetimeFigureOut">
               <a:rPr lang="ru-RU" smtClean="0"/>
               <a:pPr/>
-              <a:t>02.06.2020</a:t>
+              <a:t>03.06.2020</a:t>
             </a:fld>
             <a:endParaRPr lang="ru-RU"/>
           </a:p>
@@ -3108,7 +3108,7 @@
     </p:spTree>
     <p:extLst>
       <p:ext uri="{BB962C8B-B14F-4D97-AF65-F5344CB8AC3E}">
-        <p14:creationId xmlns:p14="http://schemas.microsoft.com/office/powerpoint/2010/main" xmlns="" val="2173428985"/>
+        <p14:creationId xmlns:p14="http://schemas.microsoft.com/office/powerpoint/2010/main" val="2173428985"/>
       </p:ext>
     </p:extLst>
   </p:cSld>
@@ -3226,7 +3226,7 @@
             <a:fld id="{8CB1D365-0DE8-42C8-8052-728C07EFD32C}" type="datetimeFigureOut">
               <a:rPr lang="ru-RU" smtClean="0"/>
               <a:pPr/>
-              <a:t>02.06.2020</a:t>
+              <a:t>03.06.2020</a:t>
             </a:fld>
             <a:endParaRPr lang="ru-RU"/>
           </a:p>
@@ -3278,7 +3278,7 @@
     </p:spTree>
     <p:extLst>
       <p:ext uri="{BB962C8B-B14F-4D97-AF65-F5344CB8AC3E}">
-        <p14:creationId xmlns:p14="http://schemas.microsoft.com/office/powerpoint/2010/main" xmlns="" val="2639255053"/>
+        <p14:creationId xmlns:p14="http://schemas.microsoft.com/office/powerpoint/2010/main" val="2639255053"/>
       </p:ext>
     </p:extLst>
   </p:cSld>
@@ -3406,7 +3406,7 @@
             <a:fld id="{8CB1D365-0DE8-42C8-8052-728C07EFD32C}" type="datetimeFigureOut">
               <a:rPr lang="ru-RU" smtClean="0"/>
               <a:pPr/>
-              <a:t>02.06.2020</a:t>
+              <a:t>03.06.2020</a:t>
             </a:fld>
             <a:endParaRPr lang="ru-RU"/>
           </a:p>
@@ -3458,7 +3458,7 @@
     </p:spTree>
     <p:extLst>
       <p:ext uri="{BB962C8B-B14F-4D97-AF65-F5344CB8AC3E}">
-        <p14:creationId xmlns:p14="http://schemas.microsoft.com/office/powerpoint/2010/main" xmlns="" val="3862036576"/>
+        <p14:creationId xmlns:p14="http://schemas.microsoft.com/office/powerpoint/2010/main" val="3862036576"/>
       </p:ext>
     </p:extLst>
   </p:cSld>
@@ -3576,7 +3576,7 @@
             <a:fld id="{8CB1D365-0DE8-42C8-8052-728C07EFD32C}" type="datetimeFigureOut">
               <a:rPr lang="ru-RU" smtClean="0"/>
               <a:pPr/>
-              <a:t>02.06.2020</a:t>
+              <a:t>03.06.2020</a:t>
             </a:fld>
             <a:endParaRPr lang="ru-RU"/>
           </a:p>
@@ -3628,7 +3628,7 @@
     </p:spTree>
     <p:extLst>
       <p:ext uri="{BB962C8B-B14F-4D97-AF65-F5344CB8AC3E}">
-        <p14:creationId xmlns:p14="http://schemas.microsoft.com/office/powerpoint/2010/main" xmlns="" val="1805817191"/>
+        <p14:creationId xmlns:p14="http://schemas.microsoft.com/office/powerpoint/2010/main" val="1805817191"/>
       </p:ext>
     </p:extLst>
   </p:cSld>
@@ -3823,7 +3823,7 @@
             <a:fld id="{8CB1D365-0DE8-42C8-8052-728C07EFD32C}" type="datetimeFigureOut">
               <a:rPr lang="ru-RU" smtClean="0"/>
               <a:pPr/>
-              <a:t>02.06.2020</a:t>
+              <a:t>03.06.2020</a:t>
             </a:fld>
             <a:endParaRPr lang="ru-RU"/>
           </a:p>
@@ -3875,7 +3875,7 @@
     </p:spTree>
     <p:extLst>
       <p:ext uri="{BB962C8B-B14F-4D97-AF65-F5344CB8AC3E}">
-        <p14:creationId xmlns:p14="http://schemas.microsoft.com/office/powerpoint/2010/main" xmlns="" val="53453383"/>
+        <p14:creationId xmlns:p14="http://schemas.microsoft.com/office/powerpoint/2010/main" val="53453383"/>
       </p:ext>
     </p:extLst>
   </p:cSld>
@@ -4054,7 +4054,7 @@
             <a:fld id="{8CB1D365-0DE8-42C8-8052-728C07EFD32C}" type="datetimeFigureOut">
               <a:rPr lang="ru-RU" smtClean="0"/>
               <a:pPr/>
-              <a:t>02.06.2020</a:t>
+              <a:t>03.06.2020</a:t>
             </a:fld>
             <a:endParaRPr lang="ru-RU"/>
           </a:p>
@@ -4106,7 +4106,7 @@
     </p:spTree>
     <p:extLst>
       <p:ext uri="{BB962C8B-B14F-4D97-AF65-F5344CB8AC3E}">
-        <p14:creationId xmlns:p14="http://schemas.microsoft.com/office/powerpoint/2010/main" xmlns="" val="931500122"/>
+        <p14:creationId xmlns:p14="http://schemas.microsoft.com/office/powerpoint/2010/main" val="931500122"/>
       </p:ext>
     </p:extLst>
   </p:cSld>
@@ -4420,7 +4420,7 @@
             <a:fld id="{8CB1D365-0DE8-42C8-8052-728C07EFD32C}" type="datetimeFigureOut">
               <a:rPr lang="ru-RU" smtClean="0"/>
               <a:pPr/>
-              <a:t>02.06.2020</a:t>
+              <a:t>03.06.2020</a:t>
             </a:fld>
             <a:endParaRPr lang="ru-RU"/>
           </a:p>
@@ -4472,7 +4472,7 @@
     </p:spTree>
     <p:extLst>
       <p:ext uri="{BB962C8B-B14F-4D97-AF65-F5344CB8AC3E}">
-        <p14:creationId xmlns:p14="http://schemas.microsoft.com/office/powerpoint/2010/main" xmlns="" val="3132244521"/>
+        <p14:creationId xmlns:p14="http://schemas.microsoft.com/office/powerpoint/2010/main" val="3132244521"/>
       </p:ext>
     </p:extLst>
   </p:cSld>
@@ -4539,7 +4539,7 @@
             <a:fld id="{8CB1D365-0DE8-42C8-8052-728C07EFD32C}" type="datetimeFigureOut">
               <a:rPr lang="ru-RU" smtClean="0"/>
               <a:pPr/>
-              <a:t>02.06.2020</a:t>
+              <a:t>03.06.2020</a:t>
             </a:fld>
             <a:endParaRPr lang="ru-RU"/>
           </a:p>
@@ -4591,7 +4591,7 @@
     </p:spTree>
     <p:extLst>
       <p:ext uri="{BB962C8B-B14F-4D97-AF65-F5344CB8AC3E}">
-        <p14:creationId xmlns:p14="http://schemas.microsoft.com/office/powerpoint/2010/main" xmlns="" val="3177510510"/>
+        <p14:creationId xmlns:p14="http://schemas.microsoft.com/office/powerpoint/2010/main" val="3177510510"/>
       </p:ext>
     </p:extLst>
   </p:cSld>
@@ -4636,7 +4636,7 @@
             <a:fld id="{8CB1D365-0DE8-42C8-8052-728C07EFD32C}" type="datetimeFigureOut">
               <a:rPr lang="ru-RU" smtClean="0"/>
               <a:pPr/>
-              <a:t>02.06.2020</a:t>
+              <a:t>03.06.2020</a:t>
             </a:fld>
             <a:endParaRPr lang="ru-RU"/>
           </a:p>
@@ -4688,7 +4688,7 @@
     </p:spTree>
     <p:extLst>
       <p:ext uri="{BB962C8B-B14F-4D97-AF65-F5344CB8AC3E}">
-        <p14:creationId xmlns:p14="http://schemas.microsoft.com/office/powerpoint/2010/main" xmlns="" val="342349238"/>
+        <p14:creationId xmlns:p14="http://schemas.microsoft.com/office/powerpoint/2010/main" val="342349238"/>
       </p:ext>
     </p:extLst>
   </p:cSld>
@@ -4913,7 +4913,7 @@
             <a:fld id="{8CB1D365-0DE8-42C8-8052-728C07EFD32C}" type="datetimeFigureOut">
               <a:rPr lang="ru-RU" smtClean="0"/>
               <a:pPr/>
-              <a:t>02.06.2020</a:t>
+              <a:t>03.06.2020</a:t>
             </a:fld>
             <a:endParaRPr lang="ru-RU"/>
           </a:p>
@@ -4965,7 +4965,7 @@
     </p:spTree>
     <p:extLst>
       <p:ext uri="{BB962C8B-B14F-4D97-AF65-F5344CB8AC3E}">
-        <p14:creationId xmlns:p14="http://schemas.microsoft.com/office/powerpoint/2010/main" xmlns="" val="1713485864"/>
+        <p14:creationId xmlns:p14="http://schemas.microsoft.com/office/powerpoint/2010/main" val="1713485864"/>
       </p:ext>
     </p:extLst>
   </p:cSld>
@@ -5167,7 +5167,7 @@
             <a:fld id="{8CB1D365-0DE8-42C8-8052-728C07EFD32C}" type="datetimeFigureOut">
               <a:rPr lang="ru-RU" smtClean="0"/>
               <a:pPr/>
-              <a:t>02.06.2020</a:t>
+              <a:t>03.06.2020</a:t>
             </a:fld>
             <a:endParaRPr lang="ru-RU"/>
           </a:p>
@@ -5219,7 +5219,7 @@
     </p:spTree>
     <p:extLst>
       <p:ext uri="{BB962C8B-B14F-4D97-AF65-F5344CB8AC3E}">
-        <p14:creationId xmlns:p14="http://schemas.microsoft.com/office/powerpoint/2010/main" xmlns="" val="832183107"/>
+        <p14:creationId xmlns:p14="http://schemas.microsoft.com/office/powerpoint/2010/main" val="832183107"/>
       </p:ext>
     </p:extLst>
   </p:cSld>
@@ -5380,7 +5380,7 @@
             <a:fld id="{8CB1D365-0DE8-42C8-8052-728C07EFD32C}" type="datetimeFigureOut">
               <a:rPr lang="ru-RU" smtClean="0"/>
               <a:pPr/>
-              <a:t>02.06.2020</a:t>
+              <a:t>03.06.2020</a:t>
             </a:fld>
             <a:endParaRPr lang="ru-RU"/>
           </a:p>
@@ -5468,7 +5468,7 @@
     </p:spTree>
     <p:extLst>
       <p:ext uri="{BB962C8B-B14F-4D97-AF65-F5344CB8AC3E}">
-        <p14:creationId xmlns:p14="http://schemas.microsoft.com/office/powerpoint/2010/main" xmlns="" val="2427165232"/>
+        <p14:creationId xmlns:p14="http://schemas.microsoft.com/office/powerpoint/2010/main" val="2427165232"/>
       </p:ext>
     </p:extLst>
   </p:cSld>
@@ -5946,18 +5946,18 @@
     </p:spTree>
     <p:extLst>
       <p:ext uri="{BB962C8B-B14F-4D97-AF65-F5344CB8AC3E}">
-        <p14:creationId xmlns:p14="http://schemas.microsoft.com/office/powerpoint/2010/main" xmlns="" val="1995768277"/>
+        <p14:creationId xmlns:p14="http://schemas.microsoft.com/office/powerpoint/2010/main" val="1995768277"/>
       </p:ext>
     </p:extLst>
   </p:cSld>
   <p:clrMapOvr>
     <a:masterClrMapping/>
   </p:clrMapOvr>
-  <mc:AlternateContent xmlns:mc="http://schemas.openxmlformats.org/markup-compatibility/2006">
-    <mc:Choice xmlns:p14="http://schemas.microsoft.com/office/powerpoint/2010/main" xmlns="" Requires="p14">
+  <mc:AlternateContent xmlns:mc="http://schemas.openxmlformats.org/markup-compatibility/2006" xmlns:p14="http://schemas.microsoft.com/office/powerpoint/2010/main">
+    <mc:Choice Requires="p14">
       <p:transition spd="slow" p14:dur="2000" advTm="173"/>
     </mc:Choice>
-    <mc:Fallback>
+    <mc:Fallback xmlns="">
       <p:transition spd="slow" advTm="173"/>
     </mc:Fallback>
   </mc:AlternateContent>
@@ -6043,19 +6043,8 @@
                 <a:latin typeface="Arial" panose="020B0604020202020204" pitchFamily="34" charset="0"/>
                 <a:cs typeface="Arial" panose="020B0604020202020204" pitchFamily="34" charset="0"/>
               </a:rPr>
-              <a:t>Слайд № </a:t>
-            </a:r>
-            <a:r>
-              <a:rPr lang="ru-RU" dirty="0" smtClean="0">
-                <a:latin typeface="Arial" panose="020B0604020202020204" pitchFamily="34" charset="0"/>
-                <a:cs typeface="Arial" panose="020B0604020202020204" pitchFamily="34" charset="0"/>
-              </a:rPr>
-              <a:t>10</a:t>
-            </a:r>
-            <a:endParaRPr lang="ru-RU" dirty="0">
-              <a:latin typeface="Arial" panose="020B0604020202020204" pitchFamily="34" charset="0"/>
-              <a:cs typeface="Arial" panose="020B0604020202020204" pitchFamily="34" charset="0"/>
-            </a:endParaRPr>
+              <a:t>Слайд № 10</a:t>
+            </a:r>
           </a:p>
         </p:txBody>
       </p:sp>
@@ -6122,16 +6111,12 @@
               </a:lnSpc>
             </a:pPr>
             <a:r>
-              <a:rPr lang="ru-RU" sz="3200" b="1" dirty="0" smtClean="0">
+              <a:rPr lang="ru-RU" sz="3200" b="1" dirty="0">
                 <a:latin typeface="Arial" panose="020B0604020202020204" pitchFamily="34" charset="0"/>
                 <a:cs typeface="Arial" panose="020B0604020202020204" pitchFamily="34" charset="0"/>
               </a:rPr>
               <a:t>Итоги: проделанная автором работа</a:t>
             </a:r>
-            <a:endParaRPr lang="ru-RU" sz="3200" b="1" dirty="0">
-              <a:latin typeface="Arial" panose="020B0604020202020204" pitchFamily="34" charset="0"/>
-              <a:cs typeface="Arial" panose="020B0604020202020204" pitchFamily="34" charset="0"/>
-            </a:endParaRPr>
           </a:p>
         </p:txBody>
       </p:sp>
@@ -6179,7 +6164,7 @@
           <a:blip r:embed="rId3" cstate="print">
             <a:extLst>
               <a:ext uri="{28A0092B-C50C-407E-A947-70E740481C1C}">
-                <a14:useLocalDpi xmlns:a14="http://schemas.microsoft.com/office/drawing/2010/main" xmlns="" val="0"/>
+                <a14:useLocalDpi xmlns:a14="http://schemas.microsoft.com/office/drawing/2010/main" val="0"/>
               </a:ext>
             </a:extLst>
           </a:blip>
@@ -6199,7 +6184,7 @@
           <a:noFill/>
           <a:extLst>
             <a:ext uri="{909E8E84-426E-40DD-AFC4-6F175D3DCCD1}">
-              <a14:hiddenFill xmlns:a14="http://schemas.microsoft.com/office/drawing/2010/main" xmlns="">
+              <a14:hiddenFill xmlns:a14="http://schemas.microsoft.com/office/drawing/2010/main">
                 <a:solidFill>
                   <a:srgbClr val="FFFFFF"/>
                 </a:solidFill>
@@ -6216,8 +6201,8 @@
         </p:nvSpPr>
         <p:spPr>
           <a:xfrm>
-            <a:off x="704850" y="819148"/>
-            <a:ext cx="10991850" cy="5632311"/>
+            <a:off x="713239" y="537404"/>
+            <a:ext cx="10991850" cy="6278642"/>
           </a:xfrm>
           <a:prstGeom prst="rect">
             <a:avLst/>
@@ -6232,37 +6217,36 @@
           <a:p>
             <a:pPr algn="just"/>
             <a:r>
-              <a:rPr lang="ru-RU" b="1" dirty="0" smtClean="0">
+              <a:rPr lang="ru-RU" sz="2400" b="1" dirty="0">
                 <a:latin typeface="Arial" pitchFamily="34" charset="0"/>
                 <a:cs typeface="Arial" pitchFamily="34" charset="0"/>
               </a:rPr>
-              <a:t>Разработано </a:t>
-            </a:r>
-            <a:r>
-              <a:rPr lang="ru-RU" b="1" dirty="0" smtClean="0">
-                <a:latin typeface="Arial" pitchFamily="34" charset="0"/>
-                <a:cs typeface="Arial" pitchFamily="34" charset="0"/>
-              </a:rPr>
-              <a:t>встроенное программное обеспечение на языке программирования Си, удовлетворяющее требованиям комплекса «АСТРОКАРД® - VIVO</a:t>
-            </a:r>
-            <a:r>
-              <a:rPr lang="ru-RU" b="1" dirty="0" smtClean="0">
-                <a:latin typeface="Arial" pitchFamily="34" charset="0"/>
-                <a:cs typeface="Arial" pitchFamily="34" charset="0"/>
-              </a:rPr>
-              <a:t>»:</a:t>
-            </a:r>
-            <a:endParaRPr lang="ru-RU" b="1" dirty="0" smtClean="0">
+              <a:t>Разработан прототип устройства на основе современных решений:</a:t>
+            </a:r>
+          </a:p>
+          <a:p>
+            <a:pPr algn="just"/>
+            <a:endParaRPr lang="ru-RU" b="1" dirty="0">
               <a:latin typeface="Arial" pitchFamily="34" charset="0"/>
               <a:cs typeface="Arial" pitchFamily="34" charset="0"/>
             </a:endParaRPr>
+          </a:p>
+          <a:p>
+            <a:pPr algn="just"/>
+            <a:r>
+              <a:rPr lang="ru-RU" b="1" dirty="0">
+                <a:latin typeface="Arial" pitchFamily="34" charset="0"/>
+                <a:cs typeface="Arial" pitchFamily="34" charset="0"/>
+              </a:rPr>
+              <a:t>Разработано встроенное программное обеспечение на языке программирования Си, удовлетворяющее требованиям комплекса «АСТРОКАРД® - VIVO»:</a:t>
+            </a:r>
           </a:p>
           <a:p>
             <a:pPr algn="just">
               <a:buFont typeface="Wingdings" pitchFamily="2" charset="2"/>
               <a:buChar char="ü"/>
             </a:pPr>
-            <a:endParaRPr lang="ru-RU" dirty="0" smtClean="0">
+            <a:endParaRPr lang="ru-RU" dirty="0">
               <a:latin typeface="Arial" pitchFamily="34" charset="0"/>
               <a:cs typeface="Arial" pitchFamily="34" charset="0"/>
             </a:endParaRPr>
@@ -6273,27 +6257,20 @@
               <a:buChar char="ü"/>
             </a:pPr>
             <a:r>
-              <a:rPr lang="ru-RU" dirty="0" smtClean="0">
+              <a:rPr lang="ru-RU" dirty="0">
                 <a:latin typeface="Arial" pitchFamily="34" charset="0"/>
                 <a:cs typeface="Arial" pitchFamily="34" charset="0"/>
               </a:rPr>
-              <a:t> </a:t>
-            </a:r>
-            <a:r>
-              <a:rPr lang="ru-RU" dirty="0" smtClean="0">
+              <a:t> Реализованы задачи приема и обработки данных средствами ОСРВ </a:t>
+            </a:r>
+            <a:r>
+              <a:rPr lang="en-US" dirty="0" err="1">
                 <a:latin typeface="Arial" pitchFamily="34" charset="0"/>
                 <a:cs typeface="Arial" pitchFamily="34" charset="0"/>
               </a:rPr>
-              <a:t>Реализованы задачи приема и обработки данных средствами ОСРВ </a:t>
-            </a:r>
-            <a:r>
-              <a:rPr lang="en-US" dirty="0" err="1" smtClean="0">
-                <a:latin typeface="Arial" pitchFamily="34" charset="0"/>
-                <a:cs typeface="Arial" pitchFamily="34" charset="0"/>
-              </a:rPr>
               <a:t>FreeRTOS</a:t>
             </a:r>
-            <a:endParaRPr lang="ru-RU" dirty="0" smtClean="0">
+            <a:endParaRPr lang="ru-RU" dirty="0">
               <a:latin typeface="Arial" pitchFamily="34" charset="0"/>
               <a:cs typeface="Arial" pitchFamily="34" charset="0"/>
             </a:endParaRPr>
@@ -6304,25 +6281,11 @@
               <a:buChar char="ü"/>
             </a:pPr>
             <a:r>
-              <a:rPr lang="ru-RU" dirty="0" smtClean="0">
+              <a:rPr lang="ru-RU" dirty="0">
                 <a:latin typeface="Arial" pitchFamily="34" charset="0"/>
                 <a:cs typeface="Arial" pitchFamily="34" charset="0"/>
               </a:rPr>
-              <a:t> Реализованы </a:t>
-            </a:r>
-            <a:r>
-              <a:rPr lang="ru-RU" dirty="0" smtClean="0">
-                <a:latin typeface="Arial" pitchFamily="34" charset="0"/>
-                <a:cs typeface="Arial" pitchFamily="34" charset="0"/>
-              </a:rPr>
-              <a:t>взаимодействие и обмен данными между </a:t>
-            </a:r>
-            <a:r>
-              <a:rPr lang="ru-RU" dirty="0" smtClean="0">
-                <a:latin typeface="Arial" pitchFamily="34" charset="0"/>
-                <a:cs typeface="Arial" pitchFamily="34" charset="0"/>
-              </a:rPr>
-              <a:t>задачами</a:t>
+              <a:t> Реализованы взаимодействие и обмен данными между задачами</a:t>
             </a:r>
           </a:p>
           <a:p>
@@ -6331,7 +6294,7 @@
               <a:buChar char="ü"/>
             </a:pPr>
             <a:r>
-              <a:rPr lang="ru-RU" dirty="0" smtClean="0">
+              <a:rPr lang="ru-RU" dirty="0">
                 <a:latin typeface="Arial" pitchFamily="34" charset="0"/>
                 <a:cs typeface="Arial" pitchFamily="34" charset="0"/>
               </a:rPr>
@@ -6344,25 +6307,11 @@
               <a:buChar char="ü"/>
             </a:pPr>
             <a:r>
-              <a:rPr lang="ru-RU" dirty="0" smtClean="0">
+              <a:rPr lang="ru-RU" dirty="0">
                 <a:latin typeface="Arial" pitchFamily="34" charset="0"/>
                 <a:cs typeface="Arial" pitchFamily="34" charset="0"/>
               </a:rPr>
-              <a:t> Реализована </a:t>
-            </a:r>
-            <a:r>
-              <a:rPr lang="ru-RU" dirty="0" smtClean="0">
-                <a:latin typeface="Arial" pitchFamily="34" charset="0"/>
-                <a:cs typeface="Arial" pitchFamily="34" charset="0"/>
-              </a:rPr>
-              <a:t>простейшая система </a:t>
-            </a:r>
-            <a:r>
-              <a:rPr lang="ru-RU" dirty="0" smtClean="0">
-                <a:latin typeface="Arial" pitchFamily="34" charset="0"/>
-                <a:cs typeface="Arial" pitchFamily="34" charset="0"/>
-              </a:rPr>
-              <a:t>тревог</a:t>
+              <a:t> Реализована простейшая система тревог</a:t>
             </a:r>
           </a:p>
           <a:p>
@@ -6370,7 +6319,7 @@
               <a:buFont typeface="Wingdings" pitchFamily="2" charset="2"/>
               <a:buChar char="ü"/>
             </a:pPr>
-            <a:endParaRPr lang="ru-RU" dirty="0" smtClean="0">
+            <a:endParaRPr lang="ru-RU" dirty="0">
               <a:latin typeface="Arial" pitchFamily="34" charset="0"/>
               <a:cs typeface="Arial" pitchFamily="34" charset="0"/>
             </a:endParaRPr>
@@ -6378,30 +6327,16 @@
           <a:p>
             <a:pPr algn="just"/>
             <a:r>
-              <a:rPr lang="ru-RU" b="1" dirty="0" smtClean="0">
+              <a:rPr lang="ru-RU" b="1" dirty="0">
                 <a:latin typeface="Arial" pitchFamily="34" charset="0"/>
                 <a:cs typeface="Arial" pitchFamily="34" charset="0"/>
               </a:rPr>
-              <a:t>Реализованы </a:t>
-            </a:r>
-            <a:r>
-              <a:rPr lang="ru-RU" b="1" dirty="0" smtClean="0">
-                <a:latin typeface="Arial" pitchFamily="34" charset="0"/>
-                <a:cs typeface="Arial" pitchFamily="34" charset="0"/>
-              </a:rPr>
-              <a:t>схемотехнические решения направленные на улучшение работы комплекса «АСТРОКАРД® - VIVO</a:t>
-            </a:r>
-            <a:r>
-              <a:rPr lang="ru-RU" b="1" dirty="0" smtClean="0">
-                <a:latin typeface="Arial" pitchFamily="34" charset="0"/>
-                <a:cs typeface="Arial" pitchFamily="34" charset="0"/>
-              </a:rPr>
-              <a:t>»:</a:t>
+              <a:t>Реализованы схемотехнические решения направленные на улучшение работы комплекса «АСТРОКАРД® - VIVO»:</a:t>
             </a:r>
           </a:p>
           <a:p>
             <a:pPr algn="just"/>
-            <a:endParaRPr lang="ru-RU" dirty="0" smtClean="0">
+            <a:endParaRPr lang="ru-RU" dirty="0">
               <a:latin typeface="Arial" pitchFamily="34" charset="0"/>
               <a:cs typeface="Arial" pitchFamily="34" charset="0"/>
             </a:endParaRPr>
@@ -6412,97 +6347,90 @@
               <a:buChar char="ü"/>
             </a:pPr>
             <a:r>
-              <a:rPr lang="ru-RU" dirty="0" smtClean="0">
+              <a:rPr lang="ru-RU" dirty="0">
                 <a:latin typeface="Arial" pitchFamily="34" charset="0"/>
                 <a:cs typeface="Arial" pitchFamily="34" charset="0"/>
               </a:rPr>
-              <a:t> Осуществлена </a:t>
-            </a:r>
-            <a:r>
-              <a:rPr lang="ru-RU" dirty="0" smtClean="0">
+              <a:t> Осуществлена замена микроконтроллера </a:t>
+            </a:r>
+            <a:r>
+              <a:rPr lang="en-US" dirty="0">
                 <a:latin typeface="Arial" pitchFamily="34" charset="0"/>
                 <a:cs typeface="Arial" pitchFamily="34" charset="0"/>
               </a:rPr>
-              <a:t>замена микроконтроллера </a:t>
-            </a:r>
-            <a:r>
-              <a:rPr lang="en-US" dirty="0" smtClean="0">
+              <a:t>STM</a:t>
+            </a:r>
+            <a:r>
+              <a:rPr lang="ru-RU" dirty="0">
                 <a:latin typeface="Arial" pitchFamily="34" charset="0"/>
                 <a:cs typeface="Arial" pitchFamily="34" charset="0"/>
               </a:rPr>
-              <a:t>STM</a:t>
-            </a:r>
-            <a:r>
-              <a:rPr lang="ru-RU" dirty="0" smtClean="0">
+              <a:t>32</a:t>
+            </a:r>
+            <a:r>
+              <a:rPr lang="en-US" dirty="0">
                 <a:latin typeface="Arial" pitchFamily="34" charset="0"/>
                 <a:cs typeface="Arial" pitchFamily="34" charset="0"/>
               </a:rPr>
-              <a:t>32</a:t>
-            </a:r>
-            <a:r>
-              <a:rPr lang="en-US" dirty="0" smtClean="0">
+              <a:t>F</a:t>
+            </a:r>
+            <a:r>
+              <a:rPr lang="ru-RU" dirty="0">
                 <a:latin typeface="Arial" pitchFamily="34" charset="0"/>
                 <a:cs typeface="Arial" pitchFamily="34" charset="0"/>
               </a:rPr>
-              <a:t>F</a:t>
-            </a:r>
-            <a:r>
-              <a:rPr lang="ru-RU" dirty="0" smtClean="0">
+              <a:t>205</a:t>
+            </a:r>
+            <a:r>
+              <a:rPr lang="en-US" dirty="0">
                 <a:latin typeface="Arial" pitchFamily="34" charset="0"/>
                 <a:cs typeface="Arial" pitchFamily="34" charset="0"/>
               </a:rPr>
-              <a:t>205</a:t>
-            </a:r>
-            <a:r>
-              <a:rPr lang="en-US" dirty="0" smtClean="0">
+              <a:t>RET </a:t>
+            </a:r>
+            <a:r>
+              <a:rPr lang="ru-RU" dirty="0">
                 <a:latin typeface="Arial" pitchFamily="34" charset="0"/>
                 <a:cs typeface="Arial" pitchFamily="34" charset="0"/>
               </a:rPr>
-              <a:t>RET </a:t>
-            </a:r>
-            <a:r>
-              <a:rPr lang="ru-RU" dirty="0" smtClean="0">
+              <a:t>на </a:t>
+            </a:r>
+            <a:r>
+              <a:rPr lang="en-US" dirty="0">
                 <a:latin typeface="Arial" pitchFamily="34" charset="0"/>
                 <a:cs typeface="Arial" pitchFamily="34" charset="0"/>
               </a:rPr>
-              <a:t>на </a:t>
-            </a:r>
-            <a:r>
-              <a:rPr lang="en-US" dirty="0" smtClean="0">
+              <a:t>STM</a:t>
+            </a:r>
+            <a:r>
+              <a:rPr lang="ru-RU" dirty="0">
                 <a:latin typeface="Arial" pitchFamily="34" charset="0"/>
                 <a:cs typeface="Arial" pitchFamily="34" charset="0"/>
               </a:rPr>
-              <a:t>STM</a:t>
-            </a:r>
-            <a:r>
-              <a:rPr lang="ru-RU" dirty="0" smtClean="0">
+              <a:t>32</a:t>
+            </a:r>
+            <a:r>
+              <a:rPr lang="en-US" dirty="0">
                 <a:latin typeface="Arial" pitchFamily="34" charset="0"/>
                 <a:cs typeface="Arial" pitchFamily="34" charset="0"/>
               </a:rPr>
-              <a:t>32</a:t>
-            </a:r>
-            <a:r>
-              <a:rPr lang="en-US" dirty="0" smtClean="0">
+              <a:t>F</a:t>
+            </a:r>
+            <a:r>
+              <a:rPr lang="ru-RU" dirty="0">
                 <a:latin typeface="Arial" pitchFamily="34" charset="0"/>
                 <a:cs typeface="Arial" pitchFamily="34" charset="0"/>
               </a:rPr>
-              <a:t>F</a:t>
-            </a:r>
-            <a:r>
-              <a:rPr lang="ru-RU" dirty="0" smtClean="0">
+              <a:t>413</a:t>
+            </a:r>
+            <a:r>
+              <a:rPr lang="en-US" dirty="0">
                 <a:latin typeface="Arial" pitchFamily="34" charset="0"/>
                 <a:cs typeface="Arial" pitchFamily="34" charset="0"/>
               </a:rPr>
-              <a:t>413</a:t>
-            </a:r>
-            <a:r>
-              <a:rPr lang="en-US" dirty="0" smtClean="0">
-                <a:latin typeface="Arial" pitchFamily="34" charset="0"/>
-                <a:cs typeface="Arial" pitchFamily="34" charset="0"/>
-              </a:rPr>
               <a:t>VGT</a:t>
             </a:r>
-            <a:endParaRPr lang="ru-RU" dirty="0" smtClean="0">
+            <a:endParaRPr lang="ru-RU" dirty="0">
               <a:latin typeface="Arial" pitchFamily="34" charset="0"/>
               <a:cs typeface="Arial" pitchFamily="34" charset="0"/>
             </a:endParaRPr>
@@ -6513,55 +6441,48 @@
               <a:buChar char="ü"/>
             </a:pPr>
             <a:r>
-              <a:rPr lang="ru-RU" dirty="0" smtClean="0">
+              <a:rPr lang="ru-RU" dirty="0">
                 <a:latin typeface="Arial" pitchFamily="34" charset="0"/>
                 <a:cs typeface="Arial" pitchFamily="34" charset="0"/>
               </a:rPr>
-              <a:t> Спроектирован </a:t>
-            </a:r>
-            <a:r>
-              <a:rPr lang="ru-RU" dirty="0" smtClean="0">
+              <a:t> Спроектирован резервный канал измерения давления на базе микроконтроллера </a:t>
+            </a:r>
+            <a:r>
+              <a:rPr lang="en-US" dirty="0">
                 <a:latin typeface="Arial" pitchFamily="34" charset="0"/>
                 <a:cs typeface="Arial" pitchFamily="34" charset="0"/>
               </a:rPr>
-              <a:t>резервный канал измерения давления на базе микроконтроллера </a:t>
-            </a:r>
-            <a:r>
-              <a:rPr lang="en-US" dirty="0" smtClean="0">
+              <a:t>STM</a:t>
+            </a:r>
+            <a:r>
+              <a:rPr lang="ru-RU" dirty="0">
                 <a:latin typeface="Arial" pitchFamily="34" charset="0"/>
                 <a:cs typeface="Arial" pitchFamily="34" charset="0"/>
               </a:rPr>
-              <a:t>STM</a:t>
-            </a:r>
-            <a:r>
-              <a:rPr lang="ru-RU" dirty="0" smtClean="0">
+              <a:t>32</a:t>
+            </a:r>
+            <a:r>
+              <a:rPr lang="en-US" dirty="0">
                 <a:latin typeface="Arial" pitchFamily="34" charset="0"/>
                 <a:cs typeface="Arial" pitchFamily="34" charset="0"/>
               </a:rPr>
-              <a:t>32</a:t>
-            </a:r>
-            <a:r>
-              <a:rPr lang="en-US" dirty="0" smtClean="0">
+              <a:t>L</a:t>
+            </a:r>
+            <a:r>
+              <a:rPr lang="ru-RU" dirty="0">
                 <a:latin typeface="Arial" pitchFamily="34" charset="0"/>
                 <a:cs typeface="Arial" pitchFamily="34" charset="0"/>
               </a:rPr>
-              <a:t>L</a:t>
-            </a:r>
-            <a:r>
-              <a:rPr lang="ru-RU" dirty="0" smtClean="0">
+              <a:t>412</a:t>
+            </a:r>
+            <a:r>
+              <a:rPr lang="en-US" dirty="0">
                 <a:latin typeface="Arial" pitchFamily="34" charset="0"/>
                 <a:cs typeface="Arial" pitchFamily="34" charset="0"/>
               </a:rPr>
-              <a:t>412</a:t>
-            </a:r>
-            <a:r>
-              <a:rPr lang="en-US" dirty="0" smtClean="0">
-                <a:latin typeface="Arial" pitchFamily="34" charset="0"/>
-                <a:cs typeface="Arial" pitchFamily="34" charset="0"/>
-              </a:rPr>
               <a:t>KBU</a:t>
             </a:r>
-            <a:endParaRPr lang="ru-RU" dirty="0" smtClean="0">
+            <a:endParaRPr lang="ru-RU" dirty="0">
               <a:latin typeface="Arial" pitchFamily="34" charset="0"/>
               <a:cs typeface="Arial" pitchFamily="34" charset="0"/>
             </a:endParaRPr>
@@ -6572,32 +6493,11 @@
               <a:buChar char="ü"/>
             </a:pPr>
             <a:r>
-              <a:rPr lang="ru-RU" dirty="0" smtClean="0">
+              <a:rPr lang="ru-RU" dirty="0">
                 <a:latin typeface="Arial" pitchFamily="34" charset="0"/>
                 <a:cs typeface="Arial" pitchFamily="34" charset="0"/>
               </a:rPr>
-              <a:t> В </a:t>
-            </a:r>
-            <a:r>
-              <a:rPr lang="ru-RU" dirty="0" smtClean="0">
-                <a:latin typeface="Arial" pitchFamily="34" charset="0"/>
-                <a:cs typeface="Arial" pitchFamily="34" charset="0"/>
-              </a:rPr>
-              <a:t>схему </a:t>
-            </a:r>
-            <a:r>
-              <a:rPr lang="ru-RU" dirty="0" smtClean="0">
-                <a:latin typeface="Arial" pitchFamily="34" charset="0"/>
-                <a:cs typeface="Arial" pitchFamily="34" charset="0"/>
-              </a:rPr>
-              <a:t>регистрации фотоплетизмограммы добавлены </a:t>
-            </a:r>
-            <a:r>
-              <a:rPr lang="ru-RU" dirty="0" smtClean="0">
-                <a:latin typeface="Arial" pitchFamily="34" charset="0"/>
-                <a:cs typeface="Arial" pitchFamily="34" charset="0"/>
-              </a:rPr>
-              <a:t>индуктивные фильтры подавления электромагнитных помех BLM18</a:t>
+              <a:t> В схему регистрации фотоплетизмограммы добавлены индуктивные фильтры подавления электромагнитных помех BLM18</a:t>
             </a:r>
           </a:p>
           <a:p>
@@ -6606,55 +6506,48 @@
               <a:buChar char="ü"/>
             </a:pPr>
             <a:r>
-              <a:rPr lang="ru-RU" dirty="0" smtClean="0">
+              <a:rPr lang="ru-RU" dirty="0">
                 <a:latin typeface="Arial" pitchFamily="34" charset="0"/>
                 <a:cs typeface="Arial" pitchFamily="34" charset="0"/>
               </a:rPr>
-              <a:t> Реализовано </a:t>
-            </a:r>
-            <a:r>
-              <a:rPr lang="ru-RU" dirty="0" smtClean="0">
+              <a:t> Реализовано взаимодействие между микросхемами </a:t>
+            </a:r>
+            <a:r>
+              <a:rPr lang="en-US" dirty="0">
                 <a:latin typeface="Arial" pitchFamily="34" charset="0"/>
                 <a:cs typeface="Arial" pitchFamily="34" charset="0"/>
               </a:rPr>
-              <a:t>взаимодействие между микросхемами </a:t>
-            </a:r>
-            <a:r>
-              <a:rPr lang="en-US" dirty="0" smtClean="0">
+              <a:t>ADS</a:t>
+            </a:r>
+            <a:r>
+              <a:rPr lang="ru-RU" dirty="0">
                 <a:latin typeface="Arial" pitchFamily="34" charset="0"/>
                 <a:cs typeface="Arial" pitchFamily="34" charset="0"/>
               </a:rPr>
-              <a:t>ADS</a:t>
-            </a:r>
-            <a:r>
-              <a:rPr lang="ru-RU" dirty="0" smtClean="0">
+              <a:t>1298 и </a:t>
+            </a:r>
+            <a:r>
+              <a:rPr lang="en-US" dirty="0">
                 <a:latin typeface="Arial" pitchFamily="34" charset="0"/>
                 <a:cs typeface="Arial" pitchFamily="34" charset="0"/>
               </a:rPr>
-              <a:t>1298 и </a:t>
-            </a:r>
-            <a:r>
-              <a:rPr lang="en-US" dirty="0" smtClean="0">
+              <a:t>ADS</a:t>
+            </a:r>
+            <a:r>
+              <a:rPr lang="ru-RU" dirty="0">
                 <a:latin typeface="Arial" pitchFamily="34" charset="0"/>
                 <a:cs typeface="Arial" pitchFamily="34" charset="0"/>
               </a:rPr>
-              <a:t>ADS</a:t>
-            </a:r>
-            <a:r>
-              <a:rPr lang="ru-RU" dirty="0" smtClean="0">
+              <a:t>1292 средствами одного интерфейса </a:t>
+            </a:r>
+            <a:r>
+              <a:rPr lang="en-US" dirty="0">
                 <a:latin typeface="Arial" pitchFamily="34" charset="0"/>
                 <a:cs typeface="Arial" pitchFamily="34" charset="0"/>
               </a:rPr>
-              <a:t>1292 средствами одного интерфейса </a:t>
-            </a:r>
-            <a:r>
-              <a:rPr lang="en-US" dirty="0" smtClean="0">
-                <a:latin typeface="Arial" pitchFamily="34" charset="0"/>
-                <a:cs typeface="Arial" pitchFamily="34" charset="0"/>
-              </a:rPr>
               <a:t>SPI</a:t>
             </a:r>
-            <a:endParaRPr lang="ru-RU" dirty="0" smtClean="0">
+            <a:endParaRPr lang="ru-RU" dirty="0">
               <a:latin typeface="Arial" pitchFamily="34" charset="0"/>
               <a:cs typeface="Arial" pitchFamily="34" charset="0"/>
             </a:endParaRPr>
@@ -6665,25 +6558,11 @@
               <a:buChar char="ü"/>
             </a:pPr>
             <a:r>
-              <a:rPr lang="ru-RU" dirty="0" smtClean="0">
+              <a:rPr lang="ru-RU" dirty="0">
                 <a:latin typeface="Arial" pitchFamily="34" charset="0"/>
                 <a:cs typeface="Arial" pitchFamily="34" charset="0"/>
               </a:rPr>
-              <a:t> Добавлены </a:t>
-            </a:r>
-            <a:r>
-              <a:rPr lang="ru-RU" dirty="0" smtClean="0">
-                <a:latin typeface="Arial" pitchFamily="34" charset="0"/>
-                <a:cs typeface="Arial" pitchFamily="34" charset="0"/>
-              </a:rPr>
-              <a:t>элементы звуковой и световой тревожной </a:t>
-            </a:r>
-            <a:r>
-              <a:rPr lang="ru-RU" dirty="0" smtClean="0">
-                <a:latin typeface="Arial" pitchFamily="34" charset="0"/>
-                <a:cs typeface="Arial" pitchFamily="34" charset="0"/>
-              </a:rPr>
-              <a:t>сигнализации</a:t>
+              <a:t> Добавлены элементы звуковой и световой тревожной сигнализации</a:t>
             </a:r>
           </a:p>
           <a:p>
@@ -6692,38 +6571,17 @@
               <a:buChar char="ü"/>
             </a:pPr>
             <a:r>
-              <a:rPr lang="ru-RU" dirty="0" smtClean="0">
+              <a:rPr lang="ru-RU" dirty="0">
                 <a:latin typeface="Arial" pitchFamily="34" charset="0"/>
                 <a:cs typeface="Arial" pitchFamily="34" charset="0"/>
               </a:rPr>
-              <a:t> Произведена </a:t>
-            </a:r>
-            <a:r>
-              <a:rPr lang="ru-RU" dirty="0" smtClean="0">
-                <a:latin typeface="Arial" pitchFamily="34" charset="0"/>
-                <a:cs typeface="Arial" pitchFamily="34" charset="0"/>
-              </a:rPr>
-              <a:t>компоновка </a:t>
-            </a:r>
-            <a:r>
-              <a:rPr lang="ru-RU" dirty="0" smtClean="0">
-                <a:latin typeface="Arial" pitchFamily="34" charset="0"/>
-                <a:cs typeface="Arial" pitchFamily="34" charset="0"/>
-              </a:rPr>
-              <a:t>электронных компонентов </a:t>
-            </a:r>
-            <a:r>
-              <a:rPr lang="ru-RU" dirty="0" smtClean="0">
-                <a:latin typeface="Arial" pitchFamily="34" charset="0"/>
-                <a:cs typeface="Arial" pitchFamily="34" charset="0"/>
-              </a:rPr>
-              <a:t>и выполнена трассировка платы</a:t>
+              <a:t> Произведена компоновка электронных компонентов и выполнена трассировка платы</a:t>
             </a:r>
           </a:p>
           <a:p>
             <a:endParaRPr lang="ru-RU" dirty="0">
-              <a:latin typeface="Arial" panose="020B0604020202020204" pitchFamily="34" charset="0"/>
-              <a:cs typeface="Arial" panose="020B0604020202020204" pitchFamily="34" charset="0"/>
+              <a:latin typeface="Arial" pitchFamily="34" charset="0"/>
+              <a:cs typeface="Arial" pitchFamily="34" charset="0"/>
             </a:endParaRPr>
           </a:p>
         </p:txBody>
@@ -6731,7 +6589,7 @@
     </p:spTree>
     <p:extLst>
       <p:ext uri="{BB962C8B-B14F-4D97-AF65-F5344CB8AC3E}">
-        <p14:creationId xmlns:p14="http://schemas.microsoft.com/office/powerpoint/2010/main" xmlns="" val="301235932"/>
+        <p14:creationId xmlns:p14="http://schemas.microsoft.com/office/powerpoint/2010/main" val="301235932"/>
       </p:ext>
     </p:extLst>
   </p:cSld>
@@ -6820,19 +6678,8 @@
                 <a:latin typeface="Arial" panose="020B0604020202020204" pitchFamily="34" charset="0"/>
                 <a:cs typeface="Arial" panose="020B0604020202020204" pitchFamily="34" charset="0"/>
               </a:rPr>
-              <a:t>Слайд № </a:t>
-            </a:r>
-            <a:r>
-              <a:rPr lang="ru-RU" dirty="0" smtClean="0">
-                <a:latin typeface="Arial" panose="020B0604020202020204" pitchFamily="34" charset="0"/>
-                <a:cs typeface="Arial" panose="020B0604020202020204" pitchFamily="34" charset="0"/>
-              </a:rPr>
-              <a:t>11</a:t>
-            </a:r>
-            <a:endParaRPr lang="ru-RU" dirty="0">
-              <a:latin typeface="Arial" panose="020B0604020202020204" pitchFamily="34" charset="0"/>
-              <a:cs typeface="Arial" panose="020B0604020202020204" pitchFamily="34" charset="0"/>
-            </a:endParaRPr>
+              <a:t>Слайд № 11</a:t>
+            </a:r>
           </a:p>
         </p:txBody>
       </p:sp>
@@ -6899,16 +6746,12 @@
               </a:lnSpc>
             </a:pPr>
             <a:r>
-              <a:rPr lang="ru-RU" sz="3200" b="1" dirty="0" smtClean="0">
+              <a:rPr lang="ru-RU" sz="3200" b="1" dirty="0">
                 <a:latin typeface="Arial" panose="020B0604020202020204" pitchFamily="34" charset="0"/>
                 <a:cs typeface="Arial" panose="020B0604020202020204" pitchFamily="34" charset="0"/>
               </a:rPr>
               <a:t>Итоги: вывод регистрируемых параметров на экран</a:t>
             </a:r>
-            <a:endParaRPr lang="ru-RU" sz="3200" b="1" dirty="0">
-              <a:latin typeface="Arial" panose="020B0604020202020204" pitchFamily="34" charset="0"/>
-              <a:cs typeface="Arial" panose="020B0604020202020204" pitchFamily="34" charset="0"/>
-            </a:endParaRPr>
           </a:p>
         </p:txBody>
       </p:sp>
@@ -6956,7 +6799,7 @@
           <a:blip r:embed="rId3" cstate="print">
             <a:extLst>
               <a:ext uri="{28A0092B-C50C-407E-A947-70E740481C1C}">
-                <a14:useLocalDpi xmlns:a14="http://schemas.microsoft.com/office/drawing/2010/main" xmlns="" val="0"/>
+                <a14:useLocalDpi xmlns:a14="http://schemas.microsoft.com/office/drawing/2010/main" val="0"/>
               </a:ext>
             </a:extLst>
           </a:blip>
@@ -6976,7 +6819,7 @@
           <a:noFill/>
           <a:extLst>
             <a:ext uri="{909E8E84-426E-40DD-AFC4-6F175D3DCCD1}">
-              <a14:hiddenFill xmlns:a14="http://schemas.microsoft.com/office/drawing/2010/main" xmlns="">
+              <a14:hiddenFill xmlns:a14="http://schemas.microsoft.com/office/drawing/2010/main">
                 <a:solidFill>
                   <a:srgbClr val="FFFFFF"/>
                 </a:solidFill>
@@ -6985,10 +6828,46 @@
           </a:extLst>
         </p:spPr>
       </p:pic>
+      <p:pic>
+        <p:nvPicPr>
+          <p:cNvPr id="3" name="Рисунок 2">
+            <a:extLst>
+              <a:ext uri="{FF2B5EF4-FFF2-40B4-BE49-F238E27FC236}">
+                <a16:creationId xmlns:a16="http://schemas.microsoft.com/office/drawing/2014/main" id="{C3A8822E-A284-4BD7-BEF1-C0744534F918}"/>
+              </a:ext>
+            </a:extLst>
+          </p:cNvPr>
+          <p:cNvPicPr>
+            <a:picLocks noChangeAspect="1"/>
+          </p:cNvPicPr>
+          <p:nvPr/>
+        </p:nvPicPr>
+        <p:blipFill>
+          <a:blip r:embed="rId4">
+            <a:extLst>
+              <a:ext uri="{28A0092B-C50C-407E-A947-70E740481C1C}">
+                <a14:useLocalDpi xmlns:a14="http://schemas.microsoft.com/office/drawing/2010/main" val="0"/>
+              </a:ext>
+            </a:extLst>
+          </a:blip>
+          <a:stretch>
+            <a:fillRect/>
+          </a:stretch>
+        </p:blipFill>
+        <p:spPr>
+          <a:xfrm>
+            <a:off x="1308682" y="739097"/>
+            <a:ext cx="9725636" cy="5470670"/>
+          </a:xfrm>
+          <a:prstGeom prst="rect">
+            <a:avLst/>
+          </a:prstGeom>
+        </p:spPr>
+      </p:pic>
     </p:spTree>
     <p:extLst>
       <p:ext uri="{BB962C8B-B14F-4D97-AF65-F5344CB8AC3E}">
-        <p14:creationId xmlns:p14="http://schemas.microsoft.com/office/powerpoint/2010/main" xmlns="" val="301235932"/>
+        <p14:creationId xmlns:p14="http://schemas.microsoft.com/office/powerpoint/2010/main" val="301235932"/>
       </p:ext>
     </p:extLst>
   </p:cSld>
@@ -7077,19 +6956,8 @@
                 <a:latin typeface="Arial" panose="020B0604020202020204" pitchFamily="34" charset="0"/>
                 <a:cs typeface="Arial" panose="020B0604020202020204" pitchFamily="34" charset="0"/>
               </a:rPr>
-              <a:t>Слайд № </a:t>
-            </a:r>
-            <a:r>
-              <a:rPr lang="ru-RU" dirty="0" smtClean="0">
-                <a:latin typeface="Arial" panose="020B0604020202020204" pitchFamily="34" charset="0"/>
-                <a:cs typeface="Arial" panose="020B0604020202020204" pitchFamily="34" charset="0"/>
-              </a:rPr>
-              <a:t>12</a:t>
-            </a:r>
-            <a:endParaRPr lang="ru-RU" dirty="0">
-              <a:latin typeface="Arial" panose="020B0604020202020204" pitchFamily="34" charset="0"/>
-              <a:cs typeface="Arial" panose="020B0604020202020204" pitchFamily="34" charset="0"/>
-            </a:endParaRPr>
+              <a:t>Слайд № 12</a:t>
+            </a:r>
           </a:p>
         </p:txBody>
       </p:sp>
@@ -7156,16 +7024,12 @@
               </a:lnSpc>
             </a:pPr>
             <a:r>
-              <a:rPr lang="ru-RU" sz="3200" b="1" dirty="0" smtClean="0">
+              <a:rPr lang="ru-RU" sz="3200" b="1" dirty="0">
                 <a:latin typeface="Arial" panose="020B0604020202020204" pitchFamily="34" charset="0"/>
                 <a:cs typeface="Arial" panose="020B0604020202020204" pitchFamily="34" charset="0"/>
               </a:rPr>
               <a:t>Итоги: фото прототипа разработанной платы</a:t>
             </a:r>
-            <a:endParaRPr lang="ru-RU" sz="3200" b="1" dirty="0">
-              <a:latin typeface="Arial" panose="020B0604020202020204" pitchFamily="34" charset="0"/>
-              <a:cs typeface="Arial" panose="020B0604020202020204" pitchFamily="34" charset="0"/>
-            </a:endParaRPr>
           </a:p>
         </p:txBody>
       </p:sp>
@@ -7213,7 +7077,7 @@
           <a:blip r:embed="rId3" cstate="print">
             <a:extLst>
               <a:ext uri="{28A0092B-C50C-407E-A947-70E740481C1C}">
-                <a14:useLocalDpi xmlns:a14="http://schemas.microsoft.com/office/drawing/2010/main" xmlns="" val="0"/>
+                <a14:useLocalDpi xmlns:a14="http://schemas.microsoft.com/office/drawing/2010/main" val="0"/>
               </a:ext>
             </a:extLst>
           </a:blip>
@@ -7233,7 +7097,7 @@
           <a:noFill/>
           <a:extLst>
             <a:ext uri="{909E8E84-426E-40DD-AFC4-6F175D3DCCD1}">
-              <a14:hiddenFill xmlns:a14="http://schemas.microsoft.com/office/drawing/2010/main" xmlns="">
+              <a14:hiddenFill xmlns:a14="http://schemas.microsoft.com/office/drawing/2010/main">
                 <a:solidFill>
                   <a:srgbClr val="FFFFFF"/>
                 </a:solidFill>
@@ -7242,10 +7106,46 @@
           </a:extLst>
         </p:spPr>
       </p:pic>
+      <p:pic>
+        <p:nvPicPr>
+          <p:cNvPr id="3" name="Рисунок 2">
+            <a:extLst>
+              <a:ext uri="{FF2B5EF4-FFF2-40B4-BE49-F238E27FC236}">
+                <a16:creationId xmlns:a16="http://schemas.microsoft.com/office/drawing/2014/main" id="{74535F6A-48DF-4A0A-B08C-5184FA496491}"/>
+              </a:ext>
+            </a:extLst>
+          </p:cNvPr>
+          <p:cNvPicPr>
+            <a:picLocks noChangeAspect="1"/>
+          </p:cNvPicPr>
+          <p:nvPr/>
+        </p:nvPicPr>
+        <p:blipFill>
+          <a:blip r:embed="rId4" cstate="print">
+            <a:extLst>
+              <a:ext uri="{28A0092B-C50C-407E-A947-70E740481C1C}">
+                <a14:useLocalDpi xmlns:a14="http://schemas.microsoft.com/office/drawing/2010/main" val="0"/>
+              </a:ext>
+            </a:extLst>
+          </a:blip>
+          <a:stretch>
+            <a:fillRect/>
+          </a:stretch>
+        </p:blipFill>
+        <p:spPr>
+          <a:xfrm rot="16200000">
+            <a:off x="3223906" y="-37497"/>
+            <a:ext cx="5354798" cy="7139730"/>
+          </a:xfrm>
+          <a:prstGeom prst="rect">
+            <a:avLst/>
+          </a:prstGeom>
+        </p:spPr>
+      </p:pic>
     </p:spTree>
     <p:extLst>
       <p:ext uri="{BB962C8B-B14F-4D97-AF65-F5344CB8AC3E}">
-        <p14:creationId xmlns:p14="http://schemas.microsoft.com/office/powerpoint/2010/main" xmlns="" val="301235932"/>
+        <p14:creationId xmlns:p14="http://schemas.microsoft.com/office/powerpoint/2010/main" val="301235932"/>
       </p:ext>
     </p:extLst>
   </p:cSld>
@@ -7334,19 +7234,8 @@
                 <a:latin typeface="Arial" panose="020B0604020202020204" pitchFamily="34" charset="0"/>
                 <a:cs typeface="Arial" panose="020B0604020202020204" pitchFamily="34" charset="0"/>
               </a:rPr>
-              <a:t>Слайд № </a:t>
-            </a:r>
-            <a:r>
-              <a:rPr lang="ru-RU" dirty="0" smtClean="0">
-                <a:latin typeface="Arial" panose="020B0604020202020204" pitchFamily="34" charset="0"/>
-                <a:cs typeface="Arial" panose="020B0604020202020204" pitchFamily="34" charset="0"/>
-              </a:rPr>
-              <a:t>13</a:t>
-            </a:r>
-            <a:endParaRPr lang="ru-RU" dirty="0">
-              <a:latin typeface="Arial" panose="020B0604020202020204" pitchFamily="34" charset="0"/>
-              <a:cs typeface="Arial" panose="020B0604020202020204" pitchFamily="34" charset="0"/>
-            </a:endParaRPr>
+              <a:t>Слайд № 13</a:t>
+            </a:r>
           </a:p>
         </p:txBody>
       </p:sp>
@@ -7413,23 +7302,12 @@
               </a:lnSpc>
             </a:pPr>
             <a:r>
-              <a:rPr lang="ru-RU" sz="3200" b="1" dirty="0" smtClean="0">
+              <a:rPr lang="ru-RU" sz="3200" b="1" dirty="0">
                 <a:latin typeface="Arial" panose="020B0604020202020204" pitchFamily="34" charset="0"/>
                 <a:cs typeface="Arial" panose="020B0604020202020204" pitchFamily="34" charset="0"/>
               </a:rPr>
-              <a:t>Итоги: </a:t>
-            </a:r>
-            <a:r>
-              <a:rPr lang="ru-RU" sz="3200" b="1" dirty="0" smtClean="0">
-                <a:latin typeface="Arial" panose="020B0604020202020204" pitchFamily="34" charset="0"/>
-                <a:cs typeface="Arial" panose="020B0604020202020204" pitchFamily="34" charset="0"/>
-              </a:rPr>
-              <a:t>дальнейшие перспективы развития проекта</a:t>
-            </a:r>
-            <a:endParaRPr lang="ru-RU" sz="3200" b="1" dirty="0">
-              <a:latin typeface="Arial" panose="020B0604020202020204" pitchFamily="34" charset="0"/>
-              <a:cs typeface="Arial" panose="020B0604020202020204" pitchFamily="34" charset="0"/>
-            </a:endParaRPr>
+              <a:t>Итоги: дальнейшие перспективы развития проекта</a:t>
+            </a:r>
           </a:p>
         </p:txBody>
       </p:sp>
@@ -7477,7 +7355,7 @@
           <a:blip r:embed="rId3" cstate="print">
             <a:extLst>
               <a:ext uri="{28A0092B-C50C-407E-A947-70E740481C1C}">
-                <a14:useLocalDpi xmlns:a14="http://schemas.microsoft.com/office/drawing/2010/main" xmlns="" val="0"/>
+                <a14:useLocalDpi xmlns:a14="http://schemas.microsoft.com/office/drawing/2010/main" val="0"/>
               </a:ext>
             </a:extLst>
           </a:blip>
@@ -7497,7 +7375,7 @@
           <a:noFill/>
           <a:extLst>
             <a:ext uri="{909E8E84-426E-40DD-AFC4-6F175D3DCCD1}">
-              <a14:hiddenFill xmlns:a14="http://schemas.microsoft.com/office/drawing/2010/main" xmlns="">
+              <a14:hiddenFill xmlns:a14="http://schemas.microsoft.com/office/drawing/2010/main">
                 <a:solidFill>
                   <a:srgbClr val="FFFFFF"/>
                 </a:solidFill>
@@ -7533,51 +7411,37 @@
               <a:buChar char="•"/>
             </a:pPr>
             <a:r>
-              <a:rPr lang="ru-RU" sz="2400" dirty="0" smtClean="0">
+              <a:rPr lang="ru-RU" sz="2400" dirty="0">
                 <a:latin typeface="Arial" pitchFamily="34" charset="0"/>
                 <a:cs typeface="Arial" pitchFamily="34" charset="0"/>
               </a:rPr>
-              <a:t> Использование </a:t>
-            </a:r>
-            <a:r>
-              <a:rPr lang="ru-RU" sz="2400" dirty="0" smtClean="0">
+              <a:t> Использование беспроводных методов передачи данных для отправки в систему облачного хранения данных </a:t>
+            </a:r>
+            <a:r>
+              <a:rPr lang="en-US" sz="2400" dirty="0" err="1">
                 <a:latin typeface="Arial" pitchFamily="34" charset="0"/>
                 <a:cs typeface="Arial" pitchFamily="34" charset="0"/>
               </a:rPr>
-              <a:t>беспроводных методов передачи данных для отправки в систему облачного хранения </a:t>
-            </a:r>
-            <a:r>
-              <a:rPr lang="ru-RU" sz="2400" dirty="0" smtClean="0">
+              <a:t>Astrocard</a:t>
+            </a:r>
+            <a:r>
+              <a:rPr lang="en-US" sz="2400" dirty="0">
                 <a:latin typeface="Arial" pitchFamily="34" charset="0"/>
                 <a:cs typeface="Arial" pitchFamily="34" charset="0"/>
               </a:rPr>
-              <a:t>данных </a:t>
-            </a:r>
-            <a:r>
-              <a:rPr lang="en-US" sz="2400" dirty="0" err="1" smtClean="0">
+              <a:t> Global Monitoring</a:t>
+            </a:r>
+            <a:r>
+              <a:rPr lang="ru-RU" sz="2400" dirty="0">
                 <a:latin typeface="Arial" pitchFamily="34" charset="0"/>
                 <a:cs typeface="Arial" pitchFamily="34" charset="0"/>
               </a:rPr>
-              <a:t>Astrocard</a:t>
-            </a:r>
-            <a:r>
-              <a:rPr lang="en-US" sz="2400" dirty="0" smtClean="0">
-                <a:latin typeface="Arial" pitchFamily="34" charset="0"/>
-                <a:cs typeface="Arial" pitchFamily="34" charset="0"/>
-              </a:rPr>
-              <a:t> Global Monitoring</a:t>
-            </a:r>
-            <a:r>
-              <a:rPr lang="ru-RU" sz="2400" dirty="0" smtClean="0">
-                <a:latin typeface="Arial" pitchFamily="34" charset="0"/>
-                <a:cs typeface="Arial" pitchFamily="34" charset="0"/>
-              </a:rPr>
               <a:t>.</a:t>
             </a:r>
           </a:p>
           <a:p>
             <a:pPr lvl="0" algn="just"/>
-            <a:endParaRPr lang="ru-RU" sz="2400" dirty="0" smtClean="0">
+            <a:endParaRPr lang="ru-RU" sz="2400" dirty="0">
               <a:latin typeface="Arial" pitchFamily="34" charset="0"/>
               <a:cs typeface="Arial" pitchFamily="34" charset="0"/>
             </a:endParaRPr>
@@ -7588,55 +7452,16 @@
               <a:buChar char="•"/>
             </a:pPr>
             <a:r>
-              <a:rPr lang="ru-RU" sz="2400" dirty="0" smtClean="0">
+              <a:rPr lang="ru-RU" sz="2400" dirty="0">
                 <a:latin typeface="Arial" pitchFamily="34" charset="0"/>
                 <a:cs typeface="Arial" pitchFamily="34" charset="0"/>
               </a:rPr>
-              <a:t> Расширение </a:t>
-            </a:r>
-            <a:r>
-              <a:rPr lang="ru-RU" sz="2400" dirty="0" smtClean="0">
-                <a:latin typeface="Arial" pitchFamily="34" charset="0"/>
-                <a:cs typeface="Arial" pitchFamily="34" charset="0"/>
-              </a:rPr>
-              <a:t>возможностей единого многопараметрического измерительного модуля за счет </a:t>
-            </a:r>
-            <a:r>
-              <a:rPr lang="ru-RU" sz="2400" dirty="0" smtClean="0">
-                <a:latin typeface="Arial" pitchFamily="34" charset="0"/>
-                <a:cs typeface="Arial" pitchFamily="34" charset="0"/>
-              </a:rPr>
-              <a:t>добавления </a:t>
-            </a:r>
-            <a:r>
-              <a:rPr lang="ru-RU" sz="2400" dirty="0" smtClean="0">
-                <a:latin typeface="Arial" pitchFamily="34" charset="0"/>
-                <a:cs typeface="Arial" pitchFamily="34" charset="0"/>
-              </a:rPr>
-              <a:t>новых </a:t>
-            </a:r>
-            <a:r>
-              <a:rPr lang="ru-RU" sz="2400" dirty="0" smtClean="0">
-                <a:latin typeface="Arial" pitchFamily="34" charset="0"/>
-                <a:cs typeface="Arial" pitchFamily="34" charset="0"/>
-              </a:rPr>
-              <a:t>типов </a:t>
-            </a:r>
-            <a:r>
-              <a:rPr lang="ru-RU" sz="2400" dirty="0" smtClean="0">
-                <a:latin typeface="Arial" pitchFamily="34" charset="0"/>
-                <a:cs typeface="Arial" pitchFamily="34" charset="0"/>
-              </a:rPr>
-              <a:t>измеряемых параметров. </a:t>
-            </a:r>
-            <a:endParaRPr lang="ru-RU" sz="2400" dirty="0" smtClean="0">
-              <a:latin typeface="Arial" pitchFamily="34" charset="0"/>
-              <a:cs typeface="Arial" pitchFamily="34" charset="0"/>
-            </a:endParaRPr>
+              <a:t> Расширение возможностей единого многопараметрического измерительного модуля за счет добавления новых типов измеряемых параметров. </a:t>
+            </a:r>
           </a:p>
           <a:p>
             <a:pPr lvl="0" algn="just"/>
-            <a:endParaRPr lang="ru-RU" sz="2400" dirty="0" smtClean="0">
+            <a:endParaRPr lang="ru-RU" sz="2400" dirty="0">
               <a:latin typeface="Arial" pitchFamily="34" charset="0"/>
               <a:cs typeface="Arial" pitchFamily="34" charset="0"/>
             </a:endParaRPr>
@@ -7647,46 +7472,25 @@
               <a:buChar char="•"/>
             </a:pPr>
             <a:r>
-              <a:rPr lang="ru-RU" sz="2400" dirty="0" smtClean="0">
+              <a:rPr lang="ru-RU" sz="2400" dirty="0">
                 <a:latin typeface="Arial" pitchFamily="34" charset="0"/>
                 <a:cs typeface="Arial" pitchFamily="34" charset="0"/>
               </a:rPr>
-              <a:t> Возможность </a:t>
-            </a:r>
-            <a:r>
-              <a:rPr lang="ru-RU" sz="2400" dirty="0" smtClean="0">
+              <a:t> Возможность измерения артериального давления </a:t>
+            </a:r>
+            <a:r>
+              <a:rPr lang="ru-RU" sz="2400" dirty="0" err="1">
                 <a:latin typeface="Arial" pitchFamily="34" charset="0"/>
                 <a:cs typeface="Arial" pitchFamily="34" charset="0"/>
               </a:rPr>
-              <a:t>измерения артериального давления </a:t>
-            </a:r>
-            <a:r>
-              <a:rPr lang="ru-RU" sz="2400" dirty="0" err="1" smtClean="0">
+              <a:t>инвазивным</a:t>
+            </a:r>
+            <a:r>
+              <a:rPr lang="ru-RU" sz="2400" dirty="0">
                 <a:latin typeface="Arial" pitchFamily="34" charset="0"/>
                 <a:cs typeface="Arial" pitchFamily="34" charset="0"/>
               </a:rPr>
-              <a:t>инвазивным</a:t>
-            </a:r>
-            <a:r>
-              <a:rPr lang="ru-RU" sz="2400" dirty="0" smtClean="0">
-                <a:latin typeface="Arial" pitchFamily="34" charset="0"/>
-                <a:cs typeface="Arial" pitchFamily="34" charset="0"/>
-              </a:rPr>
-              <a:t> методом для повышения </a:t>
-            </a:r>
-            <a:r>
-              <a:rPr lang="ru-RU" sz="2400" dirty="0" smtClean="0">
-                <a:latin typeface="Arial" pitchFamily="34" charset="0"/>
-                <a:cs typeface="Arial" pitchFamily="34" charset="0"/>
-              </a:rPr>
-              <a:t>  точности мониторинга </a:t>
-            </a:r>
-            <a:r>
-              <a:rPr lang="ru-RU" sz="2400" dirty="0" smtClean="0">
-                <a:latin typeface="Arial" pitchFamily="34" charset="0"/>
-                <a:cs typeface="Arial" pitchFamily="34" charset="0"/>
-              </a:rPr>
-              <a:t>геодинамики.</a:t>
+              <a:t> методом для повышения   точности мониторинга геодинамики.</a:t>
             </a:r>
           </a:p>
           <a:p>
@@ -7698,7 +7502,7 @@
     </p:spTree>
     <p:extLst>
       <p:ext uri="{BB962C8B-B14F-4D97-AF65-F5344CB8AC3E}">
-        <p14:creationId xmlns:p14="http://schemas.microsoft.com/office/powerpoint/2010/main" xmlns="" val="1200680668"/>
+        <p14:creationId xmlns:p14="http://schemas.microsoft.com/office/powerpoint/2010/main" val="1200680668"/>
       </p:ext>
     </p:extLst>
   </p:cSld>
@@ -7780,16 +7584,12 @@
               </a:lnSpc>
             </a:pPr>
             <a:r>
-              <a:rPr lang="ru-RU" sz="3200" b="1" dirty="0" smtClean="0">
+              <a:rPr lang="ru-RU" sz="3200" b="1" dirty="0">
                 <a:latin typeface="Arial" panose="020B0604020202020204" pitchFamily="34" charset="0"/>
                 <a:cs typeface="Arial" panose="020B0604020202020204" pitchFamily="34" charset="0"/>
               </a:rPr>
               <a:t>Новиков Сергей Сергеевич</a:t>
             </a:r>
-            <a:endParaRPr lang="ru-RU" sz="3200" b="1" dirty="0">
-              <a:latin typeface="Arial" panose="020B0604020202020204" pitchFamily="34" charset="0"/>
-              <a:cs typeface="Arial" panose="020B0604020202020204" pitchFamily="34" charset="0"/>
-            </a:endParaRPr>
           </a:p>
         </p:txBody>
       </p:sp>
@@ -7855,19 +7655,8 @@
                 <a:latin typeface="Arial" panose="020B0604020202020204" pitchFamily="34" charset="0"/>
                 <a:cs typeface="Arial" panose="020B0604020202020204" pitchFamily="34" charset="0"/>
               </a:rPr>
-              <a:t>Слайд № </a:t>
-            </a:r>
-            <a:r>
-              <a:rPr lang="ru-RU" dirty="0" smtClean="0">
-                <a:latin typeface="Arial" panose="020B0604020202020204" pitchFamily="34" charset="0"/>
-                <a:cs typeface="Arial" panose="020B0604020202020204" pitchFamily="34" charset="0"/>
-              </a:rPr>
-              <a:t>14</a:t>
-            </a:r>
-            <a:endParaRPr lang="ru-RU" dirty="0">
-              <a:latin typeface="Arial" panose="020B0604020202020204" pitchFamily="34" charset="0"/>
-              <a:cs typeface="Arial" panose="020B0604020202020204" pitchFamily="34" charset="0"/>
-            </a:endParaRPr>
+              <a:t>Слайд № 14</a:t>
+            </a:r>
           </a:p>
         </p:txBody>
       </p:sp>
@@ -7915,7 +7704,7 @@
           <a:blip r:embed="rId3" cstate="print">
             <a:extLst>
               <a:ext uri="{28A0092B-C50C-407E-A947-70E740481C1C}">
-                <a14:useLocalDpi xmlns:a14="http://schemas.microsoft.com/office/drawing/2010/main" xmlns="" val="0"/>
+                <a14:useLocalDpi xmlns:a14="http://schemas.microsoft.com/office/drawing/2010/main" val="0"/>
               </a:ext>
             </a:extLst>
           </a:blip>
@@ -7935,7 +7724,7 @@
           <a:noFill/>
           <a:extLst>
             <a:ext uri="{909E8E84-426E-40DD-AFC4-6F175D3DCCD1}">
-              <a14:hiddenFill xmlns:a14="http://schemas.microsoft.com/office/drawing/2010/main" xmlns="">
+              <a14:hiddenFill xmlns:a14="http://schemas.microsoft.com/office/drawing/2010/main">
                 <a:solidFill>
                   <a:srgbClr val="FFFFFF"/>
                 </a:solidFill>
@@ -7947,7 +7736,7 @@
     </p:spTree>
     <p:extLst>
       <p:ext uri="{BB962C8B-B14F-4D97-AF65-F5344CB8AC3E}">
-        <p14:creationId xmlns:p14="http://schemas.microsoft.com/office/powerpoint/2010/main" xmlns="" val="3421224900"/>
+        <p14:creationId xmlns:p14="http://schemas.microsoft.com/office/powerpoint/2010/main" val="3421224900"/>
       </p:ext>
     </p:extLst>
   </p:cSld>
@@ -8238,7 +8027,7 @@
           <a:blip r:embed="rId3" cstate="print">
             <a:extLst>
               <a:ext uri="{28A0092B-C50C-407E-A947-70E740481C1C}">
-                <a14:useLocalDpi xmlns:a14="http://schemas.microsoft.com/office/drawing/2010/main" xmlns="" val="0"/>
+                <a14:useLocalDpi xmlns:a14="http://schemas.microsoft.com/office/drawing/2010/main" val="0"/>
               </a:ext>
             </a:extLst>
           </a:blip>
@@ -8258,7 +8047,7 @@
           <a:noFill/>
           <a:extLst>
             <a:ext uri="{909E8E84-426E-40DD-AFC4-6F175D3DCCD1}">
-              <a14:hiddenFill xmlns:a14="http://schemas.microsoft.com/office/drawing/2010/main" xmlns="">
+              <a14:hiddenFill xmlns:a14="http://schemas.microsoft.com/office/drawing/2010/main">
                 <a:solidFill>
                   <a:srgbClr val="FFFFFF"/>
                 </a:solidFill>
@@ -8270,18 +8059,18 @@
     </p:spTree>
     <p:extLst>
       <p:ext uri="{BB962C8B-B14F-4D97-AF65-F5344CB8AC3E}">
-        <p14:creationId xmlns:p14="http://schemas.microsoft.com/office/powerpoint/2010/main" xmlns="" val="2832680016"/>
+        <p14:creationId xmlns:p14="http://schemas.microsoft.com/office/powerpoint/2010/main" val="2832680016"/>
       </p:ext>
     </p:extLst>
   </p:cSld>
   <p:clrMapOvr>
     <a:masterClrMapping/>
   </p:clrMapOvr>
-  <mc:AlternateContent xmlns:mc="http://schemas.openxmlformats.org/markup-compatibility/2006">
-    <mc:Choice xmlns:p14="http://schemas.microsoft.com/office/powerpoint/2010/main" xmlns="" Requires="p14">
+  <mc:AlternateContent xmlns:mc="http://schemas.openxmlformats.org/markup-compatibility/2006" xmlns:p14="http://schemas.microsoft.com/office/powerpoint/2010/main">
+    <mc:Choice Requires="p14">
       <p:transition spd="slow" p14:dur="2000" advTm="1822"/>
     </mc:Choice>
-    <mc:Fallback>
+    <mc:Fallback xmlns="">
       <p:transition spd="slow" advTm="1822"/>
     </mc:Fallback>
   </mc:AlternateContent>
@@ -8503,7 +8292,7 @@
           <a:blip r:embed="rId3" cstate="print">
             <a:extLst>
               <a:ext uri="{28A0092B-C50C-407E-A947-70E740481C1C}">
-                <a14:useLocalDpi xmlns:a14="http://schemas.microsoft.com/office/drawing/2010/main" xmlns="" val="0"/>
+                <a14:useLocalDpi xmlns:a14="http://schemas.microsoft.com/office/drawing/2010/main" val="0"/>
               </a:ext>
             </a:extLst>
           </a:blip>
@@ -8523,7 +8312,7 @@
           <a:noFill/>
           <a:extLst>
             <a:ext uri="{909E8E84-426E-40DD-AFC4-6F175D3DCCD1}">
-              <a14:hiddenFill xmlns:a14="http://schemas.microsoft.com/office/drawing/2010/main" xmlns="">
+              <a14:hiddenFill xmlns:a14="http://schemas.microsoft.com/office/drawing/2010/main">
                 <a:solidFill>
                   <a:srgbClr val="FFFFFF"/>
                 </a:solidFill>
@@ -8537,7 +8326,7 @@
           <p:cNvPr id="1028" name="Picture 4">
             <a:extLst>
               <a:ext uri="{FF2B5EF4-FFF2-40B4-BE49-F238E27FC236}">
-                <a16:creationId xmlns:a16="http://schemas.microsoft.com/office/drawing/2014/main" xmlns="" id="{5A3E4B1C-36E0-43A0-B106-DE2ED6BEBFF2}"/>
+                <a16:creationId xmlns:a16="http://schemas.microsoft.com/office/drawing/2014/main" id="{5A3E4B1C-36E0-43A0-B106-DE2ED6BEBFF2}"/>
               </a:ext>
             </a:extLst>
           </p:cNvPr>
@@ -8550,7 +8339,7 @@
           <a:blip r:embed="rId4" cstate="print">
             <a:extLst>
               <a:ext uri="{28A0092B-C50C-407E-A947-70E740481C1C}">
-                <a14:useLocalDpi xmlns:a14="http://schemas.microsoft.com/office/drawing/2010/main" xmlns="" val="0"/>
+                <a14:useLocalDpi xmlns:a14="http://schemas.microsoft.com/office/drawing/2010/main" val="0"/>
               </a:ext>
             </a:extLst>
           </a:blip>
@@ -8570,7 +8359,7 @@
           <a:noFill/>
           <a:extLst>
             <a:ext uri="{909E8E84-426E-40DD-AFC4-6F175D3DCCD1}">
-              <a14:hiddenFill xmlns:a14="http://schemas.microsoft.com/office/drawing/2010/main" xmlns="">
+              <a14:hiddenFill xmlns:a14="http://schemas.microsoft.com/office/drawing/2010/main">
                 <a:solidFill>
                   <a:srgbClr val="FFFFFF"/>
                 </a:solidFill>
@@ -8584,7 +8373,7 @@
           <p:cNvPr id="3" name="TextBox 2">
             <a:extLst>
               <a:ext uri="{FF2B5EF4-FFF2-40B4-BE49-F238E27FC236}">
-                <a16:creationId xmlns:a16="http://schemas.microsoft.com/office/drawing/2014/main" xmlns="" id="{008437EA-C085-4559-AF00-B7EBAFE8CA03}"/>
+                <a16:creationId xmlns:a16="http://schemas.microsoft.com/office/drawing/2014/main" id="{008437EA-C085-4559-AF00-B7EBAFE8CA03}"/>
               </a:ext>
             </a:extLst>
           </p:cNvPr>
@@ -8676,7 +8465,7 @@
           <p:cNvPr id="4" name="TextBox 3">
             <a:extLst>
               <a:ext uri="{FF2B5EF4-FFF2-40B4-BE49-F238E27FC236}">
-                <a16:creationId xmlns:a16="http://schemas.microsoft.com/office/drawing/2014/main" xmlns="" id="{FDE5CFC2-E1BE-4735-AFFF-8F2E1EECC649}"/>
+                <a16:creationId xmlns:a16="http://schemas.microsoft.com/office/drawing/2014/main" id="{FDE5CFC2-E1BE-4735-AFFF-8F2E1EECC649}"/>
               </a:ext>
             </a:extLst>
           </p:cNvPr>
@@ -8709,7 +8498,7 @@
     </p:spTree>
     <p:extLst>
       <p:ext uri="{BB962C8B-B14F-4D97-AF65-F5344CB8AC3E}">
-        <p14:creationId xmlns:p14="http://schemas.microsoft.com/office/powerpoint/2010/main" xmlns="" val="631900643"/>
+        <p14:creationId xmlns:p14="http://schemas.microsoft.com/office/powerpoint/2010/main" val="631900643"/>
       </p:ext>
     </p:extLst>
   </p:cSld>
@@ -8934,7 +8723,7 @@
           <a:blip r:embed="rId3" cstate="print">
             <a:extLst>
               <a:ext uri="{28A0092B-C50C-407E-A947-70E740481C1C}">
-                <a14:useLocalDpi xmlns:a14="http://schemas.microsoft.com/office/drawing/2010/main" xmlns="" val="0"/>
+                <a14:useLocalDpi xmlns:a14="http://schemas.microsoft.com/office/drawing/2010/main" val="0"/>
               </a:ext>
             </a:extLst>
           </a:blip>
@@ -8954,7 +8743,7 @@
           <a:noFill/>
           <a:extLst>
             <a:ext uri="{909E8E84-426E-40DD-AFC4-6F175D3DCCD1}">
-              <a14:hiddenFill xmlns:a14="http://schemas.microsoft.com/office/drawing/2010/main" xmlns="">
+              <a14:hiddenFill xmlns:a14="http://schemas.microsoft.com/office/drawing/2010/main">
                 <a:solidFill>
                   <a:srgbClr val="FFFFFF"/>
                 </a:solidFill>
@@ -8968,7 +8757,7 @@
           <p:cNvPr id="12" name="Объект 2">
             <a:extLst>
               <a:ext uri="{FF2B5EF4-FFF2-40B4-BE49-F238E27FC236}">
-                <a16:creationId xmlns:a16="http://schemas.microsoft.com/office/drawing/2014/main" xmlns="" id="{FBF118A8-1316-4EBB-99E7-014571612D83}"/>
+                <a16:creationId xmlns:a16="http://schemas.microsoft.com/office/drawing/2014/main" id="{FBF118A8-1316-4EBB-99E7-014571612D83}"/>
               </a:ext>
             </a:extLst>
           </p:cNvPr>
@@ -8996,16 +8785,9 @@
                 <a:latin typeface="Arial" panose="020B0604020202020204" pitchFamily="34" charset="0"/>
                 <a:cs typeface="Arial" panose="020B0604020202020204" pitchFamily="34" charset="0"/>
               </a:rPr>
-              <a:t>Острый инфаркт </a:t>
-            </a:r>
-            <a:r>
-              <a:rPr lang="ru-RU" dirty="0" smtClean="0">
-                <a:latin typeface="Arial" panose="020B0604020202020204" pitchFamily="34" charset="0"/>
-                <a:cs typeface="Arial" panose="020B0604020202020204" pitchFamily="34" charset="0"/>
-              </a:rPr>
-              <a:t>миокарда</a:t>
-            </a:r>
-            <a:endParaRPr lang="en-US" dirty="0" smtClean="0">
+              <a:t>Острый инфаркт миокарда</a:t>
+            </a:r>
+            <a:endParaRPr lang="en-US" dirty="0">
               <a:latin typeface="Arial" panose="020B0604020202020204" pitchFamily="34" charset="0"/>
               <a:cs typeface="Arial" panose="020B0604020202020204" pitchFamily="34" charset="0"/>
             </a:endParaRPr>
@@ -9022,16 +8804,9 @@
                 <a:latin typeface="Arial" panose="020B0604020202020204" pitchFamily="34" charset="0"/>
                 <a:cs typeface="Arial" panose="020B0604020202020204" pitchFamily="34" charset="0"/>
               </a:rPr>
-              <a:t>Ишемическая болезнь </a:t>
-            </a:r>
-            <a:r>
-              <a:rPr lang="ru-RU" dirty="0" smtClean="0">
-                <a:latin typeface="Arial" panose="020B0604020202020204" pitchFamily="34" charset="0"/>
-                <a:cs typeface="Arial" panose="020B0604020202020204" pitchFamily="34" charset="0"/>
-              </a:rPr>
-              <a:t>сердца</a:t>
-            </a:r>
-            <a:endParaRPr lang="en-US" dirty="0" smtClean="0">
+              <a:t>Ишемическая болезнь сердца</a:t>
+            </a:r>
+            <a:endParaRPr lang="en-US" dirty="0">
               <a:latin typeface="Arial" panose="020B0604020202020204" pitchFamily="34" charset="0"/>
               <a:cs typeface="Arial" panose="020B0604020202020204" pitchFamily="34" charset="0"/>
             </a:endParaRPr>
@@ -9058,7 +8833,7 @@
           <p:cNvPr id="2052" name="Picture 4" descr="Найден способ защитить сердце от опасных последствий инфаркта ...">
             <a:extLst>
               <a:ext uri="{FF2B5EF4-FFF2-40B4-BE49-F238E27FC236}">
-                <a16:creationId xmlns:a16="http://schemas.microsoft.com/office/drawing/2014/main" xmlns="" id="{DC7C1508-E7BE-4ABD-AE12-558A5F728950}"/>
+                <a16:creationId xmlns:a16="http://schemas.microsoft.com/office/drawing/2014/main" id="{DC7C1508-E7BE-4ABD-AE12-558A5F728950}"/>
               </a:ext>
             </a:extLst>
           </p:cNvPr>
@@ -9071,7 +8846,7 @@
           <a:blip r:embed="rId4" cstate="print">
             <a:extLst>
               <a:ext uri="{28A0092B-C50C-407E-A947-70E740481C1C}">
-                <a14:useLocalDpi xmlns:a14="http://schemas.microsoft.com/office/drawing/2010/main" xmlns="" val="0"/>
+                <a14:useLocalDpi xmlns:a14="http://schemas.microsoft.com/office/drawing/2010/main" val="0"/>
               </a:ext>
             </a:extLst>
           </a:blip>
@@ -9091,7 +8866,7 @@
           <a:noFill/>
           <a:extLst>
             <a:ext uri="{909E8E84-426E-40DD-AFC4-6F175D3DCCD1}">
-              <a14:hiddenFill xmlns:a14="http://schemas.microsoft.com/office/drawing/2010/main" xmlns="">
+              <a14:hiddenFill xmlns:a14="http://schemas.microsoft.com/office/drawing/2010/main">
                 <a:solidFill>
                   <a:srgbClr val="FFFFFF"/>
                 </a:solidFill>
@@ -9103,7 +8878,7 @@
     </p:spTree>
     <p:extLst>
       <p:ext uri="{BB962C8B-B14F-4D97-AF65-F5344CB8AC3E}">
-        <p14:creationId xmlns:p14="http://schemas.microsoft.com/office/powerpoint/2010/main" xmlns="" val="2033862032"/>
+        <p14:creationId xmlns:p14="http://schemas.microsoft.com/office/powerpoint/2010/main" val="2033862032"/>
       </p:ext>
     </p:extLst>
   </p:cSld>
@@ -9313,7 +9088,7 @@
           <a:blip r:embed="rId3" cstate="print">
             <a:extLst>
               <a:ext uri="{28A0092B-C50C-407E-A947-70E740481C1C}">
-                <a14:useLocalDpi xmlns:a14="http://schemas.microsoft.com/office/drawing/2010/main" xmlns="" val="0"/>
+                <a14:useLocalDpi xmlns:a14="http://schemas.microsoft.com/office/drawing/2010/main" val="0"/>
               </a:ext>
             </a:extLst>
           </a:blip>
@@ -9333,7 +9108,7 @@
           <a:noFill/>
           <a:extLst>
             <a:ext uri="{909E8E84-426E-40DD-AFC4-6F175D3DCCD1}">
-              <a14:hiddenFill xmlns:a14="http://schemas.microsoft.com/office/drawing/2010/main" xmlns="">
+              <a14:hiddenFill xmlns:a14="http://schemas.microsoft.com/office/drawing/2010/main">
                 <a:solidFill>
                   <a:srgbClr val="FFFFFF"/>
                 </a:solidFill>
@@ -9347,7 +9122,7 @@
           <p:cNvPr id="11" name="Рисунок 10">
             <a:extLst>
               <a:ext uri="{FF2B5EF4-FFF2-40B4-BE49-F238E27FC236}">
-                <a16:creationId xmlns:a16="http://schemas.microsoft.com/office/drawing/2014/main" xmlns="" id="{15057CFA-2E6E-4433-9057-DAA943E8776C}"/>
+                <a16:creationId xmlns:a16="http://schemas.microsoft.com/office/drawing/2014/main" id="{15057CFA-2E6E-4433-9057-DAA943E8776C}"/>
               </a:ext>
             </a:extLst>
           </p:cNvPr>
@@ -9360,7 +9135,7 @@
           <a:blip r:embed="rId4" cstate="print">
             <a:extLst>
               <a:ext uri="{28A0092B-C50C-407E-A947-70E740481C1C}">
-                <a14:useLocalDpi xmlns:a14="http://schemas.microsoft.com/office/drawing/2010/main" xmlns="" val="0"/>
+                <a14:useLocalDpi xmlns:a14="http://schemas.microsoft.com/office/drawing/2010/main" val="0"/>
               </a:ext>
             </a:extLst>
           </a:blip>
@@ -9381,7 +9156,7 @@
     </p:spTree>
     <p:extLst>
       <p:ext uri="{BB962C8B-B14F-4D97-AF65-F5344CB8AC3E}">
-        <p14:creationId xmlns:p14="http://schemas.microsoft.com/office/powerpoint/2010/main" xmlns="" val="1468586659"/>
+        <p14:creationId xmlns:p14="http://schemas.microsoft.com/office/powerpoint/2010/main" val="1468586659"/>
       </p:ext>
     </p:extLst>
   </p:cSld>
@@ -9632,7 +9407,7 @@
           <a:blip r:embed="rId3" cstate="print">
             <a:extLst>
               <a:ext uri="{28A0092B-C50C-407E-A947-70E740481C1C}">
-                <a14:useLocalDpi xmlns:a14="http://schemas.microsoft.com/office/drawing/2010/main" xmlns="" val="0"/>
+                <a14:useLocalDpi xmlns:a14="http://schemas.microsoft.com/office/drawing/2010/main" val="0"/>
               </a:ext>
             </a:extLst>
           </a:blip>
@@ -9652,7 +9427,7 @@
           <a:noFill/>
           <a:extLst>
             <a:ext uri="{909E8E84-426E-40DD-AFC4-6F175D3DCCD1}">
-              <a14:hiddenFill xmlns:a14="http://schemas.microsoft.com/office/drawing/2010/main" xmlns="">
+              <a14:hiddenFill xmlns:a14="http://schemas.microsoft.com/office/drawing/2010/main">
                 <a:solidFill>
                   <a:srgbClr val="FFFFFF"/>
                 </a:solidFill>
@@ -9666,7 +9441,7 @@
           <p:cNvPr id="7" name="Рисунок 6">
             <a:extLst>
               <a:ext uri="{FF2B5EF4-FFF2-40B4-BE49-F238E27FC236}">
-                <a16:creationId xmlns:a16="http://schemas.microsoft.com/office/drawing/2014/main" xmlns="" id="{D705BCD6-BA73-4C86-80AA-60998B1E6F63}"/>
+                <a16:creationId xmlns:a16="http://schemas.microsoft.com/office/drawing/2014/main" id="{D705BCD6-BA73-4C86-80AA-60998B1E6F63}"/>
               </a:ext>
             </a:extLst>
           </p:cNvPr>
@@ -9679,7 +9454,7 @@
           <a:blip r:embed="rId4" cstate="print">
             <a:extLst>
               <a:ext uri="{28A0092B-C50C-407E-A947-70E740481C1C}">
-                <a14:useLocalDpi xmlns:a14="http://schemas.microsoft.com/office/drawing/2010/main" xmlns="" val="0"/>
+                <a14:useLocalDpi xmlns:a14="http://schemas.microsoft.com/office/drawing/2010/main" val="0"/>
               </a:ext>
             </a:extLst>
           </a:blip>
@@ -9700,7 +9475,7 @@
     </p:spTree>
     <p:extLst>
       <p:ext uri="{BB962C8B-B14F-4D97-AF65-F5344CB8AC3E}">
-        <p14:creationId xmlns:p14="http://schemas.microsoft.com/office/powerpoint/2010/main" xmlns="" val="1836509494"/>
+        <p14:creationId xmlns:p14="http://schemas.microsoft.com/office/powerpoint/2010/main" val="1836509494"/>
       </p:ext>
     </p:extLst>
   </p:cSld>
@@ -9910,7 +9685,7 @@
           <a:blip r:embed="rId3" cstate="print">
             <a:extLst>
               <a:ext uri="{28A0092B-C50C-407E-A947-70E740481C1C}">
-                <a14:useLocalDpi xmlns:a14="http://schemas.microsoft.com/office/drawing/2010/main" xmlns="" val="0"/>
+                <a14:useLocalDpi xmlns:a14="http://schemas.microsoft.com/office/drawing/2010/main" val="0"/>
               </a:ext>
             </a:extLst>
           </a:blip>
@@ -9930,7 +9705,7 @@
           <a:noFill/>
           <a:extLst>
             <a:ext uri="{909E8E84-426E-40DD-AFC4-6F175D3DCCD1}">
-              <a14:hiddenFill xmlns:a14="http://schemas.microsoft.com/office/drawing/2010/main" xmlns="">
+              <a14:hiddenFill xmlns:a14="http://schemas.microsoft.com/office/drawing/2010/main">
                 <a:solidFill>
                   <a:srgbClr val="FFFFFF"/>
                 </a:solidFill>
@@ -10040,11 +9815,43 @@
           <a:lstStyle/>
           <a:p>
             <a:r>
-              <a:rPr lang="ru-RU" dirty="0" smtClean="0">
+              <a:rPr lang="ru-RU" dirty="0">
                 <a:latin typeface="Arial" pitchFamily="34" charset="0"/>
                 <a:cs typeface="Arial" pitchFamily="34" charset="0"/>
               </a:rPr>
               <a:t>Электрокардиограмма</a:t>
+            </a:r>
+          </a:p>
+        </p:txBody>
+      </p:sp>
+      <p:sp>
+        <p:nvSpPr>
+          <p:cNvPr id="15" name="TextBox 14"/>
+          <p:cNvSpPr txBox="1"/>
+          <p:nvPr/>
+        </p:nvSpPr>
+        <p:spPr>
+          <a:xfrm>
+            <a:off x="438150" y="2009775"/>
+            <a:ext cx="2508123" cy="369332"/>
+          </a:xfrm>
+          <a:prstGeom prst="rect">
+            <a:avLst/>
+          </a:prstGeom>
+          <a:noFill/>
+        </p:spPr>
+        <p:txBody>
+          <a:bodyPr wrap="none" rtlCol="0">
+            <a:spAutoFit/>
+          </a:bodyPr>
+          <a:lstStyle/>
+          <a:p>
+            <a:r>
+              <a:rPr lang="ru-RU" dirty="0" err="1">
+                <a:latin typeface="Arial" pitchFamily="34" charset="0"/>
+                <a:cs typeface="Arial" pitchFamily="34" charset="0"/>
+              </a:rPr>
+              <a:t>Фотоплетизмограмма</a:t>
             </a:r>
             <a:endParaRPr lang="ru-RU" dirty="0">
               <a:latin typeface="Arial" pitchFamily="34" charset="0"/>
@@ -10055,14 +9862,14 @@
       </p:sp>
       <p:sp>
         <p:nvSpPr>
-          <p:cNvPr id="15" name="TextBox 14"/>
+          <p:cNvPr id="16" name="TextBox 15"/>
           <p:cNvSpPr txBox="1"/>
           <p:nvPr/>
         </p:nvSpPr>
         <p:spPr>
           <a:xfrm>
-            <a:off x="438150" y="2009775"/>
-            <a:ext cx="2508123" cy="369332"/>
+            <a:off x="447675" y="3048000"/>
+            <a:ext cx="2378985" cy="369332"/>
           </a:xfrm>
           <a:prstGeom prst="rect">
             <a:avLst/>
@@ -10076,43 +9883,7 @@
           <a:lstStyle/>
           <a:p>
             <a:r>
-              <a:rPr lang="ru-RU" dirty="0" err="1" smtClean="0">
-                <a:latin typeface="Arial" pitchFamily="34" charset="0"/>
-                <a:cs typeface="Arial" pitchFamily="34" charset="0"/>
-              </a:rPr>
-              <a:t>Фотоплетизмограмма</a:t>
-            </a:r>
-            <a:endParaRPr lang="ru-RU" dirty="0">
-              <a:latin typeface="Arial" pitchFamily="34" charset="0"/>
-              <a:cs typeface="Arial" pitchFamily="34" charset="0"/>
-            </a:endParaRPr>
-          </a:p>
-        </p:txBody>
-      </p:sp>
-      <p:sp>
-        <p:nvSpPr>
-          <p:cNvPr id="16" name="TextBox 15"/>
-          <p:cNvSpPr txBox="1"/>
-          <p:nvPr/>
-        </p:nvSpPr>
-        <p:spPr>
-          <a:xfrm>
-            <a:off x="447675" y="3048000"/>
-            <a:ext cx="2378985" cy="369332"/>
-          </a:xfrm>
-          <a:prstGeom prst="rect">
-            <a:avLst/>
-          </a:prstGeom>
-          <a:noFill/>
-        </p:spPr>
-        <p:txBody>
-          <a:bodyPr wrap="none" rtlCol="0">
-            <a:spAutoFit/>
-          </a:bodyPr>
-          <a:lstStyle/>
-          <a:p>
-            <a:r>
-              <a:rPr lang="ru-RU" dirty="0" err="1" smtClean="0">
+              <a:rPr lang="ru-RU" dirty="0" err="1">
                 <a:latin typeface="Arial" pitchFamily="34" charset="0"/>
                 <a:cs typeface="Arial" pitchFamily="34" charset="0"/>
               </a:rPr>
@@ -10174,23 +9945,19 @@
           <a:lstStyle/>
           <a:p>
             <a:r>
-              <a:rPr lang="ru-RU" dirty="0" smtClean="0">
+              <a:rPr lang="ru-RU" dirty="0">
                 <a:latin typeface="Arial" pitchFamily="34" charset="0"/>
                 <a:cs typeface="Arial" pitchFamily="34" charset="0"/>
               </a:rPr>
               <a:t>Кривая артериального давления</a:t>
             </a:r>
-            <a:endParaRPr lang="ru-RU" dirty="0">
-              <a:latin typeface="Arial" pitchFamily="34" charset="0"/>
-              <a:cs typeface="Arial" pitchFamily="34" charset="0"/>
-            </a:endParaRPr>
           </a:p>
         </p:txBody>
       </p:sp>
     </p:spTree>
     <p:extLst>
       <p:ext uri="{BB962C8B-B14F-4D97-AF65-F5344CB8AC3E}">
-        <p14:creationId xmlns:p14="http://schemas.microsoft.com/office/powerpoint/2010/main" xmlns="" val="904243305"/>
+        <p14:creationId xmlns:p14="http://schemas.microsoft.com/office/powerpoint/2010/main" val="904243305"/>
       </p:ext>
     </p:extLst>
   </p:cSld>
@@ -10289,16 +10056,12 @@
               <a:t> </a:t>
             </a:r>
             <a:r>
-              <a:rPr lang="ru-RU" dirty="0" smtClean="0">
+              <a:rPr lang="ru-RU" dirty="0">
                 <a:latin typeface="Arial" panose="020B0604020202020204" pitchFamily="34" charset="0"/>
                 <a:cs typeface="Arial" panose="020B0604020202020204" pitchFamily="34" charset="0"/>
               </a:rPr>
               <a:t>8 </a:t>
             </a:r>
-            <a:endParaRPr lang="ru-RU" dirty="0">
-              <a:latin typeface="Arial" panose="020B0604020202020204" pitchFamily="34" charset="0"/>
-              <a:cs typeface="Arial" panose="020B0604020202020204" pitchFamily="34" charset="0"/>
-            </a:endParaRPr>
           </a:p>
         </p:txBody>
       </p:sp>
@@ -10365,23 +10128,12 @@
               </a:lnSpc>
             </a:pPr>
             <a:r>
-              <a:rPr lang="ru-RU" sz="2800" b="1" dirty="0" smtClean="0">
+              <a:rPr lang="ru-RU" sz="2800" b="1" dirty="0">
                 <a:latin typeface="Arial" panose="020B0604020202020204" pitchFamily="34" charset="0"/>
                 <a:cs typeface="Arial" panose="020B0604020202020204" pitchFamily="34" charset="0"/>
               </a:rPr>
-              <a:t>Блок схема алгоритма работы </a:t>
-            </a:r>
-            <a:r>
-              <a:rPr lang="ru-RU" sz="2800" b="1" dirty="0" smtClean="0">
-                <a:latin typeface="Arial" panose="020B0604020202020204" pitchFamily="34" charset="0"/>
-                <a:cs typeface="Arial" panose="020B0604020202020204" pitchFamily="34" charset="0"/>
-              </a:rPr>
-              <a:t>встроенного ПО</a:t>
-            </a:r>
-            <a:endParaRPr lang="ru-RU" sz="2800" b="1" dirty="0">
-              <a:latin typeface="Arial" panose="020B0604020202020204" pitchFamily="34" charset="0"/>
-              <a:cs typeface="Arial" panose="020B0604020202020204" pitchFamily="34" charset="0"/>
-            </a:endParaRPr>
+              <a:t>Блок схема алгоритма работы встроенного ПО</a:t>
+            </a:r>
           </a:p>
         </p:txBody>
       </p:sp>
@@ -10429,7 +10181,7 @@
           <a:blip r:embed="rId3" cstate="print">
             <a:extLst>
               <a:ext uri="{28A0092B-C50C-407E-A947-70E740481C1C}">
-                <a14:useLocalDpi xmlns:a14="http://schemas.microsoft.com/office/drawing/2010/main" xmlns="" val="0"/>
+                <a14:useLocalDpi xmlns:a14="http://schemas.microsoft.com/office/drawing/2010/main" val="0"/>
               </a:ext>
             </a:extLst>
           </a:blip>
@@ -10449,7 +10201,7 @@
           <a:noFill/>
           <a:extLst>
             <a:ext uri="{909E8E84-426E-40DD-AFC4-6F175D3DCCD1}">
-              <a14:hiddenFill xmlns:a14="http://schemas.microsoft.com/office/drawing/2010/main" xmlns="">
+              <a14:hiddenFill xmlns:a14="http://schemas.microsoft.com/office/drawing/2010/main">
                 <a:solidFill>
                   <a:srgbClr val="FFFFFF"/>
                 </a:solidFill>
@@ -10487,7 +10239,7 @@
     </p:spTree>
     <p:extLst>
       <p:ext uri="{BB962C8B-B14F-4D97-AF65-F5344CB8AC3E}">
-        <p14:creationId xmlns:p14="http://schemas.microsoft.com/office/powerpoint/2010/main" xmlns="" val="1274956292"/>
+        <p14:creationId xmlns:p14="http://schemas.microsoft.com/office/powerpoint/2010/main" val="1274956292"/>
       </p:ext>
     </p:extLst>
   </p:cSld>
@@ -10576,19 +10328,8 @@
                 <a:latin typeface="Arial" panose="020B0604020202020204" pitchFamily="34" charset="0"/>
                 <a:cs typeface="Arial" panose="020B0604020202020204" pitchFamily="34" charset="0"/>
               </a:rPr>
-              <a:t>Слайд № </a:t>
-            </a:r>
-            <a:r>
-              <a:rPr lang="ru-RU" dirty="0" smtClean="0">
-                <a:latin typeface="Arial" panose="020B0604020202020204" pitchFamily="34" charset="0"/>
-                <a:cs typeface="Arial" panose="020B0604020202020204" pitchFamily="34" charset="0"/>
-              </a:rPr>
-              <a:t>9</a:t>
-            </a:r>
-            <a:endParaRPr lang="ru-RU" dirty="0">
-              <a:latin typeface="Arial" panose="020B0604020202020204" pitchFamily="34" charset="0"/>
-              <a:cs typeface="Arial" panose="020B0604020202020204" pitchFamily="34" charset="0"/>
-            </a:endParaRPr>
+              <a:t>Слайд № 9</a:t>
+            </a:r>
           </a:p>
         </p:txBody>
       </p:sp>
@@ -10655,16 +10396,12 @@
               </a:lnSpc>
             </a:pPr>
             <a:r>
-              <a:rPr lang="ru-RU" sz="3000" b="1" dirty="0" smtClean="0">
+              <a:rPr lang="ru-RU" sz="3000" b="1" dirty="0">
                 <a:latin typeface="Arial" panose="020B0604020202020204" pitchFamily="34" charset="0"/>
                 <a:cs typeface="Arial" panose="020B0604020202020204" pitchFamily="34" charset="0"/>
               </a:rPr>
               <a:t>Особенности реализации встроенного ПО</a:t>
             </a:r>
-            <a:endParaRPr lang="ru-RU" sz="3000" b="1" dirty="0">
-              <a:latin typeface="Arial" panose="020B0604020202020204" pitchFamily="34" charset="0"/>
-              <a:cs typeface="Arial" panose="020B0604020202020204" pitchFamily="34" charset="0"/>
-            </a:endParaRPr>
           </a:p>
         </p:txBody>
       </p:sp>
@@ -10712,7 +10449,7 @@
           <a:blip r:embed="rId3" cstate="print">
             <a:extLst>
               <a:ext uri="{28A0092B-C50C-407E-A947-70E740481C1C}">
-                <a14:useLocalDpi xmlns:a14="http://schemas.microsoft.com/office/drawing/2010/main" xmlns="" val="0"/>
+                <a14:useLocalDpi xmlns:a14="http://schemas.microsoft.com/office/drawing/2010/main" val="0"/>
               </a:ext>
             </a:extLst>
           </a:blip>
@@ -10732,7 +10469,7 @@
           <a:noFill/>
           <a:extLst>
             <a:ext uri="{909E8E84-426E-40DD-AFC4-6F175D3DCCD1}">
-              <a14:hiddenFill xmlns:a14="http://schemas.microsoft.com/office/drawing/2010/main" xmlns="">
+              <a14:hiddenFill xmlns:a14="http://schemas.microsoft.com/office/drawing/2010/main">
                 <a:solidFill>
                   <a:srgbClr val="FFFFFF"/>
                 </a:solidFill>
@@ -10768,20 +10505,20 @@
               <a:buChar char="•"/>
             </a:pPr>
             <a:r>
-              <a:rPr lang="ru-RU" sz="2400" dirty="0" smtClean="0">
+              <a:rPr lang="ru-RU" sz="2400" dirty="0">
                 <a:latin typeface="Arial" pitchFamily="34" charset="0"/>
                 <a:cs typeface="Arial" pitchFamily="34" charset="0"/>
               </a:rPr>
               <a:t> Использование операционной системы реального времени для                   встроенных систем </a:t>
             </a:r>
             <a:r>
-              <a:rPr lang="en-US" sz="2400" dirty="0" err="1" smtClean="0">
+              <a:rPr lang="en-US" sz="2400" dirty="0" err="1">
                 <a:latin typeface="Arial" pitchFamily="34" charset="0"/>
                 <a:cs typeface="Arial" pitchFamily="34" charset="0"/>
               </a:rPr>
               <a:t>FreeRTOS</a:t>
             </a:r>
-            <a:endParaRPr lang="en-US" sz="2400" dirty="0" smtClean="0">
+            <a:endParaRPr lang="en-US" sz="2400" dirty="0">
               <a:latin typeface="Arial" pitchFamily="34" charset="0"/>
               <a:cs typeface="Arial" pitchFamily="34" charset="0"/>
             </a:endParaRPr>
@@ -10791,7 +10528,7 @@
               <a:buFont typeface="Arial" pitchFamily="34" charset="0"/>
               <a:buChar char="•"/>
             </a:pPr>
-            <a:endParaRPr lang="ru-RU" sz="2400" dirty="0" smtClean="0">
+            <a:endParaRPr lang="ru-RU" sz="2400" dirty="0">
               <a:latin typeface="Arial" pitchFamily="34" charset="0"/>
               <a:cs typeface="Arial" pitchFamily="34" charset="0"/>
             </a:endParaRPr>
@@ -10801,7 +10538,7 @@
               <a:buFont typeface="Arial" pitchFamily="34" charset="0"/>
               <a:buChar char="•"/>
             </a:pPr>
-            <a:endParaRPr lang="en-US" sz="2400" dirty="0" smtClean="0">
+            <a:endParaRPr lang="en-US" sz="2400" dirty="0">
               <a:latin typeface="Arial" pitchFamily="34" charset="0"/>
               <a:cs typeface="Arial" pitchFamily="34" charset="0"/>
             </a:endParaRPr>
@@ -10812,7 +10549,7 @@
               <a:buChar char="•"/>
             </a:pPr>
             <a:r>
-              <a:rPr lang="ru-RU" sz="2400" dirty="0" smtClean="0">
+              <a:rPr lang="ru-RU" sz="2400" dirty="0">
                 <a:latin typeface="Arial" pitchFamily="34" charset="0"/>
                 <a:cs typeface="Arial" pitchFamily="34" charset="0"/>
               </a:rPr>
@@ -10824,7 +10561,7 @@
               <a:buFont typeface="Arial" pitchFamily="34" charset="0"/>
               <a:buChar char="•"/>
             </a:pPr>
-            <a:endParaRPr lang="ru-RU" sz="2400" dirty="0" smtClean="0">
+            <a:endParaRPr lang="ru-RU" sz="2400" dirty="0">
               <a:latin typeface="Arial" pitchFamily="34" charset="0"/>
               <a:cs typeface="Arial" pitchFamily="34" charset="0"/>
             </a:endParaRPr>
@@ -10834,7 +10571,7 @@
               <a:buFont typeface="Arial" pitchFamily="34" charset="0"/>
               <a:buChar char="•"/>
             </a:pPr>
-            <a:endParaRPr lang="ru-RU" sz="2400" dirty="0" smtClean="0">
+            <a:endParaRPr lang="ru-RU" sz="2400" dirty="0">
               <a:latin typeface="Arial" pitchFamily="34" charset="0"/>
               <a:cs typeface="Arial" pitchFamily="34" charset="0"/>
             </a:endParaRPr>
@@ -10845,19 +10582,19 @@
               <a:buChar char="•"/>
             </a:pPr>
             <a:r>
-              <a:rPr lang="ru-RU" sz="2400" dirty="0" smtClean="0">
+              <a:rPr lang="ru-RU" sz="2400" dirty="0">
                 <a:latin typeface="Arial" pitchFamily="34" charset="0"/>
                 <a:cs typeface="Arial" pitchFamily="34" charset="0"/>
               </a:rPr>
               <a:t> Использование сторожевого таймера</a:t>
             </a:r>
-            <a:endParaRPr lang="en-US" sz="2400" dirty="0" smtClean="0">
+            <a:endParaRPr lang="en-US" sz="2400" dirty="0">
               <a:latin typeface="Arial" pitchFamily="34" charset="0"/>
               <a:cs typeface="Arial" pitchFamily="34" charset="0"/>
             </a:endParaRPr>
           </a:p>
           <a:p>
-            <a:endParaRPr lang="en-US" dirty="0" smtClean="0"/>
+            <a:endParaRPr lang="en-US" dirty="0"/>
           </a:p>
           <a:p>
             <a:endParaRPr lang="ru-RU" dirty="0"/>
@@ -10867,7 +10604,7 @@
     </p:spTree>
     <p:extLst>
       <p:ext uri="{BB962C8B-B14F-4D97-AF65-F5344CB8AC3E}">
-        <p14:creationId xmlns:p14="http://schemas.microsoft.com/office/powerpoint/2010/main" xmlns="" val="1980890628"/>
+        <p14:creationId xmlns:p14="http://schemas.microsoft.com/office/powerpoint/2010/main" val="1980890628"/>
       </p:ext>
     </p:extLst>
   </p:cSld>
@@ -11132,7 +10869,7 @@
   <a:extraClrSchemeLst/>
   <a:extLst>
     <a:ext uri="{05A4C25C-085E-4340-85A3-A5531E510DB2}">
-      <thm15:themeFamily xmlns:thm15="http://schemas.microsoft.com/office/thememl/2012/main" xmlns="" name="Office Theme" id="{62F939B6-93AF-4DB8-9C6B-D6C7DFDC589F}" vid="{4A3C46E8-61CC-4603-A589-7422A47A8E4A}"/>
+      <thm15:themeFamily xmlns:thm15="http://schemas.microsoft.com/office/thememl/2012/main" name="Office Theme" id="{62F939B6-93AF-4DB8-9C6B-D6C7DFDC589F}" vid="{4A3C46E8-61CC-4603-A589-7422A47A8E4A}"/>
     </a:ext>
   </a:extLst>
 </a:theme>
@@ -11393,7 +11130,7 @@
   <a:extraClrSchemeLst/>
   <a:extLst>
     <a:ext uri="{05A4C25C-085E-4340-85A3-A5531E510DB2}">
-      <thm15:themeFamily xmlns:thm15="http://schemas.microsoft.com/office/thememl/2012/main" xmlns="" name="Office Theme" id="{62F939B6-93AF-4DB8-9C6B-D6C7DFDC589F}" vid="{4A3C46E8-61CC-4603-A589-7422A47A8E4A}"/>
+      <thm15:themeFamily xmlns:thm15="http://schemas.microsoft.com/office/thememl/2012/main" name="Office Theme" id="{62F939B6-93AF-4DB8-9C6B-D6C7DFDC589F}" vid="{4A3C46E8-61CC-4603-A589-7422A47A8E4A}"/>
     </a:ext>
   </a:extLst>
 </a:theme>

--- a/РЕЧЬ_ПРЕЗЕНТАЦИЯ/VKR_Prezentatsia.pptx
+++ b/РЕЧЬ_ПРЕЗЕНТАЦИЯ/VKR_Prezentatsia.pptx
@@ -122,7 +122,7 @@
   </p:defaultTextStyle>
   <p:extLst>
     <p:ext uri="{EFAFB233-063F-42B5-8137-9DF3F51BA10A}">
-      <p15:sldGuideLst xmlns:p15="http://schemas.microsoft.com/office/powerpoint/2012/main">
+      <p15:sldGuideLst xmlns:p15="http://schemas.microsoft.com/office/powerpoint/2012/main" xmlns="">
         <p15:guide id="1" orient="horz" pos="2160">
           <p15:clr>
             <a:srgbClr val="A4A3A4"/>
@@ -390,7 +390,7 @@
     </p:spTree>
     <p:extLst>
       <p:ext uri="{BB962C8B-B14F-4D97-AF65-F5344CB8AC3E}">
-        <p14:creationId xmlns:p14="http://schemas.microsoft.com/office/powerpoint/2010/main" val="1957787254"/>
+        <p14:creationId xmlns:p14="http://schemas.microsoft.com/office/powerpoint/2010/main" xmlns="" val="1957787254"/>
       </p:ext>
     </p:extLst>
   </p:cSld>
@@ -573,7 +573,7 @@
     </p:spTree>
     <p:extLst>
       <p:ext uri="{BB962C8B-B14F-4D97-AF65-F5344CB8AC3E}">
-        <p14:creationId xmlns:p14="http://schemas.microsoft.com/office/powerpoint/2010/main" val="1344278926"/>
+        <p14:creationId xmlns:p14="http://schemas.microsoft.com/office/powerpoint/2010/main" xmlns="" val="1344278926"/>
       </p:ext>
     </p:extLst>
   </p:cSld>
@@ -737,7 +737,7 @@
     </p:spTree>
     <p:extLst>
       <p:ext uri="{BB962C8B-B14F-4D97-AF65-F5344CB8AC3E}">
-        <p14:creationId xmlns:p14="http://schemas.microsoft.com/office/powerpoint/2010/main" val="2289282297"/>
+        <p14:creationId xmlns:p14="http://schemas.microsoft.com/office/powerpoint/2010/main" xmlns="" val="2289282297"/>
       </p:ext>
     </p:extLst>
   </p:cSld>
@@ -901,7 +901,7 @@
     </p:spTree>
     <p:extLst>
       <p:ext uri="{BB962C8B-B14F-4D97-AF65-F5344CB8AC3E}">
-        <p14:creationId xmlns:p14="http://schemas.microsoft.com/office/powerpoint/2010/main" val="2289282297"/>
+        <p14:creationId xmlns:p14="http://schemas.microsoft.com/office/powerpoint/2010/main" xmlns="" val="2289282297"/>
       </p:ext>
     </p:extLst>
   </p:cSld>
@@ -1065,7 +1065,7 @@
     </p:spTree>
     <p:extLst>
       <p:ext uri="{BB962C8B-B14F-4D97-AF65-F5344CB8AC3E}">
-        <p14:creationId xmlns:p14="http://schemas.microsoft.com/office/powerpoint/2010/main" val="2289282297"/>
+        <p14:creationId xmlns:p14="http://schemas.microsoft.com/office/powerpoint/2010/main" xmlns="" val="2289282297"/>
       </p:ext>
     </p:extLst>
   </p:cSld>
@@ -1180,7 +1180,7 @@
     </p:spTree>
     <p:extLst>
       <p:ext uri="{BB962C8B-B14F-4D97-AF65-F5344CB8AC3E}">
-        <p14:creationId xmlns:p14="http://schemas.microsoft.com/office/powerpoint/2010/main" val="2561957156"/>
+        <p14:creationId xmlns:p14="http://schemas.microsoft.com/office/powerpoint/2010/main" xmlns="" val="2561957156"/>
       </p:ext>
     </p:extLst>
   </p:cSld>
@@ -1273,7 +1273,7 @@
     </p:spTree>
     <p:extLst>
       <p:ext uri="{BB962C8B-B14F-4D97-AF65-F5344CB8AC3E}">
-        <p14:creationId xmlns:p14="http://schemas.microsoft.com/office/powerpoint/2010/main" val="280586843"/>
+        <p14:creationId xmlns:p14="http://schemas.microsoft.com/office/powerpoint/2010/main" xmlns="" val="280586843"/>
       </p:ext>
     </p:extLst>
   </p:cSld>
@@ -1366,7 +1366,7 @@
     </p:spTree>
     <p:extLst>
       <p:ext uri="{BB962C8B-B14F-4D97-AF65-F5344CB8AC3E}">
-        <p14:creationId xmlns:p14="http://schemas.microsoft.com/office/powerpoint/2010/main" val="312709961"/>
+        <p14:creationId xmlns:p14="http://schemas.microsoft.com/office/powerpoint/2010/main" xmlns="" val="312709961"/>
       </p:ext>
     </p:extLst>
   </p:cSld>
@@ -1714,7 +1714,7 @@
     </p:spTree>
     <p:extLst>
       <p:ext uri="{BB962C8B-B14F-4D97-AF65-F5344CB8AC3E}">
-        <p14:creationId xmlns:p14="http://schemas.microsoft.com/office/powerpoint/2010/main" val="1102800059"/>
+        <p14:creationId xmlns:p14="http://schemas.microsoft.com/office/powerpoint/2010/main" xmlns="" val="1102800059"/>
       </p:ext>
     </p:extLst>
   </p:cSld>
@@ -2062,7 +2062,7 @@
     </p:spTree>
     <p:extLst>
       <p:ext uri="{BB962C8B-B14F-4D97-AF65-F5344CB8AC3E}">
-        <p14:creationId xmlns:p14="http://schemas.microsoft.com/office/powerpoint/2010/main" val="798789825"/>
+        <p14:creationId xmlns:p14="http://schemas.microsoft.com/office/powerpoint/2010/main" xmlns="" val="798789825"/>
       </p:ext>
     </p:extLst>
   </p:cSld>
@@ -2220,7 +2220,7 @@
     </p:spTree>
     <p:extLst>
       <p:ext uri="{BB962C8B-B14F-4D97-AF65-F5344CB8AC3E}">
-        <p14:creationId xmlns:p14="http://schemas.microsoft.com/office/powerpoint/2010/main" val="1631471474"/>
+        <p14:creationId xmlns:p14="http://schemas.microsoft.com/office/powerpoint/2010/main" xmlns="" val="1631471474"/>
       </p:ext>
     </p:extLst>
   </p:cSld>
@@ -2499,7 +2499,7 @@
     </p:spTree>
     <p:extLst>
       <p:ext uri="{BB962C8B-B14F-4D97-AF65-F5344CB8AC3E}">
-        <p14:creationId xmlns:p14="http://schemas.microsoft.com/office/powerpoint/2010/main" val="2988094927"/>
+        <p14:creationId xmlns:p14="http://schemas.microsoft.com/office/powerpoint/2010/main" xmlns="" val="2988094927"/>
       </p:ext>
     </p:extLst>
   </p:cSld>
@@ -2613,7 +2613,7 @@
     </p:spTree>
     <p:extLst>
       <p:ext uri="{BB962C8B-B14F-4D97-AF65-F5344CB8AC3E}">
-        <p14:creationId xmlns:p14="http://schemas.microsoft.com/office/powerpoint/2010/main" val="1794171926"/>
+        <p14:creationId xmlns:p14="http://schemas.microsoft.com/office/powerpoint/2010/main" xmlns="" val="1794171926"/>
       </p:ext>
     </p:extLst>
   </p:cSld>
@@ -2754,7 +2754,7 @@
     </p:spTree>
     <p:extLst>
       <p:ext uri="{BB962C8B-B14F-4D97-AF65-F5344CB8AC3E}">
-        <p14:creationId xmlns:p14="http://schemas.microsoft.com/office/powerpoint/2010/main" val="1794171926"/>
+        <p14:creationId xmlns:p14="http://schemas.microsoft.com/office/powerpoint/2010/main" xmlns="" val="1794171926"/>
       </p:ext>
     </p:extLst>
   </p:cSld>
@@ -2916,7 +2916,7 @@
     </p:spTree>
     <p:extLst>
       <p:ext uri="{BB962C8B-B14F-4D97-AF65-F5344CB8AC3E}">
-        <p14:creationId xmlns:p14="http://schemas.microsoft.com/office/powerpoint/2010/main" val="1685300435"/>
+        <p14:creationId xmlns:p14="http://schemas.microsoft.com/office/powerpoint/2010/main" xmlns="" val="1685300435"/>
       </p:ext>
     </p:extLst>
   </p:cSld>
@@ -3108,7 +3108,7 @@
     </p:spTree>
     <p:extLst>
       <p:ext uri="{BB962C8B-B14F-4D97-AF65-F5344CB8AC3E}">
-        <p14:creationId xmlns:p14="http://schemas.microsoft.com/office/powerpoint/2010/main" val="2173428985"/>
+        <p14:creationId xmlns:p14="http://schemas.microsoft.com/office/powerpoint/2010/main" xmlns="" val="2173428985"/>
       </p:ext>
     </p:extLst>
   </p:cSld>
@@ -3278,7 +3278,7 @@
     </p:spTree>
     <p:extLst>
       <p:ext uri="{BB962C8B-B14F-4D97-AF65-F5344CB8AC3E}">
-        <p14:creationId xmlns:p14="http://schemas.microsoft.com/office/powerpoint/2010/main" val="2639255053"/>
+        <p14:creationId xmlns:p14="http://schemas.microsoft.com/office/powerpoint/2010/main" xmlns="" val="2639255053"/>
       </p:ext>
     </p:extLst>
   </p:cSld>
@@ -3458,7 +3458,7 @@
     </p:spTree>
     <p:extLst>
       <p:ext uri="{BB962C8B-B14F-4D97-AF65-F5344CB8AC3E}">
-        <p14:creationId xmlns:p14="http://schemas.microsoft.com/office/powerpoint/2010/main" val="3862036576"/>
+        <p14:creationId xmlns:p14="http://schemas.microsoft.com/office/powerpoint/2010/main" xmlns="" val="3862036576"/>
       </p:ext>
     </p:extLst>
   </p:cSld>
@@ -3628,7 +3628,7 @@
     </p:spTree>
     <p:extLst>
       <p:ext uri="{BB962C8B-B14F-4D97-AF65-F5344CB8AC3E}">
-        <p14:creationId xmlns:p14="http://schemas.microsoft.com/office/powerpoint/2010/main" val="1805817191"/>
+        <p14:creationId xmlns:p14="http://schemas.microsoft.com/office/powerpoint/2010/main" xmlns="" val="1805817191"/>
       </p:ext>
     </p:extLst>
   </p:cSld>
@@ -3875,7 +3875,7 @@
     </p:spTree>
     <p:extLst>
       <p:ext uri="{BB962C8B-B14F-4D97-AF65-F5344CB8AC3E}">
-        <p14:creationId xmlns:p14="http://schemas.microsoft.com/office/powerpoint/2010/main" val="53453383"/>
+        <p14:creationId xmlns:p14="http://schemas.microsoft.com/office/powerpoint/2010/main" xmlns="" val="53453383"/>
       </p:ext>
     </p:extLst>
   </p:cSld>
@@ -4106,7 +4106,7 @@
     </p:spTree>
     <p:extLst>
       <p:ext uri="{BB962C8B-B14F-4D97-AF65-F5344CB8AC3E}">
-        <p14:creationId xmlns:p14="http://schemas.microsoft.com/office/powerpoint/2010/main" val="931500122"/>
+        <p14:creationId xmlns:p14="http://schemas.microsoft.com/office/powerpoint/2010/main" xmlns="" val="931500122"/>
       </p:ext>
     </p:extLst>
   </p:cSld>
@@ -4472,7 +4472,7 @@
     </p:spTree>
     <p:extLst>
       <p:ext uri="{BB962C8B-B14F-4D97-AF65-F5344CB8AC3E}">
-        <p14:creationId xmlns:p14="http://schemas.microsoft.com/office/powerpoint/2010/main" val="3132244521"/>
+        <p14:creationId xmlns:p14="http://schemas.microsoft.com/office/powerpoint/2010/main" xmlns="" val="3132244521"/>
       </p:ext>
     </p:extLst>
   </p:cSld>
@@ -4591,7 +4591,7 @@
     </p:spTree>
     <p:extLst>
       <p:ext uri="{BB962C8B-B14F-4D97-AF65-F5344CB8AC3E}">
-        <p14:creationId xmlns:p14="http://schemas.microsoft.com/office/powerpoint/2010/main" val="3177510510"/>
+        <p14:creationId xmlns:p14="http://schemas.microsoft.com/office/powerpoint/2010/main" xmlns="" val="3177510510"/>
       </p:ext>
     </p:extLst>
   </p:cSld>
@@ -4688,7 +4688,7 @@
     </p:spTree>
     <p:extLst>
       <p:ext uri="{BB962C8B-B14F-4D97-AF65-F5344CB8AC3E}">
-        <p14:creationId xmlns:p14="http://schemas.microsoft.com/office/powerpoint/2010/main" val="342349238"/>
+        <p14:creationId xmlns:p14="http://schemas.microsoft.com/office/powerpoint/2010/main" xmlns="" val="342349238"/>
       </p:ext>
     </p:extLst>
   </p:cSld>
@@ -4965,7 +4965,7 @@
     </p:spTree>
     <p:extLst>
       <p:ext uri="{BB962C8B-B14F-4D97-AF65-F5344CB8AC3E}">
-        <p14:creationId xmlns:p14="http://schemas.microsoft.com/office/powerpoint/2010/main" val="1713485864"/>
+        <p14:creationId xmlns:p14="http://schemas.microsoft.com/office/powerpoint/2010/main" xmlns="" val="1713485864"/>
       </p:ext>
     </p:extLst>
   </p:cSld>
@@ -5219,7 +5219,7 @@
     </p:spTree>
     <p:extLst>
       <p:ext uri="{BB962C8B-B14F-4D97-AF65-F5344CB8AC3E}">
-        <p14:creationId xmlns:p14="http://schemas.microsoft.com/office/powerpoint/2010/main" val="832183107"/>
+        <p14:creationId xmlns:p14="http://schemas.microsoft.com/office/powerpoint/2010/main" xmlns="" val="832183107"/>
       </p:ext>
     </p:extLst>
   </p:cSld>
@@ -5468,7 +5468,7 @@
     </p:spTree>
     <p:extLst>
       <p:ext uri="{BB962C8B-B14F-4D97-AF65-F5344CB8AC3E}">
-        <p14:creationId xmlns:p14="http://schemas.microsoft.com/office/powerpoint/2010/main" val="2427165232"/>
+        <p14:creationId xmlns:p14="http://schemas.microsoft.com/office/powerpoint/2010/main" xmlns="" val="2427165232"/>
       </p:ext>
     </p:extLst>
   </p:cSld>
@@ -5946,18 +5946,18 @@
     </p:spTree>
     <p:extLst>
       <p:ext uri="{BB962C8B-B14F-4D97-AF65-F5344CB8AC3E}">
-        <p14:creationId xmlns:p14="http://schemas.microsoft.com/office/powerpoint/2010/main" val="1995768277"/>
+        <p14:creationId xmlns:p14="http://schemas.microsoft.com/office/powerpoint/2010/main" xmlns="" val="1995768277"/>
       </p:ext>
     </p:extLst>
   </p:cSld>
   <p:clrMapOvr>
     <a:masterClrMapping/>
   </p:clrMapOvr>
-  <mc:AlternateContent xmlns:mc="http://schemas.openxmlformats.org/markup-compatibility/2006" xmlns:p14="http://schemas.microsoft.com/office/powerpoint/2010/main">
-    <mc:Choice Requires="p14">
+  <mc:AlternateContent xmlns:mc="http://schemas.openxmlformats.org/markup-compatibility/2006">
+    <mc:Choice xmlns:p14="http://schemas.microsoft.com/office/powerpoint/2010/main" xmlns="" Requires="p14">
       <p:transition spd="slow" p14:dur="2000" advTm="173"/>
     </mc:Choice>
-    <mc:Fallback xmlns="">
+    <mc:Fallback>
       <p:transition spd="slow" advTm="173"/>
     </mc:Fallback>
   </mc:AlternateContent>
@@ -6164,7 +6164,7 @@
           <a:blip r:embed="rId3" cstate="print">
             <a:extLst>
               <a:ext uri="{28A0092B-C50C-407E-A947-70E740481C1C}">
-                <a14:useLocalDpi xmlns:a14="http://schemas.microsoft.com/office/drawing/2010/main" val="0"/>
+                <a14:useLocalDpi xmlns:a14="http://schemas.microsoft.com/office/drawing/2010/main" xmlns="" val="0"/>
               </a:ext>
             </a:extLst>
           </a:blip>
@@ -6184,7 +6184,7 @@
           <a:noFill/>
           <a:extLst>
             <a:ext uri="{909E8E84-426E-40DD-AFC4-6F175D3DCCD1}">
-              <a14:hiddenFill xmlns:a14="http://schemas.microsoft.com/office/drawing/2010/main">
+              <a14:hiddenFill xmlns:a14="http://schemas.microsoft.com/office/drawing/2010/main" xmlns="">
                 <a:solidFill>
                   <a:srgbClr val="FFFFFF"/>
                 </a:solidFill>
@@ -6589,7 +6589,7 @@
     </p:spTree>
     <p:extLst>
       <p:ext uri="{BB962C8B-B14F-4D97-AF65-F5344CB8AC3E}">
-        <p14:creationId xmlns:p14="http://schemas.microsoft.com/office/powerpoint/2010/main" val="301235932"/>
+        <p14:creationId xmlns:p14="http://schemas.microsoft.com/office/powerpoint/2010/main" xmlns="" val="301235932"/>
       </p:ext>
     </p:extLst>
   </p:cSld>
@@ -6799,7 +6799,7 @@
           <a:blip r:embed="rId3" cstate="print">
             <a:extLst>
               <a:ext uri="{28A0092B-C50C-407E-A947-70E740481C1C}">
-                <a14:useLocalDpi xmlns:a14="http://schemas.microsoft.com/office/drawing/2010/main" val="0"/>
+                <a14:useLocalDpi xmlns:a14="http://schemas.microsoft.com/office/drawing/2010/main" xmlns="" val="0"/>
               </a:ext>
             </a:extLst>
           </a:blip>
@@ -6819,7 +6819,7 @@
           <a:noFill/>
           <a:extLst>
             <a:ext uri="{909E8E84-426E-40DD-AFC4-6F175D3DCCD1}">
-              <a14:hiddenFill xmlns:a14="http://schemas.microsoft.com/office/drawing/2010/main">
+              <a14:hiddenFill xmlns:a14="http://schemas.microsoft.com/office/drawing/2010/main" xmlns="">
                 <a:solidFill>
                   <a:srgbClr val="FFFFFF"/>
                 </a:solidFill>
@@ -6833,7 +6833,7 @@
           <p:cNvPr id="3" name="Рисунок 2">
             <a:extLst>
               <a:ext uri="{FF2B5EF4-FFF2-40B4-BE49-F238E27FC236}">
-                <a16:creationId xmlns:a16="http://schemas.microsoft.com/office/drawing/2014/main" id="{C3A8822E-A284-4BD7-BEF1-C0744534F918}"/>
+                <a16:creationId xmlns:a16="http://schemas.microsoft.com/office/drawing/2014/main" xmlns="" id="{C3A8822E-A284-4BD7-BEF1-C0744534F918}"/>
               </a:ext>
             </a:extLst>
           </p:cNvPr>
@@ -6843,10 +6843,10 @@
           <p:nvPr/>
         </p:nvPicPr>
         <p:blipFill>
-          <a:blip r:embed="rId4">
+          <a:blip r:embed="rId4" cstate="print">
             <a:extLst>
               <a:ext uri="{28A0092B-C50C-407E-A947-70E740481C1C}">
-                <a14:useLocalDpi xmlns:a14="http://schemas.microsoft.com/office/drawing/2010/main" val="0"/>
+                <a14:useLocalDpi xmlns:a14="http://schemas.microsoft.com/office/drawing/2010/main" xmlns="" val="0"/>
               </a:ext>
             </a:extLst>
           </a:blip>
@@ -6867,7 +6867,7 @@
     </p:spTree>
     <p:extLst>
       <p:ext uri="{BB962C8B-B14F-4D97-AF65-F5344CB8AC3E}">
-        <p14:creationId xmlns:p14="http://schemas.microsoft.com/office/powerpoint/2010/main" val="301235932"/>
+        <p14:creationId xmlns:p14="http://schemas.microsoft.com/office/powerpoint/2010/main" xmlns="" val="301235932"/>
       </p:ext>
     </p:extLst>
   </p:cSld>
@@ -7077,7 +7077,7 @@
           <a:blip r:embed="rId3" cstate="print">
             <a:extLst>
               <a:ext uri="{28A0092B-C50C-407E-A947-70E740481C1C}">
-                <a14:useLocalDpi xmlns:a14="http://schemas.microsoft.com/office/drawing/2010/main" val="0"/>
+                <a14:useLocalDpi xmlns:a14="http://schemas.microsoft.com/office/drawing/2010/main" xmlns="" val="0"/>
               </a:ext>
             </a:extLst>
           </a:blip>
@@ -7097,7 +7097,7 @@
           <a:noFill/>
           <a:extLst>
             <a:ext uri="{909E8E84-426E-40DD-AFC4-6F175D3DCCD1}">
-              <a14:hiddenFill xmlns:a14="http://schemas.microsoft.com/office/drawing/2010/main">
+              <a14:hiddenFill xmlns:a14="http://schemas.microsoft.com/office/drawing/2010/main" xmlns="">
                 <a:solidFill>
                   <a:srgbClr val="FFFFFF"/>
                 </a:solidFill>
@@ -7111,7 +7111,7 @@
           <p:cNvPr id="3" name="Рисунок 2">
             <a:extLst>
               <a:ext uri="{FF2B5EF4-FFF2-40B4-BE49-F238E27FC236}">
-                <a16:creationId xmlns:a16="http://schemas.microsoft.com/office/drawing/2014/main" id="{74535F6A-48DF-4A0A-B08C-5184FA496491}"/>
+                <a16:creationId xmlns:a16="http://schemas.microsoft.com/office/drawing/2014/main" xmlns="" id="{74535F6A-48DF-4A0A-B08C-5184FA496491}"/>
               </a:ext>
             </a:extLst>
           </p:cNvPr>
@@ -7124,7 +7124,7 @@
           <a:blip r:embed="rId4" cstate="print">
             <a:extLst>
               <a:ext uri="{28A0092B-C50C-407E-A947-70E740481C1C}">
-                <a14:useLocalDpi xmlns:a14="http://schemas.microsoft.com/office/drawing/2010/main" val="0"/>
+                <a14:useLocalDpi xmlns:a14="http://schemas.microsoft.com/office/drawing/2010/main" xmlns="" val="0"/>
               </a:ext>
             </a:extLst>
           </a:blip>
@@ -7145,7 +7145,7 @@
     </p:spTree>
     <p:extLst>
       <p:ext uri="{BB962C8B-B14F-4D97-AF65-F5344CB8AC3E}">
-        <p14:creationId xmlns:p14="http://schemas.microsoft.com/office/powerpoint/2010/main" val="301235932"/>
+        <p14:creationId xmlns:p14="http://schemas.microsoft.com/office/powerpoint/2010/main" xmlns="" val="301235932"/>
       </p:ext>
     </p:extLst>
   </p:cSld>
@@ -7355,7 +7355,7 @@
           <a:blip r:embed="rId3" cstate="print">
             <a:extLst>
               <a:ext uri="{28A0092B-C50C-407E-A947-70E740481C1C}">
-                <a14:useLocalDpi xmlns:a14="http://schemas.microsoft.com/office/drawing/2010/main" val="0"/>
+                <a14:useLocalDpi xmlns:a14="http://schemas.microsoft.com/office/drawing/2010/main" xmlns="" val="0"/>
               </a:ext>
             </a:extLst>
           </a:blip>
@@ -7375,7 +7375,7 @@
           <a:noFill/>
           <a:extLst>
             <a:ext uri="{909E8E84-426E-40DD-AFC4-6F175D3DCCD1}">
-              <a14:hiddenFill xmlns:a14="http://schemas.microsoft.com/office/drawing/2010/main">
+              <a14:hiddenFill xmlns:a14="http://schemas.microsoft.com/office/drawing/2010/main" xmlns="">
                 <a:solidFill>
                   <a:srgbClr val="FFFFFF"/>
                 </a:solidFill>
@@ -7502,7 +7502,7 @@
     </p:spTree>
     <p:extLst>
       <p:ext uri="{BB962C8B-B14F-4D97-AF65-F5344CB8AC3E}">
-        <p14:creationId xmlns:p14="http://schemas.microsoft.com/office/powerpoint/2010/main" val="1200680668"/>
+        <p14:creationId xmlns:p14="http://schemas.microsoft.com/office/powerpoint/2010/main" xmlns="" val="1200680668"/>
       </p:ext>
     </p:extLst>
   </p:cSld>
@@ -7704,7 +7704,7 @@
           <a:blip r:embed="rId3" cstate="print">
             <a:extLst>
               <a:ext uri="{28A0092B-C50C-407E-A947-70E740481C1C}">
-                <a14:useLocalDpi xmlns:a14="http://schemas.microsoft.com/office/drawing/2010/main" val="0"/>
+                <a14:useLocalDpi xmlns:a14="http://schemas.microsoft.com/office/drawing/2010/main" xmlns="" val="0"/>
               </a:ext>
             </a:extLst>
           </a:blip>
@@ -7724,7 +7724,7 @@
           <a:noFill/>
           <a:extLst>
             <a:ext uri="{909E8E84-426E-40DD-AFC4-6F175D3DCCD1}">
-              <a14:hiddenFill xmlns:a14="http://schemas.microsoft.com/office/drawing/2010/main">
+              <a14:hiddenFill xmlns:a14="http://schemas.microsoft.com/office/drawing/2010/main" xmlns="">
                 <a:solidFill>
                   <a:srgbClr val="FFFFFF"/>
                 </a:solidFill>
@@ -7736,7 +7736,7 @@
     </p:spTree>
     <p:extLst>
       <p:ext uri="{BB962C8B-B14F-4D97-AF65-F5344CB8AC3E}">
-        <p14:creationId xmlns:p14="http://schemas.microsoft.com/office/powerpoint/2010/main" val="3421224900"/>
+        <p14:creationId xmlns:p14="http://schemas.microsoft.com/office/powerpoint/2010/main" xmlns="" val="3421224900"/>
       </p:ext>
     </p:extLst>
   </p:cSld>
@@ -7826,8 +7826,19 @@
                 <a:latin typeface="Arial" panose="020B0604020202020204" pitchFamily="34" charset="0"/>
                 <a:cs typeface="Arial" panose="020B0604020202020204" pitchFamily="34" charset="0"/>
               </a:rPr>
-              <a:t>Разработать встроенное программное обеспечение на языке программирования Си, удовлетворяющее требованиям комплекса «АСТРОКАРД® - VIVO».</a:t>
-            </a:r>
+              <a:t>Разработать встроенное программное обеспечение на языке программирования </a:t>
+            </a:r>
+            <a:r>
+              <a:rPr lang="ru-RU" dirty="0" smtClean="0">
+                <a:latin typeface="Arial" panose="020B0604020202020204" pitchFamily="34" charset="0"/>
+                <a:cs typeface="Arial" panose="020B0604020202020204" pitchFamily="34" charset="0"/>
+              </a:rPr>
+              <a:t>Си.</a:t>
+            </a:r>
+            <a:endParaRPr lang="ru-RU" dirty="0">
+              <a:latin typeface="Arial" panose="020B0604020202020204" pitchFamily="34" charset="0"/>
+              <a:cs typeface="Arial" panose="020B0604020202020204" pitchFamily="34" charset="0"/>
+            </a:endParaRPr>
           </a:p>
           <a:p>
             <a:r>
@@ -8027,7 +8038,7 @@
           <a:blip r:embed="rId3" cstate="print">
             <a:extLst>
               <a:ext uri="{28A0092B-C50C-407E-A947-70E740481C1C}">
-                <a14:useLocalDpi xmlns:a14="http://schemas.microsoft.com/office/drawing/2010/main" val="0"/>
+                <a14:useLocalDpi xmlns:a14="http://schemas.microsoft.com/office/drawing/2010/main" xmlns="" val="0"/>
               </a:ext>
             </a:extLst>
           </a:blip>
@@ -8047,7 +8058,7 @@
           <a:noFill/>
           <a:extLst>
             <a:ext uri="{909E8E84-426E-40DD-AFC4-6F175D3DCCD1}">
-              <a14:hiddenFill xmlns:a14="http://schemas.microsoft.com/office/drawing/2010/main">
+              <a14:hiddenFill xmlns:a14="http://schemas.microsoft.com/office/drawing/2010/main" xmlns="">
                 <a:solidFill>
                   <a:srgbClr val="FFFFFF"/>
                 </a:solidFill>
@@ -8059,18 +8070,18 @@
     </p:spTree>
     <p:extLst>
       <p:ext uri="{BB962C8B-B14F-4D97-AF65-F5344CB8AC3E}">
-        <p14:creationId xmlns:p14="http://schemas.microsoft.com/office/powerpoint/2010/main" val="2832680016"/>
+        <p14:creationId xmlns:p14="http://schemas.microsoft.com/office/powerpoint/2010/main" xmlns="" val="2832680016"/>
       </p:ext>
     </p:extLst>
   </p:cSld>
   <p:clrMapOvr>
     <a:masterClrMapping/>
   </p:clrMapOvr>
-  <mc:AlternateContent xmlns:mc="http://schemas.openxmlformats.org/markup-compatibility/2006" xmlns:p14="http://schemas.microsoft.com/office/powerpoint/2010/main">
-    <mc:Choice Requires="p14">
+  <mc:AlternateContent xmlns:mc="http://schemas.openxmlformats.org/markup-compatibility/2006">
+    <mc:Choice xmlns:p14="http://schemas.microsoft.com/office/powerpoint/2010/main" xmlns="" Requires="p14">
       <p:transition spd="slow" p14:dur="2000" advTm="1822"/>
     </mc:Choice>
-    <mc:Fallback xmlns="">
+    <mc:Fallback>
       <p:transition spd="slow" advTm="1822"/>
     </mc:Fallback>
   </mc:AlternateContent>
@@ -8292,7 +8303,7 @@
           <a:blip r:embed="rId3" cstate="print">
             <a:extLst>
               <a:ext uri="{28A0092B-C50C-407E-A947-70E740481C1C}">
-                <a14:useLocalDpi xmlns:a14="http://schemas.microsoft.com/office/drawing/2010/main" val="0"/>
+                <a14:useLocalDpi xmlns:a14="http://schemas.microsoft.com/office/drawing/2010/main" xmlns="" val="0"/>
               </a:ext>
             </a:extLst>
           </a:blip>
@@ -8312,7 +8323,7 @@
           <a:noFill/>
           <a:extLst>
             <a:ext uri="{909E8E84-426E-40DD-AFC4-6F175D3DCCD1}">
-              <a14:hiddenFill xmlns:a14="http://schemas.microsoft.com/office/drawing/2010/main">
+              <a14:hiddenFill xmlns:a14="http://schemas.microsoft.com/office/drawing/2010/main" xmlns="">
                 <a:solidFill>
                   <a:srgbClr val="FFFFFF"/>
                 </a:solidFill>
@@ -8326,7 +8337,7 @@
           <p:cNvPr id="1028" name="Picture 4">
             <a:extLst>
               <a:ext uri="{FF2B5EF4-FFF2-40B4-BE49-F238E27FC236}">
-                <a16:creationId xmlns:a16="http://schemas.microsoft.com/office/drawing/2014/main" id="{5A3E4B1C-36E0-43A0-B106-DE2ED6BEBFF2}"/>
+                <a16:creationId xmlns:a16="http://schemas.microsoft.com/office/drawing/2014/main" xmlns="" id="{5A3E4B1C-36E0-43A0-B106-DE2ED6BEBFF2}"/>
               </a:ext>
             </a:extLst>
           </p:cNvPr>
@@ -8339,7 +8350,7 @@
           <a:blip r:embed="rId4" cstate="print">
             <a:extLst>
               <a:ext uri="{28A0092B-C50C-407E-A947-70E740481C1C}">
-                <a14:useLocalDpi xmlns:a14="http://schemas.microsoft.com/office/drawing/2010/main" val="0"/>
+                <a14:useLocalDpi xmlns:a14="http://schemas.microsoft.com/office/drawing/2010/main" xmlns="" val="0"/>
               </a:ext>
             </a:extLst>
           </a:blip>
@@ -8359,7 +8370,7 @@
           <a:noFill/>
           <a:extLst>
             <a:ext uri="{909E8E84-426E-40DD-AFC4-6F175D3DCCD1}">
-              <a14:hiddenFill xmlns:a14="http://schemas.microsoft.com/office/drawing/2010/main">
+              <a14:hiddenFill xmlns:a14="http://schemas.microsoft.com/office/drawing/2010/main" xmlns="">
                 <a:solidFill>
                   <a:srgbClr val="FFFFFF"/>
                 </a:solidFill>
@@ -8373,7 +8384,7 @@
           <p:cNvPr id="3" name="TextBox 2">
             <a:extLst>
               <a:ext uri="{FF2B5EF4-FFF2-40B4-BE49-F238E27FC236}">
-                <a16:creationId xmlns:a16="http://schemas.microsoft.com/office/drawing/2014/main" id="{008437EA-C085-4559-AF00-B7EBAFE8CA03}"/>
+                <a16:creationId xmlns:a16="http://schemas.microsoft.com/office/drawing/2014/main" xmlns="" id="{008437EA-C085-4559-AF00-B7EBAFE8CA03}"/>
               </a:ext>
             </a:extLst>
           </p:cNvPr>
@@ -8465,7 +8476,7 @@
           <p:cNvPr id="4" name="TextBox 3">
             <a:extLst>
               <a:ext uri="{FF2B5EF4-FFF2-40B4-BE49-F238E27FC236}">
-                <a16:creationId xmlns:a16="http://schemas.microsoft.com/office/drawing/2014/main" id="{FDE5CFC2-E1BE-4735-AFFF-8F2E1EECC649}"/>
+                <a16:creationId xmlns:a16="http://schemas.microsoft.com/office/drawing/2014/main" xmlns="" id="{FDE5CFC2-E1BE-4735-AFFF-8F2E1EECC649}"/>
               </a:ext>
             </a:extLst>
           </p:cNvPr>
@@ -8498,7 +8509,7 @@
     </p:spTree>
     <p:extLst>
       <p:ext uri="{BB962C8B-B14F-4D97-AF65-F5344CB8AC3E}">
-        <p14:creationId xmlns:p14="http://schemas.microsoft.com/office/powerpoint/2010/main" val="631900643"/>
+        <p14:creationId xmlns:p14="http://schemas.microsoft.com/office/powerpoint/2010/main" xmlns="" val="631900643"/>
       </p:ext>
     </p:extLst>
   </p:cSld>
@@ -8723,7 +8734,7 @@
           <a:blip r:embed="rId3" cstate="print">
             <a:extLst>
               <a:ext uri="{28A0092B-C50C-407E-A947-70E740481C1C}">
-                <a14:useLocalDpi xmlns:a14="http://schemas.microsoft.com/office/drawing/2010/main" val="0"/>
+                <a14:useLocalDpi xmlns:a14="http://schemas.microsoft.com/office/drawing/2010/main" xmlns="" val="0"/>
               </a:ext>
             </a:extLst>
           </a:blip>
@@ -8743,7 +8754,7 @@
           <a:noFill/>
           <a:extLst>
             <a:ext uri="{909E8E84-426E-40DD-AFC4-6F175D3DCCD1}">
-              <a14:hiddenFill xmlns:a14="http://schemas.microsoft.com/office/drawing/2010/main">
+              <a14:hiddenFill xmlns:a14="http://schemas.microsoft.com/office/drawing/2010/main" xmlns="">
                 <a:solidFill>
                   <a:srgbClr val="FFFFFF"/>
                 </a:solidFill>
@@ -8757,7 +8768,7 @@
           <p:cNvPr id="12" name="Объект 2">
             <a:extLst>
               <a:ext uri="{FF2B5EF4-FFF2-40B4-BE49-F238E27FC236}">
-                <a16:creationId xmlns:a16="http://schemas.microsoft.com/office/drawing/2014/main" id="{FBF118A8-1316-4EBB-99E7-014571612D83}"/>
+                <a16:creationId xmlns:a16="http://schemas.microsoft.com/office/drawing/2014/main" xmlns="" id="{FBF118A8-1316-4EBB-99E7-014571612D83}"/>
               </a:ext>
             </a:extLst>
           </p:cNvPr>
@@ -8770,46 +8781,71 @@
         </p:nvSpPr>
         <p:spPr>
           <a:xfrm>
-            <a:off x="4986166" y="1771650"/>
-            <a:ext cx="6709620" cy="2990850"/>
+            <a:off x="4703804" y="1664043"/>
+            <a:ext cx="6893127" cy="3222024"/>
           </a:xfrm>
         </p:spPr>
         <p:txBody>
           <a:bodyPr>
-            <a:normAutofit/>
+            <a:normAutofit fontScale="92500" lnSpcReduction="20000"/>
           </a:bodyPr>
           <a:lstStyle/>
           <a:p>
+            <a:r>
+              <a:rPr lang="ru-RU" dirty="0" smtClean="0">
+                <a:latin typeface="Arial" panose="020B0604020202020204" pitchFamily="34" charset="0"/>
+                <a:cs typeface="Arial" panose="020B0604020202020204" pitchFamily="34" charset="0"/>
+              </a:rPr>
+              <a:t>Ишемическая </a:t>
+            </a:r>
             <a:r>
               <a:rPr lang="ru-RU" dirty="0">
                 <a:latin typeface="Arial" panose="020B0604020202020204" pitchFamily="34" charset="0"/>
                 <a:cs typeface="Arial" panose="020B0604020202020204" pitchFamily="34" charset="0"/>
               </a:rPr>
-              <a:t>Острый инфаркт миокарда</a:t>
-            </a:r>
+              <a:t>болезнь </a:t>
+            </a:r>
+            <a:r>
+              <a:rPr lang="ru-RU" dirty="0" smtClean="0">
+                <a:latin typeface="Arial" panose="020B0604020202020204" pitchFamily="34" charset="0"/>
+                <a:cs typeface="Arial" panose="020B0604020202020204" pitchFamily="34" charset="0"/>
+              </a:rPr>
+              <a:t>сердца</a:t>
+            </a:r>
+          </a:p>
+          <a:p>
             <a:endParaRPr lang="en-US" dirty="0">
               <a:latin typeface="Arial" panose="020B0604020202020204" pitchFamily="34" charset="0"/>
               <a:cs typeface="Arial" panose="020B0604020202020204" pitchFamily="34" charset="0"/>
             </a:endParaRPr>
           </a:p>
           <a:p>
-            <a:endParaRPr lang="ru-RU" dirty="0">
+            <a:r>
+              <a:rPr lang="ru-RU" dirty="0" smtClean="0">
+                <a:latin typeface="Arial" panose="020B0604020202020204" pitchFamily="34" charset="0"/>
+                <a:cs typeface="Arial" panose="020B0604020202020204" pitchFamily="34" charset="0"/>
+              </a:rPr>
+              <a:t>Острый инфаркт миокарда</a:t>
+            </a:r>
+            <a:endParaRPr lang="en-US" dirty="0" smtClean="0">
               <a:latin typeface="Arial" panose="020B0604020202020204" pitchFamily="34" charset="0"/>
               <a:cs typeface="Arial" panose="020B0604020202020204" pitchFamily="34" charset="0"/>
             </a:endParaRPr>
           </a:p>
           <a:p>
-            <a:r>
-              <a:rPr lang="ru-RU" dirty="0">
-                <a:latin typeface="Arial" panose="020B0604020202020204" pitchFamily="34" charset="0"/>
-                <a:cs typeface="Arial" panose="020B0604020202020204" pitchFamily="34" charset="0"/>
-              </a:rPr>
-              <a:t>Ишемическая болезнь сердца</a:t>
-            </a:r>
-            <a:endParaRPr lang="en-US" dirty="0">
+            <a:endParaRPr lang="ru-RU" dirty="0" smtClean="0">
               <a:latin typeface="Arial" panose="020B0604020202020204" pitchFamily="34" charset="0"/>
               <a:cs typeface="Arial" panose="020B0604020202020204" pitchFamily="34" charset="0"/>
             </a:endParaRPr>
+          </a:p>
+          <a:p>
+            <a:r>
+              <a:rPr lang="ru-RU" dirty="0" smtClean="0">
+                <a:latin typeface="Arial" panose="020B0604020202020204" pitchFamily="34" charset="0"/>
+                <a:cs typeface="Arial" panose="020B0604020202020204" pitchFamily="34" charset="0"/>
+              </a:rPr>
+              <a:t>Хроническая сердечная недостаточность</a:t>
+            </a:r>
           </a:p>
           <a:p>
             <a:endParaRPr lang="ru-RU" dirty="0">
@@ -8833,7 +8869,7 @@
           <p:cNvPr id="2052" name="Picture 4" descr="Найден способ защитить сердце от опасных последствий инфаркта ...">
             <a:extLst>
               <a:ext uri="{FF2B5EF4-FFF2-40B4-BE49-F238E27FC236}">
-                <a16:creationId xmlns:a16="http://schemas.microsoft.com/office/drawing/2014/main" id="{DC7C1508-E7BE-4ABD-AE12-558A5F728950}"/>
+                <a16:creationId xmlns:a16="http://schemas.microsoft.com/office/drawing/2014/main" xmlns="" id="{DC7C1508-E7BE-4ABD-AE12-558A5F728950}"/>
               </a:ext>
             </a:extLst>
           </p:cNvPr>
@@ -8846,7 +8882,7 @@
           <a:blip r:embed="rId4" cstate="print">
             <a:extLst>
               <a:ext uri="{28A0092B-C50C-407E-A947-70E740481C1C}">
-                <a14:useLocalDpi xmlns:a14="http://schemas.microsoft.com/office/drawing/2010/main" val="0"/>
+                <a14:useLocalDpi xmlns:a14="http://schemas.microsoft.com/office/drawing/2010/main" xmlns="" val="0"/>
               </a:ext>
             </a:extLst>
           </a:blip>
@@ -8866,7 +8902,7 @@
           <a:noFill/>
           <a:extLst>
             <a:ext uri="{909E8E84-426E-40DD-AFC4-6F175D3DCCD1}">
-              <a14:hiddenFill xmlns:a14="http://schemas.microsoft.com/office/drawing/2010/main">
+              <a14:hiddenFill xmlns:a14="http://schemas.microsoft.com/office/drawing/2010/main" xmlns="">
                 <a:solidFill>
                   <a:srgbClr val="FFFFFF"/>
                 </a:solidFill>
@@ -8878,7 +8914,7 @@
     </p:spTree>
     <p:extLst>
       <p:ext uri="{BB962C8B-B14F-4D97-AF65-F5344CB8AC3E}">
-        <p14:creationId xmlns:p14="http://schemas.microsoft.com/office/powerpoint/2010/main" val="2033862032"/>
+        <p14:creationId xmlns:p14="http://schemas.microsoft.com/office/powerpoint/2010/main" xmlns="" val="2033862032"/>
       </p:ext>
     </p:extLst>
   </p:cSld>
@@ -9088,7 +9124,7 @@
           <a:blip r:embed="rId3" cstate="print">
             <a:extLst>
               <a:ext uri="{28A0092B-C50C-407E-A947-70E740481C1C}">
-                <a14:useLocalDpi xmlns:a14="http://schemas.microsoft.com/office/drawing/2010/main" val="0"/>
+                <a14:useLocalDpi xmlns:a14="http://schemas.microsoft.com/office/drawing/2010/main" xmlns="" val="0"/>
               </a:ext>
             </a:extLst>
           </a:blip>
@@ -9108,7 +9144,7 @@
           <a:noFill/>
           <a:extLst>
             <a:ext uri="{909E8E84-426E-40DD-AFC4-6F175D3DCCD1}">
-              <a14:hiddenFill xmlns:a14="http://schemas.microsoft.com/office/drawing/2010/main">
+              <a14:hiddenFill xmlns:a14="http://schemas.microsoft.com/office/drawing/2010/main" xmlns="">
                 <a:solidFill>
                   <a:srgbClr val="FFFFFF"/>
                 </a:solidFill>
@@ -9117,46 +9153,122 @@
           </a:extLst>
         </p:spPr>
       </p:pic>
+      <p:sp>
+        <p:nvSpPr>
+          <p:cNvPr id="12" name="TextBox 11"/>
+          <p:cNvSpPr txBox="1"/>
+          <p:nvPr/>
+        </p:nvSpPr>
+        <p:spPr>
+          <a:xfrm>
+            <a:off x="8410754" y="1828799"/>
+            <a:ext cx="3781245" cy="3140015"/>
+          </a:xfrm>
+          <a:prstGeom prst="rect">
+            <a:avLst/>
+          </a:prstGeom>
+          <a:noFill/>
+        </p:spPr>
+        <p:txBody>
+          <a:bodyPr wrap="square" rtlCol="0">
+            <a:spAutoFit/>
+          </a:bodyPr>
+          <a:lstStyle/>
+          <a:p>
+            <a:pPr marL="457200" indent="-457200">
+              <a:buFont typeface="+mj-lt"/>
+              <a:buAutoNum type="arabicPeriod"/>
+            </a:pPr>
+            <a:r>
+              <a:rPr lang="ru-RU" sz="2400" dirty="0" smtClean="0">
+                <a:latin typeface="Arial" pitchFamily="34" charset="0"/>
+                <a:cs typeface="Arial" pitchFamily="34" charset="0"/>
+              </a:rPr>
+              <a:t>Мониторинг жизненно   важных функций пациента</a:t>
+            </a:r>
+          </a:p>
+          <a:p>
+            <a:pPr marL="457200" indent="-457200">
+              <a:buFont typeface="+mj-lt"/>
+              <a:buAutoNum type="arabicPeriod"/>
+            </a:pPr>
+            <a:endParaRPr lang="ru-RU" sz="2400" dirty="0" smtClean="0">
+              <a:latin typeface="Arial" pitchFamily="34" charset="0"/>
+              <a:cs typeface="Arial" pitchFamily="34" charset="0"/>
+            </a:endParaRPr>
+          </a:p>
+          <a:p>
+            <a:pPr marL="457200" indent="-457200">
+              <a:buFont typeface="+mj-lt"/>
+              <a:buAutoNum type="arabicPeriod"/>
+            </a:pPr>
+            <a:r>
+              <a:rPr lang="ru-RU" sz="2400" dirty="0" smtClean="0">
+                <a:latin typeface="Arial" pitchFamily="34" charset="0"/>
+                <a:cs typeface="Arial" pitchFamily="34" charset="0"/>
+              </a:rPr>
+              <a:t>Выдача сигналов тревоги</a:t>
+            </a:r>
+          </a:p>
+          <a:p>
+            <a:pPr marL="457200" indent="-457200">
+              <a:buFont typeface="+mj-lt"/>
+              <a:buAutoNum type="arabicPeriod"/>
+            </a:pPr>
+            <a:endParaRPr lang="ru-RU" sz="2400" dirty="0" smtClean="0">
+              <a:latin typeface="Arial" pitchFamily="34" charset="0"/>
+              <a:cs typeface="Arial" pitchFamily="34" charset="0"/>
+            </a:endParaRPr>
+          </a:p>
+          <a:p>
+            <a:pPr marL="457200" indent="-457200">
+              <a:buFont typeface="+mj-lt"/>
+              <a:buAutoNum type="arabicPeriod"/>
+            </a:pPr>
+            <a:r>
+              <a:rPr lang="ru-RU" sz="2400" dirty="0" smtClean="0">
+                <a:latin typeface="Arial" pitchFamily="34" charset="0"/>
+                <a:cs typeface="Arial" pitchFamily="34" charset="0"/>
+              </a:rPr>
+              <a:t>Анализ данных</a:t>
+            </a:r>
+            <a:endParaRPr lang="ru-RU" sz="2400" dirty="0">
+              <a:latin typeface="Arial" pitchFamily="34" charset="0"/>
+              <a:cs typeface="Arial" pitchFamily="34" charset="0"/>
+            </a:endParaRPr>
+          </a:p>
+        </p:txBody>
+      </p:sp>
       <p:pic>
         <p:nvPicPr>
-          <p:cNvPr id="11" name="Рисунок 10">
-            <a:extLst>
-              <a:ext uri="{FF2B5EF4-FFF2-40B4-BE49-F238E27FC236}">
-                <a16:creationId xmlns:a16="http://schemas.microsoft.com/office/drawing/2014/main" id="{15057CFA-2E6E-4433-9057-DAA943E8776C}"/>
-              </a:ext>
-            </a:extLst>
-          </p:cNvPr>
+          <p:cNvPr id="1028" name="Picture 4" descr="C:\Users\Serg.000\Desktop\ВКР\Graduation-Qualification-Work\Доделанное\СхемаОРИТ.jpg"/>
           <p:cNvPicPr>
-            <a:picLocks noChangeAspect="1"/>
+            <a:picLocks noChangeAspect="1" noChangeArrowheads="1"/>
           </p:cNvPicPr>
           <p:nvPr/>
         </p:nvPicPr>
         <p:blipFill>
-          <a:blip r:embed="rId4" cstate="print">
-            <a:extLst>
-              <a:ext uri="{28A0092B-C50C-407E-A947-70E740481C1C}">
-                <a14:useLocalDpi xmlns:a14="http://schemas.microsoft.com/office/drawing/2010/main" val="0"/>
-              </a:ext>
-            </a:extLst>
-          </a:blip>
+          <a:blip r:embed="rId4" cstate="print"/>
+          <a:srcRect/>
           <a:stretch>
             <a:fillRect/>
           </a:stretch>
         </p:blipFill>
-        <p:spPr>
-          <a:xfrm>
-            <a:off x="2363122" y="753784"/>
-            <a:ext cx="7963726" cy="5486738"/>
+        <p:spPr bwMode="auto">
+          <a:xfrm>
+            <a:off x="785001" y="875900"/>
+            <a:ext cx="7522235" cy="5304056"/>
           </a:xfrm>
           <a:prstGeom prst="rect">
             <a:avLst/>
           </a:prstGeom>
+          <a:noFill/>
         </p:spPr>
       </p:pic>
     </p:spTree>
     <p:extLst>
       <p:ext uri="{BB962C8B-B14F-4D97-AF65-F5344CB8AC3E}">
-        <p14:creationId xmlns:p14="http://schemas.microsoft.com/office/powerpoint/2010/main" val="1468586659"/>
+        <p14:creationId xmlns:p14="http://schemas.microsoft.com/office/powerpoint/2010/main" xmlns="" val="1468586659"/>
       </p:ext>
     </p:extLst>
   </p:cSld>
@@ -9407,7 +9519,7 @@
           <a:blip r:embed="rId3" cstate="print">
             <a:extLst>
               <a:ext uri="{28A0092B-C50C-407E-A947-70E740481C1C}">
-                <a14:useLocalDpi xmlns:a14="http://schemas.microsoft.com/office/drawing/2010/main" val="0"/>
+                <a14:useLocalDpi xmlns:a14="http://schemas.microsoft.com/office/drawing/2010/main" xmlns="" val="0"/>
               </a:ext>
             </a:extLst>
           </a:blip>
@@ -9427,7 +9539,7 @@
           <a:noFill/>
           <a:extLst>
             <a:ext uri="{909E8E84-426E-40DD-AFC4-6F175D3DCCD1}">
-              <a14:hiddenFill xmlns:a14="http://schemas.microsoft.com/office/drawing/2010/main">
+              <a14:hiddenFill xmlns:a14="http://schemas.microsoft.com/office/drawing/2010/main" xmlns="">
                 <a:solidFill>
                   <a:srgbClr val="FFFFFF"/>
                 </a:solidFill>
@@ -9441,7 +9553,7 @@
           <p:cNvPr id="7" name="Рисунок 6">
             <a:extLst>
               <a:ext uri="{FF2B5EF4-FFF2-40B4-BE49-F238E27FC236}">
-                <a16:creationId xmlns:a16="http://schemas.microsoft.com/office/drawing/2014/main" id="{D705BCD6-BA73-4C86-80AA-60998B1E6F63}"/>
+                <a16:creationId xmlns:a16="http://schemas.microsoft.com/office/drawing/2014/main" xmlns="" id="{D705BCD6-BA73-4C86-80AA-60998B1E6F63}"/>
               </a:ext>
             </a:extLst>
           </p:cNvPr>
@@ -9454,7 +9566,7 @@
           <a:blip r:embed="rId4" cstate="print">
             <a:extLst>
               <a:ext uri="{28A0092B-C50C-407E-A947-70E740481C1C}">
-                <a14:useLocalDpi xmlns:a14="http://schemas.microsoft.com/office/drawing/2010/main" val="0"/>
+                <a14:useLocalDpi xmlns:a14="http://schemas.microsoft.com/office/drawing/2010/main" xmlns="" val="0"/>
               </a:ext>
             </a:extLst>
           </a:blip>
@@ -9475,7 +9587,7 @@
     </p:spTree>
     <p:extLst>
       <p:ext uri="{BB962C8B-B14F-4D97-AF65-F5344CB8AC3E}">
-        <p14:creationId xmlns:p14="http://schemas.microsoft.com/office/powerpoint/2010/main" val="1836509494"/>
+        <p14:creationId xmlns:p14="http://schemas.microsoft.com/office/powerpoint/2010/main" xmlns="" val="1836509494"/>
       </p:ext>
     </p:extLst>
   </p:cSld>
@@ -9685,7 +9797,7 @@
           <a:blip r:embed="rId3" cstate="print">
             <a:extLst>
               <a:ext uri="{28A0092B-C50C-407E-A947-70E740481C1C}">
-                <a14:useLocalDpi xmlns:a14="http://schemas.microsoft.com/office/drawing/2010/main" val="0"/>
+                <a14:useLocalDpi xmlns:a14="http://schemas.microsoft.com/office/drawing/2010/main" xmlns="" val="0"/>
               </a:ext>
             </a:extLst>
           </a:blip>
@@ -9705,7 +9817,7 @@
           <a:noFill/>
           <a:extLst>
             <a:ext uri="{909E8E84-426E-40DD-AFC4-6F175D3DCCD1}">
-              <a14:hiddenFill xmlns:a14="http://schemas.microsoft.com/office/drawing/2010/main">
+              <a14:hiddenFill xmlns:a14="http://schemas.microsoft.com/office/drawing/2010/main" xmlns="">
                 <a:solidFill>
                   <a:srgbClr val="FFFFFF"/>
                 </a:solidFill>
@@ -9957,7 +10069,7 @@
     </p:spTree>
     <p:extLst>
       <p:ext uri="{BB962C8B-B14F-4D97-AF65-F5344CB8AC3E}">
-        <p14:creationId xmlns:p14="http://schemas.microsoft.com/office/powerpoint/2010/main" val="904243305"/>
+        <p14:creationId xmlns:p14="http://schemas.microsoft.com/office/powerpoint/2010/main" xmlns="" val="904243305"/>
       </p:ext>
     </p:extLst>
   </p:cSld>
@@ -10181,7 +10293,7 @@
           <a:blip r:embed="rId3" cstate="print">
             <a:extLst>
               <a:ext uri="{28A0092B-C50C-407E-A947-70E740481C1C}">
-                <a14:useLocalDpi xmlns:a14="http://schemas.microsoft.com/office/drawing/2010/main" val="0"/>
+                <a14:useLocalDpi xmlns:a14="http://schemas.microsoft.com/office/drawing/2010/main" xmlns="" val="0"/>
               </a:ext>
             </a:extLst>
           </a:blip>
@@ -10201,7 +10313,7 @@
           <a:noFill/>
           <a:extLst>
             <a:ext uri="{909E8E84-426E-40DD-AFC4-6F175D3DCCD1}">
-              <a14:hiddenFill xmlns:a14="http://schemas.microsoft.com/office/drawing/2010/main">
+              <a14:hiddenFill xmlns:a14="http://schemas.microsoft.com/office/drawing/2010/main" xmlns="">
                 <a:solidFill>
                   <a:srgbClr val="FFFFFF"/>
                 </a:solidFill>
@@ -10239,7 +10351,7 @@
     </p:spTree>
     <p:extLst>
       <p:ext uri="{BB962C8B-B14F-4D97-AF65-F5344CB8AC3E}">
-        <p14:creationId xmlns:p14="http://schemas.microsoft.com/office/powerpoint/2010/main" val="1274956292"/>
+        <p14:creationId xmlns:p14="http://schemas.microsoft.com/office/powerpoint/2010/main" xmlns="" val="1274956292"/>
       </p:ext>
     </p:extLst>
   </p:cSld>
@@ -10449,7 +10561,7 @@
           <a:blip r:embed="rId3" cstate="print">
             <a:extLst>
               <a:ext uri="{28A0092B-C50C-407E-A947-70E740481C1C}">
-                <a14:useLocalDpi xmlns:a14="http://schemas.microsoft.com/office/drawing/2010/main" val="0"/>
+                <a14:useLocalDpi xmlns:a14="http://schemas.microsoft.com/office/drawing/2010/main" xmlns="" val="0"/>
               </a:ext>
             </a:extLst>
           </a:blip>
@@ -10469,7 +10581,7 @@
           <a:noFill/>
           <a:extLst>
             <a:ext uri="{909E8E84-426E-40DD-AFC4-6F175D3DCCD1}">
-              <a14:hiddenFill xmlns:a14="http://schemas.microsoft.com/office/drawing/2010/main">
+              <a14:hiddenFill xmlns:a14="http://schemas.microsoft.com/office/drawing/2010/main" xmlns="">
                 <a:solidFill>
                   <a:srgbClr val="FFFFFF"/>
                 </a:solidFill>
@@ -10604,7 +10716,7 @@
     </p:spTree>
     <p:extLst>
       <p:ext uri="{BB962C8B-B14F-4D97-AF65-F5344CB8AC3E}">
-        <p14:creationId xmlns:p14="http://schemas.microsoft.com/office/powerpoint/2010/main" val="1980890628"/>
+        <p14:creationId xmlns:p14="http://schemas.microsoft.com/office/powerpoint/2010/main" xmlns="" val="1980890628"/>
       </p:ext>
     </p:extLst>
   </p:cSld>
@@ -10869,7 +10981,7 @@
   <a:extraClrSchemeLst/>
   <a:extLst>
     <a:ext uri="{05A4C25C-085E-4340-85A3-A5531E510DB2}">
-      <thm15:themeFamily xmlns:thm15="http://schemas.microsoft.com/office/thememl/2012/main" name="Office Theme" id="{62F939B6-93AF-4DB8-9C6B-D6C7DFDC589F}" vid="{4A3C46E8-61CC-4603-A589-7422A47A8E4A}"/>
+      <thm15:themeFamily xmlns:thm15="http://schemas.microsoft.com/office/thememl/2012/main" xmlns="" name="Office Theme" id="{62F939B6-93AF-4DB8-9C6B-D6C7DFDC589F}" vid="{4A3C46E8-61CC-4603-A589-7422A47A8E4A}"/>
     </a:ext>
   </a:extLst>
 </a:theme>
@@ -11130,7 +11242,7 @@
   <a:extraClrSchemeLst/>
   <a:extLst>
     <a:ext uri="{05A4C25C-085E-4340-85A3-A5531E510DB2}">
-      <thm15:themeFamily xmlns:thm15="http://schemas.microsoft.com/office/thememl/2012/main" name="Office Theme" id="{62F939B6-93AF-4DB8-9C6B-D6C7DFDC589F}" vid="{4A3C46E8-61CC-4603-A589-7422A47A8E4A}"/>
+      <thm15:themeFamily xmlns:thm15="http://schemas.microsoft.com/office/thememl/2012/main" xmlns="" name="Office Theme" id="{62F939B6-93AF-4DB8-9C6B-D6C7DFDC589F}" vid="{4A3C46E8-61CC-4603-A589-7422A47A8E4A}"/>
     </a:ext>
   </a:extLst>
 </a:theme>

--- a/РЕЧЬ_ПРЕЗЕНТАЦИЯ/VKR_Prezentatsia.pptx
+++ b/РЕЧЬ_ПРЕЗЕНТАЦИЯ/VKR_Prezentatsia.pptx
@@ -234,7 +234,7 @@
             <a:fld id="{4094F45A-1AB0-444F-A645-7E7B34342DD4}" type="datetimeFigureOut">
               <a:rPr lang="ru-RU" smtClean="0"/>
               <a:pPr/>
-              <a:t>04.06.2020</a:t>
+              <a:t>05.06.2020</a:t>
             </a:fld>
             <a:endParaRPr lang="ru-RU"/>
           </a:p>
@@ -4415,7 +4415,7 @@
             <a:fld id="{8CB1D365-0DE8-42C8-8052-728C07EFD32C}" type="datetimeFigureOut">
               <a:rPr lang="ru-RU" smtClean="0"/>
               <a:pPr/>
-              <a:t>04.06.2020</a:t>
+              <a:t>05.06.2020</a:t>
             </a:fld>
             <a:endParaRPr lang="ru-RU"/>
           </a:p>
@@ -4585,7 +4585,7 @@
             <a:fld id="{8CB1D365-0DE8-42C8-8052-728C07EFD32C}" type="datetimeFigureOut">
               <a:rPr lang="ru-RU" smtClean="0"/>
               <a:pPr/>
-              <a:t>04.06.2020</a:t>
+              <a:t>05.06.2020</a:t>
             </a:fld>
             <a:endParaRPr lang="ru-RU"/>
           </a:p>
@@ -4765,7 +4765,7 @@
             <a:fld id="{8CB1D365-0DE8-42C8-8052-728C07EFD32C}" type="datetimeFigureOut">
               <a:rPr lang="ru-RU" smtClean="0"/>
               <a:pPr/>
-              <a:t>04.06.2020</a:t>
+              <a:t>05.06.2020</a:t>
             </a:fld>
             <a:endParaRPr lang="ru-RU"/>
           </a:p>
@@ -4935,7 +4935,7 @@
             <a:fld id="{8CB1D365-0DE8-42C8-8052-728C07EFD32C}" type="datetimeFigureOut">
               <a:rPr lang="ru-RU" smtClean="0"/>
               <a:pPr/>
-              <a:t>04.06.2020</a:t>
+              <a:t>05.06.2020</a:t>
             </a:fld>
             <a:endParaRPr lang="ru-RU"/>
           </a:p>
@@ -5182,7 +5182,7 @@
             <a:fld id="{8CB1D365-0DE8-42C8-8052-728C07EFD32C}" type="datetimeFigureOut">
               <a:rPr lang="ru-RU" smtClean="0"/>
               <a:pPr/>
-              <a:t>04.06.2020</a:t>
+              <a:t>05.06.2020</a:t>
             </a:fld>
             <a:endParaRPr lang="ru-RU"/>
           </a:p>
@@ -5413,7 +5413,7 @@
             <a:fld id="{8CB1D365-0DE8-42C8-8052-728C07EFD32C}" type="datetimeFigureOut">
               <a:rPr lang="ru-RU" smtClean="0"/>
               <a:pPr/>
-              <a:t>04.06.2020</a:t>
+              <a:t>05.06.2020</a:t>
             </a:fld>
             <a:endParaRPr lang="ru-RU"/>
           </a:p>
@@ -5779,7 +5779,7 @@
             <a:fld id="{8CB1D365-0DE8-42C8-8052-728C07EFD32C}" type="datetimeFigureOut">
               <a:rPr lang="ru-RU" smtClean="0"/>
               <a:pPr/>
-              <a:t>04.06.2020</a:t>
+              <a:t>05.06.2020</a:t>
             </a:fld>
             <a:endParaRPr lang="ru-RU"/>
           </a:p>
@@ -5898,7 +5898,7 @@
             <a:fld id="{8CB1D365-0DE8-42C8-8052-728C07EFD32C}" type="datetimeFigureOut">
               <a:rPr lang="ru-RU" smtClean="0"/>
               <a:pPr/>
-              <a:t>04.06.2020</a:t>
+              <a:t>05.06.2020</a:t>
             </a:fld>
             <a:endParaRPr lang="ru-RU"/>
           </a:p>
@@ -5995,7 +5995,7 @@
             <a:fld id="{8CB1D365-0DE8-42C8-8052-728C07EFD32C}" type="datetimeFigureOut">
               <a:rPr lang="ru-RU" smtClean="0"/>
               <a:pPr/>
-              <a:t>04.06.2020</a:t>
+              <a:t>05.06.2020</a:t>
             </a:fld>
             <a:endParaRPr lang="ru-RU"/>
           </a:p>
@@ -6272,7 +6272,7 @@
             <a:fld id="{8CB1D365-0DE8-42C8-8052-728C07EFD32C}" type="datetimeFigureOut">
               <a:rPr lang="ru-RU" smtClean="0"/>
               <a:pPr/>
-              <a:t>04.06.2020</a:t>
+              <a:t>05.06.2020</a:t>
             </a:fld>
             <a:endParaRPr lang="ru-RU"/>
           </a:p>
@@ -6526,7 +6526,7 @@
             <a:fld id="{8CB1D365-0DE8-42C8-8052-728C07EFD32C}" type="datetimeFigureOut">
               <a:rPr lang="ru-RU" smtClean="0"/>
               <a:pPr/>
-              <a:t>04.06.2020</a:t>
+              <a:t>05.06.2020</a:t>
             </a:fld>
             <a:endParaRPr lang="ru-RU"/>
           </a:p>
@@ -6739,7 +6739,7 @@
             <a:fld id="{8CB1D365-0DE8-42C8-8052-728C07EFD32C}" type="datetimeFigureOut">
               <a:rPr lang="ru-RU" smtClean="0"/>
               <a:pPr/>
-              <a:t>04.06.2020</a:t>
+              <a:t>05.06.2020</a:t>
             </a:fld>
             <a:endParaRPr lang="ru-RU"/>
           </a:p>
@@ -7246,7 +7246,28 @@
                 <a:latin typeface="Arial" panose="020B0604020202020204" pitchFamily="34" charset="0"/>
                 <a:cs typeface="Arial" panose="020B0604020202020204" pitchFamily="34" charset="0"/>
               </a:rPr>
-              <a:t>Научный руководитель: </a:t>
+              <a:t>Научный руководитель:</a:t>
+            </a:r>
+            <a:r>
+              <a:rPr lang="en-US" dirty="0">
+                <a:latin typeface="Arial" panose="020B0604020202020204" pitchFamily="34" charset="0"/>
+                <a:cs typeface="Arial" panose="020B0604020202020204" pitchFamily="34" charset="0"/>
+              </a:rPr>
+              <a:t> </a:t>
+            </a:r>
+            <a:r>
+              <a:rPr lang="ru-RU" dirty="0">
+                <a:latin typeface="Arial" panose="020B0604020202020204" pitchFamily="34" charset="0"/>
+                <a:cs typeface="Arial" panose="020B0604020202020204" pitchFamily="34" charset="0"/>
+              </a:rPr>
+              <a:t>к.т.н</a:t>
+            </a:r>
+            <a:r>
+              <a:rPr lang="ru-RU">
+                <a:latin typeface="Arial" panose="020B0604020202020204" pitchFamily="34" charset="0"/>
+                <a:cs typeface="Arial" panose="020B0604020202020204" pitchFamily="34" charset="0"/>
+              </a:rPr>
+              <a:t>., доцент, </a:t>
             </a:r>
             <a:r>
               <a:rPr lang="ru-RU" dirty="0" err="1">
